--- a/LifeHacks_dbatools/LifeHacks_dbatools.pptx
+++ b/LifeHacks_dbatools/LifeHacks_dbatools.pptx
@@ -124,388 +124,9 @@
 <file path=ppt/revisionInfo.xml><?xml version="1.0" encoding="utf-8"?>
 <p1510:revInfo xmlns:a="http://schemas.openxmlformats.org/drawingml/2006/main" xmlns:r="http://schemas.openxmlformats.org/officeDocument/2006/relationships" xmlns:p1510="http://schemas.microsoft.com/office/powerpoint/2015/10/main">
   <p1510:revLst>
-    <p1510:client id="{0002EB46-F6D8-4DE4-B173-5FD500A5E2F5}" v="81" dt="2019-10-01T11:19:03.412"/>
+    <p1510:client id="{5244996B-F6C8-4A2D-ABDB-BB70B98BEB7A}" v="103" dt="2019-11-13T11:13:37.872"/>
   </p1510:revLst>
 </p1510:revInfo>
-</file>
-
-<file path=ppt/changesInfos/changesInfo1.xml><?xml version="1.0" encoding="utf-8"?>
-<pc:chgInfo xmlns:a="http://schemas.openxmlformats.org/drawingml/2006/main" xmlns:r="http://schemas.openxmlformats.org/officeDocument/2006/relationships" xmlns:ac="http://schemas.microsoft.com/office/drawing/2013/main/command" xmlns:pc="http://schemas.microsoft.com/office/powerpoint/2013/main/command">
-  <pc:docChgLst>
-    <pc:chgData name="Jess Pomfret" userId="20acbb136427dec8" providerId="LiveId" clId="{A5185C00-B12F-4F2F-8F2E-F0679A5AC6B7}"/>
-    <pc:docChg chg="undo addSld delSld modSld">
-      <pc:chgData name="Jess Pomfret" userId="20acbb136427dec8" providerId="LiveId" clId="{A5185C00-B12F-4F2F-8F2E-F0679A5AC6B7}" dt="2019-09-20T23:26:55.707" v="90" actId="15"/>
-      <pc:docMkLst>
-        <pc:docMk/>
-      </pc:docMkLst>
-      <pc:sldChg chg="modSp add del">
-        <pc:chgData name="Jess Pomfret" userId="20acbb136427dec8" providerId="LiveId" clId="{A5185C00-B12F-4F2F-8F2E-F0679A5AC6B7}" dt="2019-09-20T23:19:06.690" v="48" actId="20577"/>
-        <pc:sldMkLst>
-          <pc:docMk/>
-          <pc:sldMk cId="906359931" sldId="256"/>
-        </pc:sldMkLst>
-        <pc:spChg chg="mod">
-          <ac:chgData name="Jess Pomfret" userId="20acbb136427dec8" providerId="LiveId" clId="{A5185C00-B12F-4F2F-8F2E-F0679A5AC6B7}" dt="2019-09-20T23:19:06.690" v="48" actId="20577"/>
-          <ac:spMkLst>
-            <pc:docMk/>
-            <pc:sldMk cId="906359931" sldId="256"/>
-            <ac:spMk id="2" creationId="{4CC6F8DE-A1B6-4914-A23E-D3683274E9F2}"/>
-          </ac:spMkLst>
-        </pc:spChg>
-        <pc:spChg chg="mod">
-          <ac:chgData name="Jess Pomfret" userId="20acbb136427dec8" providerId="LiveId" clId="{A5185C00-B12F-4F2F-8F2E-F0679A5AC6B7}" dt="2019-09-20T23:18:57.610" v="47" actId="20577"/>
-          <ac:spMkLst>
-            <pc:docMk/>
-            <pc:sldMk cId="906359931" sldId="256"/>
-            <ac:spMk id="3" creationId="{8223B05E-B057-44EF-A6F5-3409137E5C04}"/>
-          </ac:spMkLst>
-        </pc:spChg>
-      </pc:sldChg>
-      <pc:sldChg chg="addSp delSp">
-        <pc:chgData name="Jess Pomfret" userId="20acbb136427dec8" providerId="LiveId" clId="{A5185C00-B12F-4F2F-8F2E-F0679A5AC6B7}" dt="2019-09-20T23:23:44.114" v="50"/>
-        <pc:sldMkLst>
-          <pc:docMk/>
-          <pc:sldMk cId="3256882072" sldId="258"/>
-        </pc:sldMkLst>
-        <pc:picChg chg="add">
-          <ac:chgData name="Jess Pomfret" userId="20acbb136427dec8" providerId="LiveId" clId="{A5185C00-B12F-4F2F-8F2E-F0679A5AC6B7}" dt="2019-09-20T23:23:44.114" v="50"/>
-          <ac:picMkLst>
-            <pc:docMk/>
-            <pc:sldMk cId="3256882072" sldId="258"/>
-            <ac:picMk id="5" creationId="{534BBB60-327E-41E5-A188-F9573B75AD86}"/>
-          </ac:picMkLst>
-        </pc:picChg>
-        <pc:picChg chg="del">
-          <ac:chgData name="Jess Pomfret" userId="20acbb136427dec8" providerId="LiveId" clId="{A5185C00-B12F-4F2F-8F2E-F0679A5AC6B7}" dt="2019-09-20T23:23:43.909" v="49" actId="478"/>
-          <ac:picMkLst>
-            <pc:docMk/>
-            <pc:sldMk cId="3256882072" sldId="258"/>
-            <ac:picMk id="1026" creationId="{B993995D-5218-4C1B-BEBB-0593BB89D866}"/>
-          </ac:picMkLst>
-        </pc:picChg>
-      </pc:sldChg>
-      <pc:sldChg chg="del">
-        <pc:chgData name="Jess Pomfret" userId="20acbb136427dec8" providerId="LiveId" clId="{A5185C00-B12F-4F2F-8F2E-F0679A5AC6B7}" dt="2019-09-20T23:23:47.437" v="51" actId="2696"/>
-        <pc:sldMkLst>
-          <pc:docMk/>
-          <pc:sldMk cId="420194623" sldId="259"/>
-        </pc:sldMkLst>
-      </pc:sldChg>
-      <pc:sldChg chg="modSp">
-        <pc:chgData name="Jess Pomfret" userId="20acbb136427dec8" providerId="LiveId" clId="{A5185C00-B12F-4F2F-8F2E-F0679A5AC6B7}" dt="2019-09-20T23:26:55.707" v="90" actId="15"/>
-        <pc:sldMkLst>
-          <pc:docMk/>
-          <pc:sldMk cId="1877511129" sldId="265"/>
-        </pc:sldMkLst>
-        <pc:spChg chg="mod">
-          <ac:chgData name="Jess Pomfret" userId="20acbb136427dec8" providerId="LiveId" clId="{A5185C00-B12F-4F2F-8F2E-F0679A5AC6B7}" dt="2019-09-20T23:26:55.707" v="90" actId="15"/>
-          <ac:spMkLst>
-            <pc:docMk/>
-            <pc:sldMk cId="1877511129" sldId="265"/>
-            <ac:spMk id="3" creationId="{0A031764-D9F6-4435-B0F7-9C4344D10D55}"/>
-          </ac:spMkLst>
-        </pc:spChg>
-      </pc:sldChg>
-      <pc:sldChg chg="add">
-        <pc:chgData name="Jess Pomfret" userId="20acbb136427dec8" providerId="LiveId" clId="{A5185C00-B12F-4F2F-8F2E-F0679A5AC6B7}" dt="2019-09-20T23:24:20.285" v="52"/>
-        <pc:sldMkLst>
-          <pc:docMk/>
-          <pc:sldMk cId="1906721728" sldId="300"/>
-        </pc:sldMkLst>
-      </pc:sldChg>
-    </pc:docChg>
-  </pc:docChgLst>
-  <pc:docChgLst>
-    <pc:chgData name="Jess Pomfret" userId="20acbb136427dec8" providerId="LiveId" clId="{0002EB46-F6D8-4DE4-B173-5FD500A5E2F5}"/>
-    <pc:docChg chg="undo custSel addSld delSld modSld">
-      <pc:chgData name="Jess Pomfret" userId="20acbb136427dec8" providerId="LiveId" clId="{0002EB46-F6D8-4DE4-B173-5FD500A5E2F5}" dt="2019-10-02T11:09:25.861" v="2794" actId="6549"/>
-      <pc:docMkLst>
-        <pc:docMk/>
-      </pc:docMkLst>
-      <pc:sldChg chg="addSp delSp modSp">
-        <pc:chgData name="Jess Pomfret" userId="20acbb136427dec8" providerId="LiveId" clId="{0002EB46-F6D8-4DE4-B173-5FD500A5E2F5}" dt="2019-10-01T09:59:13.297" v="2643" actId="478"/>
-        <pc:sldMkLst>
-          <pc:docMk/>
-          <pc:sldMk cId="906359931" sldId="256"/>
-        </pc:sldMkLst>
-        <pc:spChg chg="mod">
-          <ac:chgData name="Jess Pomfret" userId="20acbb136427dec8" providerId="LiveId" clId="{0002EB46-F6D8-4DE4-B173-5FD500A5E2F5}" dt="2019-09-24T13:23:47.670" v="645" actId="1076"/>
-          <ac:spMkLst>
-            <pc:docMk/>
-            <pc:sldMk cId="906359931" sldId="256"/>
-            <ac:spMk id="2" creationId="{4CC6F8DE-A1B6-4914-A23E-D3683274E9F2}"/>
-          </ac:spMkLst>
-        </pc:spChg>
-        <pc:spChg chg="add del mod">
-          <ac:chgData name="Jess Pomfret" userId="20acbb136427dec8" providerId="LiveId" clId="{0002EB46-F6D8-4DE4-B173-5FD500A5E2F5}" dt="2019-10-01T09:59:13.297" v="2643" actId="478"/>
-          <ac:spMkLst>
-            <pc:docMk/>
-            <pc:sldMk cId="906359931" sldId="256"/>
-            <ac:spMk id="3" creationId="{46F96A3D-8E7F-427E-B12B-454A5A751ADD}"/>
-          </ac:spMkLst>
-        </pc:spChg>
-        <pc:spChg chg="del">
-          <ac:chgData name="Jess Pomfret" userId="20acbb136427dec8" providerId="LiveId" clId="{0002EB46-F6D8-4DE4-B173-5FD500A5E2F5}" dt="2019-09-22T22:45:19.172" v="60" actId="478"/>
-          <ac:spMkLst>
-            <pc:docMk/>
-            <pc:sldMk cId="906359931" sldId="256"/>
-            <ac:spMk id="3" creationId="{8223B05E-B057-44EF-A6F5-3409137E5C04}"/>
-          </ac:spMkLst>
-        </pc:spChg>
-        <pc:picChg chg="add del mod">
-          <ac:chgData name="Jess Pomfret" userId="20acbb136427dec8" providerId="LiveId" clId="{0002EB46-F6D8-4DE4-B173-5FD500A5E2F5}" dt="2019-09-22T22:49:02.303" v="66" actId="478"/>
-          <ac:picMkLst>
-            <pc:docMk/>
-            <pc:sldMk cId="906359931" sldId="256"/>
-            <ac:picMk id="4" creationId="{321B1EC6-121D-485F-8623-448C09FA8447}"/>
-          </ac:picMkLst>
-        </pc:picChg>
-        <pc:picChg chg="add mod">
-          <ac:chgData name="Jess Pomfret" userId="20acbb136427dec8" providerId="LiveId" clId="{0002EB46-F6D8-4DE4-B173-5FD500A5E2F5}" dt="2019-09-24T13:23:56.903" v="647" actId="12788"/>
-          <ac:picMkLst>
-            <pc:docMk/>
-            <pc:sldMk cId="906359931" sldId="256"/>
-            <ac:picMk id="6" creationId="{8C6B9BF0-CCF3-43FC-9804-3BEE56C9D01A}"/>
-          </ac:picMkLst>
-        </pc:picChg>
-        <pc:picChg chg="add del">
-          <ac:chgData name="Jess Pomfret" userId="20acbb136427dec8" providerId="LiveId" clId="{0002EB46-F6D8-4DE4-B173-5FD500A5E2F5}" dt="2019-09-22T22:48:15.140" v="62" actId="478"/>
-          <ac:picMkLst>
-            <pc:docMk/>
-            <pc:sldMk cId="906359931" sldId="256"/>
-            <ac:picMk id="2050" creationId="{56CC2069-F647-4B74-8577-3484E1603668}"/>
-          </ac:picMkLst>
-        </pc:picChg>
-      </pc:sldChg>
-      <pc:sldChg chg="add del">
-        <pc:chgData name="Jess Pomfret" userId="20acbb136427dec8" providerId="LiveId" clId="{0002EB46-F6D8-4DE4-B173-5FD500A5E2F5}" dt="2019-09-22T23:31:11.042" v="489" actId="2696"/>
-        <pc:sldMkLst>
-          <pc:docMk/>
-          <pc:sldMk cId="1858274372" sldId="257"/>
-        </pc:sldMkLst>
-      </pc:sldChg>
-      <pc:sldChg chg="del">
-        <pc:chgData name="Jess Pomfret" userId="20acbb136427dec8" providerId="LiveId" clId="{0002EB46-F6D8-4DE4-B173-5FD500A5E2F5}" dt="2019-09-22T23:31:05.299" v="465" actId="2696"/>
-        <pc:sldMkLst>
-          <pc:docMk/>
-          <pc:sldMk cId="2011222919" sldId="260"/>
-        </pc:sldMkLst>
-      </pc:sldChg>
-      <pc:sldChg chg="add del">
-        <pc:chgData name="Jess Pomfret" userId="20acbb136427dec8" providerId="LiveId" clId="{0002EB46-F6D8-4DE4-B173-5FD500A5E2F5}" dt="2019-09-22T23:31:10.804" v="482" actId="2696"/>
-        <pc:sldMkLst>
-          <pc:docMk/>
-          <pc:sldMk cId="4194184501" sldId="261"/>
-        </pc:sldMkLst>
-      </pc:sldChg>
-      <pc:sldChg chg="add del">
-        <pc:chgData name="Jess Pomfret" userId="20acbb136427dec8" providerId="LiveId" clId="{0002EB46-F6D8-4DE4-B173-5FD500A5E2F5}" dt="2019-09-22T23:31:10.824" v="483" actId="2696"/>
-        <pc:sldMkLst>
-          <pc:docMk/>
-          <pc:sldMk cId="2513700414" sldId="262"/>
-        </pc:sldMkLst>
-      </pc:sldChg>
-      <pc:sldChg chg="add del">
-        <pc:chgData name="Jess Pomfret" userId="20acbb136427dec8" providerId="LiveId" clId="{0002EB46-F6D8-4DE4-B173-5FD500A5E2F5}" dt="2019-09-22T23:31:10.843" v="484" actId="2696"/>
-        <pc:sldMkLst>
-          <pc:docMk/>
-          <pc:sldMk cId="198332429" sldId="263"/>
-        </pc:sldMkLst>
-      </pc:sldChg>
-      <pc:sldChg chg="add del">
-        <pc:chgData name="Jess Pomfret" userId="20acbb136427dec8" providerId="LiveId" clId="{0002EB46-F6D8-4DE4-B173-5FD500A5E2F5}" dt="2019-09-22T23:31:10.879" v="485" actId="2696"/>
-        <pc:sldMkLst>
-          <pc:docMk/>
-          <pc:sldMk cId="2553502436" sldId="264"/>
-        </pc:sldMkLst>
-      </pc:sldChg>
-      <pc:sldChg chg="addSp delSp modSp modNotesTx">
-        <pc:chgData name="Jess Pomfret" userId="20acbb136427dec8" providerId="LiveId" clId="{0002EB46-F6D8-4DE4-B173-5FD500A5E2F5}" dt="2019-10-02T11:09:25.861" v="2794" actId="6549"/>
-        <pc:sldMkLst>
-          <pc:docMk/>
-          <pc:sldMk cId="1877511129" sldId="265"/>
-        </pc:sldMkLst>
-        <pc:spChg chg="mod">
-          <ac:chgData name="Jess Pomfret" userId="20acbb136427dec8" providerId="LiveId" clId="{0002EB46-F6D8-4DE4-B173-5FD500A5E2F5}" dt="2019-09-30T09:51:03.105" v="2640" actId="20577"/>
-          <ac:spMkLst>
-            <pc:docMk/>
-            <pc:sldMk cId="1877511129" sldId="265"/>
-            <ac:spMk id="3" creationId="{0A031764-D9F6-4435-B0F7-9C4344D10D55}"/>
-          </ac:spMkLst>
-        </pc:spChg>
-        <pc:picChg chg="add mod">
-          <ac:chgData name="Jess Pomfret" userId="20acbb136427dec8" providerId="LiveId" clId="{0002EB46-F6D8-4DE4-B173-5FD500A5E2F5}" dt="2019-09-30T09:29:53.284" v="2393" actId="1076"/>
-          <ac:picMkLst>
-            <pc:docMk/>
-            <pc:sldMk cId="1877511129" sldId="265"/>
-            <ac:picMk id="5" creationId="{883620BE-A5F5-49F1-8D15-5CA6EAEC47D9}"/>
-          </ac:picMkLst>
-        </pc:picChg>
-        <pc:picChg chg="add del mod">
-          <ac:chgData name="Jess Pomfret" userId="20acbb136427dec8" providerId="LiveId" clId="{0002EB46-F6D8-4DE4-B173-5FD500A5E2F5}" dt="2019-09-22T22:43:47.041" v="51" actId="478"/>
-          <ac:picMkLst>
-            <pc:docMk/>
-            <pc:sldMk cId="1877511129" sldId="265"/>
-            <ac:picMk id="5" creationId="{B558CA71-9BDB-4117-8FF7-1ABE8790ABE4}"/>
-          </ac:picMkLst>
-        </pc:picChg>
-        <pc:picChg chg="add del mod">
-          <ac:chgData name="Jess Pomfret" userId="20acbb136427dec8" providerId="LiveId" clId="{0002EB46-F6D8-4DE4-B173-5FD500A5E2F5}" dt="2019-09-30T09:29:22.215" v="2388" actId="478"/>
-          <ac:picMkLst>
-            <pc:docMk/>
-            <pc:sldMk cId="1877511129" sldId="265"/>
-            <ac:picMk id="1026" creationId="{862C47C4-05BC-4DEE-AA87-3D343EFABBF2}"/>
-          </ac:picMkLst>
-        </pc:picChg>
-      </pc:sldChg>
-      <pc:sldChg chg="add del">
-        <pc:chgData name="Jess Pomfret" userId="20acbb136427dec8" providerId="LiveId" clId="{0002EB46-F6D8-4DE4-B173-5FD500A5E2F5}" dt="2019-09-22T23:31:10.951" v="487" actId="2696"/>
-        <pc:sldMkLst>
-          <pc:docMk/>
-          <pc:sldMk cId="3763152503" sldId="266"/>
-        </pc:sldMkLst>
-      </pc:sldChg>
-      <pc:sldChg chg="add del">
-        <pc:chgData name="Jess Pomfret" userId="20acbb136427dec8" providerId="LiveId" clId="{0002EB46-F6D8-4DE4-B173-5FD500A5E2F5}" dt="2019-09-22T23:31:10.912" v="486" actId="2696"/>
-        <pc:sldMkLst>
-          <pc:docMk/>
-          <pc:sldMk cId="4211395994" sldId="267"/>
-        </pc:sldMkLst>
-      </pc:sldChg>
-      <pc:sldChg chg="add del">
-        <pc:chgData name="Jess Pomfret" userId="20acbb136427dec8" providerId="LiveId" clId="{0002EB46-F6D8-4DE4-B173-5FD500A5E2F5}" dt="2019-09-22T23:31:11.001" v="488" actId="2696"/>
-        <pc:sldMkLst>
-          <pc:docMk/>
-          <pc:sldMk cId="3815511633" sldId="268"/>
-        </pc:sldMkLst>
-      </pc:sldChg>
-      <pc:sldChg chg="addSp delSp modSp">
-        <pc:chgData name="Jess Pomfret" userId="20acbb136427dec8" providerId="LiveId" clId="{0002EB46-F6D8-4DE4-B173-5FD500A5E2F5}" dt="2019-10-01T11:09:15.730" v="2647"/>
-        <pc:sldMkLst>
-          <pc:docMk/>
-          <pc:sldMk cId="1906721728" sldId="300"/>
-        </pc:sldMkLst>
-        <pc:picChg chg="add del mod">
-          <ac:chgData name="Jess Pomfret" userId="20acbb136427dec8" providerId="LiveId" clId="{0002EB46-F6D8-4DE4-B173-5FD500A5E2F5}" dt="2019-10-01T11:09:15.730" v="2647"/>
-          <ac:picMkLst>
-            <pc:docMk/>
-            <pc:sldMk cId="1906721728" sldId="300"/>
-            <ac:picMk id="4" creationId="{BA59D5FB-C900-4E5F-A665-9FA6DD7AA8B0}"/>
-          </ac:picMkLst>
-        </pc:picChg>
-      </pc:sldChg>
-      <pc:sldChg chg="modSp add">
-        <pc:chgData name="Jess Pomfret" userId="20acbb136427dec8" providerId="LiveId" clId="{0002EB46-F6D8-4DE4-B173-5FD500A5E2F5}" dt="2019-09-22T23:08:29.662" v="461" actId="404"/>
-        <pc:sldMkLst>
-          <pc:docMk/>
-          <pc:sldMk cId="1710610017" sldId="301"/>
-        </pc:sldMkLst>
-        <pc:spChg chg="mod">
-          <ac:chgData name="Jess Pomfret" userId="20acbb136427dec8" providerId="LiveId" clId="{0002EB46-F6D8-4DE4-B173-5FD500A5E2F5}" dt="2019-09-22T23:04:54.461" v="390" actId="20577"/>
-          <ac:spMkLst>
-            <pc:docMk/>
-            <pc:sldMk cId="1710610017" sldId="301"/>
-            <ac:spMk id="2" creationId="{8D422263-0412-436C-BE7A-EF75789E4BDD}"/>
-          </ac:spMkLst>
-        </pc:spChg>
-        <pc:spChg chg="mod">
-          <ac:chgData name="Jess Pomfret" userId="20acbb136427dec8" providerId="LiveId" clId="{0002EB46-F6D8-4DE4-B173-5FD500A5E2F5}" dt="2019-09-22T23:08:29.662" v="461" actId="404"/>
-          <ac:spMkLst>
-            <pc:docMk/>
-            <pc:sldMk cId="1710610017" sldId="301"/>
-            <ac:spMk id="3" creationId="{373F1335-4328-4E58-94A0-BDBC5F307700}"/>
-          </ac:spMkLst>
-        </pc:spChg>
-      </pc:sldChg>
-      <pc:sldChg chg="addSp modSp add modAnim modNotesTx">
-        <pc:chgData name="Jess Pomfret" userId="20acbb136427dec8" providerId="LiveId" clId="{0002EB46-F6D8-4DE4-B173-5FD500A5E2F5}" dt="2019-10-01T11:19:03.412" v="2790"/>
-        <pc:sldMkLst>
-          <pc:docMk/>
-          <pc:sldMk cId="3109138671" sldId="302"/>
-        </pc:sldMkLst>
-        <pc:spChg chg="mod">
-          <ac:chgData name="Jess Pomfret" userId="20acbb136427dec8" providerId="LiveId" clId="{0002EB46-F6D8-4DE4-B173-5FD500A5E2F5}" dt="2019-09-30T08:59:31.189" v="875" actId="20577"/>
-          <ac:spMkLst>
-            <pc:docMk/>
-            <pc:sldMk cId="3109138671" sldId="302"/>
-            <ac:spMk id="2" creationId="{F9DDD8BB-C850-4B3C-BF45-E76343CF57D0}"/>
-          </ac:spMkLst>
-        </pc:spChg>
-        <pc:spChg chg="mod">
-          <ac:chgData name="Jess Pomfret" userId="20acbb136427dec8" providerId="LiveId" clId="{0002EB46-F6D8-4DE4-B173-5FD500A5E2F5}" dt="2019-10-01T11:14:39.566" v="2735" actId="27636"/>
-          <ac:spMkLst>
-            <pc:docMk/>
-            <pc:sldMk cId="3109138671" sldId="302"/>
-            <ac:spMk id="3" creationId="{A34FD3AF-15D0-40AA-BA8F-B446D85C939E}"/>
-          </ac:spMkLst>
-        </pc:spChg>
-        <pc:picChg chg="add mod">
-          <ac:chgData name="Jess Pomfret" userId="20acbb136427dec8" providerId="LiveId" clId="{0002EB46-F6D8-4DE4-B173-5FD500A5E2F5}" dt="2019-10-01T11:18:58.580" v="2789" actId="1076"/>
-          <ac:picMkLst>
-            <pc:docMk/>
-            <pc:sldMk cId="3109138671" sldId="302"/>
-            <ac:picMk id="4" creationId="{69EC2ACE-9B49-4D1B-9383-1772DDE89434}"/>
-          </ac:picMkLst>
-        </pc:picChg>
-      </pc:sldChg>
-      <pc:sldChg chg="addSp delSp modSp add">
-        <pc:chgData name="Jess Pomfret" userId="20acbb136427dec8" providerId="LiveId" clId="{0002EB46-F6D8-4DE4-B173-5FD500A5E2F5}" dt="2019-10-01T11:13:28.770" v="2729" actId="20577"/>
-        <pc:sldMkLst>
-          <pc:docMk/>
-          <pc:sldMk cId="2378380410" sldId="303"/>
-        </pc:sldMkLst>
-        <pc:spChg chg="mod">
-          <ac:chgData name="Jess Pomfret" userId="20acbb136427dec8" providerId="LiveId" clId="{0002EB46-F6D8-4DE4-B173-5FD500A5E2F5}" dt="2019-09-30T09:24:39.964" v="2200" actId="20577"/>
-          <ac:spMkLst>
-            <pc:docMk/>
-            <pc:sldMk cId="2378380410" sldId="303"/>
-            <ac:spMk id="2" creationId="{4867FBAA-F213-4F01-B509-33CC7B3B7F47}"/>
-          </ac:spMkLst>
-        </pc:spChg>
-        <pc:spChg chg="mod">
-          <ac:chgData name="Jess Pomfret" userId="20acbb136427dec8" providerId="LiveId" clId="{0002EB46-F6D8-4DE4-B173-5FD500A5E2F5}" dt="2019-10-01T11:13:28.770" v="2729" actId="20577"/>
-          <ac:spMkLst>
-            <pc:docMk/>
-            <pc:sldMk cId="2378380410" sldId="303"/>
-            <ac:spMk id="3" creationId="{0C9CA7B6-1C31-40D6-8E2D-0F9CB3BD43E4}"/>
-          </ac:spMkLst>
-        </pc:spChg>
-        <pc:spChg chg="add del mod">
-          <ac:chgData name="Jess Pomfret" userId="20acbb136427dec8" providerId="LiveId" clId="{0002EB46-F6D8-4DE4-B173-5FD500A5E2F5}" dt="2019-10-01T11:11:10.375" v="2697" actId="478"/>
-          <ac:spMkLst>
-            <pc:docMk/>
-            <pc:sldMk cId="2378380410" sldId="303"/>
-            <ac:spMk id="5" creationId="{ADCF4B26-8DD4-4522-B239-8D8121A6537E}"/>
-          </ac:spMkLst>
-        </pc:spChg>
-        <pc:picChg chg="add del mod">
-          <ac:chgData name="Jess Pomfret" userId="20acbb136427dec8" providerId="LiveId" clId="{0002EB46-F6D8-4DE4-B173-5FD500A5E2F5}" dt="2019-10-01T11:09:37.624" v="2650" actId="478"/>
-          <ac:picMkLst>
-            <pc:docMk/>
-            <pc:sldMk cId="2378380410" sldId="303"/>
-            <ac:picMk id="4" creationId="{6D2CEA92-5DDF-48BC-84A4-FCB448CC2931}"/>
-          </ac:picMkLst>
-        </pc:picChg>
-        <pc:picChg chg="add del mod">
-          <ac:chgData name="Jess Pomfret" userId="20acbb136427dec8" providerId="LiveId" clId="{0002EB46-F6D8-4DE4-B173-5FD500A5E2F5}" dt="2019-10-01T11:11:39.647" v="2700" actId="478"/>
-          <ac:picMkLst>
-            <pc:docMk/>
-            <pc:sldMk cId="2378380410" sldId="303"/>
-            <ac:picMk id="6" creationId="{6E08DDBA-BB4B-454E-8BF5-6C405CD243A4}"/>
-          </ac:picMkLst>
-        </pc:picChg>
-        <pc:picChg chg="add del mod">
-          <ac:chgData name="Jess Pomfret" userId="20acbb136427dec8" providerId="LiveId" clId="{0002EB46-F6D8-4DE4-B173-5FD500A5E2F5}" dt="2019-10-01T11:11:09.118" v="2696" actId="478"/>
-          <ac:picMkLst>
-            <pc:docMk/>
-            <pc:sldMk cId="2378380410" sldId="303"/>
-            <ac:picMk id="1026" creationId="{6F2FC35F-05F8-413E-8F81-08809CED8144}"/>
-          </ac:picMkLst>
-        </pc:picChg>
-      </pc:sldChg>
-    </pc:docChg>
-  </pc:docChgLst>
-</pc:chgInfo>
 </file>
 
 <file path=ppt/notesMasters/notesMaster1.xml><?xml version="1.0" encoding="utf-8"?>
@@ -590,7 +211,7 @@
           <a:p>
             <a:fld id="{1F8C9BAC-5605-4961-A752-FD19D2B395B1}" type="datetimeFigureOut">
               <a:rPr lang="en-US" smtClean="0"/>
-              <a:t>10/2/2019</a:t>
+              <a:t>11/13/2019</a:t>
             </a:fld>
             <a:endParaRPr lang="en-US"/>
           </a:p>
@@ -902,24 +523,24 @@
           <a:lstStyle/>
           <a:p>
             <a:r>
-              <a:rPr lang="en-US" dirty="0"/>
+              <a:rPr lang="en-US"/>
               <a:t>Backups are useless if they can’t be restored</a:t>
             </a:r>
           </a:p>
           <a:p>
             <a:r>
-              <a:rPr lang="en-US" dirty="0">
+              <a:rPr lang="en-US">
                 <a:hlinkClick r:id="rId3"/>
               </a:rPr>
               <a:t>https://dbatools.io/dedicated-server/</a:t>
             </a:r>
-            <a:endParaRPr lang="en-US" dirty="0"/>
-          </a:p>
-          <a:p>
-            <a:endParaRPr lang="en-US" dirty="0"/>
-          </a:p>
-          <a:p>
-            <a:endParaRPr lang="en-US" dirty="0"/>
+            <a:endParaRPr lang="en-US"/>
+          </a:p>
+          <a:p>
+            <a:endParaRPr lang="en-US"/>
+          </a:p>
+          <a:p>
+            <a:endParaRPr lang="en-US"/>
           </a:p>
         </p:txBody>
       </p:sp>
@@ -1024,79 +645,7 @@
             </a:r>
             <a:r>
               <a:rPr lang="en-US" dirty="0"/>
-              <a:t> - only requirement is to maintain copywrite and license notices. OK for commercial use, modification, distribution, private use</a:t>
-            </a:r>
-          </a:p>
-          <a:p>
-            <a:endParaRPr lang="en-US" dirty="0"/>
-          </a:p>
-          <a:p>
-            <a:r>
-              <a:rPr lang="en-US" dirty="0"/>
-              <a:t>Talking to your company about </a:t>
-            </a:r>
-            <a:r>
-              <a:rPr lang="en-US" dirty="0" err="1"/>
-              <a:t>dbatools</a:t>
-            </a:r>
-            <a:r>
-              <a:rPr lang="en-US" dirty="0"/>
-              <a:t> - </a:t>
-            </a:r>
-            <a:r>
-              <a:rPr lang="en-US" dirty="0">
-                <a:hlinkClick r:id="rId4"/>
-              </a:rPr>
-              <a:t>https://dbatools.io/secure/</a:t>
-            </a:r>
-            <a:endParaRPr lang="en-US" dirty="0"/>
-          </a:p>
-          <a:p>
-            <a:pPr marL="171450" indent="-171450">
-              <a:buFont typeface="Arial" panose="020B0604020202020204" pitchFamily="34" charset="0"/>
-              <a:buChar char="•"/>
-            </a:pPr>
-            <a:r>
-              <a:rPr lang="en-US" dirty="0"/>
-              <a:t>PowerShell team works hard at “Secure by Design”</a:t>
-            </a:r>
-          </a:p>
-          <a:p>
-            <a:pPr marL="171450" indent="-171450">
-              <a:buFont typeface="Arial" panose="020B0604020202020204" pitchFamily="34" charset="0"/>
-              <a:buChar char="•"/>
-            </a:pPr>
-            <a:r>
-              <a:rPr lang="en-US" dirty="0"/>
-              <a:t>Code signed – verifies the code you receive hasn’t been modified by a third party. Chrissy &amp; Rob are the only people who can sign </a:t>
-            </a:r>
-            <a:r>
-              <a:rPr lang="en-US" dirty="0" err="1"/>
-              <a:t>dbatools</a:t>
-            </a:r>
-            <a:r>
-              <a:rPr lang="en-US" dirty="0"/>
-              <a:t> releases</a:t>
-            </a:r>
-          </a:p>
-          <a:p>
-            <a:pPr marL="171450" indent="-171450">
-              <a:buFont typeface="Arial" panose="020B0604020202020204" pitchFamily="34" charset="0"/>
-              <a:buChar char="•"/>
-            </a:pPr>
-            <a:r>
-              <a:rPr lang="en-US" dirty="0"/>
-              <a:t>Pester tests</a:t>
-            </a:r>
-          </a:p>
-          <a:p>
-            <a:pPr marL="171450" indent="-171450">
-              <a:buFont typeface="Arial" panose="020B0604020202020204" pitchFamily="34" charset="0"/>
-              <a:buChar char="•"/>
-            </a:pPr>
-            <a:r>
-              <a:rPr lang="en-US" dirty="0"/>
-              <a:t>Restricted merging to master branch</a:t>
+              <a:t> - only requirement is to maintain copywrite and license notices. OK for private use or commercial use, modification, distribution</a:t>
             </a:r>
           </a:p>
           <a:p>
@@ -1154,6 +703,78 @@
                 <a:cs typeface="+mn-cs"/>
               </a:rPr>
               <a:t>Standardize parameters </a:t>
+            </a:r>
+          </a:p>
+          <a:p>
+            <a:endParaRPr lang="en-US" dirty="0"/>
+          </a:p>
+          <a:p>
+            <a:r>
+              <a:rPr lang="en-US" dirty="0"/>
+              <a:t>Talking to your company about </a:t>
+            </a:r>
+            <a:r>
+              <a:rPr lang="en-US" dirty="0" err="1"/>
+              <a:t>dbatools</a:t>
+            </a:r>
+            <a:r>
+              <a:rPr lang="en-US" dirty="0"/>
+              <a:t> - </a:t>
+            </a:r>
+            <a:r>
+              <a:rPr lang="en-US" dirty="0">
+                <a:hlinkClick r:id="rId4"/>
+              </a:rPr>
+              <a:t>https://dbatools.io/secure/</a:t>
+            </a:r>
+            <a:endParaRPr lang="en-US" dirty="0"/>
+          </a:p>
+          <a:p>
+            <a:pPr marL="171450" indent="-171450">
+              <a:buFont typeface="Arial" panose="020B0604020202020204" pitchFamily="34" charset="0"/>
+              <a:buChar char="•"/>
+            </a:pPr>
+            <a:r>
+              <a:rPr lang="en-US" dirty="0"/>
+              <a:t>PowerShell team works hard at “Secure by Design”</a:t>
+            </a:r>
+          </a:p>
+          <a:p>
+            <a:pPr marL="171450" indent="-171450">
+              <a:buFont typeface="Arial" panose="020B0604020202020204" pitchFamily="34" charset="0"/>
+              <a:buChar char="•"/>
+            </a:pPr>
+            <a:r>
+              <a:rPr lang="en-US" dirty="0"/>
+              <a:t>Code signed – verifies the code you receive hasn’t been modified by a third party. Chrissy &amp; Rob are the only people who can sign </a:t>
+            </a:r>
+            <a:r>
+              <a:rPr lang="en-US" dirty="0" err="1"/>
+              <a:t>dbatools</a:t>
+            </a:r>
+            <a:r>
+              <a:rPr lang="en-US" dirty="0"/>
+              <a:t> releases</a:t>
+            </a:r>
+          </a:p>
+          <a:p>
+            <a:pPr marL="171450" indent="-171450">
+              <a:buFont typeface="Arial" panose="020B0604020202020204" pitchFamily="34" charset="0"/>
+              <a:buChar char="•"/>
+            </a:pPr>
+            <a:r>
+              <a:rPr lang="en-US" dirty="0"/>
+              <a:t>Pester tests</a:t>
+            </a:r>
+          </a:p>
+          <a:p>
+            <a:pPr marL="171450" indent="-171450">
+              <a:buFont typeface="Arial" panose="020B0604020202020204" pitchFamily="34" charset="0"/>
+              <a:buChar char="•"/>
+            </a:pPr>
+            <a:r>
+              <a:rPr lang="en-US" dirty="0"/>
+              <a:t>Restricted merging to master branch</a:t>
             </a:r>
           </a:p>
           <a:p>
@@ -1322,7 +943,125 @@
           <a:bodyPr/>
           <a:lstStyle/>
           <a:p>
-            <a:endParaRPr lang="en-US" dirty="0"/>
+            <a:r>
+              <a:rPr lang="en-US"/>
+              <a:t>Enable Exception</a:t>
+            </a:r>
+          </a:p>
+          <a:p>
+            <a:endParaRPr lang="en-US"/>
+          </a:p>
+          <a:p>
+            <a:r>
+              <a:rPr lang="en-US"/>
+              <a:t>Backup-</a:t>
+            </a:r>
+            <a:r>
+              <a:rPr lang="en-US" err="1"/>
+              <a:t>DbaDatabase</a:t>
+            </a:r>
+            <a:r>
+              <a:rPr lang="en-US"/>
+              <a:t> – default is a full backup (not copy only)</a:t>
+            </a:r>
+          </a:p>
+          <a:p>
+            <a:r>
+              <a:rPr lang="en-US" sz="1200" b="0" i="0" kern="1200">
+                <a:solidFill>
+                  <a:schemeClr val="tx1"/>
+                </a:solidFill>
+                <a:effectLst/>
+                <a:latin typeface="+mn-lt"/>
+                <a:ea typeface="+mn-ea"/>
+                <a:cs typeface="+mn-cs"/>
+              </a:rPr>
+              <a:t>DATA_PURITY - Causes DBCC CHECKDB to check the database for column values that are not valid or out-of-range. For databases upgraded from earlier versions of SQL Server, column-value checks are not enabled by default until DBCC CHECKDB WITH DATA_PURITY has been run error free on the database</a:t>
+            </a:r>
+          </a:p>
+        </p:txBody>
+      </p:sp>
+      <p:sp>
+        <p:nvSpPr>
+          <p:cNvPr id="4" name="Slide Number Placeholder 3"/>
+          <p:cNvSpPr>
+            <a:spLocks noGrp="1"/>
+          </p:cNvSpPr>
+          <p:nvPr>
+            <p:ph type="sldNum" sz="quarter" idx="5"/>
+          </p:nvPr>
+        </p:nvSpPr>
+        <p:spPr/>
+        <p:txBody>
+          <a:bodyPr/>
+          <a:lstStyle/>
+          <a:p>
+            <a:fld id="{0888DEC1-F2AB-4DD2-8E1F-AE80EFAA4036}" type="slidenum">
+              <a:rPr lang="en-US" smtClean="0"/>
+              <a:t>5</a:t>
+            </a:fld>
+            <a:endParaRPr lang="en-US"/>
+          </a:p>
+        </p:txBody>
+      </p:sp>
+    </p:spTree>
+    <p:extLst>
+      <p:ext uri="{BB962C8B-B14F-4D97-AF65-F5344CB8AC3E}">
+        <p14:creationId xmlns:p14="http://schemas.microsoft.com/office/powerpoint/2010/main" val="3711910762"/>
+      </p:ext>
+    </p:extLst>
+  </p:cSld>
+  <p:clrMapOvr>
+    <a:masterClrMapping/>
+  </p:clrMapOvr>
+</p:notes>
+</file>
+
+<file path=ppt/notesSlides/notesSlide4.xml><?xml version="1.0" encoding="utf-8"?>
+<p:notes xmlns:a="http://schemas.openxmlformats.org/drawingml/2006/main" xmlns:r="http://schemas.openxmlformats.org/officeDocument/2006/relationships" xmlns:p="http://schemas.openxmlformats.org/presentationml/2006/main">
+  <p:cSld>
+    <p:spTree>
+      <p:nvGrpSpPr>
+        <p:cNvPr id="1" name=""/>
+        <p:cNvGrpSpPr/>
+        <p:nvPr/>
+      </p:nvGrpSpPr>
+      <p:grpSpPr>
+        <a:xfrm>
+          <a:off x="0" y="0"/>
+          <a:ext cx="0" cy="0"/>
+          <a:chOff x="0" y="0"/>
+          <a:chExt cx="0" cy="0"/>
+        </a:xfrm>
+      </p:grpSpPr>
+      <p:sp>
+        <p:nvSpPr>
+          <p:cNvPr id="2" name="Slide Image Placeholder 1"/>
+          <p:cNvSpPr>
+            <a:spLocks noGrp="1" noRot="1" noChangeAspect="1"/>
+          </p:cNvSpPr>
+          <p:nvPr>
+            <p:ph type="sldImg"/>
+          </p:nvPr>
+        </p:nvSpPr>
+        <p:spPr/>
+      </p:sp>
+      <p:sp>
+        <p:nvSpPr>
+          <p:cNvPr id="3" name="Notes Placeholder 2"/>
+          <p:cNvSpPr>
+            <a:spLocks noGrp="1"/>
+          </p:cNvSpPr>
+          <p:nvPr>
+            <p:ph type="body" idx="1"/>
+          </p:nvPr>
+        </p:nvSpPr>
+        <p:spPr/>
+        <p:txBody>
+          <a:bodyPr/>
+          <a:lstStyle/>
+          <a:p>
+            <a:endParaRPr lang="en-US"/>
           </a:p>
         </p:txBody>
       </p:sp>
@@ -1475,7 +1214,6 @@
               <a:rPr lang="en-US"/>
               <a:t>Click to edit Master title style</a:t>
             </a:r>
-            <a:endParaRPr lang="en-US" dirty="0"/>
           </a:p>
         </p:txBody>
       </p:sp>
@@ -1547,7 +1285,6 @@
               <a:rPr lang="en-US"/>
               <a:t>Click to edit Master subtitle style</a:t>
             </a:r>
-            <a:endParaRPr lang="en-US" dirty="0"/>
           </a:p>
         </p:txBody>
       </p:sp>
@@ -1637,7 +1374,7 @@
           <a:p>
             <a:pPr algn="r"/>
             <a:r>
-              <a:rPr lang="en-US" sz="4800" dirty="0">
+              <a:rPr lang="en-US" sz="4800">
                 <a:solidFill>
                   <a:schemeClr val="tx1"/>
                 </a:solidFill>
@@ -1645,7 +1382,7 @@
               </a:rPr>
               <a:t>Jess Pomfret</a:t>
             </a:r>
-            <a:endParaRPr lang="en-US" sz="3200" dirty="0">
+            <a:endParaRPr lang="en-US" sz="3200">
               <a:solidFill>
                 <a:schemeClr val="tx1"/>
               </a:solidFill>
@@ -1684,25 +1421,25 @@
           <a:p>
             <a:pPr algn="r"/>
             <a:r>
-              <a:rPr lang="en-US" sz="3200" dirty="0">
+              <a:rPr lang="en-US" sz="3200">
                 <a:latin typeface="+mj-lt"/>
               </a:rPr>
               <a:t>@</a:t>
             </a:r>
             <a:r>
-              <a:rPr lang="en-US" sz="3200" dirty="0" err="1">
+              <a:rPr lang="en-US" sz="3200" err="1">
                 <a:latin typeface="+mj-lt"/>
               </a:rPr>
               <a:t>jpomfret</a:t>
             </a:r>
-            <a:endParaRPr lang="en-US" sz="3200" dirty="0">
+            <a:endParaRPr lang="en-US" sz="3200">
               <a:latin typeface="+mj-lt"/>
             </a:endParaRPr>
           </a:p>
           <a:p>
             <a:pPr algn="r"/>
             <a:r>
-              <a:rPr lang="en-US" sz="3200" dirty="0">
+              <a:rPr lang="en-US" sz="3200">
                 <a:latin typeface="+mj-lt"/>
               </a:rPr>
               <a:t>jpomfret7@gmail.com</a:t>
@@ -1878,7 +1615,6 @@
               <a:rPr lang="en-US"/>
               <a:t>Fifth level</a:t>
             </a:r>
-            <a:endParaRPr lang="en-US" dirty="0"/>
           </a:p>
         </p:txBody>
       </p:sp>
@@ -2020,7 +1756,6 @@
               <a:rPr lang="en-US"/>
               <a:t>Fifth level</a:t>
             </a:r>
-            <a:endParaRPr lang="en-US" dirty="0"/>
           </a:p>
         </p:txBody>
       </p:sp>
@@ -2054,7 +1789,6 @@
               <a:rPr lang="en-US"/>
               <a:t>Click to edit Master title style</a:t>
             </a:r>
-            <a:endParaRPr lang="en-US" dirty="0"/>
           </a:p>
         </p:txBody>
       </p:sp>
@@ -2107,7 +1841,6 @@
               <a:rPr lang="en-US"/>
               <a:t>Click to edit Master title style</a:t>
             </a:r>
-            <a:endParaRPr lang="en-US" dirty="0"/>
           </a:p>
         </p:txBody>
       </p:sp>
@@ -2219,7 +1952,7 @@
           <a:lstStyle/>
           <a:p>
             <a:pPr algn="ctr"/>
-            <a:endParaRPr lang="en-US" dirty="0"/>
+            <a:endParaRPr lang="en-US"/>
           </a:p>
         </p:txBody>
       </p:sp>
@@ -2252,7 +1985,7 @@
           <a:lstStyle/>
           <a:p>
             <a:r>
-              <a:rPr lang="en-US" dirty="0">
+              <a:rPr lang="en-US">
                 <a:solidFill>
                   <a:schemeClr val="bg2"/>
                 </a:solidFill>
@@ -2260,14 +1993,14 @@
               <a:t>@</a:t>
             </a:r>
             <a:r>
-              <a:rPr lang="en-US" dirty="0" err="1">
+              <a:rPr lang="en-US" err="1">
                 <a:solidFill>
                   <a:schemeClr val="bg2"/>
                 </a:solidFill>
               </a:rPr>
               <a:t>jpomfret</a:t>
             </a:r>
-            <a:endParaRPr lang="en-US" dirty="0">
+            <a:endParaRPr lang="en-US">
               <a:solidFill>
                 <a:schemeClr val="bg2"/>
               </a:solidFill>
@@ -2305,7 +2038,7 @@
           <a:p>
             <a:pPr algn="ctr"/>
             <a:r>
-              <a:rPr lang="en-US" dirty="0">
+              <a:rPr lang="en-US">
                 <a:solidFill>
                   <a:schemeClr val="bg2"/>
                 </a:solidFill>
@@ -2345,7 +2078,7 @@
           <a:p>
             <a:pPr algn="r"/>
             <a:r>
-              <a:rPr lang="en-US" dirty="0">
+              <a:rPr lang="en-US">
                 <a:solidFill>
                   <a:schemeClr val="bg2"/>
                 </a:solidFill>
@@ -2433,7 +2166,7 @@
           <a:lstStyle/>
           <a:p>
             <a:pPr algn="ctr"/>
-            <a:endParaRPr lang="en-US" dirty="0"/>
+            <a:endParaRPr lang="en-US"/>
           </a:p>
         </p:txBody>
       </p:sp>
@@ -2465,7 +2198,6 @@
               <a:rPr lang="en-US"/>
               <a:t>Click to edit Master title style</a:t>
             </a:r>
-            <a:endParaRPr lang="en-US" dirty="0"/>
           </a:p>
         </p:txBody>
       </p:sp>
@@ -2552,7 +2284,6 @@
               <a:rPr lang="en-US"/>
               <a:t>Fifth level</a:t>
             </a:r>
-            <a:endParaRPr lang="en-US" dirty="0"/>
           </a:p>
         </p:txBody>
       </p:sp>
@@ -2673,7 +2404,7 @@
           <a:lstStyle/>
           <a:p>
             <a:pPr algn="ctr"/>
-            <a:endParaRPr lang="en-US" dirty="0"/>
+            <a:endParaRPr lang="en-US"/>
           </a:p>
         </p:txBody>
       </p:sp>
@@ -2706,7 +2437,7 @@
           <a:lstStyle/>
           <a:p>
             <a:r>
-              <a:rPr lang="en-US" dirty="0">
+              <a:rPr lang="en-US">
                 <a:solidFill>
                   <a:schemeClr val="bg2"/>
                 </a:solidFill>
@@ -2714,14 +2445,14 @@
               <a:t>@</a:t>
             </a:r>
             <a:r>
-              <a:rPr lang="en-US" dirty="0" err="1">
+              <a:rPr lang="en-US" err="1">
                 <a:solidFill>
                   <a:schemeClr val="bg2"/>
                 </a:solidFill>
               </a:rPr>
               <a:t>jpomfret</a:t>
             </a:r>
-            <a:endParaRPr lang="en-US" dirty="0">
+            <a:endParaRPr lang="en-US">
               <a:solidFill>
                 <a:schemeClr val="bg2"/>
               </a:solidFill>
@@ -2759,7 +2490,7 @@
           <a:p>
             <a:pPr algn="ctr"/>
             <a:r>
-              <a:rPr lang="en-US" dirty="0">
+              <a:rPr lang="en-US">
                 <a:solidFill>
                   <a:schemeClr val="bg2"/>
                 </a:solidFill>
@@ -2799,7 +2530,7 @@
           <a:p>
             <a:pPr algn="r"/>
             <a:r>
-              <a:rPr lang="en-US" dirty="0">
+              <a:rPr lang="en-US">
                 <a:solidFill>
                   <a:schemeClr val="bg2"/>
                 </a:solidFill>
@@ -2930,7 +2661,7 @@
           <a:lstStyle/>
           <a:p>
             <a:pPr algn="ctr"/>
-            <a:endParaRPr lang="en-US" dirty="0"/>
+            <a:endParaRPr lang="en-US"/>
           </a:p>
         </p:txBody>
       </p:sp>
@@ -3038,7 +2769,6 @@
               <a:rPr lang="en-US"/>
               <a:t>Click icon to add picture</a:t>
             </a:r>
-            <a:endParaRPr lang="en-US" dirty="0"/>
           </a:p>
         </p:txBody>
       </p:sp>
@@ -3067,7 +2797,7 @@
           <a:p>
             <a:fld id="{6F7AEB39-490D-4470-BB4F-F7E09AA2B520}" type="datetimeFigureOut">
               <a:rPr lang="en-US" smtClean="0"/>
-              <a:t>10/2/2019</a:t>
+              <a:t>11/13/2019</a:t>
             </a:fld>
             <a:endParaRPr lang="en-US"/>
           </a:p>
@@ -3179,7 +2909,7 @@
           <a:lstStyle/>
           <a:p>
             <a:pPr algn="ctr"/>
-            <a:endParaRPr lang="en-US" dirty="0"/>
+            <a:endParaRPr lang="en-US"/>
           </a:p>
         </p:txBody>
       </p:sp>
@@ -3212,7 +2942,7 @@
           <a:lstStyle/>
           <a:p>
             <a:r>
-              <a:rPr lang="en-US" dirty="0">
+              <a:rPr lang="en-US">
                 <a:solidFill>
                   <a:schemeClr val="bg2"/>
                 </a:solidFill>
@@ -3220,14 +2950,14 @@
               <a:t>@</a:t>
             </a:r>
             <a:r>
-              <a:rPr lang="en-US" dirty="0" err="1">
+              <a:rPr lang="en-US" err="1">
                 <a:solidFill>
                   <a:schemeClr val="bg2"/>
                 </a:solidFill>
               </a:rPr>
               <a:t>jpomfret</a:t>
             </a:r>
-            <a:endParaRPr lang="en-US" dirty="0">
+            <a:endParaRPr lang="en-US">
               <a:solidFill>
                 <a:schemeClr val="bg2"/>
               </a:solidFill>
@@ -3265,7 +2995,7 @@
           <a:p>
             <a:pPr algn="ctr"/>
             <a:r>
-              <a:rPr lang="en-US" dirty="0">
+              <a:rPr lang="en-US">
                 <a:solidFill>
                   <a:schemeClr val="bg2"/>
                 </a:solidFill>
@@ -3305,7 +3035,7 @@
           <a:p>
             <a:pPr algn="r"/>
             <a:r>
-              <a:rPr lang="en-US" dirty="0">
+              <a:rPr lang="en-US">
                 <a:solidFill>
                   <a:schemeClr val="bg2"/>
                 </a:solidFill>
@@ -3349,7 +3079,6 @@
               <a:rPr lang="en-US"/>
               <a:t>Click to edit Master title style</a:t>
             </a:r>
-            <a:endParaRPr lang="en-US" dirty="0"/>
           </a:p>
         </p:txBody>
       </p:sp>
@@ -3506,7 +3235,7 @@
           <a:lstStyle/>
           <a:p>
             <a:pPr algn="ctr"/>
-            <a:endParaRPr lang="en-US" dirty="0"/>
+            <a:endParaRPr lang="en-US"/>
           </a:p>
         </p:txBody>
       </p:sp>
@@ -3578,7 +3307,7 @@
           <a:p>
             <a:fld id="{6F7AEB39-490D-4470-BB4F-F7E09AA2B520}" type="datetimeFigureOut">
               <a:rPr lang="en-US" smtClean="0"/>
-              <a:t>10/2/2019</a:t>
+              <a:t>11/13/2019</a:t>
             </a:fld>
             <a:endParaRPr lang="en-US"/>
           </a:p>
@@ -3690,7 +3419,7 @@
           <a:lstStyle/>
           <a:p>
             <a:pPr algn="ctr"/>
-            <a:endParaRPr lang="en-US" dirty="0"/>
+            <a:endParaRPr lang="en-US"/>
           </a:p>
         </p:txBody>
       </p:sp>
@@ -3723,7 +3452,7 @@
           <a:lstStyle/>
           <a:p>
             <a:r>
-              <a:rPr lang="en-US" dirty="0">
+              <a:rPr lang="en-US">
                 <a:solidFill>
                   <a:schemeClr val="bg2"/>
                 </a:solidFill>
@@ -3731,14 +3460,14 @@
               <a:t>@</a:t>
             </a:r>
             <a:r>
-              <a:rPr lang="en-US" dirty="0" err="1">
+              <a:rPr lang="en-US" err="1">
                 <a:solidFill>
                   <a:schemeClr val="bg2"/>
                 </a:solidFill>
               </a:rPr>
               <a:t>jpomfret</a:t>
             </a:r>
-            <a:endParaRPr lang="en-US" dirty="0">
+            <a:endParaRPr lang="en-US">
               <a:solidFill>
                 <a:schemeClr val="bg2"/>
               </a:solidFill>
@@ -3776,7 +3505,7 @@
           <a:p>
             <a:pPr algn="ctr"/>
             <a:r>
-              <a:rPr lang="en-US" dirty="0">
+              <a:rPr lang="en-US">
                 <a:solidFill>
                   <a:schemeClr val="bg2"/>
                 </a:solidFill>
@@ -3816,7 +3545,7 @@
           <a:p>
             <a:pPr algn="r"/>
             <a:r>
-              <a:rPr lang="en-US" dirty="0">
+              <a:rPr lang="en-US">
                 <a:solidFill>
                   <a:schemeClr val="bg2"/>
                 </a:solidFill>
@@ -3860,7 +3589,6 @@
               <a:rPr lang="en-US"/>
               <a:t>Click to edit Master title style</a:t>
             </a:r>
-            <a:endParaRPr lang="en-US" dirty="0"/>
           </a:p>
         </p:txBody>
       </p:sp>
@@ -4012,7 +3740,7 @@
           <a:p>
             <a:pPr lvl="0"/>
             <a:r>
-              <a:rPr lang="en-US" dirty="0"/>
+              <a:rPr lang="en-US"/>
               <a:t>Edit Master text styles</a:t>
             </a:r>
           </a:p>
@@ -4067,7 +3795,6 @@
               <a:rPr lang="en-US"/>
               <a:t>Click to edit Master title style</a:t>
             </a:r>
-            <a:endParaRPr lang="en-US" dirty="0"/>
           </a:p>
         </p:txBody>
       </p:sp>
@@ -4137,7 +3864,6 @@
               <a:rPr lang="en-US"/>
               <a:t>Fifth level</a:t>
             </a:r>
-            <a:endParaRPr lang="en-US" dirty="0"/>
           </a:p>
         </p:txBody>
       </p:sp>
@@ -4260,7 +3986,6 @@
               <a:rPr lang="en-US"/>
               <a:t>Click to edit Master title style</a:t>
             </a:r>
-            <a:endParaRPr lang="en-US" dirty="0"/>
           </a:p>
         </p:txBody>
       </p:sp>
@@ -4503,7 +4228,6 @@
               <a:rPr lang="en-US"/>
               <a:t>Click to edit Master title style</a:t>
             </a:r>
-            <a:endParaRPr lang="en-US" dirty="0"/>
           </a:p>
         </p:txBody>
       </p:sp>
@@ -4746,7 +4470,6 @@
               <a:rPr lang="en-US"/>
               <a:t>Click to edit Master title style</a:t>
             </a:r>
-            <a:endParaRPr lang="en-US" dirty="0"/>
           </a:p>
         </p:txBody>
       </p:sp>
@@ -4989,7 +4712,6 @@
               <a:rPr lang="en-US"/>
               <a:t>Click to edit Master title style</a:t>
             </a:r>
-            <a:endParaRPr lang="en-US" dirty="0"/>
           </a:p>
         </p:txBody>
       </p:sp>
@@ -5232,7 +4954,6 @@
               <a:rPr lang="en-US"/>
               <a:t>Click to edit Master title style</a:t>
             </a:r>
-            <a:endParaRPr lang="en-US" dirty="0"/>
           </a:p>
         </p:txBody>
       </p:sp>
@@ -5402,7 +5123,6 @@
               <a:rPr lang="en-US"/>
               <a:t>Click to edit Master title style</a:t>
             </a:r>
-            <a:endParaRPr lang="en-US" dirty="0"/>
           </a:p>
         </p:txBody>
       </p:sp>
@@ -5506,7 +5226,6 @@
               <a:rPr lang="en-US"/>
               <a:t>Click to edit Master title style</a:t>
             </a:r>
-            <a:endParaRPr lang="en-US" dirty="0"/>
           </a:p>
         </p:txBody>
       </p:sp>
@@ -5581,7 +5300,6 @@
               <a:rPr lang="en-US"/>
               <a:t>Fifth level</a:t>
             </a:r>
-            <a:endParaRPr lang="en-US" dirty="0"/>
           </a:p>
         </p:txBody>
       </p:sp>
@@ -5656,7 +5374,6 @@
               <a:rPr lang="en-US"/>
               <a:t>Fifth level</a:t>
             </a:r>
-            <a:endParaRPr lang="en-US" dirty="0"/>
           </a:p>
         </p:txBody>
       </p:sp>
@@ -5743,7 +5460,7 @@
           <a:lstStyle/>
           <a:p>
             <a:pPr algn="ctr"/>
-            <a:endParaRPr lang="en-US" dirty="0"/>
+            <a:endParaRPr lang="en-US"/>
           </a:p>
         </p:txBody>
       </p:sp>
@@ -5795,7 +5512,7 @@
           <a:lstStyle/>
           <a:p>
             <a:pPr algn="ctr"/>
-            <a:endParaRPr lang="en-US" dirty="0"/>
+            <a:endParaRPr lang="en-US"/>
           </a:p>
         </p:txBody>
       </p:sp>
@@ -5828,7 +5545,6 @@
               <a:rPr lang="en-US"/>
               <a:t>Click to edit Master title style</a:t>
             </a:r>
-            <a:endParaRPr lang="en-US" dirty="0"/>
           </a:p>
         </p:txBody>
       </p:sp>
@@ -5890,7 +5606,6 @@
               <a:rPr lang="en-US"/>
               <a:t>Fifth level</a:t>
             </a:r>
-            <a:endParaRPr lang="en-US" dirty="0"/>
           </a:p>
         </p:txBody>
       </p:sp>
@@ -5923,7 +5638,7 @@
           <a:lstStyle/>
           <a:p>
             <a:r>
-              <a:rPr lang="en-US" dirty="0">
+              <a:rPr lang="en-US">
                 <a:solidFill>
                   <a:schemeClr val="bg2"/>
                 </a:solidFill>
@@ -5931,14 +5646,14 @@
               <a:t>@</a:t>
             </a:r>
             <a:r>
-              <a:rPr lang="en-US" dirty="0" err="1">
+              <a:rPr lang="en-US" err="1">
                 <a:solidFill>
                   <a:schemeClr val="bg2"/>
                 </a:solidFill>
               </a:rPr>
               <a:t>jpomfret</a:t>
             </a:r>
-            <a:endParaRPr lang="en-US" dirty="0">
+            <a:endParaRPr lang="en-US">
               <a:solidFill>
                 <a:schemeClr val="bg2"/>
               </a:solidFill>
@@ -5976,7 +5691,7 @@
           <a:p>
             <a:pPr algn="ctr"/>
             <a:r>
-              <a:rPr lang="en-US" dirty="0">
+              <a:rPr lang="en-US">
                 <a:solidFill>
                   <a:schemeClr val="bg2"/>
                 </a:solidFill>
@@ -6016,7 +5731,7 @@
           <a:p>
             <a:pPr algn="r"/>
             <a:r>
-              <a:rPr lang="en-US" dirty="0">
+              <a:rPr lang="en-US">
                 <a:solidFill>
                   <a:schemeClr val="bg2"/>
                 </a:solidFill>
@@ -6450,15 +6165,15 @@
           <a:lstStyle/>
           <a:p>
             <a:r>
-              <a:rPr lang="en-US" dirty="0"/>
+              <a:rPr lang="en-US"/>
               <a:t>Life Hacks: </a:t>
             </a:r>
             <a:r>
-              <a:rPr lang="en-US" dirty="0" err="1"/>
+              <a:rPr lang="en-US" err="1"/>
               <a:t>dbatools</a:t>
             </a:r>
             <a:r>
-              <a:rPr lang="en-US" dirty="0"/>
+              <a:rPr lang="en-US"/>
               <a:t> Edition</a:t>
             </a:r>
           </a:p>
@@ -6552,7 +6267,7 @@
           <a:lstStyle/>
           <a:p>
             <a:r>
-              <a:rPr lang="en-US" dirty="0"/>
+              <a:rPr lang="en-US"/>
               <a:t>Jess Pomfret</a:t>
             </a:r>
           </a:p>
@@ -6582,68 +6297,68 @@
           <a:lstStyle/>
           <a:p>
             <a:r>
-              <a:rPr lang="en-US" dirty="0"/>
+              <a:rPr lang="en-US"/>
               <a:t>SQL Server DBA at Westfield Insurance, Ohio</a:t>
             </a:r>
           </a:p>
           <a:p>
             <a:r>
-              <a:rPr lang="en-US" dirty="0"/>
+              <a:rPr lang="en-US"/>
               <a:t>Open Source Contributor</a:t>
             </a:r>
           </a:p>
           <a:p>
             <a:pPr lvl="1"/>
             <a:r>
-              <a:rPr lang="en-US" dirty="0" err="1"/>
+              <a:rPr lang="en-US" err="1"/>
               <a:t>dbatools</a:t>
             </a:r>
             <a:r>
-              <a:rPr lang="en-US" dirty="0"/>
+              <a:rPr lang="en-US"/>
               <a:t>, </a:t>
             </a:r>
             <a:r>
-              <a:rPr lang="en-US" dirty="0" err="1"/>
+              <a:rPr lang="en-US" err="1"/>
               <a:t>dbachecks</a:t>
             </a:r>
             <a:r>
-              <a:rPr lang="en-US" dirty="0"/>
+              <a:rPr lang="en-US"/>
               <a:t>, </a:t>
             </a:r>
             <a:r>
-              <a:rPr lang="en-US" dirty="0" err="1"/>
+              <a:rPr lang="en-US" err="1"/>
               <a:t>SqlServerDsc</a:t>
             </a:r>
-            <a:endParaRPr lang="en-US" dirty="0"/>
-          </a:p>
-          <a:p>
-            <a:r>
-              <a:rPr lang="en-US" dirty="0"/>
+            <a:endParaRPr lang="en-US"/>
+          </a:p>
+          <a:p>
+            <a:r>
+              <a:rPr lang="en-US"/>
               <a:t>Passionate about SQL Server, PowerShell &amp; Proper Football</a:t>
             </a:r>
           </a:p>
           <a:p>
-            <a:endParaRPr lang="en-US" dirty="0"/>
-          </a:p>
-          <a:p>
-            <a:r>
-              <a:rPr lang="en-US" dirty="0">
+            <a:endParaRPr lang="en-US"/>
+          </a:p>
+          <a:p>
+            <a:r>
+              <a:rPr lang="en-US">
                 <a:hlinkClick r:id="rId2"/>
               </a:rPr>
               <a:t>jpomfret7@gmail.com</a:t>
             </a:r>
-            <a:endParaRPr lang="en-US" dirty="0"/>
-          </a:p>
-          <a:p>
-            <a:r>
-              <a:rPr lang="en-US" dirty="0"/>
+            <a:endParaRPr lang="en-US"/>
+          </a:p>
+          <a:p>
+            <a:r>
+              <a:rPr lang="en-US"/>
               <a:t>@</a:t>
             </a:r>
             <a:r>
-              <a:rPr lang="en-US" dirty="0" err="1"/>
+              <a:rPr lang="en-US" err="1"/>
               <a:t>jpomfret</a:t>
             </a:r>
-            <a:endParaRPr lang="en-US" dirty="0"/>
+            <a:endParaRPr lang="en-US"/>
           </a:p>
         </p:txBody>
       </p:sp>
@@ -6735,7 +6450,7 @@
           <a:lstStyle/>
           <a:p>
             <a:r>
-              <a:rPr lang="en-US" dirty="0"/>
+              <a:rPr lang="en-US"/>
               <a:t>Agenda</a:t>
             </a:r>
           </a:p>
@@ -6765,27 +6480,27 @@
           <a:lstStyle/>
           <a:p>
             <a:r>
-              <a:rPr lang="en-US" dirty="0"/>
+              <a:rPr lang="en-US"/>
               <a:t>What is </a:t>
             </a:r>
             <a:r>
-              <a:rPr lang="en-US" dirty="0" err="1"/>
+              <a:rPr lang="en-US" err="1"/>
               <a:t>dbatools</a:t>
             </a:r>
             <a:r>
-              <a:rPr lang="en-US" dirty="0"/>
+              <a:rPr lang="en-US"/>
               <a:t>?</a:t>
             </a:r>
           </a:p>
           <a:p>
             <a:r>
-              <a:rPr lang="en-US" dirty="0"/>
+              <a:rPr lang="en-US"/>
               <a:t>PowerShell 101</a:t>
             </a:r>
           </a:p>
           <a:p>
             <a:r>
-              <a:rPr lang="en-US" dirty="0"/>
+              <a:rPr lang="en-US"/>
               <a:t>Life Hacks</a:t>
             </a:r>
           </a:p>
@@ -6795,14 +6510,14 @@
               <a:buAutoNum type="arabicPeriod"/>
             </a:pPr>
             <a:r>
-              <a:rPr lang="en-US" dirty="0"/>
+              <a:rPr lang="en-US"/>
               <a:t>Getting Started With </a:t>
             </a:r>
             <a:r>
-              <a:rPr lang="en-US" dirty="0" err="1"/>
+              <a:rPr lang="en-US" err="1"/>
               <a:t>dbatools</a:t>
             </a:r>
-            <a:endParaRPr lang="en-US" dirty="0"/>
+            <a:endParaRPr lang="en-US"/>
           </a:p>
           <a:p>
             <a:pPr marL="971550" lvl="1" indent="-514350">
@@ -6810,7 +6525,7 @@
               <a:buAutoNum type="arabicPeriod"/>
             </a:pPr>
             <a:r>
-              <a:rPr lang="en-US" dirty="0"/>
+              <a:rPr lang="en-US"/>
               <a:t>Test Your Backups</a:t>
             </a:r>
           </a:p>
@@ -6820,7 +6535,7 @@
               <a:buAutoNum type="arabicPeriod"/>
             </a:pPr>
             <a:r>
-              <a:rPr lang="en-US" dirty="0"/>
+              <a:rPr lang="en-US"/>
               <a:t>Manage Logins &amp; Access</a:t>
             </a:r>
           </a:p>
@@ -6830,7 +6545,7 @@
               <a:buAutoNum type="arabicPeriod"/>
             </a:pPr>
             <a:r>
-              <a:rPr lang="en-US" dirty="0"/>
+              <a:rPr lang="en-US"/>
               <a:t>Mask Sensitive Data</a:t>
             </a:r>
           </a:p>
@@ -6840,7 +6555,7 @@
               <a:buAutoNum type="arabicPeriod"/>
             </a:pPr>
             <a:r>
-              <a:rPr lang="en-US" dirty="0"/>
+              <a:rPr lang="en-US"/>
               <a:t>Migrate… Everything</a:t>
             </a:r>
           </a:p>
@@ -6850,7 +6565,7 @@
               <a:buAutoNum type="arabicPeriod"/>
             </a:pPr>
             <a:r>
-              <a:rPr lang="en-US" dirty="0"/>
+              <a:rPr lang="en-US"/>
               <a:t>Meet Best Practices</a:t>
             </a:r>
           </a:p>
@@ -6860,17 +6575,17 @@
               <a:buAutoNum type="arabicPeriod"/>
             </a:pPr>
             <a:r>
-              <a:rPr lang="en-US" dirty="0"/>
+              <a:rPr lang="en-US"/>
               <a:t>Documentation for everyone</a:t>
             </a:r>
           </a:p>
           <a:p>
             <a:pPr lvl="1"/>
-            <a:endParaRPr lang="en-US" dirty="0"/>
+            <a:endParaRPr lang="en-US"/>
           </a:p>
           <a:p>
             <a:pPr lvl="1"/>
-            <a:endParaRPr lang="en-US" dirty="0"/>
+            <a:endParaRPr lang="en-US"/>
           </a:p>
         </p:txBody>
       </p:sp>
@@ -6962,11 +6677,11 @@
           <a:lstStyle/>
           <a:p>
             <a:r>
-              <a:rPr lang="en-US" dirty="0" err="1"/>
+              <a:rPr lang="en-US" err="1"/>
               <a:t>dbatools</a:t>
             </a:r>
             <a:r>
-              <a:rPr lang="en-US" dirty="0"/>
+              <a:rPr lang="en-US"/>
               <a:t>: a short history</a:t>
             </a:r>
           </a:p>
@@ -7046,7 +6761,7 @@
           <a:p>
             <a:r>
               <a:rPr lang="en-US" dirty="0"/>
-              <a:t>574 Commands (as of 9/30/2019) – v1.0.50</a:t>
+              <a:t>583 Commands (as of 11/13/2019) – v1.0.67</a:t>
             </a:r>
           </a:p>
           <a:p>
@@ -7231,7 +6946,7 @@
           <a:lstStyle/>
           <a:p>
             <a:r>
-              <a:rPr lang="en-US" dirty="0"/>
+              <a:rPr lang="en-US"/>
               <a:t>Demo Time</a:t>
             </a:r>
           </a:p>
@@ -7262,7 +6977,7 @@
               <a:buNone/>
             </a:pPr>
             <a:r>
-              <a:rPr lang="en-US" dirty="0"/>
+              <a:rPr lang="en-US"/>
               <a:t>Demo Files available here:</a:t>
             </a:r>
           </a:p>
@@ -7271,12 +6986,12 @@
               <a:buNone/>
             </a:pPr>
             <a:r>
-              <a:rPr lang="en-US" sz="2800" dirty="0">
-                <a:hlinkClick r:id="rId2"/>
+              <a:rPr lang="en-US" sz="2800">
+                <a:hlinkClick r:id="rId3"/>
               </a:rPr>
               <a:t>https://github.com/jpomfret/demos/tree/master/LifeHacks_dbatools</a:t>
             </a:r>
-            <a:endParaRPr lang="en-US" sz="2800" dirty="0"/>
+            <a:endParaRPr lang="en-US" sz="2800"/>
           </a:p>
         </p:txBody>
       </p:sp>
@@ -7332,7 +7047,7 @@
           <a:lstStyle/>
           <a:p>
             <a:r>
-              <a:rPr lang="en-US" dirty="0"/>
+              <a:rPr lang="en-US"/>
               <a:t>Resources	</a:t>
             </a:r>
           </a:p>
@@ -7362,11 +7077,11 @@
           <a:lstStyle/>
           <a:p>
             <a:r>
-              <a:rPr lang="en-US" dirty="0" err="1"/>
+              <a:rPr lang="en-US" err="1"/>
               <a:t>dbatools</a:t>
             </a:r>
             <a:r>
-              <a:rPr lang="en-US" dirty="0"/>
+              <a:rPr lang="en-US"/>
               <a:t> Blog</a:t>
             </a:r>
           </a:p>
@@ -7375,31 +7090,31 @@
               <a:buNone/>
             </a:pPr>
             <a:r>
-              <a:rPr lang="en-US" dirty="0">
+              <a:rPr lang="en-US">
                 <a:hlinkClick r:id="rId2"/>
               </a:rPr>
               <a:t>https://dbatools.io/meap/</a:t>
             </a:r>
-            <a:endParaRPr lang="en-US" dirty="0"/>
+            <a:endParaRPr lang="en-US"/>
           </a:p>
           <a:p>
             <a:pPr marL="457200" lvl="1" indent="0">
               <a:buNone/>
             </a:pPr>
             <a:r>
-              <a:rPr lang="en-US" dirty="0">
+              <a:rPr lang="en-US">
                 <a:hlinkClick r:id="rId3"/>
               </a:rPr>
               <a:t>https://dbatools.io/secure/</a:t>
             </a:r>
-            <a:endParaRPr lang="en-US" dirty="0"/>
-          </a:p>
-          <a:p>
-            <a:endParaRPr lang="en-US" dirty="0"/>
-          </a:p>
-          <a:p>
-            <a:r>
-              <a:rPr lang="en-US" dirty="0"/>
+            <a:endParaRPr lang="en-US"/>
+          </a:p>
+          <a:p>
+            <a:endParaRPr lang="en-US"/>
+          </a:p>
+          <a:p>
+            <a:r>
+              <a:rPr lang="en-US"/>
               <a:t>Docs</a:t>
             </a:r>
           </a:p>
@@ -7408,34 +7123,34 @@
               <a:buNone/>
             </a:pPr>
             <a:r>
-              <a:rPr lang="en-US" dirty="0">
+              <a:rPr lang="en-US">
                 <a:hlinkClick r:id="rId4"/>
               </a:rPr>
               <a:t>https://docs.dbatools.io/</a:t>
             </a:r>
-            <a:endParaRPr lang="en-US" dirty="0"/>
+            <a:endParaRPr lang="en-US"/>
           </a:p>
           <a:p>
             <a:pPr marL="457200" lvl="1" indent="0">
               <a:buNone/>
             </a:pPr>
             <a:r>
-              <a:rPr lang="en-US" dirty="0">
+              <a:rPr lang="en-US">
                 <a:hlinkClick r:id="rId5"/>
               </a:rPr>
               <a:t>https://dbatools.io/build</a:t>
             </a:r>
-            <a:endParaRPr lang="en-US" dirty="0"/>
+            <a:endParaRPr lang="en-US"/>
           </a:p>
           <a:p>
             <a:pPr marL="457200" lvl="1" indent="0">
               <a:buNone/>
             </a:pPr>
-            <a:endParaRPr lang="en-US" dirty="0"/>
-          </a:p>
-          <a:p>
-            <a:r>
-              <a:rPr lang="en-US" dirty="0"/>
+            <a:endParaRPr lang="en-US"/>
+          </a:p>
+          <a:p>
+            <a:r>
+              <a:rPr lang="en-US"/>
               <a:t>Other</a:t>
             </a:r>
           </a:p>
@@ -7444,44 +7159,44 @@
               <a:buNone/>
             </a:pPr>
             <a:r>
-              <a:rPr lang="en-US" dirty="0">
+              <a:rPr lang="en-US">
                 <a:hlinkClick r:id="rId6"/>
               </a:rPr>
               <a:t>https://dbatools.io/github</a:t>
             </a:r>
-            <a:endParaRPr lang="en-US" dirty="0"/>
+            <a:endParaRPr lang="en-US"/>
           </a:p>
           <a:p>
             <a:pPr marL="457200" lvl="1" indent="0">
               <a:buNone/>
             </a:pPr>
             <a:r>
-              <a:rPr lang="en-US" dirty="0">
+              <a:rPr lang="en-US">
                 <a:hlinkClick r:id="rId7"/>
               </a:rPr>
               <a:t>https://dbatools.io/slack/</a:t>
             </a:r>
-            <a:endParaRPr lang="en-US" dirty="0"/>
+            <a:endParaRPr lang="en-US"/>
           </a:p>
           <a:p>
             <a:pPr marL="457200" lvl="1" indent="0">
               <a:buNone/>
             </a:pPr>
             <a:r>
-              <a:rPr lang="en-US" dirty="0">
+              <a:rPr lang="en-US">
                 <a:hlinkClick r:id="rId8"/>
               </a:rPr>
               <a:t>http://dbatools.io/twitter</a:t>
             </a:r>
             <a:r>
-              <a:rPr lang="en-US" dirty="0"/>
+              <a:rPr lang="en-US"/>
               <a:t> - @</a:t>
             </a:r>
             <a:r>
-              <a:rPr lang="en-US" dirty="0" err="1"/>
+              <a:rPr lang="en-US" err="1"/>
               <a:t>psdbatools</a:t>
             </a:r>
-            <a:endParaRPr lang="en-US" dirty="0"/>
+            <a:endParaRPr lang="en-US"/>
           </a:p>
         </p:txBody>
       </p:sp>
@@ -7537,7 +7252,7 @@
           <a:lstStyle/>
           <a:p>
             <a:r>
-              <a:rPr lang="en-US" dirty="0"/>
+              <a:rPr lang="en-US"/>
               <a:t>Questions?</a:t>
             </a:r>
           </a:p>
@@ -7567,54 +7282,54 @@
           <a:lstStyle/>
           <a:p>
             <a:r>
-              <a:rPr lang="en-US" dirty="0"/>
+              <a:rPr lang="en-US"/>
               <a:t>Jess Pomfret</a:t>
             </a:r>
           </a:p>
           <a:p>
-            <a:endParaRPr lang="en-US" dirty="0"/>
-          </a:p>
-          <a:p>
-            <a:r>
-              <a:rPr lang="en-US" dirty="0">
+            <a:endParaRPr lang="en-US"/>
+          </a:p>
+          <a:p>
+            <a:r>
+              <a:rPr lang="en-US">
                 <a:hlinkClick r:id="rId3"/>
               </a:rPr>
               <a:t>jpomfret7@gmail.com</a:t>
             </a:r>
-            <a:endParaRPr lang="en-US" dirty="0"/>
-          </a:p>
-          <a:p>
-            <a:r>
-              <a:rPr lang="en-US" dirty="0"/>
+            <a:endParaRPr lang="en-US"/>
+          </a:p>
+          <a:p>
+            <a:r>
+              <a:rPr lang="en-US"/>
               <a:t>@jpomfret</a:t>
             </a:r>
           </a:p>
           <a:p>
-            <a:endParaRPr lang="en-US" dirty="0"/>
-          </a:p>
-          <a:p>
-            <a:r>
-              <a:rPr lang="en-US" dirty="0">
+            <a:endParaRPr lang="en-US"/>
+          </a:p>
+          <a:p>
+            <a:r>
+              <a:rPr lang="en-US">
                 <a:hlinkClick r:id="rId4"/>
               </a:rPr>
               <a:t>www.JessPomfret.com</a:t>
             </a:r>
-            <a:endParaRPr lang="en-US" dirty="0"/>
-          </a:p>
-          <a:p>
-            <a:r>
-              <a:rPr lang="en-US" dirty="0">
+            <a:endParaRPr lang="en-US"/>
+          </a:p>
+          <a:p>
+            <a:r>
+              <a:rPr lang="en-US">
                 <a:hlinkClick r:id="rId5"/>
               </a:rPr>
               <a:t>https://github.com/jpomfret/demos/</a:t>
             </a:r>
-            <a:endParaRPr lang="en-US" dirty="0"/>
-          </a:p>
-          <a:p>
-            <a:endParaRPr lang="en-US" dirty="0"/>
-          </a:p>
-          <a:p>
-            <a:endParaRPr lang="en-US" dirty="0"/>
+            <a:endParaRPr lang="en-US"/>
+          </a:p>
+          <a:p>
+            <a:endParaRPr lang="en-US"/>
+          </a:p>
+          <a:p>
+            <a:endParaRPr lang="en-US"/>
           </a:p>
         </p:txBody>
       </p:sp>

--- a/LifeHacks_dbatools/LifeHacks_dbatools.pptx
+++ b/LifeHacks_dbatools/LifeHacks_dbatools.pptx
@@ -211,7 +211,7 @@
           <a:p>
             <a:fld id="{1F8C9BAC-5605-4961-A752-FD19D2B395B1}" type="datetimeFigureOut">
               <a:rPr lang="en-US" smtClean="0"/>
-              <a:t>11/13/2019</a:t>
+              <a:t>12/2/2019</a:t>
             </a:fld>
             <a:endParaRPr lang="en-US"/>
           </a:p>
@@ -2797,7 +2797,7 @@
           <a:p>
             <a:fld id="{6F7AEB39-490D-4470-BB4F-F7E09AA2B520}" type="datetimeFigureOut">
               <a:rPr lang="en-US" smtClean="0"/>
-              <a:t>11/13/2019</a:t>
+              <a:t>12/2/2019</a:t>
             </a:fld>
             <a:endParaRPr lang="en-US"/>
           </a:p>
@@ -3307,7 +3307,7 @@
           <a:p>
             <a:fld id="{6F7AEB39-490D-4470-BB4F-F7E09AA2B520}" type="datetimeFigureOut">
               <a:rPr lang="en-US" smtClean="0"/>
-              <a:t>11/13/2019</a:t>
+              <a:t>12/2/2019</a:t>
             </a:fld>
             <a:endParaRPr lang="en-US"/>
           </a:p>
@@ -6267,9 +6267,17 @@
           <a:lstStyle/>
           <a:p>
             <a:r>
-              <a:rPr lang="en-US"/>
+              <a:rPr lang="en-US" dirty="0"/>
               <a:t>Jess Pomfret</a:t>
             </a:r>
+            <a:br>
+              <a:rPr lang="en-US" dirty="0"/>
+            </a:br>
+            <a:r>
+              <a:rPr lang="en-US" sz="2400" dirty="0"/>
+              <a:t>(She/Her)</a:t>
+            </a:r>
+            <a:endParaRPr lang="en-US" dirty="0"/>
           </a:p>
         </p:txBody>
       </p:sp>
@@ -6761,7 +6769,7 @@
           <a:p>
             <a:r>
               <a:rPr lang="en-US" dirty="0"/>
-              <a:t>583 Commands (as of 11/13/2019) – v1.0.67</a:t>
+              <a:t>575 Functions (as of 12/2/2019) – v1.0.74</a:t>
             </a:r>
           </a:p>
           <a:p>

--- a/LifeHacks_dbatools/LifeHacks_dbatools.pptx
+++ b/LifeHacks_dbatools/LifeHacks_dbatools.pptx
@@ -5,16 +5,17 @@
     <p:sldMasterId id="2147483671" r:id="rId1"/>
   </p:sldMasterIdLst>
   <p:notesMasterIdLst>
-    <p:notesMasterId r:id="rId9"/>
+    <p:notesMasterId r:id="rId10"/>
   </p:notesMasterIdLst>
   <p:sldIdLst>
     <p:sldId id="256" r:id="rId2"/>
     <p:sldId id="258" r:id="rId3"/>
     <p:sldId id="265" r:id="rId4"/>
-    <p:sldId id="302" r:id="rId5"/>
-    <p:sldId id="301" r:id="rId6"/>
-    <p:sldId id="303" r:id="rId7"/>
-    <p:sldId id="300" r:id="rId8"/>
+    <p:sldId id="305" r:id="rId5"/>
+    <p:sldId id="306" r:id="rId6"/>
+    <p:sldId id="301" r:id="rId7"/>
+    <p:sldId id="303" r:id="rId8"/>
+    <p:sldId id="300" r:id="rId9"/>
   </p:sldIdLst>
   <p:sldSz cx="12192000" cy="6858000"/>
   <p:notesSz cx="6858000" cy="9144000"/>
@@ -211,7 +212,7 @@
           <a:p>
             <a:fld id="{1F8C9BAC-5605-4961-A752-FD19D2B395B1}" type="datetimeFigureOut">
               <a:rPr lang="en-US" smtClean="0"/>
-              <a:t>12/2/2019</a:t>
+              <a:t>4/30/2020</a:t>
             </a:fld>
             <a:endParaRPr lang="en-US"/>
           </a:p>
@@ -630,163 +631,13 @@
             </a:r>
           </a:p>
           <a:p>
+            <a:r>
+              <a:rPr lang="en-US" dirty="0"/>
+              <a:t> - makes it easier to manage multiples… multiple servers, databases, jobs, logins, etc.</a:t>
+            </a:r>
+          </a:p>
+          <a:p>
             <a:endParaRPr lang="en-US" dirty="0"/>
-          </a:p>
-          <a:p>
-            <a:r>
-              <a:rPr lang="en-US" dirty="0"/>
-              <a:t>MIT license - </a:t>
-            </a:r>
-            <a:r>
-              <a:rPr lang="en-US" dirty="0">
-                <a:hlinkClick r:id="rId3"/>
-              </a:rPr>
-              <a:t>https://dbatools.io/mit/</a:t>
-            </a:r>
-            <a:r>
-              <a:rPr lang="en-US" dirty="0"/>
-              <a:t> - only requirement is to maintain copywrite and license notices. OK for private use or commercial use, modification, distribution</a:t>
-            </a:r>
-          </a:p>
-          <a:p>
-            <a:endParaRPr lang="en-US" dirty="0"/>
-          </a:p>
-          <a:p>
-            <a:r>
-              <a:rPr lang="en-US" dirty="0"/>
-              <a:t>1.0 - </a:t>
-            </a:r>
-            <a:r>
-              <a:rPr lang="en-US" sz="1200" b="0" i="0" kern="1200" dirty="0">
-                <a:solidFill>
-                  <a:schemeClr val="tx1"/>
-                </a:solidFill>
-                <a:effectLst/>
-                <a:latin typeface="+mn-lt"/>
-                <a:ea typeface="+mn-ea"/>
-                <a:cs typeface="+mn-cs"/>
-              </a:rPr>
-              <a:t>Over 160 contributors and 550 commands</a:t>
-            </a:r>
-          </a:p>
-          <a:p>
-            <a:pPr marL="171450" indent="-171450">
-              <a:buFont typeface="Arial" panose="020B0604020202020204" pitchFamily="34" charset="0"/>
-              <a:buChar char="•"/>
-            </a:pPr>
-            <a:r>
-              <a:rPr lang="en-US" sz="1200" b="0" i="0" kern="1200" dirty="0">
-                <a:solidFill>
-                  <a:schemeClr val="tx1"/>
-                </a:solidFill>
-                <a:effectLst/>
-                <a:latin typeface="+mn-lt"/>
-                <a:ea typeface="+mn-ea"/>
-                <a:cs typeface="+mn-cs"/>
-              </a:rPr>
-              <a:t>Standardize naming</a:t>
-            </a:r>
-          </a:p>
-          <a:p>
-            <a:pPr marL="171450" indent="-171450">
-              <a:buFont typeface="Arial" panose="020B0604020202020204" pitchFamily="34" charset="0"/>
-              <a:buChar char="•"/>
-            </a:pPr>
-            <a:r>
-              <a:rPr lang="en-US" sz="1200" b="0" i="0" kern="1200" dirty="0">
-                <a:solidFill>
-                  <a:schemeClr val="tx1"/>
-                </a:solidFill>
-                <a:effectLst/>
-                <a:latin typeface="+mn-lt"/>
-                <a:ea typeface="+mn-ea"/>
-                <a:cs typeface="+mn-cs"/>
-              </a:rPr>
-              <a:t>Standardize parameters </a:t>
-            </a:r>
-          </a:p>
-          <a:p>
-            <a:endParaRPr lang="en-US" dirty="0"/>
-          </a:p>
-          <a:p>
-            <a:r>
-              <a:rPr lang="en-US" dirty="0"/>
-              <a:t>Talking to your company about </a:t>
-            </a:r>
-            <a:r>
-              <a:rPr lang="en-US" dirty="0" err="1"/>
-              <a:t>dbatools</a:t>
-            </a:r>
-            <a:r>
-              <a:rPr lang="en-US" dirty="0"/>
-              <a:t> - </a:t>
-            </a:r>
-            <a:r>
-              <a:rPr lang="en-US" dirty="0">
-                <a:hlinkClick r:id="rId4"/>
-              </a:rPr>
-              <a:t>https://dbatools.io/secure/</a:t>
-            </a:r>
-            <a:endParaRPr lang="en-US" dirty="0"/>
-          </a:p>
-          <a:p>
-            <a:pPr marL="171450" indent="-171450">
-              <a:buFont typeface="Arial" panose="020B0604020202020204" pitchFamily="34" charset="0"/>
-              <a:buChar char="•"/>
-            </a:pPr>
-            <a:r>
-              <a:rPr lang="en-US" dirty="0"/>
-              <a:t>PowerShell team works hard at “Secure by Design”</a:t>
-            </a:r>
-          </a:p>
-          <a:p>
-            <a:pPr marL="171450" indent="-171450">
-              <a:buFont typeface="Arial" panose="020B0604020202020204" pitchFamily="34" charset="0"/>
-              <a:buChar char="•"/>
-            </a:pPr>
-            <a:r>
-              <a:rPr lang="en-US" dirty="0"/>
-              <a:t>Code signed – verifies the code you receive hasn’t been modified by a third party. Chrissy &amp; Rob are the only people who can sign </a:t>
-            </a:r>
-            <a:r>
-              <a:rPr lang="en-US" dirty="0" err="1"/>
-              <a:t>dbatools</a:t>
-            </a:r>
-            <a:r>
-              <a:rPr lang="en-US" dirty="0"/>
-              <a:t> releases</a:t>
-            </a:r>
-          </a:p>
-          <a:p>
-            <a:pPr marL="171450" indent="-171450">
-              <a:buFont typeface="Arial" panose="020B0604020202020204" pitchFamily="34" charset="0"/>
-              <a:buChar char="•"/>
-            </a:pPr>
-            <a:r>
-              <a:rPr lang="en-US" dirty="0"/>
-              <a:t>Pester tests</a:t>
-            </a:r>
-          </a:p>
-          <a:p>
-            <a:pPr marL="171450" indent="-171450">
-              <a:buFont typeface="Arial" panose="020B0604020202020204" pitchFamily="34" charset="0"/>
-              <a:buChar char="•"/>
-            </a:pPr>
-            <a:r>
-              <a:rPr lang="en-US" dirty="0"/>
-              <a:t>Restricted merging to master branch</a:t>
-            </a:r>
-          </a:p>
-          <a:p>
-            <a:endParaRPr lang="en-US" sz="1200" b="0" i="0" kern="1200" dirty="0">
-              <a:solidFill>
-                <a:schemeClr val="tx1"/>
-              </a:solidFill>
-              <a:effectLst/>
-              <a:latin typeface="+mn-lt"/>
-              <a:ea typeface="+mn-ea"/>
-              <a:cs typeface="+mn-cs"/>
-            </a:endParaRPr>
           </a:p>
           <a:p>
             <a:r>
@@ -845,21 +696,155 @@
             </a:r>
           </a:p>
           <a:p>
+            <a:endParaRPr lang="en-US" dirty="0"/>
+          </a:p>
+          <a:p>
+            <a:pPr marL="0" marR="0" lvl="0" indent="0" algn="l" defTabSz="914400" rtl="0" eaLnBrk="1" fontAlgn="auto" latinLnBrk="0" hangingPunct="1">
+              <a:lnSpc>
+                <a:spcPct val="100000"/>
+              </a:lnSpc>
+              <a:spcBef>
+                <a:spcPts val="0"/>
+              </a:spcBef>
+              <a:spcAft>
+                <a:spcPts val="0"/>
+              </a:spcAft>
+              <a:buClrTx/>
+              <a:buSzTx/>
+              <a:buFontTx/>
+              <a:buNone/>
+              <a:tabLst/>
+              <a:defRPr/>
+            </a:pPr>
+            <a:r>
+              <a:rPr lang="en-US" dirty="0"/>
+              <a:t>MIT license - </a:t>
+            </a:r>
             <a:r>
               <a:rPr lang="en-US" dirty="0">
-                <a:hlinkClick r:id="rId5"/>
+                <a:hlinkClick r:id="rId3"/>
               </a:rPr>
-              <a:t>https://dbatools.io/meap/</a:t>
-            </a:r>
-            <a:endParaRPr lang="en-US" sz="1200" b="0" i="0" kern="1200" dirty="0">
-              <a:solidFill>
-                <a:schemeClr val="tx1"/>
-              </a:solidFill>
-              <a:effectLst/>
-              <a:latin typeface="+mn-lt"/>
-              <a:ea typeface="+mn-ea"/>
-              <a:cs typeface="+mn-cs"/>
-            </a:endParaRPr>
+              <a:t>https://dbatools.io/mit/</a:t>
+            </a:r>
+            <a:r>
+              <a:rPr lang="en-US" dirty="0"/>
+              <a:t> - only requirement is to maintain copywrite and license notices. </a:t>
+            </a:r>
+          </a:p>
+          <a:p>
+            <a:pPr marL="0" marR="0" lvl="0" indent="0" algn="l" defTabSz="914400" rtl="0" eaLnBrk="1" fontAlgn="auto" latinLnBrk="0" hangingPunct="1">
+              <a:lnSpc>
+                <a:spcPct val="100000"/>
+              </a:lnSpc>
+              <a:spcBef>
+                <a:spcPts val="0"/>
+              </a:spcBef>
+              <a:spcAft>
+                <a:spcPts val="0"/>
+              </a:spcAft>
+              <a:buClrTx/>
+              <a:buSzTx/>
+              <a:buFontTx/>
+              <a:buNone/>
+              <a:tabLst/>
+              <a:defRPr/>
+            </a:pPr>
+            <a:r>
+              <a:rPr lang="en-US" dirty="0"/>
+              <a:t>OK for private use or commercial use, modification, distribution</a:t>
+            </a:r>
+          </a:p>
+          <a:p>
+            <a:endParaRPr lang="en-US" dirty="0"/>
+          </a:p>
+          <a:p>
+            <a:r>
+              <a:rPr lang="en-US" dirty="0"/>
+              <a:t>Talking to your company about </a:t>
+            </a:r>
+            <a:r>
+              <a:rPr lang="en-US" dirty="0" err="1"/>
+              <a:t>dbatools</a:t>
+            </a:r>
+            <a:r>
+              <a:rPr lang="en-US" dirty="0"/>
+              <a:t> - </a:t>
+            </a:r>
+            <a:r>
+              <a:rPr lang="en-US" dirty="0">
+                <a:hlinkClick r:id="rId4"/>
+              </a:rPr>
+              <a:t>https://dbatools.io/secure/</a:t>
+            </a:r>
+            <a:endParaRPr lang="en-US" dirty="0"/>
+          </a:p>
+          <a:p>
+            <a:pPr marL="171450" indent="-171450">
+              <a:buFont typeface="Arial" panose="020B0604020202020204" pitchFamily="34" charset="0"/>
+              <a:buChar char="•"/>
+            </a:pPr>
+            <a:r>
+              <a:rPr lang="en-US" dirty="0"/>
+              <a:t>PowerShell team works hard at “Secure by Design”</a:t>
+            </a:r>
+          </a:p>
+          <a:p>
+            <a:pPr marL="171450" indent="-171450">
+              <a:buFont typeface="Arial" panose="020B0604020202020204" pitchFamily="34" charset="0"/>
+              <a:buChar char="•"/>
+            </a:pPr>
+            <a:r>
+              <a:rPr lang="en-US" dirty="0"/>
+              <a:t>Code signed – verifies the code you receive hasn’t been modified by a third party. Chrissy &amp; Rob are the only people who can sign </a:t>
+            </a:r>
+            <a:r>
+              <a:rPr lang="en-US" dirty="0" err="1"/>
+              <a:t>dbatools</a:t>
+            </a:r>
+            <a:r>
+              <a:rPr lang="en-US" dirty="0"/>
+              <a:t> releases</a:t>
+            </a:r>
+          </a:p>
+          <a:p>
+            <a:pPr marL="628650" lvl="1" indent="-171450">
+              <a:buFont typeface="Arial" panose="020B0604020202020204" pitchFamily="34" charset="0"/>
+              <a:buChar char="•"/>
+            </a:pPr>
+            <a:r>
+              <a:rPr lang="en-US" dirty="0"/>
+              <a:t>Enterprise ready</a:t>
+            </a:r>
+          </a:p>
+          <a:p>
+            <a:pPr marL="171450" indent="-171450">
+              <a:buFont typeface="Arial" panose="020B0604020202020204" pitchFamily="34" charset="0"/>
+              <a:buChar char="•"/>
+            </a:pPr>
+            <a:r>
+              <a:rPr lang="en-US" dirty="0"/>
+              <a:t>Pester tests</a:t>
+            </a:r>
+          </a:p>
+          <a:p>
+            <a:pPr marL="171450" indent="-171450">
+              <a:buFont typeface="Arial" panose="020B0604020202020204" pitchFamily="34" charset="0"/>
+              <a:buChar char="•"/>
+            </a:pPr>
+            <a:r>
+              <a:rPr lang="en-US" dirty="0"/>
+              <a:t>Restricted merging to master branch</a:t>
+            </a:r>
+          </a:p>
+          <a:p>
+            <a:pPr marL="171450" indent="-171450">
+              <a:buFont typeface="Arial" panose="020B0604020202020204" pitchFamily="34" charset="0"/>
+              <a:buChar char="•"/>
+            </a:pPr>
+            <a:r>
+              <a:rPr lang="en-US" dirty="0"/>
+              <a:t>PowerShell gallery runs an virus scan against the module </a:t>
+            </a:r>
           </a:p>
         </p:txBody>
       </p:sp>
@@ -889,7 +874,7 @@
     </p:spTree>
     <p:extLst>
       <p:ext uri="{BB962C8B-B14F-4D97-AF65-F5344CB8AC3E}">
-        <p14:creationId xmlns:p14="http://schemas.microsoft.com/office/powerpoint/2010/main" val="947307982"/>
+        <p14:creationId xmlns:p14="http://schemas.microsoft.com/office/powerpoint/2010/main" val="125188774"/>
       </p:ext>
     </p:extLst>
   </p:cSld>
@@ -944,30 +929,20 @@
           <a:lstStyle/>
           <a:p>
             <a:r>
-              <a:rPr lang="en-US"/>
-              <a:t>Enable Exception</a:t>
-            </a:r>
-          </a:p>
-          <a:p>
-            <a:endParaRPr lang="en-US"/>
-          </a:p>
-          <a:p>
-            <a:r>
-              <a:rPr lang="en-US"/>
-              <a:t>Backup-</a:t>
-            </a:r>
-            <a:r>
-              <a:rPr lang="en-US" err="1"/>
-              <a:t>DbaDatabase</a:t>
-            </a:r>
-            <a:r>
-              <a:rPr lang="en-US"/>
-              <a:t> – default is a full backup (not copy only)</a:t>
-            </a:r>
-          </a:p>
-          <a:p>
-            <a:r>
-              <a:rPr lang="en-US" sz="1200" b="0" i="0" kern="1200">
+              <a:rPr lang="en-US" dirty="0"/>
+              <a:t>2014 – Chrissy had to do a SharePoint migration – lot of databases/logins/jobs/etc.</a:t>
+            </a:r>
+          </a:p>
+          <a:p>
+            <a:endParaRPr lang="en-US" dirty="0"/>
+          </a:p>
+          <a:p>
+            <a:r>
+              <a:rPr lang="en-US" dirty="0"/>
+              <a:t>1.0 - </a:t>
+            </a:r>
+            <a:r>
+              <a:rPr lang="en-US" sz="1200" b="0" i="0" kern="1200" dirty="0">
                 <a:solidFill>
                   <a:schemeClr val="tx1"/>
                 </a:solidFill>
@@ -976,8 +951,105 @@
                 <a:ea typeface="+mn-ea"/>
                 <a:cs typeface="+mn-cs"/>
               </a:rPr>
-              <a:t>DATA_PURITY - Causes DBCC CHECKDB to check the database for column values that are not valid or out-of-range. For databases upgraded from earlier versions of SQL Server, column-value checks are not enabled by default until DBCC CHECKDB WITH DATA_PURITY has been run error free on the database</a:t>
-            </a:r>
+              <a:t>Over 160 contributors and 550 commands</a:t>
+            </a:r>
+          </a:p>
+          <a:p>
+            <a:pPr marL="171450" indent="-171450">
+              <a:buFont typeface="Arial" panose="020B0604020202020204" pitchFamily="34" charset="0"/>
+              <a:buChar char="•"/>
+            </a:pPr>
+            <a:r>
+              <a:rPr lang="en-US" sz="1200" b="0" i="0" kern="1200" dirty="0">
+                <a:solidFill>
+                  <a:schemeClr val="tx1"/>
+                </a:solidFill>
+                <a:effectLst/>
+                <a:latin typeface="+mn-lt"/>
+                <a:ea typeface="+mn-ea"/>
+                <a:cs typeface="+mn-cs"/>
+              </a:rPr>
+              <a:t>Standardize naming</a:t>
+            </a:r>
+          </a:p>
+          <a:p>
+            <a:pPr marL="171450" indent="-171450">
+              <a:buFont typeface="Arial" panose="020B0604020202020204" pitchFamily="34" charset="0"/>
+              <a:buChar char="•"/>
+            </a:pPr>
+            <a:r>
+              <a:rPr lang="en-US" sz="1200" b="0" i="0" kern="1200" dirty="0">
+                <a:solidFill>
+                  <a:schemeClr val="tx1"/>
+                </a:solidFill>
+                <a:effectLst/>
+                <a:latin typeface="+mn-lt"/>
+                <a:ea typeface="+mn-ea"/>
+                <a:cs typeface="+mn-cs"/>
+              </a:rPr>
+              <a:t>Standardize parameters </a:t>
+            </a:r>
+          </a:p>
+          <a:p>
+            <a:endParaRPr lang="en-US" dirty="0"/>
+          </a:p>
+          <a:p>
+            <a:r>
+              <a:rPr lang="en-US" dirty="0">
+                <a:hlinkClick r:id="rId3"/>
+              </a:rPr>
+              <a:t>https://dbatools.io/meap/</a:t>
+            </a:r>
+            <a:r>
+              <a:rPr lang="en-US" dirty="0"/>
+              <a:t> (6/26 chapters available)</a:t>
+            </a:r>
+          </a:p>
+          <a:p>
+            <a:endParaRPr lang="en-US" sz="1200" b="0" i="0" kern="1200" dirty="0">
+              <a:solidFill>
+                <a:schemeClr val="tx1"/>
+              </a:solidFill>
+              <a:effectLst/>
+              <a:latin typeface="+mn-lt"/>
+              <a:ea typeface="+mn-ea"/>
+              <a:cs typeface="+mn-cs"/>
+            </a:endParaRPr>
+          </a:p>
+          <a:p>
+            <a:r>
+              <a:rPr lang="en-US" sz="1200" b="0" i="0" kern="1200" dirty="0">
+                <a:solidFill>
+                  <a:schemeClr val="tx1"/>
+                </a:solidFill>
+                <a:effectLst/>
+                <a:latin typeface="+mn-lt"/>
+                <a:ea typeface="+mn-ea"/>
+                <a:cs typeface="+mn-cs"/>
+              </a:rPr>
+              <a:t>Early days – Chrissy would troll reddit, looking for common problems, automating them and then adding them to </a:t>
+            </a:r>
+            <a:r>
+              <a:rPr lang="en-US" sz="1200" b="0" i="0" kern="1200" dirty="0" err="1">
+                <a:solidFill>
+                  <a:schemeClr val="tx1"/>
+                </a:solidFill>
+                <a:effectLst/>
+                <a:latin typeface="+mn-lt"/>
+                <a:ea typeface="+mn-ea"/>
+                <a:cs typeface="+mn-cs"/>
+              </a:rPr>
+              <a:t>dbatools</a:t>
+            </a:r>
+            <a:endParaRPr lang="en-US" sz="1200" b="0" i="0" kern="1200" dirty="0">
+              <a:solidFill>
+                <a:schemeClr val="tx1"/>
+              </a:solidFill>
+              <a:effectLst/>
+              <a:latin typeface="+mn-lt"/>
+              <a:ea typeface="+mn-ea"/>
+              <a:cs typeface="+mn-cs"/>
+            </a:endParaRPr>
           </a:p>
         </p:txBody>
       </p:sp>
@@ -1007,7 +1079,7 @@
     </p:spTree>
     <p:extLst>
       <p:ext uri="{BB962C8B-B14F-4D97-AF65-F5344CB8AC3E}">
-        <p14:creationId xmlns:p14="http://schemas.microsoft.com/office/powerpoint/2010/main" val="3711910762"/>
+        <p14:creationId xmlns:p14="http://schemas.microsoft.com/office/powerpoint/2010/main" val="947307982"/>
       </p:ext>
     </p:extLst>
   </p:cSld>
@@ -1061,7 +1133,103 @@
           <a:bodyPr/>
           <a:lstStyle/>
           <a:p>
-            <a:endParaRPr lang="en-US"/>
+            <a:r>
+              <a:rPr lang="en-US" dirty="0"/>
+              <a:t>Enable Exception</a:t>
+            </a:r>
+          </a:p>
+          <a:p>
+            <a:endParaRPr lang="en-US" dirty="0"/>
+          </a:p>
+          <a:p>
+            <a:r>
+              <a:rPr lang="en-US" dirty="0"/>
+              <a:t>Backup-</a:t>
+            </a:r>
+            <a:r>
+              <a:rPr lang="en-US" dirty="0" err="1"/>
+              <a:t>DbaDatabase</a:t>
+            </a:r>
+            <a:r>
+              <a:rPr lang="en-US" dirty="0"/>
+              <a:t> – default is a full backup (not copy only)</a:t>
+            </a:r>
+          </a:p>
+          <a:p>
+            <a:r>
+              <a:rPr lang="en-US" sz="1200" b="0" i="0" kern="1200" dirty="0">
+                <a:solidFill>
+                  <a:schemeClr val="tx1"/>
+                </a:solidFill>
+                <a:effectLst/>
+                <a:latin typeface="+mn-lt"/>
+                <a:ea typeface="+mn-ea"/>
+                <a:cs typeface="+mn-cs"/>
+              </a:rPr>
+              <a:t>DATA_PURITY - Causes DBCC CHECKDB to check the database for column values that are not valid or out-of-range. </a:t>
+            </a:r>
+          </a:p>
+          <a:p>
+            <a:r>
+              <a:rPr lang="en-US" sz="1200" b="0" i="0" kern="1200" dirty="0">
+                <a:solidFill>
+                  <a:schemeClr val="tx1"/>
+                </a:solidFill>
+                <a:effectLst/>
+                <a:latin typeface="+mn-lt"/>
+                <a:ea typeface="+mn-ea"/>
+                <a:cs typeface="+mn-cs"/>
+              </a:rPr>
+              <a:t>For example</a:t>
+            </a:r>
+            <a:r>
+              <a:rPr lang="en-US" sz="1200" b="0" i="0" kern="1200">
+                <a:solidFill>
+                  <a:schemeClr val="tx1"/>
+                </a:solidFill>
+                <a:effectLst/>
+                <a:latin typeface="+mn-lt"/>
+                <a:ea typeface="+mn-ea"/>
+                <a:cs typeface="+mn-cs"/>
+              </a:rPr>
+              <a:t>, columns </a:t>
+            </a:r>
+            <a:r>
+              <a:rPr lang="en-US" sz="1200" b="0" i="0" kern="1200" dirty="0">
+                <a:solidFill>
+                  <a:schemeClr val="tx1"/>
+                </a:solidFill>
+                <a:effectLst/>
+                <a:latin typeface="+mn-lt"/>
+                <a:ea typeface="+mn-ea"/>
+                <a:cs typeface="+mn-cs"/>
+              </a:rPr>
+              <a:t>with date and time values that are larger than or less than the acceptable range for the </a:t>
+            </a:r>
+            <a:r>
+              <a:rPr lang="en-US" sz="1200" b="1" i="0" kern="1200" dirty="0">
+                <a:solidFill>
+                  <a:schemeClr val="tx1"/>
+                </a:solidFill>
+                <a:effectLst/>
+                <a:latin typeface="+mn-lt"/>
+                <a:ea typeface="+mn-ea"/>
+                <a:cs typeface="+mn-cs"/>
+              </a:rPr>
+              <a:t>datetime</a:t>
+            </a:r>
+            <a:r>
+              <a:rPr lang="en-US" sz="1200" b="0" i="0" kern="1200" dirty="0">
+                <a:solidFill>
+                  <a:schemeClr val="tx1"/>
+                </a:solidFill>
+                <a:effectLst/>
+                <a:latin typeface="+mn-lt"/>
+                <a:ea typeface="+mn-ea"/>
+                <a:cs typeface="+mn-cs"/>
+              </a:rPr>
+              <a:t> data type;</a:t>
+            </a:r>
           </a:p>
         </p:txBody>
       </p:sp>
@@ -1080,9 +1248,93 @@
           <a:bodyPr/>
           <a:lstStyle/>
           <a:p>
+            <a:fld id="{0888DEC1-F2AB-4DD2-8E1F-AE80EFAA4036}" type="slidenum">
+              <a:rPr lang="en-US" smtClean="0"/>
+              <a:t>6</a:t>
+            </a:fld>
+            <a:endParaRPr lang="en-US"/>
+          </a:p>
+        </p:txBody>
+      </p:sp>
+    </p:spTree>
+    <p:extLst>
+      <p:ext uri="{BB962C8B-B14F-4D97-AF65-F5344CB8AC3E}">
+        <p14:creationId xmlns:p14="http://schemas.microsoft.com/office/powerpoint/2010/main" val="3711910762"/>
+      </p:ext>
+    </p:extLst>
+  </p:cSld>
+  <p:clrMapOvr>
+    <a:masterClrMapping/>
+  </p:clrMapOvr>
+</p:notes>
+</file>
+
+<file path=ppt/notesSlides/notesSlide5.xml><?xml version="1.0" encoding="utf-8"?>
+<p:notes xmlns:a="http://schemas.openxmlformats.org/drawingml/2006/main" xmlns:r="http://schemas.openxmlformats.org/officeDocument/2006/relationships" xmlns:p="http://schemas.openxmlformats.org/presentationml/2006/main">
+  <p:cSld>
+    <p:spTree>
+      <p:nvGrpSpPr>
+        <p:cNvPr id="1" name=""/>
+        <p:cNvGrpSpPr/>
+        <p:nvPr/>
+      </p:nvGrpSpPr>
+      <p:grpSpPr>
+        <a:xfrm>
+          <a:off x="0" y="0"/>
+          <a:ext cx="0" cy="0"/>
+          <a:chOff x="0" y="0"/>
+          <a:chExt cx="0" cy="0"/>
+        </a:xfrm>
+      </p:grpSpPr>
+      <p:sp>
+        <p:nvSpPr>
+          <p:cNvPr id="2" name="Slide Image Placeholder 1"/>
+          <p:cNvSpPr>
+            <a:spLocks noGrp="1" noRot="1" noChangeAspect="1"/>
+          </p:cNvSpPr>
+          <p:nvPr>
+            <p:ph type="sldImg"/>
+          </p:nvPr>
+        </p:nvSpPr>
+        <p:spPr/>
+      </p:sp>
+      <p:sp>
+        <p:nvSpPr>
+          <p:cNvPr id="3" name="Notes Placeholder 2"/>
+          <p:cNvSpPr>
+            <a:spLocks noGrp="1"/>
+          </p:cNvSpPr>
+          <p:nvPr>
+            <p:ph type="body" idx="1"/>
+          </p:nvPr>
+        </p:nvSpPr>
+        <p:spPr/>
+        <p:txBody>
+          <a:bodyPr/>
+          <a:lstStyle/>
+          <a:p>
+            <a:endParaRPr lang="en-US"/>
+          </a:p>
+        </p:txBody>
+      </p:sp>
+      <p:sp>
+        <p:nvSpPr>
+          <p:cNvPr id="4" name="Slide Number Placeholder 3"/>
+          <p:cNvSpPr>
+            <a:spLocks noGrp="1"/>
+          </p:cNvSpPr>
+          <p:nvPr>
+            <p:ph type="sldNum" sz="quarter" idx="5"/>
+          </p:nvPr>
+        </p:nvSpPr>
+        <p:spPr/>
+        <p:txBody>
+          <a:bodyPr/>
+          <a:lstStyle/>
+          <a:p>
             <a:fld id="{FE065C3E-6590-437D-A330-DEC8E2D2EEDE}" type="slidenum">
               <a:rPr lang="en-US" smtClean="0"/>
-              <a:t>7</a:t>
+              <a:t>8</a:t>
             </a:fld>
             <a:endParaRPr lang="en-US"/>
           </a:p>
@@ -2797,7 +3049,7 @@
           <a:p>
             <a:fld id="{6F7AEB39-490D-4470-BB4F-F7E09AA2B520}" type="datetimeFigureOut">
               <a:rPr lang="en-US" smtClean="0"/>
-              <a:t>12/2/2019</a:t>
+              <a:t>4/30/2020</a:t>
             </a:fld>
             <a:endParaRPr lang="en-US"/>
           </a:p>
@@ -3307,7 +3559,7 @@
           <a:p>
             <a:fld id="{6F7AEB39-490D-4470-BB4F-F7E09AA2B520}" type="datetimeFigureOut">
               <a:rPr lang="en-US" smtClean="0"/>
-              <a:t>12/2/2019</a:t>
+              <a:t>4/30/2020</a:t>
             </a:fld>
             <a:endParaRPr lang="en-US"/>
           </a:p>
@@ -6305,68 +6557,63 @@
           <a:lstStyle/>
           <a:p>
             <a:r>
-              <a:rPr lang="en-US"/>
-              <a:t>SQL Server DBA at Westfield Insurance, Ohio</a:t>
-            </a:r>
-          </a:p>
-          <a:p>
-            <a:r>
-              <a:rPr lang="en-US"/>
+              <a:rPr lang="en-US" dirty="0"/>
+              <a:t>Database Engineer</a:t>
+            </a:r>
+          </a:p>
+          <a:p>
+            <a:r>
+              <a:rPr lang="en-US" dirty="0"/>
               <a:t>Open Source Contributor</a:t>
             </a:r>
           </a:p>
           <a:p>
             <a:pPr lvl="1"/>
             <a:r>
-              <a:rPr lang="en-US" err="1"/>
+              <a:rPr lang="en-US" dirty="0" err="1"/>
               <a:t>dbatools</a:t>
             </a:r>
             <a:r>
-              <a:rPr lang="en-US"/>
+              <a:rPr lang="en-US" dirty="0"/>
               <a:t>, </a:t>
             </a:r>
             <a:r>
-              <a:rPr lang="en-US" err="1"/>
+              <a:rPr lang="en-US" dirty="0" err="1"/>
               <a:t>dbachecks</a:t>
             </a:r>
             <a:r>
-              <a:rPr lang="en-US"/>
+              <a:rPr lang="en-US" dirty="0"/>
               <a:t>, </a:t>
             </a:r>
             <a:r>
-              <a:rPr lang="en-US" err="1"/>
+              <a:rPr lang="en-US" dirty="0" err="1"/>
               <a:t>SqlServerDsc</a:t>
             </a:r>
-            <a:endParaRPr lang="en-US"/>
-          </a:p>
-          <a:p>
-            <a:r>
-              <a:rPr lang="en-US"/>
+            <a:endParaRPr lang="en-US" dirty="0"/>
+          </a:p>
+          <a:p>
+            <a:r>
+              <a:rPr lang="en-US" dirty="0"/>
               <a:t>Passionate about SQL Server, PowerShell &amp; Proper Football</a:t>
             </a:r>
           </a:p>
           <a:p>
-            <a:endParaRPr lang="en-US"/>
-          </a:p>
-          <a:p>
-            <a:r>
-              <a:rPr lang="en-US">
+            <a:endParaRPr lang="en-US" dirty="0"/>
+          </a:p>
+          <a:p>
+            <a:r>
+              <a:rPr lang="en-US" dirty="0">
                 <a:hlinkClick r:id="rId2"/>
               </a:rPr>
               <a:t>jpomfret7@gmail.com</a:t>
             </a:r>
-            <a:endParaRPr lang="en-US"/>
-          </a:p>
-          <a:p>
-            <a:r>
-              <a:rPr lang="en-US"/>
-              <a:t>@</a:t>
-            </a:r>
-            <a:r>
-              <a:rPr lang="en-US" err="1"/>
-              <a:t>jpomfret</a:t>
-            </a:r>
-            <a:endParaRPr lang="en-US"/>
+            <a:endParaRPr lang="en-US" dirty="0"/>
+          </a:p>
+          <a:p>
+            <a:r>
+              <a:rPr lang="en-US" dirty="0"/>
+              <a:t>@jpomfret</a:t>
+            </a:r>
           </a:p>
         </p:txBody>
       </p:sp>
@@ -6392,14 +6639,49 @@
               </a:ext>
             </a:extLst>
           </a:blip>
+          <a:srcRect/>
+          <a:stretch/>
+        </p:blipFill>
+        <p:spPr>
+          <a:xfrm>
+            <a:off x="601762" y="2175930"/>
+            <a:ext cx="3886551" cy="4084819"/>
+          </a:xfrm>
+          <a:prstGeom prst="rect">
+            <a:avLst/>
+          </a:prstGeom>
+        </p:spPr>
+      </p:pic>
+      <p:pic>
+        <p:nvPicPr>
+          <p:cNvPr id="7" name="Picture 6" descr="A close up of a sign&#10;&#10;Description automatically generated">
+            <a:extLst>
+              <a:ext uri="{FF2B5EF4-FFF2-40B4-BE49-F238E27FC236}">
+                <a16:creationId xmlns:a16="http://schemas.microsoft.com/office/drawing/2014/main" id="{DC714AD4-83A8-4057-BC8E-2D231207D3CE}"/>
+              </a:ext>
+            </a:extLst>
+          </p:cNvPr>
+          <p:cNvPicPr>
+            <a:picLocks noChangeAspect="1"/>
+          </p:cNvPicPr>
+          <p:nvPr/>
+        </p:nvPicPr>
+        <p:blipFill>
+          <a:blip r:embed="rId4">
+            <a:extLst>
+              <a:ext uri="{28A0092B-C50C-407E-A947-70E740481C1C}">
+                <a14:useLocalDpi xmlns:a14="http://schemas.microsoft.com/office/drawing/2010/main" val="0"/>
+              </a:ext>
+            </a:extLst>
+          </a:blip>
           <a:stretch>
             <a:fillRect/>
           </a:stretch>
         </p:blipFill>
         <p:spPr>
           <a:xfrm>
-            <a:off x="502628" y="2175930"/>
-            <a:ext cx="4084819" cy="4084819"/>
+            <a:off x="10959546" y="4520250"/>
+            <a:ext cx="914402" cy="1447803"/>
           </a:xfrm>
           <a:prstGeom prst="rect">
             <a:avLst/>
@@ -6668,6 +6950,230 @@
           <p:cNvPr id="2" name="Title 1">
             <a:extLst>
               <a:ext uri="{FF2B5EF4-FFF2-40B4-BE49-F238E27FC236}">
+                <a16:creationId xmlns:a16="http://schemas.microsoft.com/office/drawing/2014/main" id="{C566FDFA-BBBF-433D-A172-9FD4CCC09FC4}"/>
+              </a:ext>
+            </a:extLst>
+          </p:cNvPr>
+          <p:cNvSpPr>
+            <a:spLocks noGrp="1"/>
+          </p:cNvSpPr>
+          <p:nvPr>
+            <p:ph type="title"/>
+          </p:nvPr>
+        </p:nvSpPr>
+        <p:spPr/>
+        <p:txBody>
+          <a:bodyPr/>
+          <a:lstStyle/>
+          <a:p>
+            <a:r>
+              <a:rPr lang="en-US" dirty="0"/>
+              <a:t>What is </a:t>
+            </a:r>
+            <a:r>
+              <a:rPr lang="en-US" dirty="0" err="1"/>
+              <a:t>dbatools</a:t>
+            </a:r>
+            <a:r>
+              <a:rPr lang="en-US" dirty="0"/>
+              <a:t>?</a:t>
+            </a:r>
+          </a:p>
+        </p:txBody>
+      </p:sp>
+      <p:sp>
+        <p:nvSpPr>
+          <p:cNvPr id="3" name="Content Placeholder 2">
+            <a:extLst>
+              <a:ext uri="{FF2B5EF4-FFF2-40B4-BE49-F238E27FC236}">
+                <a16:creationId xmlns:a16="http://schemas.microsoft.com/office/drawing/2014/main" id="{736C6DF0-9379-45E7-A275-7C7CB75D3C58}"/>
+              </a:ext>
+            </a:extLst>
+          </p:cNvPr>
+          <p:cNvSpPr>
+            <a:spLocks noGrp="1"/>
+          </p:cNvSpPr>
+          <p:nvPr>
+            <p:ph idx="1"/>
+          </p:nvPr>
+        </p:nvSpPr>
+        <p:spPr/>
+        <p:txBody>
+          <a:bodyPr>
+            <a:normAutofit fontScale="92500" lnSpcReduction="20000"/>
+          </a:bodyPr>
+          <a:lstStyle/>
+          <a:p>
+            <a:r>
+              <a:rPr lang="en-US" dirty="0"/>
+              <a:t>Open Source PowerShell Module</a:t>
+            </a:r>
+          </a:p>
+          <a:p>
+            <a:pPr lvl="1"/>
+            <a:r>
+              <a:rPr lang="en-US" dirty="0"/>
+              <a:t>Command line SSMS</a:t>
+            </a:r>
+          </a:p>
+          <a:p>
+            <a:pPr lvl="1"/>
+            <a:r>
+              <a:rPr lang="en-US" dirty="0"/>
+              <a:t>Great for handling multiples</a:t>
+            </a:r>
+          </a:p>
+          <a:p>
+            <a:pPr lvl="1"/>
+            <a:endParaRPr lang="en-US" dirty="0"/>
+          </a:p>
+          <a:p>
+            <a:r>
+              <a:rPr lang="en-US" dirty="0"/>
+              <a:t>MIT Licensed</a:t>
+            </a:r>
+          </a:p>
+          <a:p>
+            <a:pPr lvl="1"/>
+            <a:r>
+              <a:rPr lang="en-US" dirty="0"/>
+              <a:t>“A short and simple permissive license”</a:t>
+            </a:r>
+          </a:p>
+          <a:p>
+            <a:pPr lvl="1"/>
+            <a:endParaRPr lang="en-US" dirty="0"/>
+          </a:p>
+          <a:p>
+            <a:r>
+              <a:rPr lang="en-US" dirty="0"/>
+              <a:t>Secure!</a:t>
+            </a:r>
+          </a:p>
+          <a:p>
+            <a:pPr lvl="1"/>
+            <a:r>
+              <a:rPr lang="en-US" dirty="0"/>
+              <a:t>PowerShell - “Secure by Design”</a:t>
+            </a:r>
+          </a:p>
+          <a:p>
+            <a:pPr lvl="1"/>
+            <a:r>
+              <a:rPr lang="en-US" dirty="0"/>
+              <a:t>Code Signed</a:t>
+            </a:r>
+          </a:p>
+          <a:p>
+            <a:pPr lvl="1"/>
+            <a:r>
+              <a:rPr lang="en-US" dirty="0"/>
+              <a:t>Pester tests</a:t>
+            </a:r>
+          </a:p>
+          <a:p>
+            <a:pPr lvl="1"/>
+            <a:r>
+              <a:rPr lang="en-US" dirty="0"/>
+              <a:t>Branch policies</a:t>
+            </a:r>
+          </a:p>
+          <a:p>
+            <a:endParaRPr lang="en-US" dirty="0"/>
+          </a:p>
+          <a:p>
+            <a:pPr marL="0" indent="0">
+              <a:buNone/>
+            </a:pPr>
+            <a:endParaRPr lang="en-US" dirty="0"/>
+          </a:p>
+          <a:p>
+            <a:endParaRPr lang="en-US" dirty="0"/>
+          </a:p>
+        </p:txBody>
+      </p:sp>
+      <p:pic>
+        <p:nvPicPr>
+          <p:cNvPr id="1028" name="Picture 4">
+            <a:extLst>
+              <a:ext uri="{FF2B5EF4-FFF2-40B4-BE49-F238E27FC236}">
+                <a16:creationId xmlns:a16="http://schemas.microsoft.com/office/drawing/2014/main" id="{F6A3B461-7BE6-48B5-8D69-D3B4EB47B35D}"/>
+              </a:ext>
+            </a:extLst>
+          </p:cNvPr>
+          <p:cNvPicPr>
+            <a:picLocks noChangeAspect="1" noChangeArrowheads="1"/>
+          </p:cNvPicPr>
+          <p:nvPr/>
+        </p:nvPicPr>
+        <p:blipFill>
+          <a:blip r:embed="rId3">
+            <a:extLst>
+              <a:ext uri="{28A0092B-C50C-407E-A947-70E740481C1C}">
+                <a14:useLocalDpi xmlns:a14="http://schemas.microsoft.com/office/drawing/2010/main" val="0"/>
+              </a:ext>
+            </a:extLst>
+          </a:blip>
+          <a:srcRect/>
+          <a:stretch>
+            <a:fillRect/>
+          </a:stretch>
+        </p:blipFill>
+        <p:spPr bwMode="auto">
+          <a:xfrm>
+            <a:off x="9578454" y="2996648"/>
+            <a:ext cx="2286000" cy="2857500"/>
+          </a:xfrm>
+          <a:prstGeom prst="rect">
+            <a:avLst/>
+          </a:prstGeom>
+          <a:noFill/>
+          <a:extLst>
+            <a:ext uri="{909E8E84-426E-40DD-AFC4-6F175D3DCCD1}">
+              <a14:hiddenFill xmlns:a14="http://schemas.microsoft.com/office/drawing/2010/main">
+                <a:solidFill>
+                  <a:srgbClr val="FFFFFF"/>
+                </a:solidFill>
+              </a14:hiddenFill>
+            </a:ext>
+          </a:extLst>
+        </p:spPr>
+      </p:pic>
+    </p:spTree>
+    <p:extLst>
+      <p:ext uri="{BB962C8B-B14F-4D97-AF65-F5344CB8AC3E}">
+        <p14:creationId xmlns:p14="http://schemas.microsoft.com/office/powerpoint/2010/main" val="2099019490"/>
+      </p:ext>
+    </p:extLst>
+  </p:cSld>
+  <p:clrMapOvr>
+    <a:masterClrMapping/>
+  </p:clrMapOvr>
+</p:sld>
+</file>
+
+<file path=ppt/slides/slide5.xml><?xml version="1.0" encoding="utf-8"?>
+<p:sld xmlns:a="http://schemas.openxmlformats.org/drawingml/2006/main" xmlns:r="http://schemas.openxmlformats.org/officeDocument/2006/relationships" xmlns:p="http://schemas.openxmlformats.org/presentationml/2006/main">
+  <p:cSld>
+    <p:spTree>
+      <p:nvGrpSpPr>
+        <p:cNvPr id="1" name=""/>
+        <p:cNvGrpSpPr/>
+        <p:nvPr/>
+      </p:nvGrpSpPr>
+      <p:grpSpPr>
+        <a:xfrm>
+          <a:off x="0" y="0"/>
+          <a:ext cx="0" cy="0"/>
+          <a:chOff x="0" y="0"/>
+          <a:chExt cx="0" cy="0"/>
+        </a:xfrm>
+      </p:grpSpPr>
+      <p:sp>
+        <p:nvSpPr>
+          <p:cNvPr id="2" name="Title 1">
+            <a:extLst>
+              <a:ext uri="{FF2B5EF4-FFF2-40B4-BE49-F238E27FC236}">
                 <a16:creationId xmlns:a16="http://schemas.microsoft.com/office/drawing/2014/main" id="{F9DDD8BB-C850-4B3C-BF45-E76343CF57D0}"/>
               </a:ext>
             </a:extLst>
@@ -6714,84 +7220,72 @@
         <p:spPr/>
         <p:txBody>
           <a:bodyPr>
-            <a:normAutofit fontScale="85000" lnSpcReduction="20000"/>
+            <a:normAutofit/>
           </a:bodyPr>
           <a:lstStyle/>
           <a:p>
             <a:r>
-              <a:rPr lang="en-US" dirty="0"/>
+              <a:rPr lang="en-US" sz="3200" dirty="0"/>
               <a:t>Created by Chrissy </a:t>
             </a:r>
             <a:r>
-              <a:rPr lang="en-US" dirty="0" err="1"/>
+              <a:rPr lang="en-US" sz="3200" dirty="0" err="1"/>
               <a:t>LeMaire</a:t>
             </a:r>
             <a:r>
-              <a:rPr lang="en-US" dirty="0"/>
+              <a:rPr lang="en-US" sz="3200" dirty="0"/>
               <a:t> to migrate SharePoint instances</a:t>
             </a:r>
           </a:p>
           <a:p>
             <a:r>
-              <a:rPr lang="en-US" dirty="0"/>
+              <a:rPr lang="en-US" sz="3200" dirty="0"/>
               <a:t>September 2015 – First commit to GitHub</a:t>
             </a:r>
           </a:p>
           <a:p>
             <a:r>
-              <a:rPr lang="en-US" dirty="0"/>
+              <a:rPr lang="en-US" sz="3200" dirty="0"/>
               <a:t>June 2019 – 1.0 launch at </a:t>
             </a:r>
             <a:r>
-              <a:rPr lang="en-US" dirty="0" err="1"/>
+              <a:rPr lang="en-US" sz="3200" dirty="0" err="1"/>
               <a:t>DataGrillen</a:t>
             </a:r>
-            <a:endParaRPr lang="en-US" dirty="0"/>
-          </a:p>
-          <a:p>
-            <a:endParaRPr lang="en-US" dirty="0"/>
-          </a:p>
-          <a:p>
-            <a:r>
-              <a:rPr lang="en-US" dirty="0"/>
-              <a:t>MIT Licensed</a:t>
-            </a:r>
-          </a:p>
-          <a:p>
-            <a:r>
-              <a:rPr lang="en-US" dirty="0"/>
-              <a:t>Secure!</a:t>
-            </a:r>
-          </a:p>
-          <a:p>
-            <a:endParaRPr lang="en-US" dirty="0"/>
-          </a:p>
-          <a:p>
-            <a:r>
-              <a:rPr lang="en-US" dirty="0"/>
-              <a:t>575 Functions (as of 12/2/2019) – v1.0.74</a:t>
-            </a:r>
-          </a:p>
-          <a:p>
-            <a:r>
-              <a:rPr lang="en-US" dirty="0"/>
-              <a:t>500+ pester tests</a:t>
-            </a:r>
-          </a:p>
-          <a:p>
-            <a:endParaRPr lang="en-US" dirty="0"/>
-          </a:p>
-          <a:p>
-            <a:r>
-              <a:rPr lang="en-US" dirty="0"/>
+            <a:endParaRPr lang="en-US" sz="3200" dirty="0"/>
+          </a:p>
+          <a:p>
+            <a:pPr marL="0" indent="0">
+              <a:buNone/>
+            </a:pPr>
+            <a:endParaRPr lang="en-US" sz="3200" dirty="0"/>
+          </a:p>
+          <a:p>
+            <a:r>
+              <a:rPr lang="en-US" sz="3200" dirty="0"/>
+              <a:t>579 Functions (as of 30/4/2020) – v1.0.107</a:t>
+            </a:r>
+          </a:p>
+          <a:p>
+            <a:r>
+              <a:rPr lang="en-US" sz="3200" dirty="0"/>
+              <a:t>590 Pester tests</a:t>
+            </a:r>
+          </a:p>
+          <a:p>
+            <a:endParaRPr lang="en-US" sz="3200" dirty="0"/>
+          </a:p>
+          <a:p>
+            <a:r>
+              <a:rPr lang="en-US" sz="3200" dirty="0"/>
               <a:t>Learn </a:t>
             </a:r>
             <a:r>
-              <a:rPr lang="en-US" dirty="0" err="1"/>
+              <a:rPr lang="en-US" sz="3200" dirty="0" err="1"/>
               <a:t>dbatools</a:t>
             </a:r>
             <a:r>
-              <a:rPr lang="en-US" dirty="0"/>
+              <a:rPr lang="en-US" sz="3200" dirty="0"/>
               <a:t> in a Month of Lunches</a:t>
             </a:r>
           </a:p>
@@ -6819,7 +7313,7 @@
         </p:blipFill>
         <p:spPr>
           <a:xfrm>
-            <a:off x="8770396" y="2651615"/>
+            <a:off x="9437146" y="2508678"/>
             <a:ext cx="2583404" cy="3345470"/>
           </a:xfrm>
           <a:prstGeom prst="rect">
@@ -6830,7 +7324,7 @@
     </p:spTree>
     <p:extLst>
       <p:ext uri="{BB962C8B-B14F-4D97-AF65-F5344CB8AC3E}">
-        <p14:creationId xmlns:p14="http://schemas.microsoft.com/office/powerpoint/2010/main" val="3109138671"/>
+        <p14:creationId xmlns:p14="http://schemas.microsoft.com/office/powerpoint/2010/main" val="801098981"/>
       </p:ext>
     </p:extLst>
   </p:cSld>
@@ -6915,107 +7409,6 @@
 </p:sld>
 </file>
 
-<file path=ppt/slides/slide5.xml><?xml version="1.0" encoding="utf-8"?>
-<p:sld xmlns:a="http://schemas.openxmlformats.org/drawingml/2006/main" xmlns:r="http://schemas.openxmlformats.org/officeDocument/2006/relationships" xmlns:p="http://schemas.openxmlformats.org/presentationml/2006/main">
-  <p:cSld>
-    <p:spTree>
-      <p:nvGrpSpPr>
-        <p:cNvPr id="1" name=""/>
-        <p:cNvGrpSpPr/>
-        <p:nvPr/>
-      </p:nvGrpSpPr>
-      <p:grpSpPr>
-        <a:xfrm>
-          <a:off x="0" y="0"/>
-          <a:ext cx="0" cy="0"/>
-          <a:chOff x="0" y="0"/>
-          <a:chExt cx="0" cy="0"/>
-        </a:xfrm>
-      </p:grpSpPr>
-      <p:sp>
-        <p:nvSpPr>
-          <p:cNvPr id="2" name="Title 1">
-            <a:extLst>
-              <a:ext uri="{FF2B5EF4-FFF2-40B4-BE49-F238E27FC236}">
-                <a16:creationId xmlns:a16="http://schemas.microsoft.com/office/drawing/2014/main" id="{8D422263-0412-436C-BE7A-EF75789E4BDD}"/>
-              </a:ext>
-            </a:extLst>
-          </p:cNvPr>
-          <p:cNvSpPr>
-            <a:spLocks noGrp="1"/>
-          </p:cNvSpPr>
-          <p:nvPr>
-            <p:ph type="title"/>
-          </p:nvPr>
-        </p:nvSpPr>
-        <p:spPr/>
-        <p:txBody>
-          <a:bodyPr/>
-          <a:lstStyle/>
-          <a:p>
-            <a:r>
-              <a:rPr lang="en-US"/>
-              <a:t>Demo Time</a:t>
-            </a:r>
-          </a:p>
-        </p:txBody>
-      </p:sp>
-      <p:sp>
-        <p:nvSpPr>
-          <p:cNvPr id="3" name="Content Placeholder 2">
-            <a:extLst>
-              <a:ext uri="{FF2B5EF4-FFF2-40B4-BE49-F238E27FC236}">
-                <a16:creationId xmlns:a16="http://schemas.microsoft.com/office/drawing/2014/main" id="{373F1335-4328-4E58-94A0-BDBC5F307700}"/>
-              </a:ext>
-            </a:extLst>
-          </p:cNvPr>
-          <p:cNvSpPr>
-            <a:spLocks noGrp="1"/>
-          </p:cNvSpPr>
-          <p:nvPr>
-            <p:ph idx="1"/>
-          </p:nvPr>
-        </p:nvSpPr>
-        <p:spPr/>
-        <p:txBody>
-          <a:bodyPr/>
-          <a:lstStyle/>
-          <a:p>
-            <a:pPr marL="0" indent="0">
-              <a:buNone/>
-            </a:pPr>
-            <a:r>
-              <a:rPr lang="en-US"/>
-              <a:t>Demo Files available here:</a:t>
-            </a:r>
-          </a:p>
-          <a:p>
-            <a:pPr marL="0" indent="0">
-              <a:buNone/>
-            </a:pPr>
-            <a:r>
-              <a:rPr lang="en-US" sz="2800">
-                <a:hlinkClick r:id="rId3"/>
-              </a:rPr>
-              <a:t>https://github.com/jpomfret/demos/tree/master/LifeHacks_dbatools</a:t>
-            </a:r>
-            <a:endParaRPr lang="en-US" sz="2800"/>
-          </a:p>
-        </p:txBody>
-      </p:sp>
-    </p:spTree>
-    <p:extLst>
-      <p:ext uri="{BB962C8B-B14F-4D97-AF65-F5344CB8AC3E}">
-        <p14:creationId xmlns:p14="http://schemas.microsoft.com/office/powerpoint/2010/main" val="1710610017"/>
-      </p:ext>
-    </p:extLst>
-  </p:cSld>
-  <p:clrMapOvr>
-    <a:masterClrMapping/>
-  </p:clrMapOvr>
-</p:sld>
-</file>
-
 <file path=ppt/slides/slide6.xml><?xml version="1.0" encoding="utf-8"?>
 <p:sld xmlns:a="http://schemas.openxmlformats.org/drawingml/2006/main" xmlns:r="http://schemas.openxmlformats.org/officeDocument/2006/relationships" xmlns:p="http://schemas.openxmlformats.org/presentationml/2006/main">
   <p:cSld>
@@ -7038,6 +7431,107 @@
           <p:cNvPr id="2" name="Title 1">
             <a:extLst>
               <a:ext uri="{FF2B5EF4-FFF2-40B4-BE49-F238E27FC236}">
+                <a16:creationId xmlns:a16="http://schemas.microsoft.com/office/drawing/2014/main" id="{8D422263-0412-436C-BE7A-EF75789E4BDD}"/>
+              </a:ext>
+            </a:extLst>
+          </p:cNvPr>
+          <p:cNvSpPr>
+            <a:spLocks noGrp="1"/>
+          </p:cNvSpPr>
+          <p:nvPr>
+            <p:ph type="title"/>
+          </p:nvPr>
+        </p:nvSpPr>
+        <p:spPr/>
+        <p:txBody>
+          <a:bodyPr/>
+          <a:lstStyle/>
+          <a:p>
+            <a:r>
+              <a:rPr lang="en-US"/>
+              <a:t>Demo Time</a:t>
+            </a:r>
+          </a:p>
+        </p:txBody>
+      </p:sp>
+      <p:sp>
+        <p:nvSpPr>
+          <p:cNvPr id="3" name="Content Placeholder 2">
+            <a:extLst>
+              <a:ext uri="{FF2B5EF4-FFF2-40B4-BE49-F238E27FC236}">
+                <a16:creationId xmlns:a16="http://schemas.microsoft.com/office/drawing/2014/main" id="{373F1335-4328-4E58-94A0-BDBC5F307700}"/>
+              </a:ext>
+            </a:extLst>
+          </p:cNvPr>
+          <p:cNvSpPr>
+            <a:spLocks noGrp="1"/>
+          </p:cNvSpPr>
+          <p:nvPr>
+            <p:ph idx="1"/>
+          </p:nvPr>
+        </p:nvSpPr>
+        <p:spPr/>
+        <p:txBody>
+          <a:bodyPr/>
+          <a:lstStyle/>
+          <a:p>
+            <a:pPr marL="0" indent="0">
+              <a:buNone/>
+            </a:pPr>
+            <a:r>
+              <a:rPr lang="en-US"/>
+              <a:t>Demo Files available here:</a:t>
+            </a:r>
+          </a:p>
+          <a:p>
+            <a:pPr marL="0" indent="0">
+              <a:buNone/>
+            </a:pPr>
+            <a:r>
+              <a:rPr lang="en-US" sz="2800">
+                <a:hlinkClick r:id="rId3"/>
+              </a:rPr>
+              <a:t>https://github.com/jpomfret/demos/tree/master/LifeHacks_dbatools</a:t>
+            </a:r>
+            <a:endParaRPr lang="en-US" sz="2800"/>
+          </a:p>
+        </p:txBody>
+      </p:sp>
+    </p:spTree>
+    <p:extLst>
+      <p:ext uri="{BB962C8B-B14F-4D97-AF65-F5344CB8AC3E}">
+        <p14:creationId xmlns:p14="http://schemas.microsoft.com/office/powerpoint/2010/main" val="1710610017"/>
+      </p:ext>
+    </p:extLst>
+  </p:cSld>
+  <p:clrMapOvr>
+    <a:masterClrMapping/>
+  </p:clrMapOvr>
+</p:sld>
+</file>
+
+<file path=ppt/slides/slide7.xml><?xml version="1.0" encoding="utf-8"?>
+<p:sld xmlns:a="http://schemas.openxmlformats.org/drawingml/2006/main" xmlns:r="http://schemas.openxmlformats.org/officeDocument/2006/relationships" xmlns:p="http://schemas.openxmlformats.org/presentationml/2006/main">
+  <p:cSld>
+    <p:spTree>
+      <p:nvGrpSpPr>
+        <p:cNvPr id="1" name=""/>
+        <p:cNvGrpSpPr/>
+        <p:nvPr/>
+      </p:nvGrpSpPr>
+      <p:grpSpPr>
+        <a:xfrm>
+          <a:off x="0" y="0"/>
+          <a:ext cx="0" cy="0"/>
+          <a:chOff x="0" y="0"/>
+          <a:chExt cx="0" cy="0"/>
+        </a:xfrm>
+      </p:grpSpPr>
+      <p:sp>
+        <p:nvSpPr>
+          <p:cNvPr id="2" name="Title 1">
+            <a:extLst>
+              <a:ext uri="{FF2B5EF4-FFF2-40B4-BE49-F238E27FC236}">
                 <a16:creationId xmlns:a16="http://schemas.microsoft.com/office/drawing/2014/main" id="{4867FBAA-F213-4F01-B509-33CC7B3B7F47}"/>
               </a:ext>
             </a:extLst>
@@ -7221,7 +7715,7 @@
 </p:sld>
 </file>
 
-<file path=ppt/slides/slide7.xml><?xml version="1.0" encoding="utf-8"?>
+<file path=ppt/slides/slide8.xml><?xml version="1.0" encoding="utf-8"?>
 <p:sld xmlns:a="http://schemas.openxmlformats.org/drawingml/2006/main" xmlns:r="http://schemas.openxmlformats.org/officeDocument/2006/relationships" xmlns:p="http://schemas.openxmlformats.org/presentationml/2006/main">
   <p:cSld>
     <p:spTree>

--- a/LifeHacks_dbatools/LifeHacks_dbatools.pptx
+++ b/LifeHacks_dbatools/LifeHacks_dbatools.pptx
@@ -212,7 +212,7 @@
           <a:p>
             <a:fld id="{1F8C9BAC-5605-4961-A752-FD19D2B395B1}" type="datetimeFigureOut">
               <a:rPr lang="en-US" smtClean="0"/>
-              <a:t>4/30/2020</a:t>
+              <a:t>5/2/2020</a:t>
             </a:fld>
             <a:endParaRPr lang="en-US"/>
           </a:p>
@@ -785,7 +785,7 @@
             </a:pPr>
             <a:r>
               <a:rPr lang="en-US" dirty="0"/>
-              <a:t>PowerShell team works hard at “Secure by Design”</a:t>
+              <a:t>PowerShell team works hard at “Secure by Design” approach</a:t>
             </a:r>
           </a:p>
           <a:p>
@@ -843,8 +843,61 @@
             </a:pPr>
             <a:r>
               <a:rPr lang="en-US" dirty="0"/>
-              <a:t>PowerShell gallery runs an virus scan against the module </a:t>
-            </a:r>
+              <a:t>PowerShell gallery runs a virus scan against the module </a:t>
+            </a:r>
+          </a:p>
+          <a:p>
+            <a:pPr marL="171450" indent="-171450">
+              <a:buFont typeface="Arial" panose="020B0604020202020204" pitchFamily="34" charset="0"/>
+              <a:buChar char="•"/>
+            </a:pPr>
+            <a:endParaRPr lang="en-US" dirty="0"/>
+          </a:p>
+          <a:p>
+            <a:pPr marL="171450" indent="-171450">
+              <a:buFont typeface="Arial" panose="020B0604020202020204" pitchFamily="34" charset="0"/>
+              <a:buChar char="•"/>
+            </a:pPr>
+            <a:endParaRPr lang="en-US" dirty="0"/>
+          </a:p>
+          <a:p>
+            <a:pPr marL="0" indent="0">
+              <a:buFont typeface="Arial" panose="020B0604020202020204" pitchFamily="34" charset="0"/>
+              <a:buNone/>
+            </a:pPr>
+            <a:r>
+              <a:rPr lang="en-US" dirty="0"/>
+              <a:t>DevOps Collective &amp; </a:t>
+            </a:r>
+            <a:r>
+              <a:rPr lang="en-US" dirty="0" err="1"/>
+              <a:t>PowerShell.Org</a:t>
+            </a:r>
+            <a:r>
+              <a:rPr lang="en-US" dirty="0"/>
+              <a:t> announced last night that </a:t>
+            </a:r>
+            <a:r>
+              <a:rPr lang="en-US" dirty="0" err="1"/>
+              <a:t>dbatools</a:t>
+            </a:r>
+            <a:r>
+              <a:rPr lang="en-US" dirty="0"/>
+              <a:t> would be the 2020 recipient for the </a:t>
+            </a:r>
+            <a:r>
+              <a:rPr lang="en-US" sz="1200" b="0" i="0" kern="1200" dirty="0">
+                <a:solidFill>
+                  <a:schemeClr val="tx1"/>
+                </a:solidFill>
+                <a:effectLst/>
+                <a:latin typeface="+mn-lt"/>
+                <a:ea typeface="+mn-ea"/>
+                <a:cs typeface="+mn-cs"/>
+              </a:rPr>
+              <a:t>Git-Grant program.</a:t>
+            </a:r>
+            <a:endParaRPr lang="en-US" dirty="0"/>
           </a:p>
         </p:txBody>
       </p:sp>
@@ -1002,7 +1055,7 @@
             </a:r>
             <a:r>
               <a:rPr lang="en-US" dirty="0"/>
-              <a:t> (6/26 chapters available)</a:t>
+              <a:t> (8/26 chapters available)</a:t>
             </a:r>
           </a:p>
           <a:p>
@@ -1313,7 +1366,10 @@
           <a:bodyPr/>
           <a:lstStyle/>
           <a:p>
-            <a:endParaRPr lang="en-US"/>
+            <a:r>
+              <a:rPr lang="en-US"/>
+              <a:t>14:30 – 15:30</a:t>
+            </a:r>
           </a:p>
         </p:txBody>
       </p:sp>
@@ -3049,7 +3105,7 @@
           <a:p>
             <a:fld id="{6F7AEB39-490D-4470-BB4F-F7E09AA2B520}" type="datetimeFigureOut">
               <a:rPr lang="en-US" smtClean="0"/>
-              <a:t>4/30/2020</a:t>
+              <a:t>5/2/2020</a:t>
             </a:fld>
             <a:endParaRPr lang="en-US"/>
           </a:p>
@@ -3559,7 +3615,7 @@
           <a:p>
             <a:fld id="{6F7AEB39-490D-4470-BB4F-F7E09AA2B520}" type="datetimeFigureOut">
               <a:rPr lang="en-US" smtClean="0"/>
-              <a:t>4/30/2020</a:t>
+              <a:t>5/2/2020</a:t>
             </a:fld>
             <a:endParaRPr lang="en-US"/>
           </a:p>
@@ -7139,6 +7195,36 @@
           </a:extLst>
         </p:spPr>
       </p:pic>
+      <p:pic>
+        <p:nvPicPr>
+          <p:cNvPr id="6" name="Picture 5">
+            <a:extLst>
+              <a:ext uri="{FF2B5EF4-FFF2-40B4-BE49-F238E27FC236}">
+                <a16:creationId xmlns:a16="http://schemas.microsoft.com/office/drawing/2014/main" id="{D6393033-CECE-4234-9F02-3B045F02642A}"/>
+              </a:ext>
+            </a:extLst>
+          </p:cNvPr>
+          <p:cNvPicPr>
+            <a:picLocks noChangeAspect="1"/>
+          </p:cNvPicPr>
+          <p:nvPr/>
+        </p:nvPicPr>
+        <p:blipFill>
+          <a:blip r:embed="rId4"/>
+          <a:stretch>
+            <a:fillRect/>
+          </a:stretch>
+        </p:blipFill>
+        <p:spPr>
+          <a:xfrm>
+            <a:off x="7985544" y="1003852"/>
+            <a:ext cx="3802710" cy="1143099"/>
+          </a:xfrm>
+          <a:prstGeom prst="rect">
+            <a:avLst/>
+          </a:prstGeom>
+        </p:spPr>
+      </p:pic>
     </p:spTree>
     <p:extLst>
       <p:ext uri="{BB962C8B-B14F-4D97-AF65-F5344CB8AC3E}">
@@ -7149,6 +7235,81 @@
   <p:clrMapOvr>
     <a:masterClrMapping/>
   </p:clrMapOvr>
+  <p:timing>
+    <p:tnLst>
+      <p:par>
+        <p:cTn id="1" dur="indefinite" restart="never" nodeType="tmRoot">
+          <p:childTnLst>
+            <p:seq concurrent="1" nextAc="seek">
+              <p:cTn id="2" dur="indefinite" nodeType="mainSeq">
+                <p:childTnLst>
+                  <p:par>
+                    <p:cTn id="3" fill="hold">
+                      <p:stCondLst>
+                        <p:cond delay="indefinite"/>
+                      </p:stCondLst>
+                      <p:childTnLst>
+                        <p:par>
+                          <p:cTn id="4" fill="hold">
+                            <p:stCondLst>
+                              <p:cond delay="0"/>
+                            </p:stCondLst>
+                            <p:childTnLst>
+                              <p:par>
+                                <p:cTn id="5" presetID="1" presetClass="entr" presetSubtype="0" fill="hold" nodeType="clickEffect">
+                                  <p:stCondLst>
+                                    <p:cond delay="0"/>
+                                  </p:stCondLst>
+                                  <p:childTnLst>
+                                    <p:set>
+                                      <p:cBhvr>
+                                        <p:cTn id="6" dur="1" fill="hold">
+                                          <p:stCondLst>
+                                            <p:cond delay="0"/>
+                                          </p:stCondLst>
+                                        </p:cTn>
+                                        <p:tgtEl>
+                                          <p:spTgt spid="6"/>
+                                        </p:tgtEl>
+                                        <p:attrNameLst>
+                                          <p:attrName>style.visibility</p:attrName>
+                                        </p:attrNameLst>
+                                      </p:cBhvr>
+                                      <p:to>
+                                        <p:strVal val="visible"/>
+                                      </p:to>
+                                    </p:set>
+                                  </p:childTnLst>
+                                </p:cTn>
+                              </p:par>
+                            </p:childTnLst>
+                          </p:cTn>
+                        </p:par>
+                      </p:childTnLst>
+                    </p:cTn>
+                  </p:par>
+                </p:childTnLst>
+              </p:cTn>
+              <p:prevCondLst>
+                <p:cond evt="onPrev" delay="0">
+                  <p:tgtEl>
+                    <p:sldTgt/>
+                  </p:tgtEl>
+                </p:cond>
+              </p:prevCondLst>
+              <p:nextCondLst>
+                <p:cond evt="onNext" delay="0">
+                  <p:tgtEl>
+                    <p:sldTgt/>
+                  </p:tgtEl>
+                </p:cond>
+              </p:nextCondLst>
+            </p:seq>
+          </p:childTnLst>
+        </p:cTn>
+      </p:par>
+    </p:tnLst>
+  </p:timing>
 </p:sld>
 </file>
 
@@ -7779,59 +7940,62 @@
         <p:spPr/>
         <p:txBody>
           <a:bodyPr>
-            <a:normAutofit/>
+            <a:normAutofit fontScale="92500" lnSpcReduction="10000"/>
           </a:bodyPr>
           <a:lstStyle/>
           <a:p>
             <a:r>
-              <a:rPr lang="en-US"/>
+              <a:rPr lang="en-US" dirty="0"/>
               <a:t>Jess Pomfret</a:t>
             </a:r>
           </a:p>
           <a:p>
-            <a:endParaRPr lang="en-US"/>
-          </a:p>
-          <a:p>
-            <a:r>
-              <a:rPr lang="en-US">
+            <a:endParaRPr lang="en-US" dirty="0"/>
+          </a:p>
+          <a:p>
+            <a:r>
+              <a:rPr lang="en-US" dirty="0">
                 <a:hlinkClick r:id="rId3"/>
               </a:rPr>
               <a:t>jpomfret7@gmail.com</a:t>
             </a:r>
-            <a:endParaRPr lang="en-US"/>
-          </a:p>
-          <a:p>
-            <a:r>
-              <a:rPr lang="en-US"/>
+            <a:endParaRPr lang="en-US" dirty="0"/>
+          </a:p>
+          <a:p>
+            <a:r>
+              <a:rPr lang="en-US" dirty="0"/>
               <a:t>@jpomfret</a:t>
             </a:r>
           </a:p>
           <a:p>
-            <a:endParaRPr lang="en-US"/>
-          </a:p>
-          <a:p>
-            <a:r>
-              <a:rPr lang="en-US">
+            <a:endParaRPr lang="en-US" dirty="0"/>
+          </a:p>
+          <a:p>
+            <a:r>
+              <a:rPr lang="en-US" dirty="0">
                 <a:hlinkClick r:id="rId4"/>
               </a:rPr>
               <a:t>www.JessPomfret.com</a:t>
             </a:r>
-            <a:endParaRPr lang="en-US"/>
-          </a:p>
-          <a:p>
-            <a:r>
-              <a:rPr lang="en-US">
+            <a:endParaRPr lang="en-US" dirty="0"/>
+          </a:p>
+          <a:p>
+            <a:r>
+              <a:rPr lang="en-US" dirty="0">
                 <a:hlinkClick r:id="rId5"/>
               </a:rPr>
               <a:t>https://github.com/jpomfret/demos/</a:t>
             </a:r>
-            <a:endParaRPr lang="en-US"/>
-          </a:p>
-          <a:p>
-            <a:endParaRPr lang="en-US"/>
-          </a:p>
-          <a:p>
-            <a:endParaRPr lang="en-US"/>
+            <a:endParaRPr lang="en-US" dirty="0"/>
+          </a:p>
+          <a:p>
+            <a:endParaRPr lang="en-US" dirty="0"/>
+          </a:p>
+          <a:p>
+            <a:r>
+              <a:rPr lang="en-US" dirty="0"/>
+              <a:t>Please fill out the feedback form, help me get better.</a:t>
+            </a:r>
           </a:p>
         </p:txBody>
       </p:sp>

--- a/LifeHacks_dbatools/LifeHacks_dbatools.pptx
+++ b/LifeHacks_dbatools/LifeHacks_dbatools.pptx
@@ -212,7 +212,7 @@
           <a:p>
             <a:fld id="{1F8C9BAC-5605-4961-A752-FD19D2B395B1}" type="datetimeFigureOut">
               <a:rPr lang="en-US" smtClean="0"/>
-              <a:t>5/2/2020</a:t>
+              <a:t>8/28/2020</a:t>
             </a:fld>
             <a:endParaRPr lang="en-US"/>
           </a:p>
@@ -1055,7 +1055,7 @@
             </a:r>
             <a:r>
               <a:rPr lang="en-US" dirty="0"/>
-              <a:t> (8/26 chapters available)</a:t>
+              <a:t> (10/26 chapters available)</a:t>
             </a:r>
           </a:p>
           <a:p>
@@ -3105,7 +3105,7 @@
           <a:p>
             <a:fld id="{6F7AEB39-490D-4470-BB4F-F7E09AA2B520}" type="datetimeFigureOut">
               <a:rPr lang="en-US" smtClean="0"/>
-              <a:t>5/2/2020</a:t>
+              <a:t>8/28/2020</a:t>
             </a:fld>
             <a:endParaRPr lang="en-US"/>
           </a:p>
@@ -3615,7 +3615,7 @@
           <a:p>
             <a:fld id="{6F7AEB39-490D-4470-BB4F-F7E09AA2B520}" type="datetimeFigureOut">
               <a:rPr lang="en-US" smtClean="0"/>
-              <a:t>5/2/2020</a:t>
+              <a:t>8/28/2020</a:t>
             </a:fld>
             <a:endParaRPr lang="en-US"/>
           </a:p>
@@ -6650,7 +6650,7 @@
           <a:p>
             <a:r>
               <a:rPr lang="en-US" dirty="0"/>
-              <a:t>Passionate about SQL Server, PowerShell &amp; Proper Football</a:t>
+              <a:t>Passionate about Automation, Proper Football &amp; Fitness</a:t>
             </a:r>
           </a:p>
           <a:p>
@@ -7195,36 +7195,6 @@
           </a:extLst>
         </p:spPr>
       </p:pic>
-      <p:pic>
-        <p:nvPicPr>
-          <p:cNvPr id="6" name="Picture 5">
-            <a:extLst>
-              <a:ext uri="{FF2B5EF4-FFF2-40B4-BE49-F238E27FC236}">
-                <a16:creationId xmlns:a16="http://schemas.microsoft.com/office/drawing/2014/main" id="{D6393033-CECE-4234-9F02-3B045F02642A}"/>
-              </a:ext>
-            </a:extLst>
-          </p:cNvPr>
-          <p:cNvPicPr>
-            <a:picLocks noChangeAspect="1"/>
-          </p:cNvPicPr>
-          <p:nvPr/>
-        </p:nvPicPr>
-        <p:blipFill>
-          <a:blip r:embed="rId4"/>
-          <a:stretch>
-            <a:fillRect/>
-          </a:stretch>
-        </p:blipFill>
-        <p:spPr>
-          <a:xfrm>
-            <a:off x="7985544" y="1003852"/>
-            <a:ext cx="3802710" cy="1143099"/>
-          </a:xfrm>
-          <a:prstGeom prst="rect">
-            <a:avLst/>
-          </a:prstGeom>
-        </p:spPr>
-      </p:pic>
     </p:spTree>
     <p:extLst>
       <p:ext uri="{BB962C8B-B14F-4D97-AF65-F5344CB8AC3E}">
@@ -7235,81 +7205,6 @@
   <p:clrMapOvr>
     <a:masterClrMapping/>
   </p:clrMapOvr>
-  <p:timing>
-    <p:tnLst>
-      <p:par>
-        <p:cTn id="1" dur="indefinite" restart="never" nodeType="tmRoot">
-          <p:childTnLst>
-            <p:seq concurrent="1" nextAc="seek">
-              <p:cTn id="2" dur="indefinite" nodeType="mainSeq">
-                <p:childTnLst>
-                  <p:par>
-                    <p:cTn id="3" fill="hold">
-                      <p:stCondLst>
-                        <p:cond delay="indefinite"/>
-                      </p:stCondLst>
-                      <p:childTnLst>
-                        <p:par>
-                          <p:cTn id="4" fill="hold">
-                            <p:stCondLst>
-                              <p:cond delay="0"/>
-                            </p:stCondLst>
-                            <p:childTnLst>
-                              <p:par>
-                                <p:cTn id="5" presetID="1" presetClass="entr" presetSubtype="0" fill="hold" nodeType="clickEffect">
-                                  <p:stCondLst>
-                                    <p:cond delay="0"/>
-                                  </p:stCondLst>
-                                  <p:childTnLst>
-                                    <p:set>
-                                      <p:cBhvr>
-                                        <p:cTn id="6" dur="1" fill="hold">
-                                          <p:stCondLst>
-                                            <p:cond delay="0"/>
-                                          </p:stCondLst>
-                                        </p:cTn>
-                                        <p:tgtEl>
-                                          <p:spTgt spid="6"/>
-                                        </p:tgtEl>
-                                        <p:attrNameLst>
-                                          <p:attrName>style.visibility</p:attrName>
-                                        </p:attrNameLst>
-                                      </p:cBhvr>
-                                      <p:to>
-                                        <p:strVal val="visible"/>
-                                      </p:to>
-                                    </p:set>
-                                  </p:childTnLst>
-                                </p:cTn>
-                              </p:par>
-                            </p:childTnLst>
-                          </p:cTn>
-                        </p:par>
-                      </p:childTnLst>
-                    </p:cTn>
-                  </p:par>
-                </p:childTnLst>
-              </p:cTn>
-              <p:prevCondLst>
-                <p:cond evt="onPrev" delay="0">
-                  <p:tgtEl>
-                    <p:sldTgt/>
-                  </p:tgtEl>
-                </p:cond>
-              </p:prevCondLst>
-              <p:nextCondLst>
-                <p:cond evt="onNext" delay="0">
-                  <p:tgtEl>
-                    <p:sldTgt/>
-                  </p:tgtEl>
-                </p:cond>
-              </p:nextCondLst>
-            </p:seq>
-          </p:childTnLst>
-        </p:cTn>
-      </p:par>
-    </p:tnLst>
-  </p:timing>
 </p:sld>
 </file>
 
@@ -7424,7 +7319,7 @@
           <a:p>
             <a:r>
               <a:rPr lang="en-US" sz="3200" dirty="0"/>
-              <a:t>579 Functions (as of 30/4/2020) – v1.0.107</a:t>
+              <a:t>584 Functions (as of 24/8/2020) – v1.0.115</a:t>
             </a:r>
           </a:p>
           <a:p>

--- a/LifeHacks_dbatools/LifeHacks_dbatools.pptx
+++ b/LifeHacks_dbatools/LifeHacks_dbatools.pptx
@@ -212,7 +212,7 @@
           <a:p>
             <a:fld id="{1F8C9BAC-5605-4961-A752-FD19D2B395B1}" type="datetimeFigureOut">
               <a:rPr lang="en-US" smtClean="0"/>
-              <a:t>8/28/2020</a:t>
+              <a:t>9/12/2020</a:t>
             </a:fld>
             <a:endParaRPr lang="en-US"/>
           </a:p>
@@ -3105,7 +3105,7 @@
           <a:p>
             <a:fld id="{6F7AEB39-490D-4470-BB4F-F7E09AA2B520}" type="datetimeFigureOut">
               <a:rPr lang="en-US" smtClean="0"/>
-              <a:t>8/28/2020</a:t>
+              <a:t>9/12/2020</a:t>
             </a:fld>
             <a:endParaRPr lang="en-US"/>
           </a:p>
@@ -3615,7 +3615,7 @@
           <a:p>
             <a:fld id="{6F7AEB39-490D-4470-BB4F-F7E09AA2B520}" type="datetimeFigureOut">
               <a:rPr lang="en-US" smtClean="0"/>
-              <a:t>8/28/2020</a:t>
+              <a:t>9/12/2020</a:t>
             </a:fld>
             <a:endParaRPr lang="en-US"/>
           </a:p>
@@ -6821,32 +6821,32 @@
         <p:spPr/>
         <p:txBody>
           <a:bodyPr>
-            <a:normAutofit lnSpcReduction="10000"/>
+            <a:normAutofit/>
           </a:bodyPr>
           <a:lstStyle/>
           <a:p>
             <a:r>
-              <a:rPr lang="en-US"/>
+              <a:rPr lang="en-US" dirty="0"/>
               <a:t>What is </a:t>
             </a:r>
             <a:r>
-              <a:rPr lang="en-US" err="1"/>
+              <a:rPr lang="en-US" dirty="0" err="1"/>
               <a:t>dbatools</a:t>
             </a:r>
             <a:r>
-              <a:rPr lang="en-US"/>
+              <a:rPr lang="en-US" dirty="0"/>
               <a:t>?</a:t>
             </a:r>
           </a:p>
           <a:p>
             <a:r>
-              <a:rPr lang="en-US"/>
+              <a:rPr lang="en-US" dirty="0"/>
               <a:t>PowerShell 101</a:t>
             </a:r>
           </a:p>
           <a:p>
             <a:r>
-              <a:rPr lang="en-US"/>
+              <a:rPr lang="en-US" dirty="0"/>
               <a:t>Life Hacks</a:t>
             </a:r>
           </a:p>
@@ -6856,14 +6856,9 @@
               <a:buAutoNum type="arabicPeriod"/>
             </a:pPr>
             <a:r>
-              <a:rPr lang="en-US"/>
-              <a:t>Getting Started With </a:t>
-            </a:r>
-            <a:r>
-              <a:rPr lang="en-US" err="1"/>
-              <a:t>dbatools</a:t>
-            </a:r>
-            <a:endParaRPr lang="en-US"/>
+              <a:rPr lang="en-US" dirty="0"/>
+              <a:t>Test Your Backups</a:t>
+            </a:r>
           </a:p>
           <a:p>
             <a:pPr marL="971550" lvl="1" indent="-514350">
@@ -6871,8 +6866,8 @@
               <a:buAutoNum type="arabicPeriod"/>
             </a:pPr>
             <a:r>
-              <a:rPr lang="en-US"/>
-              <a:t>Test Your Backups</a:t>
+              <a:rPr lang="en-US" dirty="0"/>
+              <a:t>Manage Logins &amp; Access</a:t>
             </a:r>
           </a:p>
           <a:p>
@@ -6881,8 +6876,8 @@
               <a:buAutoNum type="arabicPeriod"/>
             </a:pPr>
             <a:r>
-              <a:rPr lang="en-US"/>
-              <a:t>Manage Logins &amp; Access</a:t>
+              <a:rPr lang="en-US" dirty="0"/>
+              <a:t>Mask Sensitive Data</a:t>
             </a:r>
           </a:p>
           <a:p>
@@ -6891,8 +6886,8 @@
               <a:buAutoNum type="arabicPeriod"/>
             </a:pPr>
             <a:r>
-              <a:rPr lang="en-US"/>
-              <a:t>Mask Sensitive Data</a:t>
+              <a:rPr lang="en-US" dirty="0"/>
+              <a:t>Migrate… Everything</a:t>
             </a:r>
           </a:p>
           <a:p>
@@ -6901,8 +6896,8 @@
               <a:buAutoNum type="arabicPeriod"/>
             </a:pPr>
             <a:r>
-              <a:rPr lang="en-US"/>
-              <a:t>Migrate… Everything</a:t>
+              <a:rPr lang="en-US" dirty="0"/>
+              <a:t>Meet Best Practices</a:t>
             </a:r>
           </a:p>
           <a:p>
@@ -6911,27 +6906,17 @@
               <a:buAutoNum type="arabicPeriod"/>
             </a:pPr>
             <a:r>
-              <a:rPr lang="en-US"/>
-              <a:t>Meet Best Practices</a:t>
-            </a:r>
-          </a:p>
-          <a:p>
-            <a:pPr marL="971550" lvl="1" indent="-514350">
-              <a:buFont typeface="+mj-lt"/>
-              <a:buAutoNum type="arabicPeriod"/>
-            </a:pPr>
-            <a:r>
-              <a:rPr lang="en-US"/>
+              <a:rPr lang="en-US" dirty="0"/>
               <a:t>Documentation for everyone</a:t>
             </a:r>
           </a:p>
           <a:p>
             <a:pPr lvl="1"/>
-            <a:endParaRPr lang="en-US"/>
+            <a:endParaRPr lang="en-US" dirty="0"/>
           </a:p>
           <a:p>
             <a:pPr lvl="1"/>
-            <a:endParaRPr lang="en-US"/>
+            <a:endParaRPr lang="en-US" dirty="0"/>
           </a:p>
         </p:txBody>
       </p:sp>

--- a/LifeHacks_dbatools/LifeHacks_dbatools.pptx
+++ b/LifeHacks_dbatools/LifeHacks_dbatools.pptx
@@ -5,17 +5,19 @@
     <p:sldMasterId id="2147483671" r:id="rId1"/>
   </p:sldMasterIdLst>
   <p:notesMasterIdLst>
-    <p:notesMasterId r:id="rId10"/>
+    <p:notesMasterId r:id="rId12"/>
   </p:notesMasterIdLst>
   <p:sldIdLst>
-    <p:sldId id="256" r:id="rId2"/>
-    <p:sldId id="258" r:id="rId3"/>
-    <p:sldId id="265" r:id="rId4"/>
-    <p:sldId id="305" r:id="rId5"/>
-    <p:sldId id="306" r:id="rId6"/>
-    <p:sldId id="301" r:id="rId7"/>
-    <p:sldId id="303" r:id="rId8"/>
-    <p:sldId id="300" r:id="rId9"/>
+    <p:sldId id="307" r:id="rId2"/>
+    <p:sldId id="256" r:id="rId3"/>
+    <p:sldId id="258" r:id="rId4"/>
+    <p:sldId id="265" r:id="rId5"/>
+    <p:sldId id="305" r:id="rId6"/>
+    <p:sldId id="306" r:id="rId7"/>
+    <p:sldId id="301" r:id="rId8"/>
+    <p:sldId id="303" r:id="rId9"/>
+    <p:sldId id="300" r:id="rId10"/>
+    <p:sldId id="308" r:id="rId11"/>
   </p:sldIdLst>
   <p:sldSz cx="12192000" cy="6858000"/>
   <p:notesSz cx="6858000" cy="9144000"/>
@@ -212,7 +214,7 @@
           <a:p>
             <a:fld id="{1F8C9BAC-5605-4961-A752-FD19D2B395B1}" type="datetimeFigureOut">
               <a:rPr lang="en-US" smtClean="0"/>
-              <a:t>9/12/2020</a:t>
+              <a:t>2/26/2021</a:t>
             </a:fld>
             <a:endParaRPr lang="en-US"/>
           </a:p>
@@ -562,7 +564,7 @@
           <a:p>
             <a:fld id="{0888DEC1-F2AB-4DD2-8E1F-AE80EFAA4036}" type="slidenum">
               <a:rPr lang="en-US" smtClean="0"/>
-              <a:t>3</a:t>
+              <a:t>4</a:t>
             </a:fld>
             <a:endParaRPr lang="en-US"/>
           </a:p>
@@ -918,7 +920,7 @@
           <a:p>
             <a:fld id="{0888DEC1-F2AB-4DD2-8E1F-AE80EFAA4036}" type="slidenum">
               <a:rPr lang="en-US" smtClean="0"/>
-              <a:t>4</a:t>
+              <a:t>5</a:t>
             </a:fld>
             <a:endParaRPr lang="en-US"/>
           </a:p>
@@ -1055,7 +1057,7 @@
             </a:r>
             <a:r>
               <a:rPr lang="en-US" dirty="0"/>
-              <a:t> (10/26 chapters available)</a:t>
+              <a:t> (12/27 chapters available)</a:t>
             </a:r>
           </a:p>
           <a:p>
@@ -1123,7 +1125,7 @@
           <a:p>
             <a:fld id="{0888DEC1-F2AB-4DD2-8E1F-AE80EFAA4036}" type="slidenum">
               <a:rPr lang="en-US" smtClean="0"/>
-              <a:t>5</a:t>
+              <a:t>6</a:t>
             </a:fld>
             <a:endParaRPr lang="en-US"/>
           </a:p>
@@ -1303,7 +1305,7 @@
           <a:p>
             <a:fld id="{0888DEC1-F2AB-4DD2-8E1F-AE80EFAA4036}" type="slidenum">
               <a:rPr lang="en-US" smtClean="0"/>
-              <a:t>6</a:t>
+              <a:t>7</a:t>
             </a:fld>
             <a:endParaRPr lang="en-US"/>
           </a:p>
@@ -1390,7 +1392,7 @@
           <a:p>
             <a:fld id="{FE065C3E-6590-437D-A330-DEC8E2D2EEDE}" type="slidenum">
               <a:rPr lang="en-US" smtClean="0"/>
-              <a:t>8</a:t>
+              <a:t>9</a:t>
             </a:fld>
             <a:endParaRPr lang="en-US"/>
           </a:p>
@@ -3105,7 +3107,7 @@
           <a:p>
             <a:fld id="{6F7AEB39-490D-4470-BB4F-F7E09AA2B520}" type="datetimeFigureOut">
               <a:rPr lang="en-US" smtClean="0"/>
-              <a:t>9/12/2020</a:t>
+              <a:t>2/26/2021</a:t>
             </a:fld>
             <a:endParaRPr lang="en-US"/>
           </a:p>
@@ -3615,7 +3617,7 @@
           <a:p>
             <a:fld id="{6F7AEB39-490D-4470-BB4F-F7E09AA2B520}" type="datetimeFigureOut">
               <a:rPr lang="en-US" smtClean="0"/>
-              <a:t>9/12/2020</a:t>
+              <a:t>2/26/2021</a:t>
             </a:fld>
             <a:endParaRPr lang="en-US"/>
           </a:p>
@@ -6448,51 +6450,64 @@
       </p:grpSpPr>
       <p:sp>
         <p:nvSpPr>
-          <p:cNvPr id="2" name="Title 1">
+          <p:cNvPr id="4" name="Rectangle 3">
             <a:extLst>
               <a:ext uri="{FF2B5EF4-FFF2-40B4-BE49-F238E27FC236}">
-                <a16:creationId xmlns:a16="http://schemas.microsoft.com/office/drawing/2014/main" id="{4CC6F8DE-A1B6-4914-A23E-D3683274E9F2}"/>
+                <a16:creationId xmlns:a16="http://schemas.microsoft.com/office/drawing/2014/main" id="{D9843AB1-3175-48CC-9FB6-B010D9596873}"/>
               </a:ext>
             </a:extLst>
           </p:cNvPr>
-          <p:cNvSpPr>
-            <a:spLocks noGrp="1"/>
-          </p:cNvSpPr>
-          <p:nvPr>
-            <p:ph type="ctrTitle"/>
-          </p:nvPr>
-        </p:nvSpPr>
-        <p:spPr>
-          <a:xfrm>
-            <a:off x="462998" y="1188022"/>
-            <a:ext cx="11266004" cy="2387600"/>
-          </a:xfrm>
-        </p:spPr>
-        <p:txBody>
-          <a:bodyPr/>
+          <p:cNvSpPr/>
+          <p:nvPr/>
+        </p:nvSpPr>
+        <p:spPr>
+          <a:xfrm>
+            <a:off x="-13961" y="6218765"/>
+            <a:ext cx="12222248" cy="675066"/>
+          </a:xfrm>
+          <a:prstGeom prst="rect">
+            <a:avLst/>
+          </a:prstGeom>
+          <a:solidFill>
+            <a:schemeClr val="bg1">
+              <a:lumMod val="85000"/>
+            </a:schemeClr>
+          </a:solidFill>
+          <a:ln>
+            <a:noFill/>
+          </a:ln>
+        </p:spPr>
+        <p:style>
+          <a:lnRef idx="2">
+            <a:schemeClr val="accent1">
+              <a:shade val="50000"/>
+            </a:schemeClr>
+          </a:lnRef>
+          <a:fillRef idx="1">
+            <a:schemeClr val="accent1"/>
+          </a:fillRef>
+          <a:effectRef idx="0">
+            <a:schemeClr val="accent1"/>
+          </a:effectRef>
+          <a:fontRef idx="minor">
+            <a:schemeClr val="lt1"/>
+          </a:fontRef>
+        </p:style>
+        <p:txBody>
+          <a:bodyPr rtlCol="0" anchor="ctr"/>
           <a:lstStyle/>
           <a:p>
-            <a:r>
-              <a:rPr lang="en-US"/>
-              <a:t>Life Hacks: </a:t>
-            </a:r>
-            <a:r>
-              <a:rPr lang="en-US" err="1"/>
-              <a:t>dbatools</a:t>
-            </a:r>
-            <a:r>
-              <a:rPr lang="en-US"/>
-              <a:t> Edition</a:t>
-            </a:r>
+            <a:pPr algn="ctr"/>
+            <a:endParaRPr lang="it-IT" dirty="0"/>
           </a:p>
         </p:txBody>
       </p:sp>
       <p:pic>
         <p:nvPicPr>
-          <p:cNvPr id="6" name="Picture 5" descr="dbatools">
+          <p:cNvPr id="5" name="Picture 4">
             <a:extLst>
               <a:ext uri="{FF2B5EF4-FFF2-40B4-BE49-F238E27FC236}">
-                <a16:creationId xmlns:a16="http://schemas.microsoft.com/office/drawing/2014/main" id="{8C6B9BF0-CCF3-43FC-9804-3BEE56C9D01A}"/>
+                <a16:creationId xmlns:a16="http://schemas.microsoft.com/office/drawing/2014/main" id="{1F39C054-2E9C-4C7C-8D1D-AA8A46D7E7C2}"/>
               </a:ext>
             </a:extLst>
           </p:cNvPr>
@@ -6502,7 +6517,37 @@
           <p:nvPr/>
         </p:nvPicPr>
         <p:blipFill>
-          <a:blip r:embed="rId2">
+          <a:blip r:embed="rId2"/>
+          <a:stretch>
+            <a:fillRect/>
+          </a:stretch>
+        </p:blipFill>
+        <p:spPr>
+          <a:xfrm>
+            <a:off x="6399084" y="6331137"/>
+            <a:ext cx="1900916" cy="450322"/>
+          </a:xfrm>
+          <a:prstGeom prst="rect">
+            <a:avLst/>
+          </a:prstGeom>
+        </p:spPr>
+      </p:pic>
+      <p:pic>
+        <p:nvPicPr>
+          <p:cNvPr id="6" name="Picture 5">
+            <a:extLst>
+              <a:ext uri="{FF2B5EF4-FFF2-40B4-BE49-F238E27FC236}">
+                <a16:creationId xmlns:a16="http://schemas.microsoft.com/office/drawing/2014/main" id="{1DA58F50-A953-452B-942D-546AEF5384CC}"/>
+              </a:ext>
+            </a:extLst>
+          </p:cNvPr>
+          <p:cNvPicPr>
+            <a:picLocks noChangeAspect="1"/>
+          </p:cNvPicPr>
+          <p:nvPr/>
+        </p:nvPicPr>
+        <p:blipFill>
+          <a:blip r:embed="rId3">
             <a:extLst>
               <a:ext uri="{28A0092B-C50C-407E-A947-70E740481C1C}">
                 <a14:useLocalDpi xmlns:a14="http://schemas.microsoft.com/office/drawing/2010/main" val="0"/>
@@ -6515,18 +6560,555 @@
         </p:blipFill>
         <p:spPr>
           <a:xfrm>
-            <a:off x="4907978" y="304800"/>
-            <a:ext cx="2376045" cy="2376045"/>
+            <a:off x="3057228" y="6399105"/>
+            <a:ext cx="1609183" cy="314387"/>
           </a:xfrm>
           <a:prstGeom prst="rect">
             <a:avLst/>
           </a:prstGeom>
         </p:spPr>
       </p:pic>
+      <p:pic>
+        <p:nvPicPr>
+          <p:cNvPr id="7" name="Picture 6">
+            <a:extLst>
+              <a:ext uri="{FF2B5EF4-FFF2-40B4-BE49-F238E27FC236}">
+                <a16:creationId xmlns:a16="http://schemas.microsoft.com/office/drawing/2014/main" id="{AF8ECDB1-F559-498E-9946-4762DBCDC637}"/>
+              </a:ext>
+            </a:extLst>
+          </p:cNvPr>
+          <p:cNvPicPr>
+            <a:picLocks noChangeAspect="1"/>
+          </p:cNvPicPr>
+          <p:nvPr/>
+        </p:nvPicPr>
+        <p:blipFill>
+          <a:blip r:embed="rId4">
+            <a:extLst>
+              <a:ext uri="{28A0092B-C50C-407E-A947-70E740481C1C}">
+                <a14:useLocalDpi xmlns:a14="http://schemas.microsoft.com/office/drawing/2010/main" val="0"/>
+              </a:ext>
+            </a:extLst>
+          </a:blip>
+          <a:stretch>
+            <a:fillRect/>
+          </a:stretch>
+        </p:blipFill>
+        <p:spPr>
+          <a:xfrm>
+            <a:off x="10867211" y="6340015"/>
+            <a:ext cx="1227519" cy="432567"/>
+          </a:xfrm>
+          <a:prstGeom prst="rect">
+            <a:avLst/>
+          </a:prstGeom>
+        </p:spPr>
+      </p:pic>
+      <p:pic>
+        <p:nvPicPr>
+          <p:cNvPr id="8" name="Graphic 7">
+            <a:extLst>
+              <a:ext uri="{FF2B5EF4-FFF2-40B4-BE49-F238E27FC236}">
+                <a16:creationId xmlns:a16="http://schemas.microsoft.com/office/drawing/2014/main" id="{E865B7E9-05E8-4643-9514-2D11084671E6}"/>
+              </a:ext>
+            </a:extLst>
+          </p:cNvPr>
+          <p:cNvPicPr>
+            <a:picLocks noChangeAspect="1"/>
+          </p:cNvPicPr>
+          <p:nvPr/>
+        </p:nvPicPr>
+        <p:blipFill>
+          <a:blip r:embed="rId5">
+            <a:extLst>
+              <a:ext uri="{28A0092B-C50C-407E-A947-70E740481C1C}">
+                <a14:useLocalDpi xmlns:a14="http://schemas.microsoft.com/office/drawing/2010/main" val="0"/>
+              </a:ext>
+              <a:ext uri="{96DAC541-7B7A-43D3-8B79-37D633B846F1}">
+                <asvg:svgBlip xmlns:asvg="http://schemas.microsoft.com/office/drawing/2016/SVG/main" r:embed="rId6"/>
+              </a:ext>
+            </a:extLst>
+          </a:blip>
+          <a:stretch>
+            <a:fillRect/>
+          </a:stretch>
+        </p:blipFill>
+        <p:spPr>
+          <a:xfrm>
+            <a:off x="8387084" y="6396332"/>
+            <a:ext cx="2325932" cy="319933"/>
+          </a:xfrm>
+          <a:prstGeom prst="rect">
+            <a:avLst/>
+          </a:prstGeom>
+        </p:spPr>
+      </p:pic>
+      <p:pic>
+        <p:nvPicPr>
+          <p:cNvPr id="9" name="Picture 8">
+            <a:extLst>
+              <a:ext uri="{FF2B5EF4-FFF2-40B4-BE49-F238E27FC236}">
+                <a16:creationId xmlns:a16="http://schemas.microsoft.com/office/drawing/2014/main" id="{D3BF0AB1-BDC1-49B2-BB06-21A144204A38}"/>
+              </a:ext>
+            </a:extLst>
+          </p:cNvPr>
+          <p:cNvPicPr>
+            <a:picLocks noChangeAspect="1"/>
+          </p:cNvPicPr>
+          <p:nvPr/>
+        </p:nvPicPr>
+        <p:blipFill>
+          <a:blip r:embed="rId7">
+            <a:extLst>
+              <a:ext uri="{28A0092B-C50C-407E-A947-70E740481C1C}">
+                <a14:useLocalDpi xmlns:a14="http://schemas.microsoft.com/office/drawing/2010/main" val="0"/>
+              </a:ext>
+            </a:extLst>
+          </a:blip>
+          <a:stretch>
+            <a:fillRect/>
+          </a:stretch>
+        </p:blipFill>
+        <p:spPr>
+          <a:xfrm>
+            <a:off x="4939624" y="6323300"/>
+            <a:ext cx="1527175" cy="465996"/>
+          </a:xfrm>
+          <a:prstGeom prst="rect">
+            <a:avLst/>
+          </a:prstGeom>
+        </p:spPr>
+      </p:pic>
+      <p:pic>
+        <p:nvPicPr>
+          <p:cNvPr id="10" name="Picture 9">
+            <a:extLst>
+              <a:ext uri="{FF2B5EF4-FFF2-40B4-BE49-F238E27FC236}">
+                <a16:creationId xmlns:a16="http://schemas.microsoft.com/office/drawing/2014/main" id="{BCB4593D-3798-4262-B20E-AE76177AFC67}"/>
+              </a:ext>
+            </a:extLst>
+          </p:cNvPr>
+          <p:cNvPicPr>
+            <a:picLocks noChangeAspect="1"/>
+          </p:cNvPicPr>
+          <p:nvPr/>
+        </p:nvPicPr>
+        <p:blipFill>
+          <a:blip r:embed="rId8"/>
+          <a:stretch>
+            <a:fillRect/>
+          </a:stretch>
+        </p:blipFill>
+        <p:spPr>
+          <a:xfrm>
+            <a:off x="-167969" y="6297286"/>
+            <a:ext cx="2480367" cy="518024"/>
+          </a:xfrm>
+          <a:prstGeom prst="rect">
+            <a:avLst/>
+          </a:prstGeom>
+        </p:spPr>
+      </p:pic>
+      <p:pic>
+        <p:nvPicPr>
+          <p:cNvPr id="11" name="Picture 10">
+            <a:extLst>
+              <a:ext uri="{FF2B5EF4-FFF2-40B4-BE49-F238E27FC236}">
+                <a16:creationId xmlns:a16="http://schemas.microsoft.com/office/drawing/2014/main" id="{44DEFA65-4A35-46AB-AF2E-0BF892D95B8C}"/>
+              </a:ext>
+            </a:extLst>
+          </p:cNvPr>
+          <p:cNvPicPr>
+            <a:picLocks noChangeAspect="1"/>
+          </p:cNvPicPr>
+          <p:nvPr/>
+        </p:nvPicPr>
+        <p:blipFill>
+          <a:blip r:embed="rId9">
+            <a:extLst>
+              <a:ext uri="{28A0092B-C50C-407E-A947-70E740481C1C}">
+                <a14:useLocalDpi xmlns:a14="http://schemas.microsoft.com/office/drawing/2010/main" val="0"/>
+              </a:ext>
+            </a:extLst>
+          </a:blip>
+          <a:stretch>
+            <a:fillRect/>
+          </a:stretch>
+        </p:blipFill>
+        <p:spPr>
+          <a:xfrm>
+            <a:off x="2115471" y="6109933"/>
+            <a:ext cx="892730" cy="892730"/>
+          </a:xfrm>
+          <a:prstGeom prst="rect">
+            <a:avLst/>
+          </a:prstGeom>
+        </p:spPr>
+      </p:pic>
+      <p:pic>
+        <p:nvPicPr>
+          <p:cNvPr id="12" name="Picture 11">
+            <a:extLst>
+              <a:ext uri="{FF2B5EF4-FFF2-40B4-BE49-F238E27FC236}">
+                <a16:creationId xmlns:a16="http://schemas.microsoft.com/office/drawing/2014/main" id="{0F9FAFF0-F27B-4D75-A1D2-49F6C8746FC5}"/>
+              </a:ext>
+            </a:extLst>
+          </p:cNvPr>
+          <p:cNvPicPr>
+            <a:picLocks noChangeAspect="1"/>
+          </p:cNvPicPr>
+          <p:nvPr/>
+        </p:nvPicPr>
+        <p:blipFill rotWithShape="1">
+          <a:blip r:embed="rId10"/>
+          <a:srcRect r="51837"/>
+          <a:stretch/>
+        </p:blipFill>
+        <p:spPr>
+          <a:xfrm>
+            <a:off x="10810332" y="20888"/>
+            <a:ext cx="1341275" cy="553538"/>
+          </a:xfrm>
+          <a:prstGeom prst="rect">
+            <a:avLst/>
+          </a:prstGeom>
+        </p:spPr>
+      </p:pic>
+      <p:pic>
+        <p:nvPicPr>
+          <p:cNvPr id="13" name="Picture 12">
+            <a:extLst>
+              <a:ext uri="{FF2B5EF4-FFF2-40B4-BE49-F238E27FC236}">
+                <a16:creationId xmlns:a16="http://schemas.microsoft.com/office/drawing/2014/main" id="{0D76365A-1C62-48FB-8EA3-4CD87F519397}"/>
+              </a:ext>
+            </a:extLst>
+          </p:cNvPr>
+          <p:cNvPicPr>
+            <a:picLocks noChangeAspect="1"/>
+          </p:cNvPicPr>
+          <p:nvPr/>
+        </p:nvPicPr>
+        <p:blipFill>
+          <a:blip r:embed="rId11"/>
+          <a:stretch>
+            <a:fillRect/>
+          </a:stretch>
+        </p:blipFill>
+        <p:spPr>
+          <a:xfrm>
+            <a:off x="4489364" y="-167265"/>
+            <a:ext cx="1531047" cy="1531047"/>
+          </a:xfrm>
+          <a:prstGeom prst="rect">
+            <a:avLst/>
+          </a:prstGeom>
+        </p:spPr>
+      </p:pic>
+      <p:sp>
+        <p:nvSpPr>
+          <p:cNvPr id="14" name="TextBox 13">
+            <a:extLst>
+              <a:ext uri="{FF2B5EF4-FFF2-40B4-BE49-F238E27FC236}">
+                <a16:creationId xmlns:a16="http://schemas.microsoft.com/office/drawing/2014/main" id="{50D9A14D-0A35-4422-A71D-F8B031F43DF4}"/>
+              </a:ext>
+            </a:extLst>
+          </p:cNvPr>
+          <p:cNvSpPr txBox="1"/>
+          <p:nvPr/>
+        </p:nvSpPr>
+        <p:spPr>
+          <a:xfrm>
+            <a:off x="5628525" y="335459"/>
+            <a:ext cx="1867195" cy="461665"/>
+          </a:xfrm>
+          <a:prstGeom prst="rect">
+            <a:avLst/>
+          </a:prstGeom>
+          <a:noFill/>
+        </p:spPr>
+        <p:txBody>
+          <a:bodyPr wrap="square" rtlCol="0">
+            <a:spAutoFit/>
+          </a:bodyPr>
+          <a:lstStyle/>
+          <a:p>
+            <a:r>
+              <a:rPr lang="it-IT" sz="2400" b="1" dirty="0">
+                <a:solidFill>
+                  <a:srgbClr val="0079D6"/>
+                </a:solidFill>
+              </a:rPr>
+              <a:t>#datasatpn</a:t>
+            </a:r>
+          </a:p>
+        </p:txBody>
+      </p:sp>
+      <p:sp>
+        <p:nvSpPr>
+          <p:cNvPr id="15" name="Rectangle 14">
+            <a:extLst>
+              <a:ext uri="{FF2B5EF4-FFF2-40B4-BE49-F238E27FC236}">
+                <a16:creationId xmlns:a16="http://schemas.microsoft.com/office/drawing/2014/main" id="{84741ABA-5E1F-45E0-AA76-AC8AFDECFE06}"/>
+              </a:ext>
+            </a:extLst>
+          </p:cNvPr>
+          <p:cNvSpPr/>
+          <p:nvPr/>
+        </p:nvSpPr>
+        <p:spPr>
+          <a:xfrm>
+            <a:off x="-1" y="1102864"/>
+            <a:ext cx="12192000" cy="1146778"/>
+          </a:xfrm>
+          <a:prstGeom prst="rect">
+            <a:avLst/>
+          </a:prstGeom>
+          <a:solidFill>
+            <a:schemeClr val="bg1">
+              <a:lumMod val="85000"/>
+            </a:schemeClr>
+          </a:solidFill>
+          <a:ln>
+            <a:noFill/>
+          </a:ln>
+        </p:spPr>
+        <p:style>
+          <a:lnRef idx="2">
+            <a:schemeClr val="accent1">
+              <a:shade val="50000"/>
+            </a:schemeClr>
+          </a:lnRef>
+          <a:fillRef idx="1">
+            <a:schemeClr val="accent1"/>
+          </a:fillRef>
+          <a:effectRef idx="0">
+            <a:schemeClr val="accent1"/>
+          </a:effectRef>
+          <a:fontRef idx="minor">
+            <a:schemeClr val="lt1"/>
+          </a:fontRef>
+        </p:style>
+        <p:txBody>
+          <a:bodyPr rtlCol="0" anchor="ctr"/>
+          <a:lstStyle/>
+          <a:p>
+            <a:pPr lvl="0" algn="ctr"/>
+            <a:endParaRPr lang="it-IT" dirty="0"/>
+          </a:p>
+        </p:txBody>
+      </p:sp>
+      <p:sp>
+        <p:nvSpPr>
+          <p:cNvPr id="16" name="TextBox 15">
+            <a:extLst>
+              <a:ext uri="{FF2B5EF4-FFF2-40B4-BE49-F238E27FC236}">
+                <a16:creationId xmlns:a16="http://schemas.microsoft.com/office/drawing/2014/main" id="{ABE67BA7-398D-41B1-B83C-BC62B1D6C7B8}"/>
+              </a:ext>
+            </a:extLst>
+          </p:cNvPr>
+          <p:cNvSpPr txBox="1"/>
+          <p:nvPr/>
+        </p:nvSpPr>
+        <p:spPr>
+          <a:xfrm>
+            <a:off x="-1" y="1197088"/>
+            <a:ext cx="12192000" cy="1015663"/>
+          </a:xfrm>
+          <a:prstGeom prst="rect">
+            <a:avLst/>
+          </a:prstGeom>
+          <a:noFill/>
+        </p:spPr>
+        <p:txBody>
+          <a:bodyPr wrap="square" rtlCol="0">
+            <a:spAutoFit/>
+          </a:bodyPr>
+          <a:lstStyle/>
+          <a:p>
+            <a:pPr algn="ctr"/>
+            <a:r>
+              <a:rPr lang="it-IT" sz="6000" dirty="0">
+                <a:solidFill>
+                  <a:schemeClr val="bg1"/>
+                </a:solidFill>
+                <a:latin typeface="Fira Code" panose="020B0509050000020004" pitchFamily="49" charset="0"/>
+                <a:ea typeface="Fira Code" panose="020B0509050000020004" pitchFamily="49" charset="0"/>
+              </a:rPr>
+              <a:t>Data Saturday #1</a:t>
+            </a:r>
+          </a:p>
+        </p:txBody>
+      </p:sp>
+      <p:sp>
+        <p:nvSpPr>
+          <p:cNvPr id="17" name="Title 1">
+            <a:extLst>
+              <a:ext uri="{FF2B5EF4-FFF2-40B4-BE49-F238E27FC236}">
+                <a16:creationId xmlns:a16="http://schemas.microsoft.com/office/drawing/2014/main" id="{6779D507-A7F0-4871-B58C-0B4DA207BBC3}"/>
+              </a:ext>
+            </a:extLst>
+          </p:cNvPr>
+          <p:cNvSpPr txBox="1">
+            <a:spLocks/>
+          </p:cNvSpPr>
+          <p:nvPr/>
+        </p:nvSpPr>
+        <p:spPr>
+          <a:xfrm>
+            <a:off x="462997" y="4303917"/>
+            <a:ext cx="11266004" cy="816256"/>
+          </a:xfrm>
+          <a:prstGeom prst="rect">
+            <a:avLst/>
+          </a:prstGeom>
+        </p:spPr>
+        <p:txBody>
+          <a:bodyPr/>
+          <a:lstStyle>
+            <a:lvl1pPr algn="l" defTabSz="914400" rtl="0" eaLnBrk="1" latinLnBrk="0" hangingPunct="1">
+              <a:lnSpc>
+                <a:spcPct val="90000"/>
+              </a:lnSpc>
+              <a:spcBef>
+                <a:spcPct val="0"/>
+              </a:spcBef>
+              <a:buNone/>
+              <a:defRPr sz="4400" b="1" kern="1200">
+                <a:solidFill>
+                  <a:schemeClr val="bg2"/>
+                </a:solidFill>
+                <a:latin typeface="Calibri" panose="020F0502020204030204" pitchFamily="34" charset="0"/>
+                <a:ea typeface="+mj-ea"/>
+                <a:cs typeface="Calibri" panose="020F0502020204030204" pitchFamily="34" charset="0"/>
+              </a:defRPr>
+            </a:lvl1pPr>
+          </a:lstStyle>
+          <a:p>
+            <a:pPr algn="ctr"/>
+            <a:r>
+              <a:rPr lang="en-US" dirty="0">
+                <a:solidFill>
+                  <a:schemeClr val="accent5"/>
+                </a:solidFill>
+              </a:rPr>
+              <a:t>Life Hacks: </a:t>
+            </a:r>
+            <a:r>
+              <a:rPr lang="en-US" dirty="0" err="1">
+                <a:solidFill>
+                  <a:schemeClr val="accent5"/>
+                </a:solidFill>
+              </a:rPr>
+              <a:t>dbatools</a:t>
+            </a:r>
+            <a:r>
+              <a:rPr lang="en-US" dirty="0">
+                <a:solidFill>
+                  <a:schemeClr val="accent5"/>
+                </a:solidFill>
+              </a:rPr>
+              <a:t> Edition</a:t>
+            </a:r>
+          </a:p>
+        </p:txBody>
+      </p:sp>
+      <p:pic>
+        <p:nvPicPr>
+          <p:cNvPr id="18" name="Picture 17" descr="dbatools">
+            <a:extLst>
+              <a:ext uri="{FF2B5EF4-FFF2-40B4-BE49-F238E27FC236}">
+                <a16:creationId xmlns:a16="http://schemas.microsoft.com/office/drawing/2014/main" id="{91AC1CB2-BF03-470F-8F11-49BD21B6263E}"/>
+              </a:ext>
+            </a:extLst>
+          </p:cNvPr>
+          <p:cNvPicPr>
+            <a:picLocks noChangeAspect="1"/>
+          </p:cNvPicPr>
+          <p:nvPr/>
+        </p:nvPicPr>
+        <p:blipFill>
+          <a:blip r:embed="rId12">
+            <a:extLst>
+              <a:ext uri="{28A0092B-C50C-407E-A947-70E740481C1C}">
+                <a14:useLocalDpi xmlns:a14="http://schemas.microsoft.com/office/drawing/2010/main" val="0"/>
+              </a:ext>
+            </a:extLst>
+          </a:blip>
+          <a:stretch>
+            <a:fillRect/>
+          </a:stretch>
+        </p:blipFill>
+        <p:spPr>
+          <a:xfrm>
+            <a:off x="4832388" y="2257479"/>
+            <a:ext cx="2376045" cy="2376045"/>
+          </a:xfrm>
+          <a:prstGeom prst="rect">
+            <a:avLst/>
+          </a:prstGeom>
+        </p:spPr>
+      </p:pic>
+      <p:sp>
+        <p:nvSpPr>
+          <p:cNvPr id="19" name="Title 1">
+            <a:extLst>
+              <a:ext uri="{FF2B5EF4-FFF2-40B4-BE49-F238E27FC236}">
+                <a16:creationId xmlns:a16="http://schemas.microsoft.com/office/drawing/2014/main" id="{4EBCD00A-C20C-4DD6-9FB1-649419F78E65}"/>
+              </a:ext>
+            </a:extLst>
+          </p:cNvPr>
+          <p:cNvSpPr txBox="1">
+            <a:spLocks/>
+          </p:cNvSpPr>
+          <p:nvPr/>
+        </p:nvSpPr>
+        <p:spPr>
+          <a:xfrm>
+            <a:off x="462997" y="5081744"/>
+            <a:ext cx="11266004" cy="816256"/>
+          </a:xfrm>
+          <a:prstGeom prst="rect">
+            <a:avLst/>
+          </a:prstGeom>
+        </p:spPr>
+        <p:txBody>
+          <a:bodyPr/>
+          <a:lstStyle>
+            <a:lvl1pPr algn="l" defTabSz="914400" rtl="0" eaLnBrk="1" latinLnBrk="0" hangingPunct="1">
+              <a:lnSpc>
+                <a:spcPct val="90000"/>
+              </a:lnSpc>
+              <a:spcBef>
+                <a:spcPct val="0"/>
+              </a:spcBef>
+              <a:buNone/>
+              <a:defRPr sz="4400" b="1" kern="1200">
+                <a:solidFill>
+                  <a:schemeClr val="bg2"/>
+                </a:solidFill>
+                <a:latin typeface="Calibri" panose="020F0502020204030204" pitchFamily="34" charset="0"/>
+                <a:ea typeface="+mj-ea"/>
+                <a:cs typeface="Calibri" panose="020F0502020204030204" pitchFamily="34" charset="0"/>
+              </a:defRPr>
+            </a:lvl1pPr>
+          </a:lstStyle>
+          <a:p>
+            <a:pPr algn="ctr"/>
+            <a:r>
+              <a:rPr lang="en-US" sz="3600" dirty="0">
+                <a:solidFill>
+                  <a:schemeClr val="accent5"/>
+                </a:solidFill>
+              </a:rPr>
+              <a:t>Jess Pomfret (She/Her)</a:t>
+            </a:r>
+          </a:p>
+        </p:txBody>
+      </p:sp>
     </p:spTree>
     <p:extLst>
       <p:ext uri="{BB962C8B-B14F-4D97-AF65-F5344CB8AC3E}">
-        <p14:creationId xmlns:p14="http://schemas.microsoft.com/office/powerpoint/2010/main" val="906359931"/>
+        <p14:creationId xmlns:p14="http://schemas.microsoft.com/office/powerpoint/2010/main" val="3641753342"/>
       </p:ext>
     </p:extLst>
   </p:cSld>
@@ -6536,7 +7118,7 @@
 </p:sld>
 </file>
 
-<file path=ppt/slides/slide2.xml><?xml version="1.0" encoding="utf-8"?>
+<file path=ppt/slides/slide10.xml><?xml version="1.0" encoding="utf-8"?>
 <p:sld xmlns:a="http://schemas.openxmlformats.org/drawingml/2006/main" xmlns:r="http://schemas.openxmlformats.org/officeDocument/2006/relationships" xmlns:p="http://schemas.openxmlformats.org/presentationml/2006/main">
   <p:cSld>
     <p:spTree>
@@ -6555,121 +7137,55 @@
       </p:grpSpPr>
       <p:sp>
         <p:nvSpPr>
-          <p:cNvPr id="2" name="Title 1">
+          <p:cNvPr id="4" name="Rectangle 3">
             <a:extLst>
               <a:ext uri="{FF2B5EF4-FFF2-40B4-BE49-F238E27FC236}">
-                <a16:creationId xmlns:a16="http://schemas.microsoft.com/office/drawing/2014/main" id="{23AE9CB3-7382-4630-9D25-124626170B5C}"/>
+                <a16:creationId xmlns:a16="http://schemas.microsoft.com/office/drawing/2014/main" id="{D9843AB1-3175-48CC-9FB6-B010D9596873}"/>
               </a:ext>
             </a:extLst>
           </p:cNvPr>
-          <p:cNvSpPr>
-            <a:spLocks noGrp="1"/>
-          </p:cNvSpPr>
-          <p:nvPr>
-            <p:ph type="title"/>
-          </p:nvPr>
-        </p:nvSpPr>
-        <p:spPr/>
-        <p:txBody>
-          <a:bodyPr/>
+          <p:cNvSpPr/>
+          <p:nvPr/>
+        </p:nvSpPr>
+        <p:spPr>
+          <a:xfrm>
+            <a:off x="-13961" y="6218765"/>
+            <a:ext cx="12222248" cy="675066"/>
+          </a:xfrm>
+          <a:prstGeom prst="rect">
+            <a:avLst/>
+          </a:prstGeom>
+          <a:solidFill>
+            <a:schemeClr val="bg1">
+              <a:lumMod val="85000"/>
+            </a:schemeClr>
+          </a:solidFill>
+          <a:ln>
+            <a:noFill/>
+          </a:ln>
+        </p:spPr>
+        <p:style>
+          <a:lnRef idx="2">
+            <a:schemeClr val="accent1">
+              <a:shade val="50000"/>
+            </a:schemeClr>
+          </a:lnRef>
+          <a:fillRef idx="1">
+            <a:schemeClr val="accent1"/>
+          </a:fillRef>
+          <a:effectRef idx="0">
+            <a:schemeClr val="accent1"/>
+          </a:effectRef>
+          <a:fontRef idx="minor">
+            <a:schemeClr val="lt1"/>
+          </a:fontRef>
+        </p:style>
+        <p:txBody>
+          <a:bodyPr rtlCol="0" anchor="ctr"/>
           <a:lstStyle/>
           <a:p>
-            <a:r>
-              <a:rPr lang="en-US" dirty="0"/>
-              <a:t>Jess Pomfret</a:t>
-            </a:r>
-            <a:br>
-              <a:rPr lang="en-US" dirty="0"/>
-            </a:br>
-            <a:r>
-              <a:rPr lang="en-US" sz="2400" dirty="0"/>
-              <a:t>(She/Her)</a:t>
-            </a:r>
-            <a:endParaRPr lang="en-US" dirty="0"/>
-          </a:p>
-        </p:txBody>
-      </p:sp>
-      <p:sp>
-        <p:nvSpPr>
-          <p:cNvPr id="3" name="Content Placeholder 2">
-            <a:extLst>
-              <a:ext uri="{FF2B5EF4-FFF2-40B4-BE49-F238E27FC236}">
-                <a16:creationId xmlns:a16="http://schemas.microsoft.com/office/drawing/2014/main" id="{BD9FF4B1-4677-48D0-A0AD-0221FAEEFBA3}"/>
-              </a:ext>
-            </a:extLst>
-          </p:cNvPr>
-          <p:cNvSpPr>
-            <a:spLocks noGrp="1"/>
-          </p:cNvSpPr>
-          <p:nvPr>
-            <p:ph idx="1"/>
-          </p:nvPr>
-        </p:nvSpPr>
-        <p:spPr/>
-        <p:txBody>
-          <a:bodyPr>
-            <a:normAutofit/>
-          </a:bodyPr>
-          <a:lstStyle/>
-          <a:p>
-            <a:r>
-              <a:rPr lang="en-US" dirty="0"/>
-              <a:t>Database Engineer</a:t>
-            </a:r>
-          </a:p>
-          <a:p>
-            <a:r>
-              <a:rPr lang="en-US" dirty="0"/>
-              <a:t>Open Source Contributor</a:t>
-            </a:r>
-          </a:p>
-          <a:p>
-            <a:pPr lvl="1"/>
-            <a:r>
-              <a:rPr lang="en-US" dirty="0" err="1"/>
-              <a:t>dbatools</a:t>
-            </a:r>
-            <a:r>
-              <a:rPr lang="en-US" dirty="0"/>
-              <a:t>, </a:t>
-            </a:r>
-            <a:r>
-              <a:rPr lang="en-US" dirty="0" err="1"/>
-              <a:t>dbachecks</a:t>
-            </a:r>
-            <a:r>
-              <a:rPr lang="en-US" dirty="0"/>
-              <a:t>, </a:t>
-            </a:r>
-            <a:r>
-              <a:rPr lang="en-US" dirty="0" err="1"/>
-              <a:t>SqlServerDsc</a:t>
-            </a:r>
-            <a:endParaRPr lang="en-US" dirty="0"/>
-          </a:p>
-          <a:p>
-            <a:r>
-              <a:rPr lang="en-US" dirty="0"/>
-              <a:t>Passionate about Automation, Proper Football &amp; Fitness</a:t>
-            </a:r>
-          </a:p>
-          <a:p>
-            <a:endParaRPr lang="en-US" dirty="0"/>
-          </a:p>
-          <a:p>
-            <a:r>
-              <a:rPr lang="en-US" dirty="0">
-                <a:hlinkClick r:id="rId2"/>
-              </a:rPr>
-              <a:t>jpomfret7@gmail.com</a:t>
-            </a:r>
-            <a:endParaRPr lang="en-US" dirty="0"/>
-          </a:p>
-          <a:p>
-            <a:r>
-              <a:rPr lang="en-US" dirty="0"/>
-              <a:t>@jpomfret</a:t>
-            </a:r>
+            <a:pPr algn="ctr"/>
+            <a:endParaRPr lang="it-IT" dirty="0"/>
           </a:p>
         </p:txBody>
       </p:sp>
@@ -6678,7 +7194,37 @@
           <p:cNvPr id="5" name="Picture 4">
             <a:extLst>
               <a:ext uri="{FF2B5EF4-FFF2-40B4-BE49-F238E27FC236}">
-                <a16:creationId xmlns:a16="http://schemas.microsoft.com/office/drawing/2014/main" id="{534BBB60-327E-41E5-A188-F9573B75AD86}"/>
+                <a16:creationId xmlns:a16="http://schemas.microsoft.com/office/drawing/2014/main" id="{1F39C054-2E9C-4C7C-8D1D-AA8A46D7E7C2}"/>
+              </a:ext>
+            </a:extLst>
+          </p:cNvPr>
+          <p:cNvPicPr>
+            <a:picLocks noChangeAspect="1"/>
+          </p:cNvPicPr>
+          <p:nvPr/>
+        </p:nvPicPr>
+        <p:blipFill>
+          <a:blip r:embed="rId2"/>
+          <a:stretch>
+            <a:fillRect/>
+          </a:stretch>
+        </p:blipFill>
+        <p:spPr>
+          <a:xfrm>
+            <a:off x="6399084" y="6331137"/>
+            <a:ext cx="1900916" cy="450322"/>
+          </a:xfrm>
+          <a:prstGeom prst="rect">
+            <a:avLst/>
+          </a:prstGeom>
+        </p:spPr>
+      </p:pic>
+      <p:pic>
+        <p:nvPicPr>
+          <p:cNvPr id="6" name="Picture 5">
+            <a:extLst>
+              <a:ext uri="{FF2B5EF4-FFF2-40B4-BE49-F238E27FC236}">
+                <a16:creationId xmlns:a16="http://schemas.microsoft.com/office/drawing/2014/main" id="{1DA58F50-A953-452B-942D-546AEF5384CC}"/>
               </a:ext>
             </a:extLst>
           </p:cNvPr>
@@ -6695,13 +7241,14 @@
               </a:ext>
             </a:extLst>
           </a:blip>
-          <a:srcRect/>
-          <a:stretch/>
+          <a:stretch>
+            <a:fillRect/>
+          </a:stretch>
         </p:blipFill>
         <p:spPr>
           <a:xfrm>
-            <a:off x="601762" y="2175930"/>
-            <a:ext cx="3886551" cy="4084819"/>
+            <a:off x="3057228" y="6399105"/>
+            <a:ext cx="1609183" cy="314387"/>
           </a:xfrm>
           <a:prstGeom prst="rect">
             <a:avLst/>
@@ -6710,10 +7257,10 @@
       </p:pic>
       <p:pic>
         <p:nvPicPr>
-          <p:cNvPr id="7" name="Picture 6" descr="A close up of a sign&#10;&#10;Description automatically generated">
+          <p:cNvPr id="7" name="Picture 6">
             <a:extLst>
               <a:ext uri="{FF2B5EF4-FFF2-40B4-BE49-F238E27FC236}">
-                <a16:creationId xmlns:a16="http://schemas.microsoft.com/office/drawing/2014/main" id="{DC714AD4-83A8-4057-BC8E-2D231207D3CE}"/>
+                <a16:creationId xmlns:a16="http://schemas.microsoft.com/office/drawing/2014/main" id="{AF8ECDB1-F559-498E-9946-4762DBCDC637}"/>
               </a:ext>
             </a:extLst>
           </p:cNvPr>
@@ -6736,8 +7283,765 @@
         </p:blipFill>
         <p:spPr>
           <a:xfrm>
-            <a:off x="10959546" y="4520250"/>
-            <a:ext cx="914402" cy="1447803"/>
+            <a:off x="10867211" y="6340015"/>
+            <a:ext cx="1227519" cy="432567"/>
+          </a:xfrm>
+          <a:prstGeom prst="rect">
+            <a:avLst/>
+          </a:prstGeom>
+        </p:spPr>
+      </p:pic>
+      <p:pic>
+        <p:nvPicPr>
+          <p:cNvPr id="8" name="Graphic 7">
+            <a:extLst>
+              <a:ext uri="{FF2B5EF4-FFF2-40B4-BE49-F238E27FC236}">
+                <a16:creationId xmlns:a16="http://schemas.microsoft.com/office/drawing/2014/main" id="{E865B7E9-05E8-4643-9514-2D11084671E6}"/>
+              </a:ext>
+            </a:extLst>
+          </p:cNvPr>
+          <p:cNvPicPr>
+            <a:picLocks noChangeAspect="1"/>
+          </p:cNvPicPr>
+          <p:nvPr/>
+        </p:nvPicPr>
+        <p:blipFill>
+          <a:blip r:embed="rId5">
+            <a:extLst>
+              <a:ext uri="{28A0092B-C50C-407E-A947-70E740481C1C}">
+                <a14:useLocalDpi xmlns:a14="http://schemas.microsoft.com/office/drawing/2010/main" val="0"/>
+              </a:ext>
+              <a:ext uri="{96DAC541-7B7A-43D3-8B79-37D633B846F1}">
+                <asvg:svgBlip xmlns:asvg="http://schemas.microsoft.com/office/drawing/2016/SVG/main" r:embed="rId6"/>
+              </a:ext>
+            </a:extLst>
+          </a:blip>
+          <a:stretch>
+            <a:fillRect/>
+          </a:stretch>
+        </p:blipFill>
+        <p:spPr>
+          <a:xfrm>
+            <a:off x="8387084" y="6396332"/>
+            <a:ext cx="2325932" cy="319933"/>
+          </a:xfrm>
+          <a:prstGeom prst="rect">
+            <a:avLst/>
+          </a:prstGeom>
+        </p:spPr>
+      </p:pic>
+      <p:pic>
+        <p:nvPicPr>
+          <p:cNvPr id="9" name="Picture 8">
+            <a:extLst>
+              <a:ext uri="{FF2B5EF4-FFF2-40B4-BE49-F238E27FC236}">
+                <a16:creationId xmlns:a16="http://schemas.microsoft.com/office/drawing/2014/main" id="{D3BF0AB1-BDC1-49B2-BB06-21A144204A38}"/>
+              </a:ext>
+            </a:extLst>
+          </p:cNvPr>
+          <p:cNvPicPr>
+            <a:picLocks noChangeAspect="1"/>
+          </p:cNvPicPr>
+          <p:nvPr/>
+        </p:nvPicPr>
+        <p:blipFill>
+          <a:blip r:embed="rId7">
+            <a:extLst>
+              <a:ext uri="{28A0092B-C50C-407E-A947-70E740481C1C}">
+                <a14:useLocalDpi xmlns:a14="http://schemas.microsoft.com/office/drawing/2010/main" val="0"/>
+              </a:ext>
+            </a:extLst>
+          </a:blip>
+          <a:stretch>
+            <a:fillRect/>
+          </a:stretch>
+        </p:blipFill>
+        <p:spPr>
+          <a:xfrm>
+            <a:off x="4939624" y="6323300"/>
+            <a:ext cx="1527175" cy="465996"/>
+          </a:xfrm>
+          <a:prstGeom prst="rect">
+            <a:avLst/>
+          </a:prstGeom>
+        </p:spPr>
+      </p:pic>
+      <p:pic>
+        <p:nvPicPr>
+          <p:cNvPr id="10" name="Picture 9">
+            <a:extLst>
+              <a:ext uri="{FF2B5EF4-FFF2-40B4-BE49-F238E27FC236}">
+                <a16:creationId xmlns:a16="http://schemas.microsoft.com/office/drawing/2014/main" id="{BCB4593D-3798-4262-B20E-AE76177AFC67}"/>
+              </a:ext>
+            </a:extLst>
+          </p:cNvPr>
+          <p:cNvPicPr>
+            <a:picLocks noChangeAspect="1"/>
+          </p:cNvPicPr>
+          <p:nvPr/>
+        </p:nvPicPr>
+        <p:blipFill>
+          <a:blip r:embed="rId8"/>
+          <a:stretch>
+            <a:fillRect/>
+          </a:stretch>
+        </p:blipFill>
+        <p:spPr>
+          <a:xfrm>
+            <a:off x="-167969" y="6297286"/>
+            <a:ext cx="2480367" cy="518024"/>
+          </a:xfrm>
+          <a:prstGeom prst="rect">
+            <a:avLst/>
+          </a:prstGeom>
+        </p:spPr>
+      </p:pic>
+      <p:pic>
+        <p:nvPicPr>
+          <p:cNvPr id="11" name="Picture 10">
+            <a:extLst>
+              <a:ext uri="{FF2B5EF4-FFF2-40B4-BE49-F238E27FC236}">
+                <a16:creationId xmlns:a16="http://schemas.microsoft.com/office/drawing/2014/main" id="{44DEFA65-4A35-46AB-AF2E-0BF892D95B8C}"/>
+              </a:ext>
+            </a:extLst>
+          </p:cNvPr>
+          <p:cNvPicPr>
+            <a:picLocks noChangeAspect="1"/>
+          </p:cNvPicPr>
+          <p:nvPr/>
+        </p:nvPicPr>
+        <p:blipFill>
+          <a:blip r:embed="rId9">
+            <a:extLst>
+              <a:ext uri="{28A0092B-C50C-407E-A947-70E740481C1C}">
+                <a14:useLocalDpi xmlns:a14="http://schemas.microsoft.com/office/drawing/2010/main" val="0"/>
+              </a:ext>
+            </a:extLst>
+          </a:blip>
+          <a:stretch>
+            <a:fillRect/>
+          </a:stretch>
+        </p:blipFill>
+        <p:spPr>
+          <a:xfrm>
+            <a:off x="2115471" y="6109933"/>
+            <a:ext cx="892730" cy="892730"/>
+          </a:xfrm>
+          <a:prstGeom prst="rect">
+            <a:avLst/>
+          </a:prstGeom>
+        </p:spPr>
+      </p:pic>
+      <p:pic>
+        <p:nvPicPr>
+          <p:cNvPr id="12" name="Picture 11">
+            <a:extLst>
+              <a:ext uri="{FF2B5EF4-FFF2-40B4-BE49-F238E27FC236}">
+                <a16:creationId xmlns:a16="http://schemas.microsoft.com/office/drawing/2014/main" id="{0F9FAFF0-F27B-4D75-A1D2-49F6C8746FC5}"/>
+              </a:ext>
+            </a:extLst>
+          </p:cNvPr>
+          <p:cNvPicPr>
+            <a:picLocks noChangeAspect="1"/>
+          </p:cNvPicPr>
+          <p:nvPr/>
+        </p:nvPicPr>
+        <p:blipFill rotWithShape="1">
+          <a:blip r:embed="rId10"/>
+          <a:srcRect r="51837"/>
+          <a:stretch/>
+        </p:blipFill>
+        <p:spPr>
+          <a:xfrm>
+            <a:off x="10810332" y="20888"/>
+            <a:ext cx="1341275" cy="553538"/>
+          </a:xfrm>
+          <a:prstGeom prst="rect">
+            <a:avLst/>
+          </a:prstGeom>
+        </p:spPr>
+      </p:pic>
+      <p:pic>
+        <p:nvPicPr>
+          <p:cNvPr id="13" name="Picture 12">
+            <a:extLst>
+              <a:ext uri="{FF2B5EF4-FFF2-40B4-BE49-F238E27FC236}">
+                <a16:creationId xmlns:a16="http://schemas.microsoft.com/office/drawing/2014/main" id="{0D76365A-1C62-48FB-8EA3-4CD87F519397}"/>
+              </a:ext>
+            </a:extLst>
+          </p:cNvPr>
+          <p:cNvPicPr>
+            <a:picLocks noChangeAspect="1"/>
+          </p:cNvPicPr>
+          <p:nvPr/>
+        </p:nvPicPr>
+        <p:blipFill>
+          <a:blip r:embed="rId11"/>
+          <a:stretch>
+            <a:fillRect/>
+          </a:stretch>
+        </p:blipFill>
+        <p:spPr>
+          <a:xfrm>
+            <a:off x="4489364" y="-167265"/>
+            <a:ext cx="1531047" cy="1531047"/>
+          </a:xfrm>
+          <a:prstGeom prst="rect">
+            <a:avLst/>
+          </a:prstGeom>
+        </p:spPr>
+      </p:pic>
+      <p:sp>
+        <p:nvSpPr>
+          <p:cNvPr id="14" name="TextBox 13">
+            <a:extLst>
+              <a:ext uri="{FF2B5EF4-FFF2-40B4-BE49-F238E27FC236}">
+                <a16:creationId xmlns:a16="http://schemas.microsoft.com/office/drawing/2014/main" id="{50D9A14D-0A35-4422-A71D-F8B031F43DF4}"/>
+              </a:ext>
+            </a:extLst>
+          </p:cNvPr>
+          <p:cNvSpPr txBox="1"/>
+          <p:nvPr/>
+        </p:nvSpPr>
+        <p:spPr>
+          <a:xfrm>
+            <a:off x="5628525" y="335459"/>
+            <a:ext cx="1867195" cy="461665"/>
+          </a:xfrm>
+          <a:prstGeom prst="rect">
+            <a:avLst/>
+          </a:prstGeom>
+          <a:noFill/>
+        </p:spPr>
+        <p:txBody>
+          <a:bodyPr wrap="square" rtlCol="0">
+            <a:spAutoFit/>
+          </a:bodyPr>
+          <a:lstStyle/>
+          <a:p>
+            <a:r>
+              <a:rPr lang="it-IT" sz="2400" b="1" dirty="0">
+                <a:solidFill>
+                  <a:srgbClr val="0079D6"/>
+                </a:solidFill>
+              </a:rPr>
+              <a:t>#datasatpn</a:t>
+            </a:r>
+          </a:p>
+        </p:txBody>
+      </p:sp>
+      <p:sp>
+        <p:nvSpPr>
+          <p:cNvPr id="19" name="TextBox 18">
+            <a:extLst>
+              <a:ext uri="{FF2B5EF4-FFF2-40B4-BE49-F238E27FC236}">
+                <a16:creationId xmlns:a16="http://schemas.microsoft.com/office/drawing/2014/main" id="{70ACADC0-590F-46D3-A46D-8072503640F8}"/>
+              </a:ext>
+            </a:extLst>
+          </p:cNvPr>
+          <p:cNvSpPr txBox="1"/>
+          <p:nvPr/>
+        </p:nvSpPr>
+        <p:spPr>
+          <a:xfrm>
+            <a:off x="1200010" y="2499170"/>
+            <a:ext cx="9640802" cy="3108543"/>
+          </a:xfrm>
+          <a:prstGeom prst="rect">
+            <a:avLst/>
+          </a:prstGeom>
+          <a:noFill/>
+        </p:spPr>
+        <p:txBody>
+          <a:bodyPr wrap="square">
+            <a:spAutoFit/>
+          </a:bodyPr>
+          <a:lstStyle/>
+          <a:p>
+            <a:pPr marR="0" lvl="0" algn="l" defTabSz="457200" rtl="0" eaLnBrk="1" fontAlgn="auto" latinLnBrk="0" hangingPunct="1">
+              <a:lnSpc>
+                <a:spcPct val="100000"/>
+              </a:lnSpc>
+              <a:spcBef>
+                <a:spcPts val="0"/>
+              </a:spcBef>
+              <a:spcAft>
+                <a:spcPts val="0"/>
+              </a:spcAft>
+              <a:buClrTx/>
+              <a:buSzTx/>
+              <a:tabLst/>
+              <a:defRPr/>
+            </a:pPr>
+            <a:r>
+              <a:rPr kumimoji="0" lang="en-US" sz="2800" b="0" i="0" u="none" strike="noStrike" kern="1200" cap="none" spc="0" normalizeH="0" baseline="0" noProof="0" dirty="0">
+                <a:ln>
+                  <a:noFill/>
+                </a:ln>
+                <a:solidFill>
+                  <a:schemeClr val="accent5"/>
+                </a:solidFill>
+                <a:effectLst/>
+                <a:uLnTx/>
+                <a:uFillTx/>
+                <a:latin typeface="Calibri" panose="020F0502020204030204"/>
+                <a:ea typeface="+mn-ea"/>
+                <a:cs typeface="+mn-cs"/>
+              </a:rPr>
+              <a:t>Jess Pomfret</a:t>
+            </a:r>
+          </a:p>
+          <a:p>
+            <a:pPr marR="0" lvl="0" algn="l" defTabSz="457200" rtl="0" eaLnBrk="1" fontAlgn="auto" latinLnBrk="0" hangingPunct="1">
+              <a:lnSpc>
+                <a:spcPct val="100000"/>
+              </a:lnSpc>
+              <a:spcBef>
+                <a:spcPts val="0"/>
+              </a:spcBef>
+              <a:spcAft>
+                <a:spcPts val="0"/>
+              </a:spcAft>
+              <a:buClrTx/>
+              <a:buSzTx/>
+              <a:tabLst/>
+              <a:defRPr/>
+            </a:pPr>
+            <a:endParaRPr kumimoji="0" lang="en-US" sz="2800" b="0" i="0" u="none" strike="noStrike" kern="1200" cap="none" spc="0" normalizeH="0" baseline="0" noProof="0" dirty="0">
+              <a:ln>
+                <a:noFill/>
+              </a:ln>
+              <a:solidFill>
+                <a:schemeClr val="accent5"/>
+              </a:solidFill>
+              <a:effectLst/>
+              <a:uLnTx/>
+              <a:uFillTx/>
+              <a:latin typeface="Calibri" panose="020F0502020204030204"/>
+              <a:ea typeface="+mn-ea"/>
+              <a:cs typeface="+mn-cs"/>
+            </a:endParaRPr>
+          </a:p>
+          <a:p>
+            <a:pPr marR="0" lvl="0" algn="l" defTabSz="457200" rtl="0" eaLnBrk="1" fontAlgn="auto" latinLnBrk="0" hangingPunct="1">
+              <a:lnSpc>
+                <a:spcPct val="100000"/>
+              </a:lnSpc>
+              <a:spcBef>
+                <a:spcPts val="0"/>
+              </a:spcBef>
+              <a:spcAft>
+                <a:spcPts val="0"/>
+              </a:spcAft>
+              <a:buClrTx/>
+              <a:buSzTx/>
+              <a:tabLst/>
+              <a:defRPr/>
+            </a:pPr>
+            <a:r>
+              <a:rPr kumimoji="0" lang="en-US" sz="2800" b="0" i="0" u="none" strike="noStrike" kern="1200" cap="none" spc="0" normalizeH="0" baseline="0" noProof="0" dirty="0">
+                <a:ln>
+                  <a:noFill/>
+                </a:ln>
+                <a:solidFill>
+                  <a:schemeClr val="accent2"/>
+                </a:solidFill>
+                <a:effectLst/>
+                <a:uLnTx/>
+                <a:uFillTx/>
+                <a:latin typeface="Calibri" panose="020F0502020204030204"/>
+                <a:ea typeface="+mn-ea"/>
+                <a:cs typeface="+mn-cs"/>
+                <a:hlinkClick r:id="rId12">
+                  <a:extLst>
+                    <a:ext uri="{A12FA001-AC4F-418D-AE19-62706E023703}">
+                      <ahyp:hlinkClr xmlns:ahyp="http://schemas.microsoft.com/office/drawing/2018/hyperlinkcolor" val="tx"/>
+                    </a:ext>
+                  </a:extLst>
+                </a:hlinkClick>
+              </a:rPr>
+              <a:t>jpomfret7@gmail.com</a:t>
+            </a:r>
+            <a:endParaRPr kumimoji="0" lang="en-US" sz="2800" b="0" i="0" u="none" strike="noStrike" kern="1200" cap="none" spc="0" normalizeH="0" baseline="0" noProof="0" dirty="0">
+              <a:ln>
+                <a:noFill/>
+              </a:ln>
+              <a:solidFill>
+                <a:schemeClr val="accent2"/>
+              </a:solidFill>
+              <a:effectLst/>
+              <a:uLnTx/>
+              <a:uFillTx/>
+              <a:latin typeface="Calibri" panose="020F0502020204030204"/>
+              <a:ea typeface="+mn-ea"/>
+              <a:cs typeface="+mn-cs"/>
+            </a:endParaRPr>
+          </a:p>
+          <a:p>
+            <a:pPr marR="0" lvl="0" algn="l" defTabSz="457200" rtl="0" eaLnBrk="1" fontAlgn="auto" latinLnBrk="0" hangingPunct="1">
+              <a:lnSpc>
+                <a:spcPct val="100000"/>
+              </a:lnSpc>
+              <a:spcBef>
+                <a:spcPts val="0"/>
+              </a:spcBef>
+              <a:spcAft>
+                <a:spcPts val="0"/>
+              </a:spcAft>
+              <a:buClrTx/>
+              <a:buSzTx/>
+              <a:tabLst/>
+              <a:defRPr/>
+            </a:pPr>
+            <a:r>
+              <a:rPr kumimoji="0" lang="en-US" sz="2800" b="0" i="0" u="none" strike="noStrike" kern="1200" cap="none" spc="0" normalizeH="0" baseline="0" noProof="0" dirty="0">
+                <a:ln>
+                  <a:noFill/>
+                </a:ln>
+                <a:solidFill>
+                  <a:schemeClr val="accent5"/>
+                </a:solidFill>
+                <a:effectLst/>
+                <a:uLnTx/>
+                <a:uFillTx/>
+                <a:latin typeface="Calibri" panose="020F0502020204030204"/>
+                <a:ea typeface="+mn-ea"/>
+                <a:cs typeface="+mn-cs"/>
+              </a:rPr>
+              <a:t>@jpomfret</a:t>
+            </a:r>
+          </a:p>
+          <a:p>
+            <a:pPr marR="0" lvl="0" algn="l" defTabSz="457200" rtl="0" eaLnBrk="1" fontAlgn="auto" latinLnBrk="0" hangingPunct="1">
+              <a:lnSpc>
+                <a:spcPct val="100000"/>
+              </a:lnSpc>
+              <a:spcBef>
+                <a:spcPts val="0"/>
+              </a:spcBef>
+              <a:spcAft>
+                <a:spcPts val="0"/>
+              </a:spcAft>
+              <a:buClrTx/>
+              <a:buSzTx/>
+              <a:tabLst/>
+              <a:defRPr/>
+            </a:pPr>
+            <a:endParaRPr kumimoji="0" lang="en-US" sz="2800" b="0" i="0" u="none" strike="noStrike" kern="1200" cap="none" spc="0" normalizeH="0" baseline="0" noProof="0" dirty="0">
+              <a:ln>
+                <a:noFill/>
+              </a:ln>
+              <a:solidFill>
+                <a:schemeClr val="accent5"/>
+              </a:solidFill>
+              <a:effectLst/>
+              <a:uLnTx/>
+              <a:uFillTx/>
+              <a:latin typeface="Calibri" panose="020F0502020204030204"/>
+              <a:ea typeface="+mn-ea"/>
+              <a:cs typeface="+mn-cs"/>
+            </a:endParaRPr>
+          </a:p>
+          <a:p>
+            <a:pPr marR="0" lvl="0" algn="l" defTabSz="457200" rtl="0" eaLnBrk="1" fontAlgn="auto" latinLnBrk="0" hangingPunct="1">
+              <a:lnSpc>
+                <a:spcPct val="100000"/>
+              </a:lnSpc>
+              <a:spcBef>
+                <a:spcPts val="0"/>
+              </a:spcBef>
+              <a:spcAft>
+                <a:spcPts val="0"/>
+              </a:spcAft>
+              <a:buClrTx/>
+              <a:buSzTx/>
+              <a:tabLst/>
+              <a:defRPr/>
+            </a:pPr>
+            <a:r>
+              <a:rPr kumimoji="0" lang="en-US" sz="2800" b="0" i="0" u="none" strike="noStrike" kern="1200" cap="none" spc="0" normalizeH="0" baseline="0" noProof="0" dirty="0">
+                <a:ln>
+                  <a:noFill/>
+                </a:ln>
+                <a:solidFill>
+                  <a:schemeClr val="accent2"/>
+                </a:solidFill>
+                <a:effectLst/>
+                <a:uLnTx/>
+                <a:uFillTx/>
+                <a:latin typeface="Calibri" panose="020F0502020204030204"/>
+                <a:ea typeface="+mn-ea"/>
+                <a:cs typeface="+mn-cs"/>
+                <a:hlinkClick r:id="rId13">
+                  <a:extLst>
+                    <a:ext uri="{A12FA001-AC4F-418D-AE19-62706E023703}">
+                      <ahyp:hlinkClr xmlns:ahyp="http://schemas.microsoft.com/office/drawing/2018/hyperlinkcolor" val="tx"/>
+                    </a:ext>
+                  </a:extLst>
+                </a:hlinkClick>
+              </a:rPr>
+              <a:t>www.JessPomfret.com</a:t>
+            </a:r>
+            <a:endParaRPr kumimoji="0" lang="en-US" sz="2800" b="0" i="0" u="none" strike="noStrike" kern="1200" cap="none" spc="0" normalizeH="0" baseline="0" noProof="0" dirty="0">
+              <a:ln>
+                <a:noFill/>
+              </a:ln>
+              <a:solidFill>
+                <a:schemeClr val="accent2"/>
+              </a:solidFill>
+              <a:effectLst/>
+              <a:uLnTx/>
+              <a:uFillTx/>
+              <a:latin typeface="Calibri" panose="020F0502020204030204"/>
+              <a:ea typeface="+mn-ea"/>
+              <a:cs typeface="+mn-cs"/>
+            </a:endParaRPr>
+          </a:p>
+          <a:p>
+            <a:pPr marR="0" lvl="0" algn="l" defTabSz="457200" rtl="0" eaLnBrk="1" fontAlgn="auto" latinLnBrk="0" hangingPunct="1">
+              <a:lnSpc>
+                <a:spcPct val="100000"/>
+              </a:lnSpc>
+              <a:spcBef>
+                <a:spcPts val="0"/>
+              </a:spcBef>
+              <a:spcAft>
+                <a:spcPts val="0"/>
+              </a:spcAft>
+              <a:buClrTx/>
+              <a:buSzTx/>
+              <a:tabLst/>
+              <a:defRPr/>
+            </a:pPr>
+            <a:r>
+              <a:rPr kumimoji="0" lang="en-US" sz="2800" b="0" i="0" u="none" strike="noStrike" kern="1200" cap="none" spc="0" normalizeH="0" baseline="0" noProof="0" dirty="0">
+                <a:ln>
+                  <a:noFill/>
+                </a:ln>
+                <a:solidFill>
+                  <a:schemeClr val="accent2"/>
+                </a:solidFill>
+                <a:effectLst/>
+                <a:uLnTx/>
+                <a:uFillTx/>
+                <a:latin typeface="Calibri" panose="020F0502020204030204"/>
+                <a:ea typeface="+mn-ea"/>
+                <a:cs typeface="+mn-cs"/>
+                <a:hlinkClick r:id="rId14">
+                  <a:extLst>
+                    <a:ext uri="{A12FA001-AC4F-418D-AE19-62706E023703}">
+                      <ahyp:hlinkClr xmlns:ahyp="http://schemas.microsoft.com/office/drawing/2018/hyperlinkcolor" val="tx"/>
+                    </a:ext>
+                  </a:extLst>
+                </a:hlinkClick>
+              </a:rPr>
+              <a:t>https://github.com/jpomfret/demos/</a:t>
+            </a:r>
+            <a:endParaRPr kumimoji="0" lang="en-US" sz="2800" b="0" i="0" u="none" strike="noStrike" kern="1200" cap="none" spc="0" normalizeH="0" baseline="0" noProof="0" dirty="0">
+              <a:ln>
+                <a:noFill/>
+              </a:ln>
+              <a:solidFill>
+                <a:schemeClr val="accent2"/>
+              </a:solidFill>
+              <a:effectLst/>
+              <a:uLnTx/>
+              <a:uFillTx/>
+              <a:latin typeface="Calibri" panose="020F0502020204030204"/>
+              <a:ea typeface="+mn-ea"/>
+              <a:cs typeface="+mn-cs"/>
+            </a:endParaRPr>
+          </a:p>
+        </p:txBody>
+      </p:sp>
+      <p:pic>
+        <p:nvPicPr>
+          <p:cNvPr id="24" name="Picture 23">
+            <a:extLst>
+              <a:ext uri="{FF2B5EF4-FFF2-40B4-BE49-F238E27FC236}">
+                <a16:creationId xmlns:a16="http://schemas.microsoft.com/office/drawing/2014/main" id="{299A469B-A2BE-4757-8E5C-62FE3BE99F11}"/>
+              </a:ext>
+            </a:extLst>
+          </p:cNvPr>
+          <p:cNvPicPr>
+            <a:picLocks noChangeAspect="1"/>
+          </p:cNvPicPr>
+          <p:nvPr/>
+        </p:nvPicPr>
+        <p:blipFill rotWithShape="1">
+          <a:blip r:embed="rId15"/>
+          <a:srcRect t="24201"/>
+          <a:stretch/>
+        </p:blipFill>
+        <p:spPr>
+          <a:xfrm>
+            <a:off x="-13961" y="1251237"/>
+            <a:ext cx="12192000" cy="933065"/>
+          </a:xfrm>
+          <a:prstGeom prst="rect">
+            <a:avLst/>
+          </a:prstGeom>
+        </p:spPr>
+      </p:pic>
+      <p:sp>
+        <p:nvSpPr>
+          <p:cNvPr id="25" name="TextBox 24">
+            <a:extLst>
+              <a:ext uri="{FF2B5EF4-FFF2-40B4-BE49-F238E27FC236}">
+                <a16:creationId xmlns:a16="http://schemas.microsoft.com/office/drawing/2014/main" id="{1CB4B581-D635-4A2B-B430-E8299BDB47C6}"/>
+              </a:ext>
+            </a:extLst>
+          </p:cNvPr>
+          <p:cNvSpPr txBox="1"/>
+          <p:nvPr/>
+        </p:nvSpPr>
+        <p:spPr>
+          <a:xfrm>
+            <a:off x="1072214" y="1305024"/>
+            <a:ext cx="7131986" cy="701731"/>
+          </a:xfrm>
+          <a:prstGeom prst="rect">
+            <a:avLst/>
+          </a:prstGeom>
+          <a:noFill/>
+        </p:spPr>
+        <p:txBody>
+          <a:bodyPr wrap="square" rtlCol="0">
+            <a:spAutoFit/>
+          </a:bodyPr>
+          <a:lstStyle/>
+          <a:p>
+            <a:pPr defTabSz="914400">
+              <a:lnSpc>
+                <a:spcPct val="90000"/>
+              </a:lnSpc>
+              <a:spcBef>
+                <a:spcPct val="0"/>
+              </a:spcBef>
+            </a:pPr>
+            <a:r>
+              <a:rPr lang="en-US" sz="4400" b="1" dirty="0">
+                <a:solidFill>
+                  <a:schemeClr val="bg2"/>
+                </a:solidFill>
+                <a:latin typeface="Calibri" panose="020F0502020204030204" pitchFamily="34" charset="0"/>
+                <a:ea typeface="+mj-ea"/>
+                <a:cs typeface="Calibri" panose="020F0502020204030204" pitchFamily="34" charset="0"/>
+              </a:rPr>
+              <a:t>Questions?</a:t>
+            </a:r>
+            <a:endParaRPr lang="en-GB" sz="4400" b="1" dirty="0">
+              <a:solidFill>
+                <a:schemeClr val="bg2"/>
+              </a:solidFill>
+              <a:latin typeface="Calibri" panose="020F0502020204030204" pitchFamily="34" charset="0"/>
+              <a:ea typeface="+mj-ea"/>
+              <a:cs typeface="Calibri" panose="020F0502020204030204" pitchFamily="34" charset="0"/>
+            </a:endParaRPr>
+          </a:p>
+        </p:txBody>
+      </p:sp>
+    </p:spTree>
+    <p:extLst>
+      <p:ext uri="{BB962C8B-B14F-4D97-AF65-F5344CB8AC3E}">
+        <p14:creationId xmlns:p14="http://schemas.microsoft.com/office/powerpoint/2010/main" val="875608778"/>
+      </p:ext>
+    </p:extLst>
+  </p:cSld>
+  <p:clrMapOvr>
+    <a:masterClrMapping/>
+  </p:clrMapOvr>
+</p:sld>
+</file>
+
+<file path=ppt/slides/slide2.xml><?xml version="1.0" encoding="utf-8"?>
+<p:sld xmlns:a="http://schemas.openxmlformats.org/drawingml/2006/main" xmlns:r="http://schemas.openxmlformats.org/officeDocument/2006/relationships" xmlns:p="http://schemas.openxmlformats.org/presentationml/2006/main" show="0">
+  <p:cSld>
+    <p:spTree>
+      <p:nvGrpSpPr>
+        <p:cNvPr id="1" name=""/>
+        <p:cNvGrpSpPr/>
+        <p:nvPr/>
+      </p:nvGrpSpPr>
+      <p:grpSpPr>
+        <a:xfrm>
+          <a:off x="0" y="0"/>
+          <a:ext cx="0" cy="0"/>
+          <a:chOff x="0" y="0"/>
+          <a:chExt cx="0" cy="0"/>
+        </a:xfrm>
+      </p:grpSpPr>
+      <p:sp>
+        <p:nvSpPr>
+          <p:cNvPr id="2" name="Title 1">
+            <a:extLst>
+              <a:ext uri="{FF2B5EF4-FFF2-40B4-BE49-F238E27FC236}">
+                <a16:creationId xmlns:a16="http://schemas.microsoft.com/office/drawing/2014/main" id="{4CC6F8DE-A1B6-4914-A23E-D3683274E9F2}"/>
+              </a:ext>
+            </a:extLst>
+          </p:cNvPr>
+          <p:cNvSpPr>
+            <a:spLocks noGrp="1"/>
+          </p:cNvSpPr>
+          <p:nvPr>
+            <p:ph type="ctrTitle"/>
+          </p:nvPr>
+        </p:nvSpPr>
+        <p:spPr>
+          <a:xfrm>
+            <a:off x="462998" y="1188022"/>
+            <a:ext cx="11266004" cy="2387600"/>
+          </a:xfrm>
+        </p:spPr>
+        <p:txBody>
+          <a:bodyPr/>
+          <a:lstStyle/>
+          <a:p>
+            <a:r>
+              <a:rPr lang="en-US"/>
+              <a:t>Life Hacks: </a:t>
+            </a:r>
+            <a:r>
+              <a:rPr lang="en-US" err="1"/>
+              <a:t>dbatools</a:t>
+            </a:r>
+            <a:r>
+              <a:rPr lang="en-US"/>
+              <a:t> Edition</a:t>
+            </a:r>
+          </a:p>
+        </p:txBody>
+      </p:sp>
+      <p:pic>
+        <p:nvPicPr>
+          <p:cNvPr id="6" name="Picture 5" descr="dbatools">
+            <a:extLst>
+              <a:ext uri="{FF2B5EF4-FFF2-40B4-BE49-F238E27FC236}">
+                <a16:creationId xmlns:a16="http://schemas.microsoft.com/office/drawing/2014/main" id="{8C6B9BF0-CCF3-43FC-9804-3BEE56C9D01A}"/>
+              </a:ext>
+            </a:extLst>
+          </p:cNvPr>
+          <p:cNvPicPr>
+            <a:picLocks noChangeAspect="1"/>
+          </p:cNvPicPr>
+          <p:nvPr/>
+        </p:nvPicPr>
+        <p:blipFill>
+          <a:blip r:embed="rId2">
+            <a:extLst>
+              <a:ext uri="{28A0092B-C50C-407E-A947-70E740481C1C}">
+                <a14:useLocalDpi xmlns:a14="http://schemas.microsoft.com/office/drawing/2010/main" val="0"/>
+              </a:ext>
+            </a:extLst>
+          </a:blip>
+          <a:stretch>
+            <a:fillRect/>
+          </a:stretch>
+        </p:blipFill>
+        <p:spPr>
+          <a:xfrm>
+            <a:off x="4907978" y="304800"/>
+            <a:ext cx="2376045" cy="2376045"/>
           </a:xfrm>
           <a:prstGeom prst="rect">
             <a:avLst/>
@@ -6747,7 +8051,7 @@
     </p:spTree>
     <p:extLst>
       <p:ext uri="{BB962C8B-B14F-4D97-AF65-F5344CB8AC3E}">
-        <p14:creationId xmlns:p14="http://schemas.microsoft.com/office/powerpoint/2010/main" val="3256882072"/>
+        <p14:creationId xmlns:p14="http://schemas.microsoft.com/office/powerpoint/2010/main" val="906359931"/>
       </p:ext>
     </p:extLst>
   </p:cSld>
@@ -6779,7 +8083,7 @@
           <p:cNvPr id="2" name="Title 1">
             <a:extLst>
               <a:ext uri="{FF2B5EF4-FFF2-40B4-BE49-F238E27FC236}">
-                <a16:creationId xmlns:a16="http://schemas.microsoft.com/office/drawing/2014/main" id="{C00D3F27-EF55-4172-ACEE-8D340D505FAA}"/>
+                <a16:creationId xmlns:a16="http://schemas.microsoft.com/office/drawing/2014/main" id="{23AE9CB3-7382-4630-9D25-124626170B5C}"/>
               </a:ext>
             </a:extLst>
           </p:cNvPr>
@@ -6796,9 +8100,17 @@
           <a:lstStyle/>
           <a:p>
             <a:r>
-              <a:rPr lang="en-US"/>
-              <a:t>Agenda</a:t>
-            </a:r>
+              <a:rPr lang="en-US" dirty="0"/>
+              <a:t>Jess Pomfret</a:t>
+            </a:r>
+            <a:br>
+              <a:rPr lang="en-US" dirty="0"/>
+            </a:br>
+            <a:r>
+              <a:rPr lang="en-US" sz="2400" dirty="0"/>
+              <a:t>(She/Her)</a:t>
+            </a:r>
+            <a:endParaRPr lang="en-US" dirty="0"/>
           </a:p>
         </p:txBody>
       </p:sp>
@@ -6807,7 +8119,7 @@
           <p:cNvPr id="3" name="Content Placeholder 2">
             <a:extLst>
               <a:ext uri="{FF2B5EF4-FFF2-40B4-BE49-F238E27FC236}">
-                <a16:creationId xmlns:a16="http://schemas.microsoft.com/office/drawing/2014/main" id="{0A031764-D9F6-4435-B0F7-9C4344D10D55}"/>
+                <a16:creationId xmlns:a16="http://schemas.microsoft.com/office/drawing/2014/main" id="{BD9FF4B1-4677-48D0-A0AD-0221FAEEFBA3}"/>
               </a:ext>
             </a:extLst>
           </p:cNvPr>
@@ -6827,105 +8139,71 @@
           <a:p>
             <a:r>
               <a:rPr lang="en-US" dirty="0"/>
-              <a:t>What is </a:t>
-            </a:r>
+              <a:t>Database Engineer</a:t>
+            </a:r>
+          </a:p>
+          <a:p>
+            <a:r>
+              <a:rPr lang="en-US" dirty="0"/>
+              <a:t>Open Source Contributor</a:t>
+            </a:r>
+          </a:p>
+          <a:p>
+            <a:pPr lvl="1"/>
             <a:r>
               <a:rPr lang="en-US" dirty="0" err="1"/>
               <a:t>dbatools</a:t>
             </a:r>
             <a:r>
               <a:rPr lang="en-US" dirty="0"/>
-              <a:t>?</a:t>
-            </a:r>
-          </a:p>
-          <a:p>
+              <a:t>, </a:t>
+            </a:r>
+            <a:r>
+              <a:rPr lang="en-US" dirty="0" err="1"/>
+              <a:t>dbachecks</a:t>
+            </a:r>
             <a:r>
               <a:rPr lang="en-US" dirty="0"/>
-              <a:t>PowerShell 101</a:t>
-            </a:r>
+              <a:t>, </a:t>
+            </a:r>
+            <a:r>
+              <a:rPr lang="en-US" dirty="0" err="1"/>
+              <a:t>SqlServerDsc</a:t>
+            </a:r>
+            <a:endParaRPr lang="en-US" dirty="0"/>
           </a:p>
           <a:p>
             <a:r>
               <a:rPr lang="en-US" dirty="0"/>
-              <a:t>Life Hacks</a:t>
-            </a:r>
-          </a:p>
-          <a:p>
-            <a:pPr marL="971550" lvl="1" indent="-514350">
-              <a:buFont typeface="+mj-lt"/>
-              <a:buAutoNum type="arabicPeriod"/>
-            </a:pPr>
+              <a:t>Passionate about Automation, Proper Football &amp; Fitness</a:t>
+            </a:r>
+          </a:p>
+          <a:p>
+            <a:endParaRPr lang="en-US" dirty="0"/>
+          </a:p>
+          <a:p>
+            <a:r>
+              <a:rPr lang="en-US" dirty="0">
+                <a:hlinkClick r:id="rId2"/>
+              </a:rPr>
+              <a:t>jpomfret7@gmail.com</a:t>
+            </a:r>
+            <a:endParaRPr lang="en-US" dirty="0"/>
+          </a:p>
+          <a:p>
             <a:r>
               <a:rPr lang="en-US" dirty="0"/>
-              <a:t>Test Your Backups</a:t>
-            </a:r>
-          </a:p>
-          <a:p>
-            <a:pPr marL="971550" lvl="1" indent="-514350">
-              <a:buFont typeface="+mj-lt"/>
-              <a:buAutoNum type="arabicPeriod"/>
-            </a:pPr>
-            <a:r>
-              <a:rPr lang="en-US" dirty="0"/>
-              <a:t>Manage Logins &amp; Access</a:t>
-            </a:r>
-          </a:p>
-          <a:p>
-            <a:pPr marL="971550" lvl="1" indent="-514350">
-              <a:buFont typeface="+mj-lt"/>
-              <a:buAutoNum type="arabicPeriod"/>
-            </a:pPr>
-            <a:r>
-              <a:rPr lang="en-US" dirty="0"/>
-              <a:t>Mask Sensitive Data</a:t>
-            </a:r>
-          </a:p>
-          <a:p>
-            <a:pPr marL="971550" lvl="1" indent="-514350">
-              <a:buFont typeface="+mj-lt"/>
-              <a:buAutoNum type="arabicPeriod"/>
-            </a:pPr>
-            <a:r>
-              <a:rPr lang="en-US" dirty="0"/>
-              <a:t>Migrate… Everything</a:t>
-            </a:r>
-          </a:p>
-          <a:p>
-            <a:pPr marL="971550" lvl="1" indent="-514350">
-              <a:buFont typeface="+mj-lt"/>
-              <a:buAutoNum type="arabicPeriod"/>
-            </a:pPr>
-            <a:r>
-              <a:rPr lang="en-US" dirty="0"/>
-              <a:t>Meet Best Practices</a:t>
-            </a:r>
-          </a:p>
-          <a:p>
-            <a:pPr marL="971550" lvl="1" indent="-514350">
-              <a:buFont typeface="+mj-lt"/>
-              <a:buAutoNum type="arabicPeriod"/>
-            </a:pPr>
-            <a:r>
-              <a:rPr lang="en-US" dirty="0"/>
-              <a:t>Documentation for everyone</a:t>
-            </a:r>
-          </a:p>
-          <a:p>
-            <a:pPr lvl="1"/>
-            <a:endParaRPr lang="en-US" dirty="0"/>
-          </a:p>
-          <a:p>
-            <a:pPr lvl="1"/>
-            <a:endParaRPr lang="en-US" dirty="0"/>
+              <a:t>@jpomfret</a:t>
+            </a:r>
           </a:p>
         </p:txBody>
       </p:sp>
       <p:pic>
         <p:nvPicPr>
-          <p:cNvPr id="5" name="Picture 4" descr="dbatools">
+          <p:cNvPr id="5" name="Picture 4">
             <a:extLst>
               <a:ext uri="{FF2B5EF4-FFF2-40B4-BE49-F238E27FC236}">
-                <a16:creationId xmlns:a16="http://schemas.microsoft.com/office/drawing/2014/main" id="{883620BE-A5F5-49F1-8D15-5CA6EAEC47D9}"/>
+                <a16:creationId xmlns:a16="http://schemas.microsoft.com/office/drawing/2014/main" id="{534BBB60-327E-41E5-A188-F9573B75AD86}"/>
               </a:ext>
             </a:extLst>
           </p:cNvPr>
@@ -6942,14 +8220,49 @@
               </a:ext>
             </a:extLst>
           </a:blip>
+          <a:srcRect/>
+          <a:stretch/>
+        </p:blipFill>
+        <p:spPr>
+          <a:xfrm>
+            <a:off x="601762" y="2175930"/>
+            <a:ext cx="3886551" cy="4084819"/>
+          </a:xfrm>
+          <a:prstGeom prst="rect">
+            <a:avLst/>
+          </a:prstGeom>
+        </p:spPr>
+      </p:pic>
+      <p:pic>
+        <p:nvPicPr>
+          <p:cNvPr id="7" name="Picture 6" descr="A close up of a sign&#10;&#10;Description automatically generated">
+            <a:extLst>
+              <a:ext uri="{FF2B5EF4-FFF2-40B4-BE49-F238E27FC236}">
+                <a16:creationId xmlns:a16="http://schemas.microsoft.com/office/drawing/2014/main" id="{DC714AD4-83A8-4057-BC8E-2D231207D3CE}"/>
+              </a:ext>
+            </a:extLst>
+          </p:cNvPr>
+          <p:cNvPicPr>
+            <a:picLocks noChangeAspect="1"/>
+          </p:cNvPicPr>
+          <p:nvPr/>
+        </p:nvPicPr>
+        <p:blipFill>
+          <a:blip r:embed="rId4">
+            <a:extLst>
+              <a:ext uri="{28A0092B-C50C-407E-A947-70E740481C1C}">
+                <a14:useLocalDpi xmlns:a14="http://schemas.microsoft.com/office/drawing/2010/main" val="0"/>
+              </a:ext>
+            </a:extLst>
+          </a:blip>
           <a:stretch>
             <a:fillRect/>
           </a:stretch>
         </p:blipFill>
         <p:spPr>
           <a:xfrm>
-            <a:off x="8977755" y="1003852"/>
-            <a:ext cx="2376045" cy="2376045"/>
+            <a:off x="10959546" y="4520250"/>
+            <a:ext cx="914402" cy="1447803"/>
           </a:xfrm>
           <a:prstGeom prst="rect">
             <a:avLst/>
@@ -6959,7 +8272,7 @@
     </p:spTree>
     <p:extLst>
       <p:ext uri="{BB962C8B-B14F-4D97-AF65-F5344CB8AC3E}">
-        <p14:creationId xmlns:p14="http://schemas.microsoft.com/office/powerpoint/2010/main" val="1877511129"/>
+        <p14:creationId xmlns:p14="http://schemas.microsoft.com/office/powerpoint/2010/main" val="3256882072"/>
       </p:ext>
     </p:extLst>
   </p:cSld>
@@ -6991,7 +8304,7 @@
           <p:cNvPr id="2" name="Title 1">
             <a:extLst>
               <a:ext uri="{FF2B5EF4-FFF2-40B4-BE49-F238E27FC236}">
-                <a16:creationId xmlns:a16="http://schemas.microsoft.com/office/drawing/2014/main" id="{C566FDFA-BBBF-433D-A172-9FD4CCC09FC4}"/>
+                <a16:creationId xmlns:a16="http://schemas.microsoft.com/office/drawing/2014/main" id="{C00D3F27-EF55-4172-ACEE-8D340D505FAA}"/>
               </a:ext>
             </a:extLst>
           </p:cNvPr>
@@ -7008,16 +8321,8 @@
           <a:lstStyle/>
           <a:p>
             <a:r>
-              <a:rPr lang="en-US" dirty="0"/>
-              <a:t>What is </a:t>
-            </a:r>
-            <a:r>
-              <a:rPr lang="en-US" dirty="0" err="1"/>
-              <a:t>dbatools</a:t>
-            </a:r>
-            <a:r>
-              <a:rPr lang="en-US" dirty="0"/>
-              <a:t>?</a:t>
+              <a:rPr lang="en-US"/>
+              <a:t>Agenda</a:t>
             </a:r>
           </a:p>
         </p:txBody>
@@ -7027,7 +8332,7 @@
           <p:cNvPr id="3" name="Content Placeholder 2">
             <a:extLst>
               <a:ext uri="{FF2B5EF4-FFF2-40B4-BE49-F238E27FC236}">
-                <a16:creationId xmlns:a16="http://schemas.microsoft.com/office/drawing/2014/main" id="{736C6DF0-9379-45E7-A275-7C7CB75D3C58}"/>
+                <a16:creationId xmlns:a16="http://schemas.microsoft.com/office/drawing/2014/main" id="{0A031764-D9F6-4435-B0F7-9C4344D10D55}"/>
               </a:ext>
             </a:extLst>
           </p:cNvPr>
@@ -7041,27 +8346,93 @@
         <p:spPr/>
         <p:txBody>
           <a:bodyPr>
-            <a:normAutofit fontScale="92500" lnSpcReduction="20000"/>
+            <a:normAutofit/>
           </a:bodyPr>
           <a:lstStyle/>
           <a:p>
             <a:r>
               <a:rPr lang="en-US" dirty="0"/>
-              <a:t>Open Source PowerShell Module</a:t>
-            </a:r>
-          </a:p>
-          <a:p>
-            <a:pPr lvl="1"/>
+              <a:t>What is </a:t>
+            </a:r>
+            <a:r>
+              <a:rPr lang="en-US" dirty="0" err="1"/>
+              <a:t>dbatools</a:t>
+            </a:r>
             <a:r>
               <a:rPr lang="en-US" dirty="0"/>
-              <a:t>Command line SSMS</a:t>
-            </a:r>
-          </a:p>
-          <a:p>
-            <a:pPr lvl="1"/>
+              <a:t>?</a:t>
+            </a:r>
+          </a:p>
+          <a:p>
             <a:r>
               <a:rPr lang="en-US" dirty="0"/>
-              <a:t>Great for handling multiples</a:t>
+              <a:t>PowerShell 101</a:t>
+            </a:r>
+          </a:p>
+          <a:p>
+            <a:r>
+              <a:rPr lang="en-US" dirty="0"/>
+              <a:t>Life Hacks</a:t>
+            </a:r>
+          </a:p>
+          <a:p>
+            <a:pPr marL="971550" lvl="1" indent="-514350">
+              <a:buFont typeface="+mj-lt"/>
+              <a:buAutoNum type="arabicPeriod"/>
+            </a:pPr>
+            <a:r>
+              <a:rPr lang="en-US" dirty="0"/>
+              <a:t>Test Your Backups</a:t>
+            </a:r>
+          </a:p>
+          <a:p>
+            <a:pPr marL="971550" lvl="1" indent="-514350">
+              <a:buFont typeface="+mj-lt"/>
+              <a:buAutoNum type="arabicPeriod"/>
+            </a:pPr>
+            <a:r>
+              <a:rPr lang="en-US" dirty="0"/>
+              <a:t>Manage Logins &amp; Access</a:t>
+            </a:r>
+          </a:p>
+          <a:p>
+            <a:pPr marL="971550" lvl="1" indent="-514350">
+              <a:buFont typeface="+mj-lt"/>
+              <a:buAutoNum type="arabicPeriod"/>
+            </a:pPr>
+            <a:r>
+              <a:rPr lang="en-US" dirty="0"/>
+              <a:t>Mask Sensitive Data</a:t>
+            </a:r>
+          </a:p>
+          <a:p>
+            <a:pPr marL="971550" lvl="1" indent="-514350">
+              <a:buFont typeface="+mj-lt"/>
+              <a:buAutoNum type="arabicPeriod"/>
+            </a:pPr>
+            <a:r>
+              <a:rPr lang="en-US" dirty="0"/>
+              <a:t>Migrate… Everything</a:t>
+            </a:r>
+          </a:p>
+          <a:p>
+            <a:pPr marL="971550" lvl="1" indent="-514350">
+              <a:buFont typeface="+mj-lt"/>
+              <a:buAutoNum type="arabicPeriod"/>
+            </a:pPr>
+            <a:r>
+              <a:rPr lang="en-US" dirty="0"/>
+              <a:t>Meet Best Practices</a:t>
+            </a:r>
+          </a:p>
+          <a:p>
+            <a:pPr marL="971550" lvl="1" indent="-514350">
+              <a:buFont typeface="+mj-lt"/>
+              <a:buAutoNum type="arabicPeriod"/>
+            </a:pPr>
+            <a:r>
+              <a:rPr lang="en-US" dirty="0"/>
+              <a:t>Documentation for everyone</a:t>
             </a:r>
           </a:p>
           <a:p>
@@ -7069,81 +8440,22 @@
             <a:endParaRPr lang="en-US" dirty="0"/>
           </a:p>
           <a:p>
-            <a:r>
-              <a:rPr lang="en-US" dirty="0"/>
-              <a:t>MIT Licensed</a:t>
-            </a:r>
-          </a:p>
-          <a:p>
-            <a:pPr lvl="1"/>
-            <a:r>
-              <a:rPr lang="en-US" dirty="0"/>
-              <a:t>“A short and simple permissive license”</a:t>
-            </a:r>
-          </a:p>
-          <a:p>
             <a:pPr lvl="1"/>
             <a:endParaRPr lang="en-US" dirty="0"/>
           </a:p>
-          <a:p>
-            <a:r>
-              <a:rPr lang="en-US" dirty="0"/>
-              <a:t>Secure!</a:t>
-            </a:r>
-          </a:p>
-          <a:p>
-            <a:pPr lvl="1"/>
-            <a:r>
-              <a:rPr lang="en-US" dirty="0"/>
-              <a:t>PowerShell - “Secure by Design”</a:t>
-            </a:r>
-          </a:p>
-          <a:p>
-            <a:pPr lvl="1"/>
-            <a:r>
-              <a:rPr lang="en-US" dirty="0"/>
-              <a:t>Code Signed</a:t>
-            </a:r>
-          </a:p>
-          <a:p>
-            <a:pPr lvl="1"/>
-            <a:r>
-              <a:rPr lang="en-US" dirty="0"/>
-              <a:t>Pester tests</a:t>
-            </a:r>
-          </a:p>
-          <a:p>
-            <a:pPr lvl="1"/>
-            <a:r>
-              <a:rPr lang="en-US" dirty="0"/>
-              <a:t>Branch policies</a:t>
-            </a:r>
-          </a:p>
-          <a:p>
-            <a:endParaRPr lang="en-US" dirty="0"/>
-          </a:p>
-          <a:p>
-            <a:pPr marL="0" indent="0">
-              <a:buNone/>
-            </a:pPr>
-            <a:endParaRPr lang="en-US" dirty="0"/>
-          </a:p>
-          <a:p>
-            <a:endParaRPr lang="en-US" dirty="0"/>
-          </a:p>
         </p:txBody>
       </p:sp>
       <p:pic>
         <p:nvPicPr>
-          <p:cNvPr id="1028" name="Picture 4">
+          <p:cNvPr id="5" name="Picture 4" descr="dbatools">
             <a:extLst>
               <a:ext uri="{FF2B5EF4-FFF2-40B4-BE49-F238E27FC236}">
-                <a16:creationId xmlns:a16="http://schemas.microsoft.com/office/drawing/2014/main" id="{F6A3B461-7BE6-48B5-8D69-D3B4EB47B35D}"/>
+                <a16:creationId xmlns:a16="http://schemas.microsoft.com/office/drawing/2014/main" id="{883620BE-A5F5-49F1-8D15-5CA6EAEC47D9}"/>
               </a:ext>
             </a:extLst>
           </p:cNvPr>
           <p:cNvPicPr>
-            <a:picLocks noChangeAspect="1" noChangeArrowheads="1"/>
+            <a:picLocks noChangeAspect="1"/>
           </p:cNvPicPr>
           <p:nvPr/>
         </p:nvPicPr>
@@ -7155,35 +8467,24 @@
               </a:ext>
             </a:extLst>
           </a:blip>
-          <a:srcRect/>
           <a:stretch>
             <a:fillRect/>
           </a:stretch>
         </p:blipFill>
-        <p:spPr bwMode="auto">
-          <a:xfrm>
-            <a:off x="9578454" y="2996648"/>
-            <a:ext cx="2286000" cy="2857500"/>
+        <p:spPr>
+          <a:xfrm>
+            <a:off x="8977755" y="1003852"/>
+            <a:ext cx="2376045" cy="2376045"/>
           </a:xfrm>
           <a:prstGeom prst="rect">
             <a:avLst/>
           </a:prstGeom>
-          <a:noFill/>
-          <a:extLst>
-            <a:ext uri="{909E8E84-426E-40DD-AFC4-6F175D3DCCD1}">
-              <a14:hiddenFill xmlns:a14="http://schemas.microsoft.com/office/drawing/2010/main">
-                <a:solidFill>
-                  <a:srgbClr val="FFFFFF"/>
-                </a:solidFill>
-              </a14:hiddenFill>
-            </a:ext>
-          </a:extLst>
         </p:spPr>
       </p:pic>
     </p:spTree>
     <p:extLst>
       <p:ext uri="{BB962C8B-B14F-4D97-AF65-F5344CB8AC3E}">
-        <p14:creationId xmlns:p14="http://schemas.microsoft.com/office/powerpoint/2010/main" val="2099019490"/>
+        <p14:creationId xmlns:p14="http://schemas.microsoft.com/office/powerpoint/2010/main" val="1877511129"/>
       </p:ext>
     </p:extLst>
   </p:cSld>
@@ -7215,7 +8516,7 @@
           <p:cNvPr id="2" name="Title 1">
             <a:extLst>
               <a:ext uri="{FF2B5EF4-FFF2-40B4-BE49-F238E27FC236}">
-                <a16:creationId xmlns:a16="http://schemas.microsoft.com/office/drawing/2014/main" id="{F9DDD8BB-C850-4B3C-BF45-E76343CF57D0}"/>
+                <a16:creationId xmlns:a16="http://schemas.microsoft.com/office/drawing/2014/main" id="{C566FDFA-BBBF-433D-A172-9FD4CCC09FC4}"/>
               </a:ext>
             </a:extLst>
           </p:cNvPr>
@@ -7232,12 +8533,16 @@
           <a:lstStyle/>
           <a:p>
             <a:r>
-              <a:rPr lang="en-US" err="1"/>
+              <a:rPr lang="en-US" dirty="0"/>
+              <a:t>What is </a:t>
+            </a:r>
+            <a:r>
+              <a:rPr lang="en-US" dirty="0" err="1"/>
               <a:t>dbatools</a:t>
             </a:r>
             <a:r>
-              <a:rPr lang="en-US"/>
-              <a:t>: a short history</a:t>
+              <a:rPr lang="en-US" dirty="0"/>
+              <a:t>?</a:t>
             </a:r>
           </a:p>
         </p:txBody>
@@ -7247,7 +8552,7 @@
           <p:cNvPr id="3" name="Content Placeholder 2">
             <a:extLst>
               <a:ext uri="{FF2B5EF4-FFF2-40B4-BE49-F238E27FC236}">
-                <a16:creationId xmlns:a16="http://schemas.microsoft.com/office/drawing/2014/main" id="{A34FD3AF-15D0-40AA-BA8F-B446D85C939E}"/>
+                <a16:creationId xmlns:a16="http://schemas.microsoft.com/office/drawing/2014/main" id="{736C6DF0-9379-45E7-A275-7C7CB75D3C58}"/>
               </a:ext>
             </a:extLst>
           </p:cNvPr>
@@ -7261,6 +8566,226 @@
         <p:spPr/>
         <p:txBody>
           <a:bodyPr>
+            <a:normAutofit fontScale="92500" lnSpcReduction="20000"/>
+          </a:bodyPr>
+          <a:lstStyle/>
+          <a:p>
+            <a:r>
+              <a:rPr lang="en-US" dirty="0"/>
+              <a:t>Open Source PowerShell Module</a:t>
+            </a:r>
+          </a:p>
+          <a:p>
+            <a:pPr lvl="1"/>
+            <a:r>
+              <a:rPr lang="en-US" dirty="0"/>
+              <a:t>Command line SSMS</a:t>
+            </a:r>
+          </a:p>
+          <a:p>
+            <a:pPr lvl="1"/>
+            <a:r>
+              <a:rPr lang="en-US" dirty="0"/>
+              <a:t>Great for handling multiples</a:t>
+            </a:r>
+          </a:p>
+          <a:p>
+            <a:pPr lvl="1"/>
+            <a:endParaRPr lang="en-US" dirty="0"/>
+          </a:p>
+          <a:p>
+            <a:r>
+              <a:rPr lang="en-US" dirty="0"/>
+              <a:t>MIT Licensed</a:t>
+            </a:r>
+          </a:p>
+          <a:p>
+            <a:pPr lvl="1"/>
+            <a:r>
+              <a:rPr lang="en-US" dirty="0"/>
+              <a:t>“A short and simple permissive license”</a:t>
+            </a:r>
+          </a:p>
+          <a:p>
+            <a:pPr lvl="1"/>
+            <a:endParaRPr lang="en-US" dirty="0"/>
+          </a:p>
+          <a:p>
+            <a:r>
+              <a:rPr lang="en-US" dirty="0"/>
+              <a:t>Secure!</a:t>
+            </a:r>
+          </a:p>
+          <a:p>
+            <a:pPr lvl="1"/>
+            <a:r>
+              <a:rPr lang="en-US" dirty="0"/>
+              <a:t>PowerShell - “Secure by Design”</a:t>
+            </a:r>
+          </a:p>
+          <a:p>
+            <a:pPr lvl="1"/>
+            <a:r>
+              <a:rPr lang="en-US" dirty="0"/>
+              <a:t>Code Signed</a:t>
+            </a:r>
+          </a:p>
+          <a:p>
+            <a:pPr lvl="1"/>
+            <a:r>
+              <a:rPr lang="en-US" dirty="0"/>
+              <a:t>Pester tests</a:t>
+            </a:r>
+          </a:p>
+          <a:p>
+            <a:pPr lvl="1"/>
+            <a:r>
+              <a:rPr lang="en-US" dirty="0"/>
+              <a:t>Branch policies</a:t>
+            </a:r>
+          </a:p>
+          <a:p>
+            <a:endParaRPr lang="en-US" dirty="0"/>
+          </a:p>
+          <a:p>
+            <a:pPr marL="0" indent="0">
+              <a:buNone/>
+            </a:pPr>
+            <a:endParaRPr lang="en-US" dirty="0"/>
+          </a:p>
+          <a:p>
+            <a:endParaRPr lang="en-US" dirty="0"/>
+          </a:p>
+        </p:txBody>
+      </p:sp>
+      <p:pic>
+        <p:nvPicPr>
+          <p:cNvPr id="1028" name="Picture 4">
+            <a:extLst>
+              <a:ext uri="{FF2B5EF4-FFF2-40B4-BE49-F238E27FC236}">
+                <a16:creationId xmlns:a16="http://schemas.microsoft.com/office/drawing/2014/main" id="{F6A3B461-7BE6-48B5-8D69-D3B4EB47B35D}"/>
+              </a:ext>
+            </a:extLst>
+          </p:cNvPr>
+          <p:cNvPicPr>
+            <a:picLocks noChangeAspect="1" noChangeArrowheads="1"/>
+          </p:cNvPicPr>
+          <p:nvPr/>
+        </p:nvPicPr>
+        <p:blipFill>
+          <a:blip r:embed="rId3">
+            <a:extLst>
+              <a:ext uri="{28A0092B-C50C-407E-A947-70E740481C1C}">
+                <a14:useLocalDpi xmlns:a14="http://schemas.microsoft.com/office/drawing/2010/main" val="0"/>
+              </a:ext>
+            </a:extLst>
+          </a:blip>
+          <a:srcRect/>
+          <a:stretch>
+            <a:fillRect/>
+          </a:stretch>
+        </p:blipFill>
+        <p:spPr bwMode="auto">
+          <a:xfrm>
+            <a:off x="9578454" y="2996648"/>
+            <a:ext cx="2286000" cy="2857500"/>
+          </a:xfrm>
+          <a:prstGeom prst="rect">
+            <a:avLst/>
+          </a:prstGeom>
+          <a:noFill/>
+          <a:extLst>
+            <a:ext uri="{909E8E84-426E-40DD-AFC4-6F175D3DCCD1}">
+              <a14:hiddenFill xmlns:a14="http://schemas.microsoft.com/office/drawing/2010/main">
+                <a:solidFill>
+                  <a:srgbClr val="FFFFFF"/>
+                </a:solidFill>
+              </a14:hiddenFill>
+            </a:ext>
+          </a:extLst>
+        </p:spPr>
+      </p:pic>
+    </p:spTree>
+    <p:extLst>
+      <p:ext uri="{BB962C8B-B14F-4D97-AF65-F5344CB8AC3E}">
+        <p14:creationId xmlns:p14="http://schemas.microsoft.com/office/powerpoint/2010/main" val="2099019490"/>
+      </p:ext>
+    </p:extLst>
+  </p:cSld>
+  <p:clrMapOvr>
+    <a:masterClrMapping/>
+  </p:clrMapOvr>
+</p:sld>
+</file>
+
+<file path=ppt/slides/slide6.xml><?xml version="1.0" encoding="utf-8"?>
+<p:sld xmlns:a="http://schemas.openxmlformats.org/drawingml/2006/main" xmlns:r="http://schemas.openxmlformats.org/officeDocument/2006/relationships" xmlns:p="http://schemas.openxmlformats.org/presentationml/2006/main">
+  <p:cSld>
+    <p:spTree>
+      <p:nvGrpSpPr>
+        <p:cNvPr id="1" name=""/>
+        <p:cNvGrpSpPr/>
+        <p:nvPr/>
+      </p:nvGrpSpPr>
+      <p:grpSpPr>
+        <a:xfrm>
+          <a:off x="0" y="0"/>
+          <a:ext cx="0" cy="0"/>
+          <a:chOff x="0" y="0"/>
+          <a:chExt cx="0" cy="0"/>
+        </a:xfrm>
+      </p:grpSpPr>
+      <p:sp>
+        <p:nvSpPr>
+          <p:cNvPr id="2" name="Title 1">
+            <a:extLst>
+              <a:ext uri="{FF2B5EF4-FFF2-40B4-BE49-F238E27FC236}">
+                <a16:creationId xmlns:a16="http://schemas.microsoft.com/office/drawing/2014/main" id="{F9DDD8BB-C850-4B3C-BF45-E76343CF57D0}"/>
+              </a:ext>
+            </a:extLst>
+          </p:cNvPr>
+          <p:cNvSpPr>
+            <a:spLocks noGrp="1"/>
+          </p:cNvSpPr>
+          <p:nvPr>
+            <p:ph type="title"/>
+          </p:nvPr>
+        </p:nvSpPr>
+        <p:spPr/>
+        <p:txBody>
+          <a:bodyPr/>
+          <a:lstStyle/>
+          <a:p>
+            <a:r>
+              <a:rPr lang="en-US" err="1"/>
+              <a:t>dbatools</a:t>
+            </a:r>
+            <a:r>
+              <a:rPr lang="en-US"/>
+              <a:t>: a short history</a:t>
+            </a:r>
+          </a:p>
+        </p:txBody>
+      </p:sp>
+      <p:sp>
+        <p:nvSpPr>
+          <p:cNvPr id="3" name="Content Placeholder 2">
+            <a:extLst>
+              <a:ext uri="{FF2B5EF4-FFF2-40B4-BE49-F238E27FC236}">
+                <a16:creationId xmlns:a16="http://schemas.microsoft.com/office/drawing/2014/main" id="{A34FD3AF-15D0-40AA-BA8F-B446D85C939E}"/>
+              </a:ext>
+            </a:extLst>
+          </p:cNvPr>
+          <p:cNvSpPr>
+            <a:spLocks noGrp="1"/>
+          </p:cNvSpPr>
+          <p:nvPr>
+            <p:ph idx="1"/>
+          </p:nvPr>
+        </p:nvSpPr>
+        <p:spPr/>
+        <p:txBody>
+          <a:bodyPr>
             <a:normAutofit/>
           </a:bodyPr>
           <a:lstStyle/>
@@ -7304,7 +8829,7 @@
           <a:p>
             <a:r>
               <a:rPr lang="en-US" sz="3200" dirty="0"/>
-              <a:t>584 Functions (as of 24/8/2020) – v1.0.115</a:t>
+              <a:t>594 Functions (as of 26/2/2021) – v1.0.139</a:t>
             </a:r>
           </a:p>
           <a:p>
@@ -7450,107 +8975,6 @@
 </p:sld>
 </file>
 
-<file path=ppt/slides/slide6.xml><?xml version="1.0" encoding="utf-8"?>
-<p:sld xmlns:a="http://schemas.openxmlformats.org/drawingml/2006/main" xmlns:r="http://schemas.openxmlformats.org/officeDocument/2006/relationships" xmlns:p="http://schemas.openxmlformats.org/presentationml/2006/main">
-  <p:cSld>
-    <p:spTree>
-      <p:nvGrpSpPr>
-        <p:cNvPr id="1" name=""/>
-        <p:cNvGrpSpPr/>
-        <p:nvPr/>
-      </p:nvGrpSpPr>
-      <p:grpSpPr>
-        <a:xfrm>
-          <a:off x="0" y="0"/>
-          <a:ext cx="0" cy="0"/>
-          <a:chOff x="0" y="0"/>
-          <a:chExt cx="0" cy="0"/>
-        </a:xfrm>
-      </p:grpSpPr>
-      <p:sp>
-        <p:nvSpPr>
-          <p:cNvPr id="2" name="Title 1">
-            <a:extLst>
-              <a:ext uri="{FF2B5EF4-FFF2-40B4-BE49-F238E27FC236}">
-                <a16:creationId xmlns:a16="http://schemas.microsoft.com/office/drawing/2014/main" id="{8D422263-0412-436C-BE7A-EF75789E4BDD}"/>
-              </a:ext>
-            </a:extLst>
-          </p:cNvPr>
-          <p:cNvSpPr>
-            <a:spLocks noGrp="1"/>
-          </p:cNvSpPr>
-          <p:nvPr>
-            <p:ph type="title"/>
-          </p:nvPr>
-        </p:nvSpPr>
-        <p:spPr/>
-        <p:txBody>
-          <a:bodyPr/>
-          <a:lstStyle/>
-          <a:p>
-            <a:r>
-              <a:rPr lang="en-US"/>
-              <a:t>Demo Time</a:t>
-            </a:r>
-          </a:p>
-        </p:txBody>
-      </p:sp>
-      <p:sp>
-        <p:nvSpPr>
-          <p:cNvPr id="3" name="Content Placeholder 2">
-            <a:extLst>
-              <a:ext uri="{FF2B5EF4-FFF2-40B4-BE49-F238E27FC236}">
-                <a16:creationId xmlns:a16="http://schemas.microsoft.com/office/drawing/2014/main" id="{373F1335-4328-4E58-94A0-BDBC5F307700}"/>
-              </a:ext>
-            </a:extLst>
-          </p:cNvPr>
-          <p:cNvSpPr>
-            <a:spLocks noGrp="1"/>
-          </p:cNvSpPr>
-          <p:nvPr>
-            <p:ph idx="1"/>
-          </p:nvPr>
-        </p:nvSpPr>
-        <p:spPr/>
-        <p:txBody>
-          <a:bodyPr/>
-          <a:lstStyle/>
-          <a:p>
-            <a:pPr marL="0" indent="0">
-              <a:buNone/>
-            </a:pPr>
-            <a:r>
-              <a:rPr lang="en-US"/>
-              <a:t>Demo Files available here:</a:t>
-            </a:r>
-          </a:p>
-          <a:p>
-            <a:pPr marL="0" indent="0">
-              <a:buNone/>
-            </a:pPr>
-            <a:r>
-              <a:rPr lang="en-US" sz="2800">
-                <a:hlinkClick r:id="rId3"/>
-              </a:rPr>
-              <a:t>https://github.com/jpomfret/demos/tree/master/LifeHacks_dbatools</a:t>
-            </a:r>
-            <a:endParaRPr lang="en-US" sz="2800"/>
-          </a:p>
-        </p:txBody>
-      </p:sp>
-    </p:spTree>
-    <p:extLst>
-      <p:ext uri="{BB962C8B-B14F-4D97-AF65-F5344CB8AC3E}">
-        <p14:creationId xmlns:p14="http://schemas.microsoft.com/office/powerpoint/2010/main" val="1710610017"/>
-      </p:ext>
-    </p:extLst>
-  </p:cSld>
-  <p:clrMapOvr>
-    <a:masterClrMapping/>
-  </p:clrMapOvr>
-</p:sld>
-</file>
-
 <file path=ppt/slides/slide7.xml><?xml version="1.0" encoding="utf-8"?>
 <p:sld xmlns:a="http://schemas.openxmlformats.org/drawingml/2006/main" xmlns:r="http://schemas.openxmlformats.org/officeDocument/2006/relationships" xmlns:p="http://schemas.openxmlformats.org/presentationml/2006/main">
   <p:cSld>
@@ -7573,7 +8997,7 @@
           <p:cNvPr id="2" name="Title 1">
             <a:extLst>
               <a:ext uri="{FF2B5EF4-FFF2-40B4-BE49-F238E27FC236}">
-                <a16:creationId xmlns:a16="http://schemas.microsoft.com/office/drawing/2014/main" id="{4867FBAA-F213-4F01-B509-33CC7B3B7F47}"/>
+                <a16:creationId xmlns:a16="http://schemas.microsoft.com/office/drawing/2014/main" id="{8D422263-0412-436C-BE7A-EF75789E4BDD}"/>
               </a:ext>
             </a:extLst>
           </p:cNvPr>
@@ -7591,7 +9015,7 @@
           <a:p>
             <a:r>
               <a:rPr lang="en-US"/>
-              <a:t>Resources	</a:t>
+              <a:t>Demo Time</a:t>
             </a:r>
           </a:p>
         </p:txBody>
@@ -7601,7 +9025,7 @@
           <p:cNvPr id="3" name="Content Placeholder 2">
             <a:extLst>
               <a:ext uri="{FF2B5EF4-FFF2-40B4-BE49-F238E27FC236}">
-                <a16:creationId xmlns:a16="http://schemas.microsoft.com/office/drawing/2014/main" id="{0C9CA7B6-1C31-40D6-8E2D-0F9CB3BD43E4}"/>
+                <a16:creationId xmlns:a16="http://schemas.microsoft.com/office/drawing/2014/main" id="{373F1335-4328-4E58-94A0-BDBC5F307700}"/>
               </a:ext>
             </a:extLst>
           </p:cNvPr>
@@ -7614,139 +9038,35 @@
         </p:nvSpPr>
         <p:spPr/>
         <p:txBody>
-          <a:bodyPr>
-            <a:normAutofit fontScale="92500" lnSpcReduction="20000"/>
-          </a:bodyPr>
+          <a:bodyPr/>
           <a:lstStyle/>
           <a:p>
-            <a:r>
-              <a:rPr lang="en-US" err="1"/>
-              <a:t>dbatools</a:t>
-            </a:r>
+            <a:pPr marL="0" indent="0">
+              <a:buNone/>
+            </a:pPr>
             <a:r>
               <a:rPr lang="en-US"/>
-              <a:t> Blog</a:t>
-            </a:r>
-          </a:p>
-          <a:p>
-            <a:pPr marL="457200" lvl="1" indent="0">
+              <a:t>Demo Files available here:</a:t>
+            </a:r>
+          </a:p>
+          <a:p>
+            <a:pPr marL="0" indent="0">
               <a:buNone/>
             </a:pPr>
             <a:r>
-              <a:rPr lang="en-US">
-                <a:hlinkClick r:id="rId2"/>
-              </a:rPr>
-              <a:t>https://dbatools.io/meap/</a:t>
-            </a:r>
-            <a:endParaRPr lang="en-US"/>
-          </a:p>
-          <a:p>
-            <a:pPr marL="457200" lvl="1" indent="0">
-              <a:buNone/>
-            </a:pPr>
-            <a:r>
-              <a:rPr lang="en-US">
+              <a:rPr lang="en-US" sz="2800">
                 <a:hlinkClick r:id="rId3"/>
               </a:rPr>
-              <a:t>https://dbatools.io/secure/</a:t>
-            </a:r>
-            <a:endParaRPr lang="en-US"/>
-          </a:p>
-          <a:p>
-            <a:endParaRPr lang="en-US"/>
-          </a:p>
-          <a:p>
-            <a:r>
-              <a:rPr lang="en-US"/>
-              <a:t>Docs</a:t>
-            </a:r>
-          </a:p>
-          <a:p>
-            <a:pPr marL="457200" lvl="1" indent="0">
-              <a:buNone/>
-            </a:pPr>
-            <a:r>
-              <a:rPr lang="en-US">
-                <a:hlinkClick r:id="rId4"/>
-              </a:rPr>
-              <a:t>https://docs.dbatools.io/</a:t>
-            </a:r>
-            <a:endParaRPr lang="en-US"/>
-          </a:p>
-          <a:p>
-            <a:pPr marL="457200" lvl="1" indent="0">
-              <a:buNone/>
-            </a:pPr>
-            <a:r>
-              <a:rPr lang="en-US">
-                <a:hlinkClick r:id="rId5"/>
-              </a:rPr>
-              <a:t>https://dbatools.io/build</a:t>
-            </a:r>
-            <a:endParaRPr lang="en-US"/>
-          </a:p>
-          <a:p>
-            <a:pPr marL="457200" lvl="1" indent="0">
-              <a:buNone/>
-            </a:pPr>
-            <a:endParaRPr lang="en-US"/>
-          </a:p>
-          <a:p>
-            <a:r>
-              <a:rPr lang="en-US"/>
-              <a:t>Other</a:t>
-            </a:r>
-          </a:p>
-          <a:p>
-            <a:pPr marL="457200" lvl="1" indent="0">
-              <a:buNone/>
-            </a:pPr>
-            <a:r>
-              <a:rPr lang="en-US">
-                <a:hlinkClick r:id="rId6"/>
-              </a:rPr>
-              <a:t>https://dbatools.io/github</a:t>
-            </a:r>
-            <a:endParaRPr lang="en-US"/>
-          </a:p>
-          <a:p>
-            <a:pPr marL="457200" lvl="1" indent="0">
-              <a:buNone/>
-            </a:pPr>
-            <a:r>
-              <a:rPr lang="en-US">
-                <a:hlinkClick r:id="rId7"/>
-              </a:rPr>
-              <a:t>https://dbatools.io/slack/</a:t>
-            </a:r>
-            <a:endParaRPr lang="en-US"/>
-          </a:p>
-          <a:p>
-            <a:pPr marL="457200" lvl="1" indent="0">
-              <a:buNone/>
-            </a:pPr>
-            <a:r>
-              <a:rPr lang="en-US">
-                <a:hlinkClick r:id="rId8"/>
-              </a:rPr>
-              <a:t>http://dbatools.io/twitter</a:t>
-            </a:r>
-            <a:r>
-              <a:rPr lang="en-US"/>
-              <a:t> - @</a:t>
-            </a:r>
-            <a:r>
-              <a:rPr lang="en-US" err="1"/>
-              <a:t>psdbatools</a:t>
-            </a:r>
-            <a:endParaRPr lang="en-US"/>
+              <a:t>https://github.com/jpomfret/demos/tree/master/LifeHacks_dbatools</a:t>
+            </a:r>
+            <a:endParaRPr lang="en-US" sz="2800"/>
           </a:p>
         </p:txBody>
       </p:sp>
     </p:spTree>
     <p:extLst>
       <p:ext uri="{BB962C8B-B14F-4D97-AF65-F5344CB8AC3E}">
-        <p14:creationId xmlns:p14="http://schemas.microsoft.com/office/powerpoint/2010/main" val="2378380410"/>
+        <p14:creationId xmlns:p14="http://schemas.microsoft.com/office/powerpoint/2010/main" val="1710610017"/>
       </p:ext>
     </p:extLst>
   </p:cSld>
@@ -7778,7 +9098,7 @@
           <p:cNvPr id="2" name="Title 1">
             <a:extLst>
               <a:ext uri="{FF2B5EF4-FFF2-40B4-BE49-F238E27FC236}">
-                <a16:creationId xmlns:a16="http://schemas.microsoft.com/office/drawing/2014/main" id="{F3F9DAAB-4104-4A3F-B009-3A226CFDA3A8}"/>
+                <a16:creationId xmlns:a16="http://schemas.microsoft.com/office/drawing/2014/main" id="{4867FBAA-F213-4F01-B509-33CC7B3B7F47}"/>
               </a:ext>
             </a:extLst>
           </p:cNvPr>
@@ -7796,7 +9116,7 @@
           <a:p>
             <a:r>
               <a:rPr lang="en-US"/>
-              <a:t>Questions?</a:t>
+              <a:t>Resources	</a:t>
             </a:r>
           </a:p>
         </p:txBody>
@@ -7806,7 +9126,7 @@
           <p:cNvPr id="3" name="Content Placeholder 2">
             <a:extLst>
               <a:ext uri="{FF2B5EF4-FFF2-40B4-BE49-F238E27FC236}">
-                <a16:creationId xmlns:a16="http://schemas.microsoft.com/office/drawing/2014/main" id="{F8CB0B73-318D-4BDF-B34A-C1D6336BDDD3}"/>
+                <a16:creationId xmlns:a16="http://schemas.microsoft.com/office/drawing/2014/main" id="{0C9CA7B6-1C31-40D6-8E2D-0F9CB3BD43E4}"/>
               </a:ext>
             </a:extLst>
           </p:cNvPr>
@@ -7820,9 +9140,461 @@
         <p:spPr/>
         <p:txBody>
           <a:bodyPr>
+            <a:normAutofit fontScale="92500" lnSpcReduction="20000"/>
+          </a:bodyPr>
+          <a:lstStyle/>
+          <a:p>
+            <a:r>
+              <a:rPr lang="en-US" err="1"/>
+              <a:t>dbatools</a:t>
+            </a:r>
+            <a:r>
+              <a:rPr lang="en-US"/>
+              <a:t> Blog</a:t>
+            </a:r>
+          </a:p>
+          <a:p>
+            <a:pPr marL="457200" lvl="1" indent="0">
+              <a:buNone/>
+            </a:pPr>
+            <a:r>
+              <a:rPr lang="en-US">
+                <a:hlinkClick r:id="rId2"/>
+              </a:rPr>
+              <a:t>https://dbatools.io/meap/</a:t>
+            </a:r>
+            <a:endParaRPr lang="en-US"/>
+          </a:p>
+          <a:p>
+            <a:pPr marL="457200" lvl="1" indent="0">
+              <a:buNone/>
+            </a:pPr>
+            <a:r>
+              <a:rPr lang="en-US">
+                <a:hlinkClick r:id="rId3"/>
+              </a:rPr>
+              <a:t>https://dbatools.io/secure/</a:t>
+            </a:r>
+            <a:endParaRPr lang="en-US"/>
+          </a:p>
+          <a:p>
+            <a:endParaRPr lang="en-US"/>
+          </a:p>
+          <a:p>
+            <a:r>
+              <a:rPr lang="en-US"/>
+              <a:t>Docs</a:t>
+            </a:r>
+          </a:p>
+          <a:p>
+            <a:pPr marL="457200" lvl="1" indent="0">
+              <a:buNone/>
+            </a:pPr>
+            <a:r>
+              <a:rPr lang="en-US">
+                <a:hlinkClick r:id="rId4"/>
+              </a:rPr>
+              <a:t>https://docs.dbatools.io/</a:t>
+            </a:r>
+            <a:endParaRPr lang="en-US"/>
+          </a:p>
+          <a:p>
+            <a:pPr marL="457200" lvl="1" indent="0">
+              <a:buNone/>
+            </a:pPr>
+            <a:r>
+              <a:rPr lang="en-US">
+                <a:hlinkClick r:id="rId5"/>
+              </a:rPr>
+              <a:t>https://dbatools.io/build</a:t>
+            </a:r>
+            <a:endParaRPr lang="en-US"/>
+          </a:p>
+          <a:p>
+            <a:pPr marL="457200" lvl="1" indent="0">
+              <a:buNone/>
+            </a:pPr>
+            <a:endParaRPr lang="en-US"/>
+          </a:p>
+          <a:p>
+            <a:r>
+              <a:rPr lang="en-US"/>
+              <a:t>Other</a:t>
+            </a:r>
+          </a:p>
+          <a:p>
+            <a:pPr marL="457200" lvl="1" indent="0">
+              <a:buNone/>
+            </a:pPr>
+            <a:r>
+              <a:rPr lang="en-US">
+                <a:hlinkClick r:id="rId6"/>
+              </a:rPr>
+              <a:t>https://dbatools.io/github</a:t>
+            </a:r>
+            <a:endParaRPr lang="en-US"/>
+          </a:p>
+          <a:p>
+            <a:pPr marL="457200" lvl="1" indent="0">
+              <a:buNone/>
+            </a:pPr>
+            <a:r>
+              <a:rPr lang="en-US">
+                <a:hlinkClick r:id="rId7"/>
+              </a:rPr>
+              <a:t>https://dbatools.io/slack/</a:t>
+            </a:r>
+            <a:endParaRPr lang="en-US"/>
+          </a:p>
+          <a:p>
+            <a:pPr marL="457200" lvl="1" indent="0">
+              <a:buNone/>
+            </a:pPr>
+            <a:r>
+              <a:rPr lang="en-US">
+                <a:hlinkClick r:id="rId8"/>
+              </a:rPr>
+              <a:t>http://dbatools.io/twitter</a:t>
+            </a:r>
+            <a:r>
+              <a:rPr lang="en-US"/>
+              <a:t> - @</a:t>
+            </a:r>
+            <a:r>
+              <a:rPr lang="en-US" err="1"/>
+              <a:t>psdbatools</a:t>
+            </a:r>
+            <a:endParaRPr lang="en-US"/>
+          </a:p>
+        </p:txBody>
+      </p:sp>
+    </p:spTree>
+    <p:extLst>
+      <p:ext uri="{BB962C8B-B14F-4D97-AF65-F5344CB8AC3E}">
+        <p14:creationId xmlns:p14="http://schemas.microsoft.com/office/powerpoint/2010/main" val="2378380410"/>
+      </p:ext>
+    </p:extLst>
+  </p:cSld>
+  <p:clrMapOvr>
+    <a:masterClrMapping/>
+  </p:clrMapOvr>
+</p:sld>
+</file>
+
+<file path=ppt/slides/slide9.xml><?xml version="1.0" encoding="utf-8"?>
+<p:sld xmlns:a="http://schemas.openxmlformats.org/drawingml/2006/main" xmlns:r="http://schemas.openxmlformats.org/officeDocument/2006/relationships" xmlns:p="http://schemas.openxmlformats.org/presentationml/2006/main" show="0">
+  <p:cSld>
+    <p:spTree>
+      <p:nvGrpSpPr>
+        <p:cNvPr id="1" name=""/>
+        <p:cNvGrpSpPr/>
+        <p:nvPr/>
+      </p:nvGrpSpPr>
+      <p:grpSpPr>
+        <a:xfrm>
+          <a:off x="0" y="0"/>
+          <a:ext cx="0" cy="0"/>
+          <a:chOff x="0" y="0"/>
+          <a:chExt cx="0" cy="0"/>
+        </a:xfrm>
+      </p:grpSpPr>
+      <p:sp>
+        <p:nvSpPr>
+          <p:cNvPr id="2" name="Title 1">
+            <a:extLst>
+              <a:ext uri="{FF2B5EF4-FFF2-40B4-BE49-F238E27FC236}">
+                <a16:creationId xmlns:a16="http://schemas.microsoft.com/office/drawing/2014/main" id="{F3F9DAAB-4104-4A3F-B009-3A226CFDA3A8}"/>
+              </a:ext>
+            </a:extLst>
+          </p:cNvPr>
+          <p:cNvSpPr>
+            <a:spLocks noGrp="1"/>
+          </p:cNvSpPr>
+          <p:nvPr>
+            <p:ph type="title"/>
+          </p:nvPr>
+        </p:nvSpPr>
+        <p:spPr/>
+        <p:txBody>
+          <a:bodyPr/>
+          <a:lstStyle/>
+          <a:p>
+            <a:r>
+              <a:rPr lang="en-US" dirty="0"/>
+              <a:t>Questions?</a:t>
+            </a:r>
+          </a:p>
+        </p:txBody>
+      </p:sp>
+      <p:sp>
+        <p:nvSpPr>
+          <p:cNvPr id="3" name="Content Placeholder 2">
+            <a:extLst>
+              <a:ext uri="{FF2B5EF4-FFF2-40B4-BE49-F238E27FC236}">
+                <a16:creationId xmlns:a16="http://schemas.microsoft.com/office/drawing/2014/main" id="{F8CB0B73-318D-4BDF-B34A-C1D6336BDDD3}"/>
+              </a:ext>
+            </a:extLst>
+          </p:cNvPr>
+          <p:cNvSpPr>
+            <a:spLocks noGrp="1"/>
+          </p:cNvSpPr>
+          <p:nvPr>
+            <p:ph idx="1"/>
+          </p:nvPr>
+        </p:nvSpPr>
+        <p:spPr/>
+        <p:txBody>
+          <a:bodyPr>
             <a:normAutofit fontScale="92500" lnSpcReduction="10000"/>
           </a:bodyPr>
           <a:lstStyle/>
+          <a:p>
+            <a:r>
+              <a:rPr lang="en-US" dirty="0"/>
+              <a:t>Jess Pomfret</a:t>
+            </a:r>
+          </a:p>
+          <a:p>
+            <a:endParaRPr lang="en-US" dirty="0"/>
+          </a:p>
+          <a:p>
+            <a:r>
+              <a:rPr lang="en-US" dirty="0">
+                <a:hlinkClick r:id="rId3"/>
+              </a:rPr>
+              <a:t>jpomfret7@gmail.com</a:t>
+            </a:r>
+            <a:endParaRPr lang="en-US" dirty="0"/>
+          </a:p>
+          <a:p>
+            <a:r>
+              <a:rPr lang="en-US" dirty="0"/>
+              <a:t>@jpomfret</a:t>
+            </a:r>
+          </a:p>
+          <a:p>
+            <a:endParaRPr lang="en-US" dirty="0"/>
+          </a:p>
+          <a:p>
+            <a:r>
+              <a:rPr lang="en-US" dirty="0">
+                <a:hlinkClick r:id="rId4"/>
+              </a:rPr>
+              <a:t>www.JessPomfret.com</a:t>
+            </a:r>
+            <a:endParaRPr lang="en-US" dirty="0"/>
+          </a:p>
+          <a:p>
+            <a:r>
+              <a:rPr lang="en-US" dirty="0">
+                <a:hlinkClick r:id="rId5"/>
+              </a:rPr>
+              <a:t>https://github.com/jpomfret/demos/</a:t>
+            </a:r>
+            <a:endParaRPr lang="en-US" dirty="0"/>
+          </a:p>
+          <a:p>
+            <a:endParaRPr lang="en-US" dirty="0"/>
+          </a:p>
+          <a:p>
+            <a:r>
+              <a:rPr lang="en-US" dirty="0"/>
+              <a:t>Please fill out the feedback form, help me get better.</a:t>
+            </a:r>
+          </a:p>
+        </p:txBody>
+      </p:sp>
+      <p:sp>
+        <p:nvSpPr>
+          <p:cNvPr id="4" name="Content Placeholder 2">
+            <a:extLst>
+              <a:ext uri="{FF2B5EF4-FFF2-40B4-BE49-F238E27FC236}">
+                <a16:creationId xmlns:a16="http://schemas.microsoft.com/office/drawing/2014/main" id="{2C665513-EBEB-4CEF-B52F-D95C52D5A71A}"/>
+              </a:ext>
+            </a:extLst>
+          </p:cNvPr>
+          <p:cNvSpPr txBox="1">
+            <a:spLocks/>
+          </p:cNvSpPr>
+          <p:nvPr/>
+        </p:nvSpPr>
+        <p:spPr>
+          <a:xfrm>
+            <a:off x="838200" y="1016552"/>
+            <a:ext cx="10515600" cy="5173111"/>
+          </a:xfrm>
+          <a:prstGeom prst="rect">
+            <a:avLst/>
+          </a:prstGeom>
+        </p:spPr>
+        <p:txBody>
+          <a:bodyPr vert="horz" lIns="91440" tIns="45720" rIns="91440" bIns="45720" rtlCol="0">
+            <a:normAutofit fontScale="92500" lnSpcReduction="10000"/>
+          </a:bodyPr>
+          <a:lstStyle>
+            <a:lvl1pPr marL="228600" indent="-228600" algn="l" defTabSz="914400" rtl="0" eaLnBrk="1" latinLnBrk="0" hangingPunct="1">
+              <a:lnSpc>
+                <a:spcPct val="90000"/>
+              </a:lnSpc>
+              <a:spcBef>
+                <a:spcPts val="1000"/>
+              </a:spcBef>
+              <a:buFont typeface="Arial" panose="020B0604020202020204" pitchFamily="34" charset="0"/>
+              <a:buChar char="•"/>
+              <a:defRPr sz="3600" kern="1200">
+                <a:solidFill>
+                  <a:schemeClr val="tx1"/>
+                </a:solidFill>
+                <a:latin typeface="+mn-lt"/>
+                <a:ea typeface="+mn-ea"/>
+                <a:cs typeface="+mn-cs"/>
+              </a:defRPr>
+            </a:lvl1pPr>
+            <a:lvl2pPr marL="685800" indent="-228600" algn="l" defTabSz="914400" rtl="0" eaLnBrk="1" latinLnBrk="0" hangingPunct="1">
+              <a:lnSpc>
+                <a:spcPct val="90000"/>
+              </a:lnSpc>
+              <a:spcBef>
+                <a:spcPts val="500"/>
+              </a:spcBef>
+              <a:buFont typeface="Arial" panose="020B0604020202020204" pitchFamily="34" charset="0"/>
+              <a:buChar char="•"/>
+              <a:defRPr sz="3200" kern="1200">
+                <a:solidFill>
+                  <a:schemeClr val="tx1"/>
+                </a:solidFill>
+                <a:latin typeface="+mn-lt"/>
+                <a:ea typeface="+mn-ea"/>
+                <a:cs typeface="+mn-cs"/>
+              </a:defRPr>
+            </a:lvl2pPr>
+            <a:lvl3pPr marL="1143000" indent="-228600" algn="l" defTabSz="914400" rtl="0" eaLnBrk="1" latinLnBrk="0" hangingPunct="1">
+              <a:lnSpc>
+                <a:spcPct val="90000"/>
+              </a:lnSpc>
+              <a:spcBef>
+                <a:spcPts val="500"/>
+              </a:spcBef>
+              <a:buFont typeface="Arial" panose="020B0604020202020204" pitchFamily="34" charset="0"/>
+              <a:buChar char="•"/>
+              <a:defRPr sz="2800" kern="1200">
+                <a:solidFill>
+                  <a:schemeClr val="tx1"/>
+                </a:solidFill>
+                <a:latin typeface="+mn-lt"/>
+                <a:ea typeface="+mn-ea"/>
+                <a:cs typeface="+mn-cs"/>
+              </a:defRPr>
+            </a:lvl3pPr>
+            <a:lvl4pPr marL="1600200" indent="-228600" algn="l" defTabSz="914400" rtl="0" eaLnBrk="1" latinLnBrk="0" hangingPunct="1">
+              <a:lnSpc>
+                <a:spcPct val="90000"/>
+              </a:lnSpc>
+              <a:spcBef>
+                <a:spcPts val="500"/>
+              </a:spcBef>
+              <a:buFont typeface="Arial" panose="020B0604020202020204" pitchFamily="34" charset="0"/>
+              <a:buChar char="•"/>
+              <a:defRPr sz="2400" kern="1200">
+                <a:solidFill>
+                  <a:schemeClr val="tx1"/>
+                </a:solidFill>
+                <a:latin typeface="+mn-lt"/>
+                <a:ea typeface="+mn-ea"/>
+                <a:cs typeface="+mn-cs"/>
+              </a:defRPr>
+            </a:lvl4pPr>
+            <a:lvl5pPr marL="2057400" indent="-228600" algn="l" defTabSz="914400" rtl="0" eaLnBrk="1" latinLnBrk="0" hangingPunct="1">
+              <a:lnSpc>
+                <a:spcPct val="90000"/>
+              </a:lnSpc>
+              <a:spcBef>
+                <a:spcPts val="500"/>
+              </a:spcBef>
+              <a:buFont typeface="Arial" panose="020B0604020202020204" pitchFamily="34" charset="0"/>
+              <a:buChar char="•"/>
+              <a:defRPr sz="2400" kern="1200">
+                <a:solidFill>
+                  <a:schemeClr val="tx1"/>
+                </a:solidFill>
+                <a:latin typeface="+mn-lt"/>
+                <a:ea typeface="+mn-ea"/>
+                <a:cs typeface="+mn-cs"/>
+              </a:defRPr>
+            </a:lvl5pPr>
+            <a:lvl6pPr marL="2514600" indent="-228600" algn="l" defTabSz="914400" rtl="0" eaLnBrk="1" latinLnBrk="0" hangingPunct="1">
+              <a:lnSpc>
+                <a:spcPct val="90000"/>
+              </a:lnSpc>
+              <a:spcBef>
+                <a:spcPts val="500"/>
+              </a:spcBef>
+              <a:buFont typeface="Arial" panose="020B0604020202020204" pitchFamily="34" charset="0"/>
+              <a:buChar char="•"/>
+              <a:defRPr sz="1800" kern="1200">
+                <a:solidFill>
+                  <a:schemeClr val="tx1"/>
+                </a:solidFill>
+                <a:latin typeface="+mn-lt"/>
+                <a:ea typeface="+mn-ea"/>
+                <a:cs typeface="+mn-cs"/>
+              </a:defRPr>
+            </a:lvl6pPr>
+            <a:lvl7pPr marL="2971800" indent="-228600" algn="l" defTabSz="914400" rtl="0" eaLnBrk="1" latinLnBrk="0" hangingPunct="1">
+              <a:lnSpc>
+                <a:spcPct val="90000"/>
+              </a:lnSpc>
+              <a:spcBef>
+                <a:spcPts val="500"/>
+              </a:spcBef>
+              <a:buFont typeface="Arial" panose="020B0604020202020204" pitchFamily="34" charset="0"/>
+              <a:buChar char="•"/>
+              <a:defRPr sz="1800" kern="1200">
+                <a:solidFill>
+                  <a:schemeClr val="tx1"/>
+                </a:solidFill>
+                <a:latin typeface="+mn-lt"/>
+                <a:ea typeface="+mn-ea"/>
+                <a:cs typeface="+mn-cs"/>
+              </a:defRPr>
+            </a:lvl7pPr>
+            <a:lvl8pPr marL="3429000" indent="-228600" algn="l" defTabSz="914400" rtl="0" eaLnBrk="1" latinLnBrk="0" hangingPunct="1">
+              <a:lnSpc>
+                <a:spcPct val="90000"/>
+              </a:lnSpc>
+              <a:spcBef>
+                <a:spcPts val="500"/>
+              </a:spcBef>
+              <a:buFont typeface="Arial" panose="020B0604020202020204" pitchFamily="34" charset="0"/>
+              <a:buChar char="•"/>
+              <a:defRPr sz="1800" kern="1200">
+                <a:solidFill>
+                  <a:schemeClr val="tx1"/>
+                </a:solidFill>
+                <a:latin typeface="+mn-lt"/>
+                <a:ea typeface="+mn-ea"/>
+                <a:cs typeface="+mn-cs"/>
+              </a:defRPr>
+            </a:lvl8pPr>
+            <a:lvl9pPr marL="3886200" indent="-228600" algn="l" defTabSz="914400" rtl="0" eaLnBrk="1" latinLnBrk="0" hangingPunct="1">
+              <a:lnSpc>
+                <a:spcPct val="90000"/>
+              </a:lnSpc>
+              <a:spcBef>
+                <a:spcPts val="500"/>
+              </a:spcBef>
+              <a:buFont typeface="Arial" panose="020B0604020202020204" pitchFamily="34" charset="0"/>
+              <a:buChar char="•"/>
+              <a:defRPr sz="1800" kern="1200">
+                <a:solidFill>
+                  <a:schemeClr val="tx1"/>
+                </a:solidFill>
+                <a:latin typeface="+mn-lt"/>
+                <a:ea typeface="+mn-ea"/>
+                <a:cs typeface="+mn-cs"/>
+              </a:defRPr>
+            </a:lvl9pPr>
+          </a:lstStyle>
           <a:p>
             <a:r>
               <a:rPr lang="en-US" dirty="0"/>

--- a/LifeHacks_dbatools/LifeHacks_dbatools.pptx
+++ b/LifeHacks_dbatools/LifeHacks_dbatools.pptx
@@ -5,19 +5,20 @@
     <p:sldMasterId id="2147483671" r:id="rId1"/>
   </p:sldMasterIdLst>
   <p:notesMasterIdLst>
-    <p:notesMasterId r:id="rId12"/>
+    <p:notesMasterId r:id="rId13"/>
   </p:notesMasterIdLst>
   <p:sldIdLst>
     <p:sldId id="307" r:id="rId2"/>
     <p:sldId id="256" r:id="rId3"/>
-    <p:sldId id="258" r:id="rId4"/>
-    <p:sldId id="265" r:id="rId5"/>
-    <p:sldId id="305" r:id="rId6"/>
-    <p:sldId id="306" r:id="rId7"/>
-    <p:sldId id="301" r:id="rId8"/>
-    <p:sldId id="303" r:id="rId9"/>
-    <p:sldId id="300" r:id="rId10"/>
-    <p:sldId id="308" r:id="rId11"/>
+    <p:sldId id="309" r:id="rId4"/>
+    <p:sldId id="258" r:id="rId5"/>
+    <p:sldId id="265" r:id="rId6"/>
+    <p:sldId id="305" r:id="rId7"/>
+    <p:sldId id="306" r:id="rId8"/>
+    <p:sldId id="301" r:id="rId9"/>
+    <p:sldId id="303" r:id="rId10"/>
+    <p:sldId id="300" r:id="rId11"/>
+    <p:sldId id="308" r:id="rId12"/>
   </p:sldIdLst>
   <p:sldSz cx="12192000" cy="6858000"/>
   <p:notesSz cx="6858000" cy="9144000"/>
@@ -214,7 +215,7 @@
           <a:p>
             <a:fld id="{1F8C9BAC-5605-4961-A752-FD19D2B395B1}" type="datetimeFigureOut">
               <a:rPr lang="en-US" smtClean="0"/>
-              <a:t>2/26/2021</a:t>
+              <a:t>2/28/2021</a:t>
             </a:fld>
             <a:endParaRPr lang="en-US"/>
           </a:p>
@@ -564,7 +565,7 @@
           <a:p>
             <a:fld id="{0888DEC1-F2AB-4DD2-8E1F-AE80EFAA4036}" type="slidenum">
               <a:rPr lang="en-US" smtClean="0"/>
-              <a:t>4</a:t>
+              <a:t>5</a:t>
             </a:fld>
             <a:endParaRPr lang="en-US"/>
           </a:p>
@@ -920,7 +921,7 @@
           <a:p>
             <a:fld id="{0888DEC1-F2AB-4DD2-8E1F-AE80EFAA4036}" type="slidenum">
               <a:rPr lang="en-US" smtClean="0"/>
-              <a:t>5</a:t>
+              <a:t>6</a:t>
             </a:fld>
             <a:endParaRPr lang="en-US"/>
           </a:p>
@@ -1125,7 +1126,7 @@
           <a:p>
             <a:fld id="{0888DEC1-F2AB-4DD2-8E1F-AE80EFAA4036}" type="slidenum">
               <a:rPr lang="en-US" smtClean="0"/>
-              <a:t>6</a:t>
+              <a:t>7</a:t>
             </a:fld>
             <a:endParaRPr lang="en-US"/>
           </a:p>
@@ -1305,7 +1306,7 @@
           <a:p>
             <a:fld id="{0888DEC1-F2AB-4DD2-8E1F-AE80EFAA4036}" type="slidenum">
               <a:rPr lang="en-US" smtClean="0"/>
-              <a:t>7</a:t>
+              <a:t>8</a:t>
             </a:fld>
             <a:endParaRPr lang="en-US"/>
           </a:p>
@@ -1392,7 +1393,7 @@
           <a:p>
             <a:fld id="{FE065C3E-6590-437D-A330-DEC8E2D2EEDE}" type="slidenum">
               <a:rPr lang="en-US" smtClean="0"/>
-              <a:t>9</a:t>
+              <a:t>10</a:t>
             </a:fld>
             <a:endParaRPr lang="en-US"/>
           </a:p>
@@ -3107,7 +3108,7 @@
           <a:p>
             <a:fld id="{6F7AEB39-490D-4470-BB4F-F7E09AA2B520}" type="datetimeFigureOut">
               <a:rPr lang="en-US" smtClean="0"/>
-              <a:t>2/26/2021</a:t>
+              <a:t>2/28/2021</a:t>
             </a:fld>
             <a:endParaRPr lang="en-US"/>
           </a:p>
@@ -3617,7 +3618,7 @@
           <a:p>
             <a:fld id="{6F7AEB39-490D-4470-BB4F-F7E09AA2B520}" type="datetimeFigureOut">
               <a:rPr lang="en-US" smtClean="0"/>
-              <a:t>2/26/2021</a:t>
+              <a:t>2/28/2021</a:t>
             </a:fld>
             <a:endParaRPr lang="en-US"/>
           </a:p>
@@ -7119,6 +7120,389 @@
 </file>
 
 <file path=ppt/slides/slide10.xml><?xml version="1.0" encoding="utf-8"?>
+<p:sld xmlns:a="http://schemas.openxmlformats.org/drawingml/2006/main" xmlns:r="http://schemas.openxmlformats.org/officeDocument/2006/relationships" xmlns:p="http://schemas.openxmlformats.org/presentationml/2006/main" show="0">
+  <p:cSld>
+    <p:spTree>
+      <p:nvGrpSpPr>
+        <p:cNvPr id="1" name=""/>
+        <p:cNvGrpSpPr/>
+        <p:nvPr/>
+      </p:nvGrpSpPr>
+      <p:grpSpPr>
+        <a:xfrm>
+          <a:off x="0" y="0"/>
+          <a:ext cx="0" cy="0"/>
+          <a:chOff x="0" y="0"/>
+          <a:chExt cx="0" cy="0"/>
+        </a:xfrm>
+      </p:grpSpPr>
+      <p:sp>
+        <p:nvSpPr>
+          <p:cNvPr id="2" name="Title 1">
+            <a:extLst>
+              <a:ext uri="{FF2B5EF4-FFF2-40B4-BE49-F238E27FC236}">
+                <a16:creationId xmlns:a16="http://schemas.microsoft.com/office/drawing/2014/main" id="{F3F9DAAB-4104-4A3F-B009-3A226CFDA3A8}"/>
+              </a:ext>
+            </a:extLst>
+          </p:cNvPr>
+          <p:cNvSpPr>
+            <a:spLocks noGrp="1"/>
+          </p:cNvSpPr>
+          <p:nvPr>
+            <p:ph type="title"/>
+          </p:nvPr>
+        </p:nvSpPr>
+        <p:spPr/>
+        <p:txBody>
+          <a:bodyPr/>
+          <a:lstStyle/>
+          <a:p>
+            <a:r>
+              <a:rPr lang="en-US" dirty="0"/>
+              <a:t>Questions?</a:t>
+            </a:r>
+          </a:p>
+        </p:txBody>
+      </p:sp>
+      <p:sp>
+        <p:nvSpPr>
+          <p:cNvPr id="3" name="Content Placeholder 2">
+            <a:extLst>
+              <a:ext uri="{FF2B5EF4-FFF2-40B4-BE49-F238E27FC236}">
+                <a16:creationId xmlns:a16="http://schemas.microsoft.com/office/drawing/2014/main" id="{F8CB0B73-318D-4BDF-B34A-C1D6336BDDD3}"/>
+              </a:ext>
+            </a:extLst>
+          </p:cNvPr>
+          <p:cNvSpPr>
+            <a:spLocks noGrp="1"/>
+          </p:cNvSpPr>
+          <p:nvPr>
+            <p:ph idx="1"/>
+          </p:nvPr>
+        </p:nvSpPr>
+        <p:spPr/>
+        <p:txBody>
+          <a:bodyPr>
+            <a:normAutofit fontScale="92500" lnSpcReduction="10000"/>
+          </a:bodyPr>
+          <a:lstStyle/>
+          <a:p>
+            <a:r>
+              <a:rPr lang="en-US" dirty="0"/>
+              <a:t>Jess Pomfret</a:t>
+            </a:r>
+          </a:p>
+          <a:p>
+            <a:endParaRPr lang="en-US" dirty="0"/>
+          </a:p>
+          <a:p>
+            <a:r>
+              <a:rPr lang="en-US" dirty="0">
+                <a:hlinkClick r:id="rId3"/>
+              </a:rPr>
+              <a:t>jpomfret7@gmail.com</a:t>
+            </a:r>
+            <a:endParaRPr lang="en-US" dirty="0"/>
+          </a:p>
+          <a:p>
+            <a:r>
+              <a:rPr lang="en-US" dirty="0"/>
+              <a:t>@jpomfret</a:t>
+            </a:r>
+          </a:p>
+          <a:p>
+            <a:endParaRPr lang="en-US" dirty="0"/>
+          </a:p>
+          <a:p>
+            <a:r>
+              <a:rPr lang="en-US" dirty="0">
+                <a:hlinkClick r:id="rId4"/>
+              </a:rPr>
+              <a:t>www.JessPomfret.com</a:t>
+            </a:r>
+            <a:endParaRPr lang="en-US" dirty="0"/>
+          </a:p>
+          <a:p>
+            <a:r>
+              <a:rPr lang="en-US" dirty="0">
+                <a:hlinkClick r:id="rId5"/>
+              </a:rPr>
+              <a:t>https://github.com/jpomfret/demos/</a:t>
+            </a:r>
+            <a:endParaRPr lang="en-US" dirty="0"/>
+          </a:p>
+          <a:p>
+            <a:endParaRPr lang="en-US" dirty="0"/>
+          </a:p>
+          <a:p>
+            <a:r>
+              <a:rPr lang="en-US" dirty="0"/>
+              <a:t>Please fill out the feedback form, help me get better.</a:t>
+            </a:r>
+          </a:p>
+        </p:txBody>
+      </p:sp>
+      <p:sp>
+        <p:nvSpPr>
+          <p:cNvPr id="4" name="Content Placeholder 2">
+            <a:extLst>
+              <a:ext uri="{FF2B5EF4-FFF2-40B4-BE49-F238E27FC236}">
+                <a16:creationId xmlns:a16="http://schemas.microsoft.com/office/drawing/2014/main" id="{2C665513-EBEB-4CEF-B52F-D95C52D5A71A}"/>
+              </a:ext>
+            </a:extLst>
+          </p:cNvPr>
+          <p:cNvSpPr txBox="1">
+            <a:spLocks/>
+          </p:cNvSpPr>
+          <p:nvPr/>
+        </p:nvSpPr>
+        <p:spPr>
+          <a:xfrm>
+            <a:off x="838200" y="1016552"/>
+            <a:ext cx="10515600" cy="5173111"/>
+          </a:xfrm>
+          <a:prstGeom prst="rect">
+            <a:avLst/>
+          </a:prstGeom>
+        </p:spPr>
+        <p:txBody>
+          <a:bodyPr vert="horz" lIns="91440" tIns="45720" rIns="91440" bIns="45720" rtlCol="0">
+            <a:normAutofit fontScale="92500" lnSpcReduction="10000"/>
+          </a:bodyPr>
+          <a:lstStyle>
+            <a:lvl1pPr marL="228600" indent="-228600" algn="l" defTabSz="914400" rtl="0" eaLnBrk="1" latinLnBrk="0" hangingPunct="1">
+              <a:lnSpc>
+                <a:spcPct val="90000"/>
+              </a:lnSpc>
+              <a:spcBef>
+                <a:spcPts val="1000"/>
+              </a:spcBef>
+              <a:buFont typeface="Arial" panose="020B0604020202020204" pitchFamily="34" charset="0"/>
+              <a:buChar char="•"/>
+              <a:defRPr sz="3600" kern="1200">
+                <a:solidFill>
+                  <a:schemeClr val="tx1"/>
+                </a:solidFill>
+                <a:latin typeface="+mn-lt"/>
+                <a:ea typeface="+mn-ea"/>
+                <a:cs typeface="+mn-cs"/>
+              </a:defRPr>
+            </a:lvl1pPr>
+            <a:lvl2pPr marL="685800" indent="-228600" algn="l" defTabSz="914400" rtl="0" eaLnBrk="1" latinLnBrk="0" hangingPunct="1">
+              <a:lnSpc>
+                <a:spcPct val="90000"/>
+              </a:lnSpc>
+              <a:spcBef>
+                <a:spcPts val="500"/>
+              </a:spcBef>
+              <a:buFont typeface="Arial" panose="020B0604020202020204" pitchFamily="34" charset="0"/>
+              <a:buChar char="•"/>
+              <a:defRPr sz="3200" kern="1200">
+                <a:solidFill>
+                  <a:schemeClr val="tx1"/>
+                </a:solidFill>
+                <a:latin typeface="+mn-lt"/>
+                <a:ea typeface="+mn-ea"/>
+                <a:cs typeface="+mn-cs"/>
+              </a:defRPr>
+            </a:lvl2pPr>
+            <a:lvl3pPr marL="1143000" indent="-228600" algn="l" defTabSz="914400" rtl="0" eaLnBrk="1" latinLnBrk="0" hangingPunct="1">
+              <a:lnSpc>
+                <a:spcPct val="90000"/>
+              </a:lnSpc>
+              <a:spcBef>
+                <a:spcPts val="500"/>
+              </a:spcBef>
+              <a:buFont typeface="Arial" panose="020B0604020202020204" pitchFamily="34" charset="0"/>
+              <a:buChar char="•"/>
+              <a:defRPr sz="2800" kern="1200">
+                <a:solidFill>
+                  <a:schemeClr val="tx1"/>
+                </a:solidFill>
+                <a:latin typeface="+mn-lt"/>
+                <a:ea typeface="+mn-ea"/>
+                <a:cs typeface="+mn-cs"/>
+              </a:defRPr>
+            </a:lvl3pPr>
+            <a:lvl4pPr marL="1600200" indent="-228600" algn="l" defTabSz="914400" rtl="0" eaLnBrk="1" latinLnBrk="0" hangingPunct="1">
+              <a:lnSpc>
+                <a:spcPct val="90000"/>
+              </a:lnSpc>
+              <a:spcBef>
+                <a:spcPts val="500"/>
+              </a:spcBef>
+              <a:buFont typeface="Arial" panose="020B0604020202020204" pitchFamily="34" charset="0"/>
+              <a:buChar char="•"/>
+              <a:defRPr sz="2400" kern="1200">
+                <a:solidFill>
+                  <a:schemeClr val="tx1"/>
+                </a:solidFill>
+                <a:latin typeface="+mn-lt"/>
+                <a:ea typeface="+mn-ea"/>
+                <a:cs typeface="+mn-cs"/>
+              </a:defRPr>
+            </a:lvl4pPr>
+            <a:lvl5pPr marL="2057400" indent="-228600" algn="l" defTabSz="914400" rtl="0" eaLnBrk="1" latinLnBrk="0" hangingPunct="1">
+              <a:lnSpc>
+                <a:spcPct val="90000"/>
+              </a:lnSpc>
+              <a:spcBef>
+                <a:spcPts val="500"/>
+              </a:spcBef>
+              <a:buFont typeface="Arial" panose="020B0604020202020204" pitchFamily="34" charset="0"/>
+              <a:buChar char="•"/>
+              <a:defRPr sz="2400" kern="1200">
+                <a:solidFill>
+                  <a:schemeClr val="tx1"/>
+                </a:solidFill>
+                <a:latin typeface="+mn-lt"/>
+                <a:ea typeface="+mn-ea"/>
+                <a:cs typeface="+mn-cs"/>
+              </a:defRPr>
+            </a:lvl5pPr>
+            <a:lvl6pPr marL="2514600" indent="-228600" algn="l" defTabSz="914400" rtl="0" eaLnBrk="1" latinLnBrk="0" hangingPunct="1">
+              <a:lnSpc>
+                <a:spcPct val="90000"/>
+              </a:lnSpc>
+              <a:spcBef>
+                <a:spcPts val="500"/>
+              </a:spcBef>
+              <a:buFont typeface="Arial" panose="020B0604020202020204" pitchFamily="34" charset="0"/>
+              <a:buChar char="•"/>
+              <a:defRPr sz="1800" kern="1200">
+                <a:solidFill>
+                  <a:schemeClr val="tx1"/>
+                </a:solidFill>
+                <a:latin typeface="+mn-lt"/>
+                <a:ea typeface="+mn-ea"/>
+                <a:cs typeface="+mn-cs"/>
+              </a:defRPr>
+            </a:lvl6pPr>
+            <a:lvl7pPr marL="2971800" indent="-228600" algn="l" defTabSz="914400" rtl="0" eaLnBrk="1" latinLnBrk="0" hangingPunct="1">
+              <a:lnSpc>
+                <a:spcPct val="90000"/>
+              </a:lnSpc>
+              <a:spcBef>
+                <a:spcPts val="500"/>
+              </a:spcBef>
+              <a:buFont typeface="Arial" panose="020B0604020202020204" pitchFamily="34" charset="0"/>
+              <a:buChar char="•"/>
+              <a:defRPr sz="1800" kern="1200">
+                <a:solidFill>
+                  <a:schemeClr val="tx1"/>
+                </a:solidFill>
+                <a:latin typeface="+mn-lt"/>
+                <a:ea typeface="+mn-ea"/>
+                <a:cs typeface="+mn-cs"/>
+              </a:defRPr>
+            </a:lvl7pPr>
+            <a:lvl8pPr marL="3429000" indent="-228600" algn="l" defTabSz="914400" rtl="0" eaLnBrk="1" latinLnBrk="0" hangingPunct="1">
+              <a:lnSpc>
+                <a:spcPct val="90000"/>
+              </a:lnSpc>
+              <a:spcBef>
+                <a:spcPts val="500"/>
+              </a:spcBef>
+              <a:buFont typeface="Arial" panose="020B0604020202020204" pitchFamily="34" charset="0"/>
+              <a:buChar char="•"/>
+              <a:defRPr sz="1800" kern="1200">
+                <a:solidFill>
+                  <a:schemeClr val="tx1"/>
+                </a:solidFill>
+                <a:latin typeface="+mn-lt"/>
+                <a:ea typeface="+mn-ea"/>
+                <a:cs typeface="+mn-cs"/>
+              </a:defRPr>
+            </a:lvl8pPr>
+            <a:lvl9pPr marL="3886200" indent="-228600" algn="l" defTabSz="914400" rtl="0" eaLnBrk="1" latinLnBrk="0" hangingPunct="1">
+              <a:lnSpc>
+                <a:spcPct val="90000"/>
+              </a:lnSpc>
+              <a:spcBef>
+                <a:spcPts val="500"/>
+              </a:spcBef>
+              <a:buFont typeface="Arial" panose="020B0604020202020204" pitchFamily="34" charset="0"/>
+              <a:buChar char="•"/>
+              <a:defRPr sz="1800" kern="1200">
+                <a:solidFill>
+                  <a:schemeClr val="tx1"/>
+                </a:solidFill>
+                <a:latin typeface="+mn-lt"/>
+                <a:ea typeface="+mn-ea"/>
+                <a:cs typeface="+mn-cs"/>
+              </a:defRPr>
+            </a:lvl9pPr>
+          </a:lstStyle>
+          <a:p>
+            <a:r>
+              <a:rPr lang="en-US" dirty="0"/>
+              <a:t>Jess Pomfret</a:t>
+            </a:r>
+          </a:p>
+          <a:p>
+            <a:endParaRPr lang="en-US" dirty="0"/>
+          </a:p>
+          <a:p>
+            <a:r>
+              <a:rPr lang="en-US" dirty="0">
+                <a:hlinkClick r:id="rId3"/>
+              </a:rPr>
+              <a:t>jpomfret7@gmail.com</a:t>
+            </a:r>
+            <a:endParaRPr lang="en-US" dirty="0"/>
+          </a:p>
+          <a:p>
+            <a:r>
+              <a:rPr lang="en-US" dirty="0"/>
+              <a:t>@jpomfret</a:t>
+            </a:r>
+          </a:p>
+          <a:p>
+            <a:endParaRPr lang="en-US" dirty="0"/>
+          </a:p>
+          <a:p>
+            <a:r>
+              <a:rPr lang="en-US" dirty="0">
+                <a:hlinkClick r:id="rId4"/>
+              </a:rPr>
+              <a:t>www.JessPomfret.com</a:t>
+            </a:r>
+            <a:endParaRPr lang="en-US" dirty="0"/>
+          </a:p>
+          <a:p>
+            <a:r>
+              <a:rPr lang="en-US" dirty="0">
+                <a:hlinkClick r:id="rId5"/>
+              </a:rPr>
+              <a:t>https://github.com/jpomfret/demos/</a:t>
+            </a:r>
+            <a:endParaRPr lang="en-US" dirty="0"/>
+          </a:p>
+          <a:p>
+            <a:endParaRPr lang="en-US" dirty="0"/>
+          </a:p>
+          <a:p>
+            <a:r>
+              <a:rPr lang="en-US" dirty="0"/>
+              <a:t>Please fill out the feedback form, help me get better.</a:t>
+            </a:r>
+          </a:p>
+        </p:txBody>
+      </p:sp>
+    </p:spTree>
+    <p:extLst>
+      <p:ext uri="{BB962C8B-B14F-4D97-AF65-F5344CB8AC3E}">
+        <p14:creationId xmlns:p14="http://schemas.microsoft.com/office/powerpoint/2010/main" val="1906721728"/>
+      </p:ext>
+    </p:extLst>
+  </p:cSld>
+  <p:clrMapOvr>
+    <a:masterClrMapping/>
+  </p:clrMapOvr>
+</p:sld>
+</file>
+
+<file path=ppt/slides/slide11.xml><?xml version="1.0" encoding="utf-8"?>
 <p:sld xmlns:a="http://schemas.openxmlformats.org/drawingml/2006/main" xmlns:r="http://schemas.openxmlformats.org/officeDocument/2006/relationships" xmlns:p="http://schemas.openxmlformats.org/presentationml/2006/main">
   <p:cSld>
     <p:spTree>
@@ -8080,10 +8464,91 @@
       </p:grpSpPr>
       <p:sp>
         <p:nvSpPr>
-          <p:cNvPr id="2" name="Title 1">
+          <p:cNvPr id="5" name="Rectangle 4">
             <a:extLst>
               <a:ext uri="{FF2B5EF4-FFF2-40B4-BE49-F238E27FC236}">
-                <a16:creationId xmlns:a16="http://schemas.microsoft.com/office/drawing/2014/main" id="{23AE9CB3-7382-4630-9D25-124626170B5C}"/>
+                <a16:creationId xmlns:a16="http://schemas.microsoft.com/office/drawing/2014/main" id="{430D34A9-57C3-41EB-8C9F-BF94D4726F99}"/>
+              </a:ext>
+            </a:extLst>
+          </p:cNvPr>
+          <p:cNvSpPr/>
+          <p:nvPr/>
+        </p:nvSpPr>
+        <p:spPr>
+          <a:xfrm>
+            <a:off x="6831147" y="-65015"/>
+            <a:ext cx="5479385" cy="2610957"/>
+          </a:xfrm>
+          <a:prstGeom prst="rect">
+            <a:avLst/>
+          </a:prstGeom>
+        </p:spPr>
+        <p:style>
+          <a:lnRef idx="2">
+            <a:schemeClr val="accent3">
+              <a:shade val="50000"/>
+            </a:schemeClr>
+          </a:lnRef>
+          <a:fillRef idx="1">
+            <a:schemeClr val="accent3"/>
+          </a:fillRef>
+          <a:effectRef idx="0">
+            <a:schemeClr val="accent3"/>
+          </a:effectRef>
+          <a:fontRef idx="minor">
+            <a:schemeClr val="lt1"/>
+          </a:fontRef>
+        </p:style>
+        <p:txBody>
+          <a:bodyPr rtlCol="0" anchor="ctr"/>
+          <a:lstStyle/>
+          <a:p>
+            <a:pPr algn="ctr"/>
+            <a:endParaRPr lang="en-GB"/>
+          </a:p>
+        </p:txBody>
+      </p:sp>
+      <p:pic>
+        <p:nvPicPr>
+          <p:cNvPr id="7" name="Picture 6">
+            <a:extLst>
+              <a:ext uri="{FF2B5EF4-FFF2-40B4-BE49-F238E27FC236}">
+                <a16:creationId xmlns:a16="http://schemas.microsoft.com/office/drawing/2014/main" id="{143570A2-4AC9-44F0-9FDC-7BEBE11F09FD}"/>
+              </a:ext>
+            </a:extLst>
+          </p:cNvPr>
+          <p:cNvPicPr>
+            <a:picLocks noChangeAspect="1"/>
+          </p:cNvPicPr>
+          <p:nvPr/>
+        </p:nvPicPr>
+        <p:blipFill rotWithShape="1">
+          <a:blip r:embed="rId2">
+            <a:extLst>
+              <a:ext uri="{28A0092B-C50C-407E-A947-70E740481C1C}">
+                <a14:useLocalDpi xmlns:a14="http://schemas.microsoft.com/office/drawing/2010/main" val="0"/>
+              </a:ext>
+            </a:extLst>
+          </a:blip>
+          <a:srcRect l="11223" r="17785" b="1"/>
+          <a:stretch/>
+        </p:blipFill>
+        <p:spPr>
+          <a:xfrm>
+            <a:off x="4868752" y="0"/>
+            <a:ext cx="1721572" cy="2545942"/>
+          </a:xfrm>
+          <a:prstGeom prst="rect">
+            <a:avLst/>
+          </a:prstGeom>
+        </p:spPr>
+      </p:pic>
+      <p:sp>
+        <p:nvSpPr>
+          <p:cNvPr id="8" name="Title 1">
+            <a:extLst>
+              <a:ext uri="{FF2B5EF4-FFF2-40B4-BE49-F238E27FC236}">
+                <a16:creationId xmlns:a16="http://schemas.microsoft.com/office/drawing/2014/main" id="{BCFBFE2D-EAC2-4848-B808-85482E0EF962}"/>
               </a:ext>
             </a:extLst>
           </p:cNvPr>
@@ -8091,35 +8556,44 @@
             <a:spLocks noGrp="1"/>
           </p:cNvSpPr>
           <p:nvPr>
-            <p:ph type="title"/>
+            <p:ph type="ctrTitle"/>
           </p:nvPr>
         </p:nvSpPr>
-        <p:spPr/>
-        <p:txBody>
-          <a:bodyPr/>
+        <p:spPr>
+          <a:xfrm>
+            <a:off x="6932497" y="431946"/>
+            <a:ext cx="6591957" cy="670623"/>
+          </a:xfrm>
+        </p:spPr>
+        <p:txBody>
+          <a:bodyPr>
+            <a:normAutofit fontScale="90000"/>
+          </a:bodyPr>
           <a:lstStyle/>
           <a:p>
-            <a:r>
-              <a:rPr lang="en-US" dirty="0"/>
+            <a:pPr algn="l"/>
+            <a:r>
+              <a:rPr lang="en-US" dirty="0">
+                <a:solidFill>
+                  <a:schemeClr val="tx1"/>
+                </a:solidFill>
+              </a:rPr>
               <a:t>Jess Pomfret</a:t>
             </a:r>
-            <a:br>
-              <a:rPr lang="en-US" dirty="0"/>
-            </a:br>
-            <a:r>
-              <a:rPr lang="en-US" sz="2400" dirty="0"/>
-              <a:t>(She/Her)</a:t>
-            </a:r>
-            <a:endParaRPr lang="en-US" dirty="0"/>
-          </a:p>
-        </p:txBody>
-      </p:sp>
-      <p:sp>
-        <p:nvSpPr>
-          <p:cNvPr id="3" name="Content Placeholder 2">
+            <a:endParaRPr lang="en-GB" dirty="0">
+              <a:solidFill>
+                <a:schemeClr val="tx1"/>
+              </a:solidFill>
+            </a:endParaRPr>
+          </a:p>
+        </p:txBody>
+      </p:sp>
+      <p:sp>
+        <p:nvSpPr>
+          <p:cNvPr id="9" name="Subtitle 2">
             <a:extLst>
               <a:ext uri="{FF2B5EF4-FFF2-40B4-BE49-F238E27FC236}">
-                <a16:creationId xmlns:a16="http://schemas.microsoft.com/office/drawing/2014/main" id="{BD9FF4B1-4677-48D0-A0AD-0221FAEEFBA3}"/>
+                <a16:creationId xmlns:a16="http://schemas.microsoft.com/office/drawing/2014/main" id="{A298FC31-F5F2-4825-8C68-68E91272887A}"/>
               </a:ext>
             </a:extLst>
           </p:cNvPr>
@@ -8127,83 +8601,48 @@
             <a:spLocks noGrp="1"/>
           </p:cNvSpPr>
           <p:nvPr>
-            <p:ph idx="1"/>
+            <p:ph type="subTitle" idx="1"/>
           </p:nvPr>
         </p:nvSpPr>
-        <p:spPr/>
+        <p:spPr>
+          <a:xfrm>
+            <a:off x="6932496" y="1116057"/>
+            <a:ext cx="6591957" cy="462998"/>
+          </a:xfrm>
+        </p:spPr>
         <p:txBody>
           <a:bodyPr>
-            <a:normAutofit/>
+            <a:normAutofit fontScale="77500" lnSpcReduction="20000"/>
           </a:bodyPr>
           <a:lstStyle/>
           <a:p>
-            <a:r>
-              <a:rPr lang="en-US" dirty="0"/>
-              <a:t>Database Engineer</a:t>
-            </a:r>
-          </a:p>
-          <a:p>
-            <a:r>
-              <a:rPr lang="en-US" dirty="0"/>
-              <a:t>Open Source Contributor</a:t>
-            </a:r>
-          </a:p>
-          <a:p>
-            <a:pPr lvl="1"/>
-            <a:r>
-              <a:rPr lang="en-US" dirty="0" err="1"/>
-              <a:t>dbatools</a:t>
-            </a:r>
-            <a:r>
-              <a:rPr lang="en-US" dirty="0"/>
-              <a:t>, </a:t>
-            </a:r>
-            <a:r>
-              <a:rPr lang="en-US" dirty="0" err="1"/>
-              <a:t>dbachecks</a:t>
-            </a:r>
-            <a:r>
-              <a:rPr lang="en-US" dirty="0"/>
-              <a:t>, </a:t>
-            </a:r>
-            <a:r>
-              <a:rPr lang="en-US" dirty="0" err="1"/>
-              <a:t>SqlServerDsc</a:t>
-            </a:r>
-            <a:endParaRPr lang="en-US" dirty="0"/>
-          </a:p>
-          <a:p>
-            <a:r>
-              <a:rPr lang="en-US" dirty="0"/>
-              <a:t>Passionate about Automation, Proper Football &amp; Fitness</a:t>
-            </a:r>
-          </a:p>
-          <a:p>
-            <a:endParaRPr lang="en-US" dirty="0"/>
-          </a:p>
-          <a:p>
-            <a:r>
-              <a:rPr lang="en-US" dirty="0">
-                <a:hlinkClick r:id="rId2"/>
+            <a:pPr algn="l"/>
+            <a:r>
+              <a:rPr lang="en-US" cap="none" dirty="0">
+                <a:solidFill>
+                  <a:schemeClr val="tx1">
+                    <a:alpha val="75000"/>
+                  </a:schemeClr>
+                </a:solidFill>
               </a:rPr>
-              <a:t>jpomfret7@gmail.com</a:t>
-            </a:r>
-            <a:endParaRPr lang="en-US" dirty="0"/>
-          </a:p>
-          <a:p>
-            <a:r>
-              <a:rPr lang="en-US" dirty="0"/>
-              <a:t>@jpomfret</a:t>
-            </a:r>
+              <a:t>(She\Her)</a:t>
+            </a:r>
+            <a:endParaRPr lang="en-GB" cap="none" dirty="0">
+              <a:solidFill>
+                <a:schemeClr val="tx1">
+                  <a:alpha val="75000"/>
+                </a:schemeClr>
+              </a:solidFill>
+            </a:endParaRPr>
           </a:p>
         </p:txBody>
       </p:sp>
       <p:pic>
         <p:nvPicPr>
-          <p:cNvPr id="5" name="Picture 4">
+          <p:cNvPr id="10" name="Graphic 9">
             <a:extLst>
               <a:ext uri="{FF2B5EF4-FFF2-40B4-BE49-F238E27FC236}">
-                <a16:creationId xmlns:a16="http://schemas.microsoft.com/office/drawing/2014/main" id="{534BBB60-327E-41E5-A188-F9573B75AD86}"/>
+                <a16:creationId xmlns:a16="http://schemas.microsoft.com/office/drawing/2014/main" id="{E5E2E71B-8670-44B8-A204-E463919D34DC}"/>
               </a:ext>
             </a:extLst>
           </p:cNvPr>
@@ -8218,15 +8657,19 @@
               <a:ext uri="{28A0092B-C50C-407E-A947-70E740481C1C}">
                 <a14:useLocalDpi xmlns:a14="http://schemas.microsoft.com/office/drawing/2010/main" val="0"/>
               </a:ext>
+              <a:ext uri="{96DAC541-7B7A-43D3-8B79-37D633B846F1}">
+                <asvg:svgBlip xmlns:asvg="http://schemas.microsoft.com/office/drawing/2016/SVG/main" r:embed="rId4"/>
+              </a:ext>
             </a:extLst>
           </a:blip>
-          <a:srcRect/>
-          <a:stretch/>
+          <a:stretch>
+            <a:fillRect/>
+          </a:stretch>
         </p:blipFill>
         <p:spPr>
           <a:xfrm>
-            <a:off x="601762" y="2175930"/>
-            <a:ext cx="3886551" cy="4084819"/>
+            <a:off x="6927658" y="1579055"/>
+            <a:ext cx="391872" cy="391872"/>
           </a:xfrm>
           <a:prstGeom prst="rect">
             <a:avLst/>
@@ -8235,10 +8678,10 @@
       </p:pic>
       <p:pic>
         <p:nvPicPr>
-          <p:cNvPr id="7" name="Picture 6" descr="A close up of a sign&#10;&#10;Description automatically generated">
+          <p:cNvPr id="11" name="Picture 10" descr="A picture containing text, clipart, vector graphics&#10;&#10;Description automatically generated">
             <a:extLst>
               <a:ext uri="{FF2B5EF4-FFF2-40B4-BE49-F238E27FC236}">
-                <a16:creationId xmlns:a16="http://schemas.microsoft.com/office/drawing/2014/main" id="{DC714AD4-83A8-4057-BC8E-2D231207D3CE}"/>
+                <a16:creationId xmlns:a16="http://schemas.microsoft.com/office/drawing/2014/main" id="{2298E753-0E9E-4FD0-8FCD-190E50E54ABD}"/>
               </a:ext>
             </a:extLst>
           </p:cNvPr>
@@ -8248,7 +8691,7 @@
           <p:nvPr/>
         </p:nvPicPr>
         <p:blipFill>
-          <a:blip r:embed="rId4">
+          <a:blip r:embed="rId5">
             <a:extLst>
               <a:ext uri="{28A0092B-C50C-407E-A947-70E740481C1C}">
                 <a14:useLocalDpi xmlns:a14="http://schemas.microsoft.com/office/drawing/2010/main" val="0"/>
@@ -8261,8 +8704,595 @@
         </p:blipFill>
         <p:spPr>
           <a:xfrm>
-            <a:off x="10959546" y="4520250"/>
-            <a:ext cx="914402" cy="1447803"/>
+            <a:off x="6927658" y="2077333"/>
+            <a:ext cx="443420" cy="391872"/>
+          </a:xfrm>
+          <a:prstGeom prst="rect">
+            <a:avLst/>
+          </a:prstGeom>
+        </p:spPr>
+      </p:pic>
+      <p:sp>
+        <p:nvSpPr>
+          <p:cNvPr id="12" name="Subtitle 2">
+            <a:extLst>
+              <a:ext uri="{FF2B5EF4-FFF2-40B4-BE49-F238E27FC236}">
+                <a16:creationId xmlns:a16="http://schemas.microsoft.com/office/drawing/2014/main" id="{2687C842-2DCA-4530-8DB9-4053C24466CB}"/>
+              </a:ext>
+            </a:extLst>
+          </p:cNvPr>
+          <p:cNvSpPr txBox="1">
+            <a:spLocks/>
+          </p:cNvSpPr>
+          <p:nvPr/>
+        </p:nvSpPr>
+        <p:spPr>
+          <a:xfrm>
+            <a:off x="7367669" y="1579055"/>
+            <a:ext cx="6591957" cy="462998"/>
+          </a:xfrm>
+          <a:prstGeom prst="rect">
+            <a:avLst/>
+          </a:prstGeom>
+        </p:spPr>
+        <p:txBody>
+          <a:bodyPr vert="horz" lIns="91440" tIns="45720" rIns="91440" bIns="45720" rtlCol="0" anchor="t">
+            <a:normAutofit/>
+          </a:bodyPr>
+          <a:lstStyle>
+            <a:lvl1pPr marL="0" indent="0" algn="l" defTabSz="457200" rtl="0" eaLnBrk="1" latinLnBrk="0" hangingPunct="1">
+              <a:lnSpc>
+                <a:spcPct val="100000"/>
+              </a:lnSpc>
+              <a:spcBef>
+                <a:spcPct val="20000"/>
+              </a:spcBef>
+              <a:spcAft>
+                <a:spcPts val="600"/>
+              </a:spcAft>
+              <a:buClr>
+                <a:schemeClr val="accent1"/>
+              </a:buClr>
+              <a:buSzPct val="92000"/>
+              <a:buFont typeface="Wingdings 2" panose="05020102010507070707" pitchFamily="18" charset="2"/>
+              <a:buNone/>
+              <a:defRPr sz="1600" kern="1200" cap="all">
+                <a:solidFill>
+                  <a:schemeClr val="accent1"/>
+                </a:solidFill>
+                <a:latin typeface="+mn-lt"/>
+                <a:ea typeface="+mn-ea"/>
+                <a:cs typeface="+mn-cs"/>
+              </a:defRPr>
+            </a:lvl1pPr>
+            <a:lvl2pPr marL="457200" indent="0" algn="ctr" defTabSz="457200" rtl="0" eaLnBrk="1" latinLnBrk="0" hangingPunct="1">
+              <a:lnSpc>
+                <a:spcPct val="100000"/>
+              </a:lnSpc>
+              <a:spcBef>
+                <a:spcPct val="20000"/>
+              </a:spcBef>
+              <a:spcAft>
+                <a:spcPts val="600"/>
+              </a:spcAft>
+              <a:buClr>
+                <a:schemeClr val="accent1"/>
+              </a:buClr>
+              <a:buSzPct val="92000"/>
+              <a:buFont typeface="Wingdings 2" panose="05020102010507070707" pitchFamily="18" charset="2"/>
+              <a:buNone/>
+              <a:defRPr sz="1600" kern="1200">
+                <a:solidFill>
+                  <a:schemeClr val="tx1">
+                    <a:tint val="75000"/>
+                  </a:schemeClr>
+                </a:solidFill>
+                <a:latin typeface="+mn-lt"/>
+                <a:ea typeface="+mn-ea"/>
+                <a:cs typeface="+mn-cs"/>
+              </a:defRPr>
+            </a:lvl2pPr>
+            <a:lvl3pPr marL="914400" indent="0" algn="ctr" defTabSz="457200" rtl="0" eaLnBrk="1" latinLnBrk="0" hangingPunct="1">
+              <a:lnSpc>
+                <a:spcPct val="100000"/>
+              </a:lnSpc>
+              <a:spcBef>
+                <a:spcPct val="20000"/>
+              </a:spcBef>
+              <a:spcAft>
+                <a:spcPts val="600"/>
+              </a:spcAft>
+              <a:buClr>
+                <a:schemeClr val="accent1"/>
+              </a:buClr>
+              <a:buSzPct val="92000"/>
+              <a:buFont typeface="Wingdings 2" panose="05020102010507070707" pitchFamily="18" charset="2"/>
+              <a:buNone/>
+              <a:defRPr sz="1400" kern="1200">
+                <a:solidFill>
+                  <a:schemeClr val="tx1">
+                    <a:tint val="75000"/>
+                  </a:schemeClr>
+                </a:solidFill>
+                <a:latin typeface="+mn-lt"/>
+                <a:ea typeface="+mn-ea"/>
+                <a:cs typeface="+mn-cs"/>
+              </a:defRPr>
+            </a:lvl3pPr>
+            <a:lvl4pPr marL="1371600" indent="0" algn="ctr" defTabSz="457200" rtl="0" eaLnBrk="1" latinLnBrk="0" hangingPunct="1">
+              <a:lnSpc>
+                <a:spcPct val="100000"/>
+              </a:lnSpc>
+              <a:spcBef>
+                <a:spcPct val="20000"/>
+              </a:spcBef>
+              <a:spcAft>
+                <a:spcPts val="600"/>
+              </a:spcAft>
+              <a:buClr>
+                <a:schemeClr val="accent1"/>
+              </a:buClr>
+              <a:buSzPct val="92000"/>
+              <a:buFont typeface="Wingdings 2" panose="05020102010507070707" pitchFamily="18" charset="2"/>
+              <a:buNone/>
+              <a:defRPr sz="1200" kern="1200">
+                <a:solidFill>
+                  <a:schemeClr val="tx1">
+                    <a:tint val="75000"/>
+                  </a:schemeClr>
+                </a:solidFill>
+                <a:latin typeface="+mn-lt"/>
+                <a:ea typeface="+mn-ea"/>
+                <a:cs typeface="+mn-cs"/>
+              </a:defRPr>
+            </a:lvl4pPr>
+            <a:lvl5pPr marL="1828800" indent="0" algn="ctr" defTabSz="457200" rtl="0" eaLnBrk="1" latinLnBrk="0" hangingPunct="1">
+              <a:lnSpc>
+                <a:spcPct val="100000"/>
+              </a:lnSpc>
+              <a:spcBef>
+                <a:spcPct val="20000"/>
+              </a:spcBef>
+              <a:spcAft>
+                <a:spcPts val="600"/>
+              </a:spcAft>
+              <a:buClr>
+                <a:schemeClr val="accent1"/>
+              </a:buClr>
+              <a:buSzPct val="92000"/>
+              <a:buFont typeface="Wingdings 2" panose="05020102010507070707" pitchFamily="18" charset="2"/>
+              <a:buNone/>
+              <a:defRPr sz="1200" kern="1200">
+                <a:solidFill>
+                  <a:schemeClr val="tx1">
+                    <a:tint val="75000"/>
+                  </a:schemeClr>
+                </a:solidFill>
+                <a:latin typeface="+mn-lt"/>
+                <a:ea typeface="+mn-ea"/>
+                <a:cs typeface="+mn-cs"/>
+              </a:defRPr>
+            </a:lvl5pPr>
+            <a:lvl6pPr marL="2286000" indent="0" algn="ctr" defTabSz="457200" rtl="0" eaLnBrk="1" latinLnBrk="0" hangingPunct="1">
+              <a:spcBef>
+                <a:spcPct val="20000"/>
+              </a:spcBef>
+              <a:spcAft>
+                <a:spcPts val="600"/>
+              </a:spcAft>
+              <a:buClr>
+                <a:schemeClr val="accent2"/>
+              </a:buClr>
+              <a:buSzPct val="92000"/>
+              <a:buFont typeface="Wingdings 2" panose="05020102010507070707" pitchFamily="18" charset="2"/>
+              <a:buNone/>
+              <a:defRPr sz="1200" kern="1200">
+                <a:solidFill>
+                  <a:schemeClr val="tx1">
+                    <a:tint val="75000"/>
+                  </a:schemeClr>
+                </a:solidFill>
+                <a:latin typeface="+mn-lt"/>
+                <a:ea typeface="+mn-ea"/>
+                <a:cs typeface="+mn-cs"/>
+              </a:defRPr>
+            </a:lvl6pPr>
+            <a:lvl7pPr marL="2743200" indent="0" algn="ctr" defTabSz="457200" rtl="0" eaLnBrk="1" latinLnBrk="0" hangingPunct="1">
+              <a:spcBef>
+                <a:spcPct val="20000"/>
+              </a:spcBef>
+              <a:spcAft>
+                <a:spcPts val="600"/>
+              </a:spcAft>
+              <a:buClr>
+                <a:schemeClr val="accent2"/>
+              </a:buClr>
+              <a:buSzPct val="92000"/>
+              <a:buFont typeface="Wingdings 2" panose="05020102010507070707" pitchFamily="18" charset="2"/>
+              <a:buNone/>
+              <a:defRPr sz="1200" kern="1200">
+                <a:solidFill>
+                  <a:schemeClr val="tx1">
+                    <a:tint val="75000"/>
+                  </a:schemeClr>
+                </a:solidFill>
+                <a:latin typeface="+mn-lt"/>
+                <a:ea typeface="+mn-ea"/>
+                <a:cs typeface="+mn-cs"/>
+              </a:defRPr>
+            </a:lvl7pPr>
+            <a:lvl8pPr marL="3200400" indent="0" algn="ctr" defTabSz="457200" rtl="0" eaLnBrk="1" latinLnBrk="0" hangingPunct="1">
+              <a:spcBef>
+                <a:spcPct val="20000"/>
+              </a:spcBef>
+              <a:spcAft>
+                <a:spcPts val="600"/>
+              </a:spcAft>
+              <a:buClr>
+                <a:schemeClr val="accent2"/>
+              </a:buClr>
+              <a:buSzPct val="92000"/>
+              <a:buFont typeface="Wingdings 2" panose="05020102010507070707" pitchFamily="18" charset="2"/>
+              <a:buNone/>
+              <a:defRPr sz="1200" kern="1200">
+                <a:solidFill>
+                  <a:schemeClr val="tx1">
+                    <a:tint val="75000"/>
+                  </a:schemeClr>
+                </a:solidFill>
+                <a:latin typeface="+mn-lt"/>
+                <a:ea typeface="+mn-ea"/>
+                <a:cs typeface="+mn-cs"/>
+              </a:defRPr>
+            </a:lvl8pPr>
+            <a:lvl9pPr marL="3657600" indent="0" algn="ctr" defTabSz="457200" rtl="0" eaLnBrk="1" latinLnBrk="0" hangingPunct="1">
+              <a:spcBef>
+                <a:spcPct val="20000"/>
+              </a:spcBef>
+              <a:spcAft>
+                <a:spcPts val="600"/>
+              </a:spcAft>
+              <a:buClr>
+                <a:schemeClr val="accent2"/>
+              </a:buClr>
+              <a:buSzPct val="92000"/>
+              <a:buFont typeface="Wingdings 2" panose="05020102010507070707" pitchFamily="18" charset="2"/>
+              <a:buNone/>
+              <a:defRPr sz="1200" kern="1200">
+                <a:solidFill>
+                  <a:schemeClr val="tx1">
+                    <a:tint val="75000"/>
+                  </a:schemeClr>
+                </a:solidFill>
+                <a:latin typeface="+mn-lt"/>
+                <a:ea typeface="+mn-ea"/>
+                <a:cs typeface="+mn-cs"/>
+              </a:defRPr>
+            </a:lvl9pPr>
+          </a:lstStyle>
+          <a:p>
+            <a:r>
+              <a:rPr lang="en-US" cap="none" dirty="0">
+                <a:solidFill>
+                  <a:schemeClr val="tx1">
+                    <a:alpha val="75000"/>
+                  </a:schemeClr>
+                </a:solidFill>
+              </a:rPr>
+              <a:t>@jpomfret</a:t>
+            </a:r>
+            <a:endParaRPr lang="en-GB" cap="none" dirty="0">
+              <a:solidFill>
+                <a:schemeClr val="tx1">
+                  <a:alpha val="75000"/>
+                </a:schemeClr>
+              </a:solidFill>
+            </a:endParaRPr>
+          </a:p>
+        </p:txBody>
+      </p:sp>
+      <p:sp>
+        <p:nvSpPr>
+          <p:cNvPr id="13" name="Subtitle 2">
+            <a:extLst>
+              <a:ext uri="{FF2B5EF4-FFF2-40B4-BE49-F238E27FC236}">
+                <a16:creationId xmlns:a16="http://schemas.microsoft.com/office/drawing/2014/main" id="{0D4A88C2-20A5-49E5-A24D-ABDDF35D8458}"/>
+              </a:ext>
+            </a:extLst>
+          </p:cNvPr>
+          <p:cNvSpPr txBox="1">
+            <a:spLocks/>
+          </p:cNvSpPr>
+          <p:nvPr/>
+        </p:nvSpPr>
+        <p:spPr>
+          <a:xfrm>
+            <a:off x="7367669" y="2082944"/>
+            <a:ext cx="6591957" cy="462998"/>
+          </a:xfrm>
+          <a:prstGeom prst="rect">
+            <a:avLst/>
+          </a:prstGeom>
+        </p:spPr>
+        <p:txBody>
+          <a:bodyPr vert="horz" lIns="91440" tIns="45720" rIns="91440" bIns="45720" rtlCol="0" anchor="t">
+            <a:normAutofit/>
+          </a:bodyPr>
+          <a:lstStyle>
+            <a:lvl1pPr marL="0" indent="0" algn="l" defTabSz="457200" rtl="0" eaLnBrk="1" latinLnBrk="0" hangingPunct="1">
+              <a:lnSpc>
+                <a:spcPct val="100000"/>
+              </a:lnSpc>
+              <a:spcBef>
+                <a:spcPct val="20000"/>
+              </a:spcBef>
+              <a:spcAft>
+                <a:spcPts val="600"/>
+              </a:spcAft>
+              <a:buClr>
+                <a:schemeClr val="accent1"/>
+              </a:buClr>
+              <a:buSzPct val="92000"/>
+              <a:buFont typeface="Wingdings 2" panose="05020102010507070707" pitchFamily="18" charset="2"/>
+              <a:buNone/>
+              <a:defRPr sz="1600" kern="1200" cap="all">
+                <a:solidFill>
+                  <a:schemeClr val="accent1"/>
+                </a:solidFill>
+                <a:latin typeface="+mn-lt"/>
+                <a:ea typeface="+mn-ea"/>
+                <a:cs typeface="+mn-cs"/>
+              </a:defRPr>
+            </a:lvl1pPr>
+            <a:lvl2pPr marL="457200" indent="0" algn="ctr" defTabSz="457200" rtl="0" eaLnBrk="1" latinLnBrk="0" hangingPunct="1">
+              <a:lnSpc>
+                <a:spcPct val="100000"/>
+              </a:lnSpc>
+              <a:spcBef>
+                <a:spcPct val="20000"/>
+              </a:spcBef>
+              <a:spcAft>
+                <a:spcPts val="600"/>
+              </a:spcAft>
+              <a:buClr>
+                <a:schemeClr val="accent1"/>
+              </a:buClr>
+              <a:buSzPct val="92000"/>
+              <a:buFont typeface="Wingdings 2" panose="05020102010507070707" pitchFamily="18" charset="2"/>
+              <a:buNone/>
+              <a:defRPr sz="1600" kern="1200">
+                <a:solidFill>
+                  <a:schemeClr val="tx1">
+                    <a:tint val="75000"/>
+                  </a:schemeClr>
+                </a:solidFill>
+                <a:latin typeface="+mn-lt"/>
+                <a:ea typeface="+mn-ea"/>
+                <a:cs typeface="+mn-cs"/>
+              </a:defRPr>
+            </a:lvl2pPr>
+            <a:lvl3pPr marL="914400" indent="0" algn="ctr" defTabSz="457200" rtl="0" eaLnBrk="1" latinLnBrk="0" hangingPunct="1">
+              <a:lnSpc>
+                <a:spcPct val="100000"/>
+              </a:lnSpc>
+              <a:spcBef>
+                <a:spcPct val="20000"/>
+              </a:spcBef>
+              <a:spcAft>
+                <a:spcPts val="600"/>
+              </a:spcAft>
+              <a:buClr>
+                <a:schemeClr val="accent1"/>
+              </a:buClr>
+              <a:buSzPct val="92000"/>
+              <a:buFont typeface="Wingdings 2" panose="05020102010507070707" pitchFamily="18" charset="2"/>
+              <a:buNone/>
+              <a:defRPr sz="1400" kern="1200">
+                <a:solidFill>
+                  <a:schemeClr val="tx1">
+                    <a:tint val="75000"/>
+                  </a:schemeClr>
+                </a:solidFill>
+                <a:latin typeface="+mn-lt"/>
+                <a:ea typeface="+mn-ea"/>
+                <a:cs typeface="+mn-cs"/>
+              </a:defRPr>
+            </a:lvl3pPr>
+            <a:lvl4pPr marL="1371600" indent="0" algn="ctr" defTabSz="457200" rtl="0" eaLnBrk="1" latinLnBrk="0" hangingPunct="1">
+              <a:lnSpc>
+                <a:spcPct val="100000"/>
+              </a:lnSpc>
+              <a:spcBef>
+                <a:spcPct val="20000"/>
+              </a:spcBef>
+              <a:spcAft>
+                <a:spcPts val="600"/>
+              </a:spcAft>
+              <a:buClr>
+                <a:schemeClr val="accent1"/>
+              </a:buClr>
+              <a:buSzPct val="92000"/>
+              <a:buFont typeface="Wingdings 2" panose="05020102010507070707" pitchFamily="18" charset="2"/>
+              <a:buNone/>
+              <a:defRPr sz="1200" kern="1200">
+                <a:solidFill>
+                  <a:schemeClr val="tx1">
+                    <a:tint val="75000"/>
+                  </a:schemeClr>
+                </a:solidFill>
+                <a:latin typeface="+mn-lt"/>
+                <a:ea typeface="+mn-ea"/>
+                <a:cs typeface="+mn-cs"/>
+              </a:defRPr>
+            </a:lvl4pPr>
+            <a:lvl5pPr marL="1828800" indent="0" algn="ctr" defTabSz="457200" rtl="0" eaLnBrk="1" latinLnBrk="0" hangingPunct="1">
+              <a:lnSpc>
+                <a:spcPct val="100000"/>
+              </a:lnSpc>
+              <a:spcBef>
+                <a:spcPct val="20000"/>
+              </a:spcBef>
+              <a:spcAft>
+                <a:spcPts val="600"/>
+              </a:spcAft>
+              <a:buClr>
+                <a:schemeClr val="accent1"/>
+              </a:buClr>
+              <a:buSzPct val="92000"/>
+              <a:buFont typeface="Wingdings 2" panose="05020102010507070707" pitchFamily="18" charset="2"/>
+              <a:buNone/>
+              <a:defRPr sz="1200" kern="1200">
+                <a:solidFill>
+                  <a:schemeClr val="tx1">
+                    <a:tint val="75000"/>
+                  </a:schemeClr>
+                </a:solidFill>
+                <a:latin typeface="+mn-lt"/>
+                <a:ea typeface="+mn-ea"/>
+                <a:cs typeface="+mn-cs"/>
+              </a:defRPr>
+            </a:lvl5pPr>
+            <a:lvl6pPr marL="2286000" indent="0" algn="ctr" defTabSz="457200" rtl="0" eaLnBrk="1" latinLnBrk="0" hangingPunct="1">
+              <a:spcBef>
+                <a:spcPct val="20000"/>
+              </a:spcBef>
+              <a:spcAft>
+                <a:spcPts val="600"/>
+              </a:spcAft>
+              <a:buClr>
+                <a:schemeClr val="accent2"/>
+              </a:buClr>
+              <a:buSzPct val="92000"/>
+              <a:buFont typeface="Wingdings 2" panose="05020102010507070707" pitchFamily="18" charset="2"/>
+              <a:buNone/>
+              <a:defRPr sz="1200" kern="1200">
+                <a:solidFill>
+                  <a:schemeClr val="tx1">
+                    <a:tint val="75000"/>
+                  </a:schemeClr>
+                </a:solidFill>
+                <a:latin typeface="+mn-lt"/>
+                <a:ea typeface="+mn-ea"/>
+                <a:cs typeface="+mn-cs"/>
+              </a:defRPr>
+            </a:lvl6pPr>
+            <a:lvl7pPr marL="2743200" indent="0" algn="ctr" defTabSz="457200" rtl="0" eaLnBrk="1" latinLnBrk="0" hangingPunct="1">
+              <a:spcBef>
+                <a:spcPct val="20000"/>
+              </a:spcBef>
+              <a:spcAft>
+                <a:spcPts val="600"/>
+              </a:spcAft>
+              <a:buClr>
+                <a:schemeClr val="accent2"/>
+              </a:buClr>
+              <a:buSzPct val="92000"/>
+              <a:buFont typeface="Wingdings 2" panose="05020102010507070707" pitchFamily="18" charset="2"/>
+              <a:buNone/>
+              <a:defRPr sz="1200" kern="1200">
+                <a:solidFill>
+                  <a:schemeClr val="tx1">
+                    <a:tint val="75000"/>
+                  </a:schemeClr>
+                </a:solidFill>
+                <a:latin typeface="+mn-lt"/>
+                <a:ea typeface="+mn-ea"/>
+                <a:cs typeface="+mn-cs"/>
+              </a:defRPr>
+            </a:lvl7pPr>
+            <a:lvl8pPr marL="3200400" indent="0" algn="ctr" defTabSz="457200" rtl="0" eaLnBrk="1" latinLnBrk="0" hangingPunct="1">
+              <a:spcBef>
+                <a:spcPct val="20000"/>
+              </a:spcBef>
+              <a:spcAft>
+                <a:spcPts val="600"/>
+              </a:spcAft>
+              <a:buClr>
+                <a:schemeClr val="accent2"/>
+              </a:buClr>
+              <a:buSzPct val="92000"/>
+              <a:buFont typeface="Wingdings 2" panose="05020102010507070707" pitchFamily="18" charset="2"/>
+              <a:buNone/>
+              <a:defRPr sz="1200" kern="1200">
+                <a:solidFill>
+                  <a:schemeClr val="tx1">
+                    <a:tint val="75000"/>
+                  </a:schemeClr>
+                </a:solidFill>
+                <a:latin typeface="+mn-lt"/>
+                <a:ea typeface="+mn-ea"/>
+                <a:cs typeface="+mn-cs"/>
+              </a:defRPr>
+            </a:lvl8pPr>
+            <a:lvl9pPr marL="3657600" indent="0" algn="ctr" defTabSz="457200" rtl="0" eaLnBrk="1" latinLnBrk="0" hangingPunct="1">
+              <a:spcBef>
+                <a:spcPct val="20000"/>
+              </a:spcBef>
+              <a:spcAft>
+                <a:spcPts val="600"/>
+              </a:spcAft>
+              <a:buClr>
+                <a:schemeClr val="accent2"/>
+              </a:buClr>
+              <a:buSzPct val="92000"/>
+              <a:buFont typeface="Wingdings 2" panose="05020102010507070707" pitchFamily="18" charset="2"/>
+              <a:buNone/>
+              <a:defRPr sz="1200" kern="1200">
+                <a:solidFill>
+                  <a:schemeClr val="tx1">
+                    <a:tint val="75000"/>
+                  </a:schemeClr>
+                </a:solidFill>
+                <a:latin typeface="+mn-lt"/>
+                <a:ea typeface="+mn-ea"/>
+                <a:cs typeface="+mn-cs"/>
+              </a:defRPr>
+            </a:lvl9pPr>
+          </a:lstStyle>
+          <a:p>
+            <a:r>
+              <a:rPr lang="en-US" cap="none" dirty="0">
+                <a:solidFill>
+                  <a:schemeClr val="tx1">
+                    <a:alpha val="75000"/>
+                  </a:schemeClr>
+                </a:solidFill>
+              </a:rPr>
+              <a:t>linkedin.com/in/jpomfret/</a:t>
+            </a:r>
+            <a:endParaRPr lang="en-GB" cap="none" dirty="0">
+              <a:solidFill>
+                <a:schemeClr val="tx1">
+                  <a:alpha val="75000"/>
+                </a:schemeClr>
+              </a:solidFill>
+            </a:endParaRPr>
+          </a:p>
+        </p:txBody>
+      </p:sp>
+      <p:pic>
+        <p:nvPicPr>
+          <p:cNvPr id="14" name="Picture 13" descr="Abstract blockchain network background">
+            <a:extLst>
+              <a:ext uri="{FF2B5EF4-FFF2-40B4-BE49-F238E27FC236}">
+                <a16:creationId xmlns:a16="http://schemas.microsoft.com/office/drawing/2014/main" id="{01689FBC-FC21-4500-90EB-37B724AF66E6}"/>
+              </a:ext>
+            </a:extLst>
+          </p:cNvPr>
+          <p:cNvPicPr>
+            <a:picLocks noChangeAspect="1"/>
+          </p:cNvPicPr>
+          <p:nvPr/>
+        </p:nvPicPr>
+        <p:blipFill rotWithShape="1">
+          <a:blip r:embed="rId6"/>
+          <a:srcRect t="6318" b="2686"/>
+          <a:stretch/>
+        </p:blipFill>
+        <p:spPr>
+          <a:xfrm>
+            <a:off x="-1" y="0"/>
+            <a:ext cx="4627929" cy="2610957"/>
           </a:xfrm>
           <a:prstGeom prst="rect">
             <a:avLst/>
@@ -8272,7 +9302,7 @@
     </p:spTree>
     <p:extLst>
       <p:ext uri="{BB962C8B-B14F-4D97-AF65-F5344CB8AC3E}">
-        <p14:creationId xmlns:p14="http://schemas.microsoft.com/office/powerpoint/2010/main" val="3256882072"/>
+        <p14:creationId xmlns:p14="http://schemas.microsoft.com/office/powerpoint/2010/main" val="1688360562"/>
       </p:ext>
     </p:extLst>
   </p:cSld>
@@ -8304,7 +9334,7 @@
           <p:cNvPr id="2" name="Title 1">
             <a:extLst>
               <a:ext uri="{FF2B5EF4-FFF2-40B4-BE49-F238E27FC236}">
-                <a16:creationId xmlns:a16="http://schemas.microsoft.com/office/drawing/2014/main" id="{C00D3F27-EF55-4172-ACEE-8D340D505FAA}"/>
+                <a16:creationId xmlns:a16="http://schemas.microsoft.com/office/drawing/2014/main" id="{23AE9CB3-7382-4630-9D25-124626170B5C}"/>
               </a:ext>
             </a:extLst>
           </p:cNvPr>
@@ -8321,9 +9351,17 @@
           <a:lstStyle/>
           <a:p>
             <a:r>
-              <a:rPr lang="en-US"/>
-              <a:t>Agenda</a:t>
-            </a:r>
+              <a:rPr lang="en-US" dirty="0"/>
+              <a:t>Jess Pomfret</a:t>
+            </a:r>
+            <a:br>
+              <a:rPr lang="en-US" dirty="0"/>
+            </a:br>
+            <a:r>
+              <a:rPr lang="en-US" sz="2400" dirty="0"/>
+              <a:t>(She/Her)</a:t>
+            </a:r>
+            <a:endParaRPr lang="en-US" dirty="0"/>
           </a:p>
         </p:txBody>
       </p:sp>
@@ -8332,7 +9370,7 @@
           <p:cNvPr id="3" name="Content Placeholder 2">
             <a:extLst>
               <a:ext uri="{FF2B5EF4-FFF2-40B4-BE49-F238E27FC236}">
-                <a16:creationId xmlns:a16="http://schemas.microsoft.com/office/drawing/2014/main" id="{0A031764-D9F6-4435-B0F7-9C4344D10D55}"/>
+                <a16:creationId xmlns:a16="http://schemas.microsoft.com/office/drawing/2014/main" id="{BD9FF4B1-4677-48D0-A0AD-0221FAEEFBA3}"/>
               </a:ext>
             </a:extLst>
           </p:cNvPr>
@@ -8352,105 +9390,71 @@
           <a:p>
             <a:r>
               <a:rPr lang="en-US" dirty="0"/>
-              <a:t>What is </a:t>
-            </a:r>
+              <a:t>Database Engineer</a:t>
+            </a:r>
+          </a:p>
+          <a:p>
+            <a:r>
+              <a:rPr lang="en-US" dirty="0"/>
+              <a:t>Open Source Contributor</a:t>
+            </a:r>
+          </a:p>
+          <a:p>
+            <a:pPr lvl="1"/>
             <a:r>
               <a:rPr lang="en-US" dirty="0" err="1"/>
               <a:t>dbatools</a:t>
             </a:r>
             <a:r>
               <a:rPr lang="en-US" dirty="0"/>
-              <a:t>?</a:t>
-            </a:r>
-          </a:p>
-          <a:p>
+              <a:t>, </a:t>
+            </a:r>
+            <a:r>
+              <a:rPr lang="en-US" dirty="0" err="1"/>
+              <a:t>dbachecks</a:t>
+            </a:r>
             <a:r>
               <a:rPr lang="en-US" dirty="0"/>
-              <a:t>PowerShell 101</a:t>
-            </a:r>
+              <a:t>, </a:t>
+            </a:r>
+            <a:r>
+              <a:rPr lang="en-US" dirty="0" err="1"/>
+              <a:t>SqlServerDsc</a:t>
+            </a:r>
+            <a:endParaRPr lang="en-US" dirty="0"/>
           </a:p>
           <a:p>
             <a:r>
               <a:rPr lang="en-US" dirty="0"/>
-              <a:t>Life Hacks</a:t>
-            </a:r>
-          </a:p>
-          <a:p>
-            <a:pPr marL="971550" lvl="1" indent="-514350">
-              <a:buFont typeface="+mj-lt"/>
-              <a:buAutoNum type="arabicPeriod"/>
-            </a:pPr>
+              <a:t>Passionate about Automation, Proper Football &amp; Fitness</a:t>
+            </a:r>
+          </a:p>
+          <a:p>
+            <a:endParaRPr lang="en-US" dirty="0"/>
+          </a:p>
+          <a:p>
+            <a:r>
+              <a:rPr lang="en-US" dirty="0">
+                <a:hlinkClick r:id="rId2"/>
+              </a:rPr>
+              <a:t>jpomfret7@gmail.com</a:t>
+            </a:r>
+            <a:endParaRPr lang="en-US" dirty="0"/>
+          </a:p>
+          <a:p>
             <a:r>
               <a:rPr lang="en-US" dirty="0"/>
-              <a:t>Test Your Backups</a:t>
-            </a:r>
-          </a:p>
-          <a:p>
-            <a:pPr marL="971550" lvl="1" indent="-514350">
-              <a:buFont typeface="+mj-lt"/>
-              <a:buAutoNum type="arabicPeriod"/>
-            </a:pPr>
-            <a:r>
-              <a:rPr lang="en-US" dirty="0"/>
-              <a:t>Manage Logins &amp; Access</a:t>
-            </a:r>
-          </a:p>
-          <a:p>
-            <a:pPr marL="971550" lvl="1" indent="-514350">
-              <a:buFont typeface="+mj-lt"/>
-              <a:buAutoNum type="arabicPeriod"/>
-            </a:pPr>
-            <a:r>
-              <a:rPr lang="en-US" dirty="0"/>
-              <a:t>Mask Sensitive Data</a:t>
-            </a:r>
-          </a:p>
-          <a:p>
-            <a:pPr marL="971550" lvl="1" indent="-514350">
-              <a:buFont typeface="+mj-lt"/>
-              <a:buAutoNum type="arabicPeriod"/>
-            </a:pPr>
-            <a:r>
-              <a:rPr lang="en-US" dirty="0"/>
-              <a:t>Migrate… Everything</a:t>
-            </a:r>
-          </a:p>
-          <a:p>
-            <a:pPr marL="971550" lvl="1" indent="-514350">
-              <a:buFont typeface="+mj-lt"/>
-              <a:buAutoNum type="arabicPeriod"/>
-            </a:pPr>
-            <a:r>
-              <a:rPr lang="en-US" dirty="0"/>
-              <a:t>Meet Best Practices</a:t>
-            </a:r>
-          </a:p>
-          <a:p>
-            <a:pPr marL="971550" lvl="1" indent="-514350">
-              <a:buFont typeface="+mj-lt"/>
-              <a:buAutoNum type="arabicPeriod"/>
-            </a:pPr>
-            <a:r>
-              <a:rPr lang="en-US" dirty="0"/>
-              <a:t>Documentation for everyone</a:t>
-            </a:r>
-          </a:p>
-          <a:p>
-            <a:pPr lvl="1"/>
-            <a:endParaRPr lang="en-US" dirty="0"/>
-          </a:p>
-          <a:p>
-            <a:pPr lvl="1"/>
-            <a:endParaRPr lang="en-US" dirty="0"/>
+              <a:t>@jpomfret</a:t>
+            </a:r>
           </a:p>
         </p:txBody>
       </p:sp>
       <p:pic>
         <p:nvPicPr>
-          <p:cNvPr id="5" name="Picture 4" descr="dbatools">
+          <p:cNvPr id="5" name="Picture 4">
             <a:extLst>
               <a:ext uri="{FF2B5EF4-FFF2-40B4-BE49-F238E27FC236}">
-                <a16:creationId xmlns:a16="http://schemas.microsoft.com/office/drawing/2014/main" id="{883620BE-A5F5-49F1-8D15-5CA6EAEC47D9}"/>
+                <a16:creationId xmlns:a16="http://schemas.microsoft.com/office/drawing/2014/main" id="{534BBB60-327E-41E5-A188-F9573B75AD86}"/>
               </a:ext>
             </a:extLst>
           </p:cNvPr>
@@ -8467,14 +9471,49 @@
               </a:ext>
             </a:extLst>
           </a:blip>
+          <a:srcRect/>
+          <a:stretch/>
+        </p:blipFill>
+        <p:spPr>
+          <a:xfrm>
+            <a:off x="601762" y="2175930"/>
+            <a:ext cx="3886551" cy="4084819"/>
+          </a:xfrm>
+          <a:prstGeom prst="rect">
+            <a:avLst/>
+          </a:prstGeom>
+        </p:spPr>
+      </p:pic>
+      <p:pic>
+        <p:nvPicPr>
+          <p:cNvPr id="7" name="Picture 6" descr="A close up of a sign&#10;&#10;Description automatically generated">
+            <a:extLst>
+              <a:ext uri="{FF2B5EF4-FFF2-40B4-BE49-F238E27FC236}">
+                <a16:creationId xmlns:a16="http://schemas.microsoft.com/office/drawing/2014/main" id="{DC714AD4-83A8-4057-BC8E-2D231207D3CE}"/>
+              </a:ext>
+            </a:extLst>
+          </p:cNvPr>
+          <p:cNvPicPr>
+            <a:picLocks noChangeAspect="1"/>
+          </p:cNvPicPr>
+          <p:nvPr/>
+        </p:nvPicPr>
+        <p:blipFill>
+          <a:blip r:embed="rId4">
+            <a:extLst>
+              <a:ext uri="{28A0092B-C50C-407E-A947-70E740481C1C}">
+                <a14:useLocalDpi xmlns:a14="http://schemas.microsoft.com/office/drawing/2010/main" val="0"/>
+              </a:ext>
+            </a:extLst>
+          </a:blip>
           <a:stretch>
             <a:fillRect/>
           </a:stretch>
         </p:blipFill>
         <p:spPr>
           <a:xfrm>
-            <a:off x="8977755" y="1003852"/>
-            <a:ext cx="2376045" cy="2376045"/>
+            <a:off x="10959546" y="4520250"/>
+            <a:ext cx="914402" cy="1447803"/>
           </a:xfrm>
           <a:prstGeom prst="rect">
             <a:avLst/>
@@ -8484,7 +9523,7 @@
     </p:spTree>
     <p:extLst>
       <p:ext uri="{BB962C8B-B14F-4D97-AF65-F5344CB8AC3E}">
-        <p14:creationId xmlns:p14="http://schemas.microsoft.com/office/powerpoint/2010/main" val="1877511129"/>
+        <p14:creationId xmlns:p14="http://schemas.microsoft.com/office/powerpoint/2010/main" val="3256882072"/>
       </p:ext>
     </p:extLst>
   </p:cSld>
@@ -8516,6 +9555,218 @@
           <p:cNvPr id="2" name="Title 1">
             <a:extLst>
               <a:ext uri="{FF2B5EF4-FFF2-40B4-BE49-F238E27FC236}">
+                <a16:creationId xmlns:a16="http://schemas.microsoft.com/office/drawing/2014/main" id="{C00D3F27-EF55-4172-ACEE-8D340D505FAA}"/>
+              </a:ext>
+            </a:extLst>
+          </p:cNvPr>
+          <p:cNvSpPr>
+            <a:spLocks noGrp="1"/>
+          </p:cNvSpPr>
+          <p:nvPr>
+            <p:ph type="title"/>
+          </p:nvPr>
+        </p:nvSpPr>
+        <p:spPr/>
+        <p:txBody>
+          <a:bodyPr/>
+          <a:lstStyle/>
+          <a:p>
+            <a:r>
+              <a:rPr lang="en-US"/>
+              <a:t>Agenda</a:t>
+            </a:r>
+          </a:p>
+        </p:txBody>
+      </p:sp>
+      <p:sp>
+        <p:nvSpPr>
+          <p:cNvPr id="3" name="Content Placeholder 2">
+            <a:extLst>
+              <a:ext uri="{FF2B5EF4-FFF2-40B4-BE49-F238E27FC236}">
+                <a16:creationId xmlns:a16="http://schemas.microsoft.com/office/drawing/2014/main" id="{0A031764-D9F6-4435-B0F7-9C4344D10D55}"/>
+              </a:ext>
+            </a:extLst>
+          </p:cNvPr>
+          <p:cNvSpPr>
+            <a:spLocks noGrp="1"/>
+          </p:cNvSpPr>
+          <p:nvPr>
+            <p:ph idx="1"/>
+          </p:nvPr>
+        </p:nvSpPr>
+        <p:spPr/>
+        <p:txBody>
+          <a:bodyPr>
+            <a:normAutofit/>
+          </a:bodyPr>
+          <a:lstStyle/>
+          <a:p>
+            <a:r>
+              <a:rPr lang="en-US" dirty="0"/>
+              <a:t>What is </a:t>
+            </a:r>
+            <a:r>
+              <a:rPr lang="en-US" dirty="0" err="1"/>
+              <a:t>dbatools</a:t>
+            </a:r>
+            <a:r>
+              <a:rPr lang="en-US" dirty="0"/>
+              <a:t>?</a:t>
+            </a:r>
+          </a:p>
+          <a:p>
+            <a:r>
+              <a:rPr lang="en-US" dirty="0"/>
+              <a:t>PowerShell 101</a:t>
+            </a:r>
+          </a:p>
+          <a:p>
+            <a:r>
+              <a:rPr lang="en-US" dirty="0"/>
+              <a:t>Life Hacks</a:t>
+            </a:r>
+          </a:p>
+          <a:p>
+            <a:pPr marL="971550" lvl="1" indent="-514350">
+              <a:buFont typeface="+mj-lt"/>
+              <a:buAutoNum type="arabicPeriod"/>
+            </a:pPr>
+            <a:r>
+              <a:rPr lang="en-US" dirty="0"/>
+              <a:t>Test Your Backups</a:t>
+            </a:r>
+          </a:p>
+          <a:p>
+            <a:pPr marL="971550" lvl="1" indent="-514350">
+              <a:buFont typeface="+mj-lt"/>
+              <a:buAutoNum type="arabicPeriod"/>
+            </a:pPr>
+            <a:r>
+              <a:rPr lang="en-US" dirty="0"/>
+              <a:t>Manage Logins &amp; Access</a:t>
+            </a:r>
+          </a:p>
+          <a:p>
+            <a:pPr marL="971550" lvl="1" indent="-514350">
+              <a:buFont typeface="+mj-lt"/>
+              <a:buAutoNum type="arabicPeriod"/>
+            </a:pPr>
+            <a:r>
+              <a:rPr lang="en-US" dirty="0"/>
+              <a:t>Mask Sensitive Data</a:t>
+            </a:r>
+          </a:p>
+          <a:p>
+            <a:pPr marL="971550" lvl="1" indent="-514350">
+              <a:buFont typeface="+mj-lt"/>
+              <a:buAutoNum type="arabicPeriod"/>
+            </a:pPr>
+            <a:r>
+              <a:rPr lang="en-US" dirty="0"/>
+              <a:t>Migrate… Everything</a:t>
+            </a:r>
+          </a:p>
+          <a:p>
+            <a:pPr marL="971550" lvl="1" indent="-514350">
+              <a:buFont typeface="+mj-lt"/>
+              <a:buAutoNum type="arabicPeriod"/>
+            </a:pPr>
+            <a:r>
+              <a:rPr lang="en-US" dirty="0"/>
+              <a:t>Meet Best Practices</a:t>
+            </a:r>
+          </a:p>
+          <a:p>
+            <a:pPr marL="971550" lvl="1" indent="-514350">
+              <a:buFont typeface="+mj-lt"/>
+              <a:buAutoNum type="arabicPeriod"/>
+            </a:pPr>
+            <a:r>
+              <a:rPr lang="en-US" dirty="0"/>
+              <a:t>Documentation for everyone</a:t>
+            </a:r>
+          </a:p>
+          <a:p>
+            <a:pPr lvl="1"/>
+            <a:endParaRPr lang="en-US" dirty="0"/>
+          </a:p>
+          <a:p>
+            <a:pPr lvl="1"/>
+            <a:endParaRPr lang="en-US" dirty="0"/>
+          </a:p>
+        </p:txBody>
+      </p:sp>
+      <p:pic>
+        <p:nvPicPr>
+          <p:cNvPr id="5" name="Picture 4" descr="dbatools">
+            <a:extLst>
+              <a:ext uri="{FF2B5EF4-FFF2-40B4-BE49-F238E27FC236}">
+                <a16:creationId xmlns:a16="http://schemas.microsoft.com/office/drawing/2014/main" id="{883620BE-A5F5-49F1-8D15-5CA6EAEC47D9}"/>
+              </a:ext>
+            </a:extLst>
+          </p:cNvPr>
+          <p:cNvPicPr>
+            <a:picLocks noChangeAspect="1"/>
+          </p:cNvPicPr>
+          <p:nvPr/>
+        </p:nvPicPr>
+        <p:blipFill>
+          <a:blip r:embed="rId3">
+            <a:extLst>
+              <a:ext uri="{28A0092B-C50C-407E-A947-70E740481C1C}">
+                <a14:useLocalDpi xmlns:a14="http://schemas.microsoft.com/office/drawing/2010/main" val="0"/>
+              </a:ext>
+            </a:extLst>
+          </a:blip>
+          <a:stretch>
+            <a:fillRect/>
+          </a:stretch>
+        </p:blipFill>
+        <p:spPr>
+          <a:xfrm>
+            <a:off x="8977755" y="1003852"/>
+            <a:ext cx="2376045" cy="2376045"/>
+          </a:xfrm>
+          <a:prstGeom prst="rect">
+            <a:avLst/>
+          </a:prstGeom>
+        </p:spPr>
+      </p:pic>
+    </p:spTree>
+    <p:extLst>
+      <p:ext uri="{BB962C8B-B14F-4D97-AF65-F5344CB8AC3E}">
+        <p14:creationId xmlns:p14="http://schemas.microsoft.com/office/powerpoint/2010/main" val="1877511129"/>
+      </p:ext>
+    </p:extLst>
+  </p:cSld>
+  <p:clrMapOvr>
+    <a:masterClrMapping/>
+  </p:clrMapOvr>
+</p:sld>
+</file>
+
+<file path=ppt/slides/slide6.xml><?xml version="1.0" encoding="utf-8"?>
+<p:sld xmlns:a="http://schemas.openxmlformats.org/drawingml/2006/main" xmlns:r="http://schemas.openxmlformats.org/officeDocument/2006/relationships" xmlns:p="http://schemas.openxmlformats.org/presentationml/2006/main">
+  <p:cSld>
+    <p:spTree>
+      <p:nvGrpSpPr>
+        <p:cNvPr id="1" name=""/>
+        <p:cNvGrpSpPr/>
+        <p:nvPr/>
+      </p:nvGrpSpPr>
+      <p:grpSpPr>
+        <a:xfrm>
+          <a:off x="0" y="0"/>
+          <a:ext cx="0" cy="0"/>
+          <a:chOff x="0" y="0"/>
+          <a:chExt cx="0" cy="0"/>
+        </a:xfrm>
+      </p:grpSpPr>
+      <p:sp>
+        <p:nvSpPr>
+          <p:cNvPr id="2" name="Title 1">
+            <a:extLst>
+              <a:ext uri="{FF2B5EF4-FFF2-40B4-BE49-F238E27FC236}">
                 <a16:creationId xmlns:a16="http://schemas.microsoft.com/office/drawing/2014/main" id="{C566FDFA-BBBF-433D-A172-9FD4CCC09FC4}"/>
               </a:ext>
             </a:extLst>
@@ -8718,7 +9969,7 @@
 </p:sld>
 </file>
 
-<file path=ppt/slides/slide6.xml><?xml version="1.0" encoding="utf-8"?>
+<file path=ppt/slides/slide7.xml><?xml version="1.0" encoding="utf-8"?>
 <p:sld xmlns:a="http://schemas.openxmlformats.org/drawingml/2006/main" xmlns:r="http://schemas.openxmlformats.org/officeDocument/2006/relationships" xmlns:p="http://schemas.openxmlformats.org/presentationml/2006/main">
   <p:cSld>
     <p:spTree>
@@ -8975,107 +10226,6 @@
 </p:sld>
 </file>
 
-<file path=ppt/slides/slide7.xml><?xml version="1.0" encoding="utf-8"?>
-<p:sld xmlns:a="http://schemas.openxmlformats.org/drawingml/2006/main" xmlns:r="http://schemas.openxmlformats.org/officeDocument/2006/relationships" xmlns:p="http://schemas.openxmlformats.org/presentationml/2006/main">
-  <p:cSld>
-    <p:spTree>
-      <p:nvGrpSpPr>
-        <p:cNvPr id="1" name=""/>
-        <p:cNvGrpSpPr/>
-        <p:nvPr/>
-      </p:nvGrpSpPr>
-      <p:grpSpPr>
-        <a:xfrm>
-          <a:off x="0" y="0"/>
-          <a:ext cx="0" cy="0"/>
-          <a:chOff x="0" y="0"/>
-          <a:chExt cx="0" cy="0"/>
-        </a:xfrm>
-      </p:grpSpPr>
-      <p:sp>
-        <p:nvSpPr>
-          <p:cNvPr id="2" name="Title 1">
-            <a:extLst>
-              <a:ext uri="{FF2B5EF4-FFF2-40B4-BE49-F238E27FC236}">
-                <a16:creationId xmlns:a16="http://schemas.microsoft.com/office/drawing/2014/main" id="{8D422263-0412-436C-BE7A-EF75789E4BDD}"/>
-              </a:ext>
-            </a:extLst>
-          </p:cNvPr>
-          <p:cNvSpPr>
-            <a:spLocks noGrp="1"/>
-          </p:cNvSpPr>
-          <p:nvPr>
-            <p:ph type="title"/>
-          </p:nvPr>
-        </p:nvSpPr>
-        <p:spPr/>
-        <p:txBody>
-          <a:bodyPr/>
-          <a:lstStyle/>
-          <a:p>
-            <a:r>
-              <a:rPr lang="en-US"/>
-              <a:t>Demo Time</a:t>
-            </a:r>
-          </a:p>
-        </p:txBody>
-      </p:sp>
-      <p:sp>
-        <p:nvSpPr>
-          <p:cNvPr id="3" name="Content Placeholder 2">
-            <a:extLst>
-              <a:ext uri="{FF2B5EF4-FFF2-40B4-BE49-F238E27FC236}">
-                <a16:creationId xmlns:a16="http://schemas.microsoft.com/office/drawing/2014/main" id="{373F1335-4328-4E58-94A0-BDBC5F307700}"/>
-              </a:ext>
-            </a:extLst>
-          </p:cNvPr>
-          <p:cNvSpPr>
-            <a:spLocks noGrp="1"/>
-          </p:cNvSpPr>
-          <p:nvPr>
-            <p:ph idx="1"/>
-          </p:nvPr>
-        </p:nvSpPr>
-        <p:spPr/>
-        <p:txBody>
-          <a:bodyPr/>
-          <a:lstStyle/>
-          <a:p>
-            <a:pPr marL="0" indent="0">
-              <a:buNone/>
-            </a:pPr>
-            <a:r>
-              <a:rPr lang="en-US"/>
-              <a:t>Demo Files available here:</a:t>
-            </a:r>
-          </a:p>
-          <a:p>
-            <a:pPr marL="0" indent="0">
-              <a:buNone/>
-            </a:pPr>
-            <a:r>
-              <a:rPr lang="en-US" sz="2800">
-                <a:hlinkClick r:id="rId3"/>
-              </a:rPr>
-              <a:t>https://github.com/jpomfret/demos/tree/master/LifeHacks_dbatools</a:t>
-            </a:r>
-            <a:endParaRPr lang="en-US" sz="2800"/>
-          </a:p>
-        </p:txBody>
-      </p:sp>
-    </p:spTree>
-    <p:extLst>
-      <p:ext uri="{BB962C8B-B14F-4D97-AF65-F5344CB8AC3E}">
-        <p14:creationId xmlns:p14="http://schemas.microsoft.com/office/powerpoint/2010/main" val="1710610017"/>
-      </p:ext>
-    </p:extLst>
-  </p:cSld>
-  <p:clrMapOvr>
-    <a:masterClrMapping/>
-  </p:clrMapOvr>
-</p:sld>
-</file>
-
 <file path=ppt/slides/slide8.xml><?xml version="1.0" encoding="utf-8"?>
 <p:sld xmlns:a="http://schemas.openxmlformats.org/drawingml/2006/main" xmlns:r="http://schemas.openxmlformats.org/officeDocument/2006/relationships" xmlns:p="http://schemas.openxmlformats.org/presentationml/2006/main">
   <p:cSld>
@@ -9098,7 +10248,7 @@
           <p:cNvPr id="2" name="Title 1">
             <a:extLst>
               <a:ext uri="{FF2B5EF4-FFF2-40B4-BE49-F238E27FC236}">
-                <a16:creationId xmlns:a16="http://schemas.microsoft.com/office/drawing/2014/main" id="{4867FBAA-F213-4F01-B509-33CC7B3B7F47}"/>
+                <a16:creationId xmlns:a16="http://schemas.microsoft.com/office/drawing/2014/main" id="{8D422263-0412-436C-BE7A-EF75789E4BDD}"/>
               </a:ext>
             </a:extLst>
           </p:cNvPr>
@@ -9116,7 +10266,7 @@
           <a:p>
             <a:r>
               <a:rPr lang="en-US"/>
-              <a:t>Resources	</a:t>
+              <a:t>Demo Time</a:t>
             </a:r>
           </a:p>
         </p:txBody>
@@ -9126,7 +10276,7 @@
           <p:cNvPr id="3" name="Content Placeholder 2">
             <a:extLst>
               <a:ext uri="{FF2B5EF4-FFF2-40B4-BE49-F238E27FC236}">
-                <a16:creationId xmlns:a16="http://schemas.microsoft.com/office/drawing/2014/main" id="{0C9CA7B6-1C31-40D6-8E2D-0F9CB3BD43E4}"/>
+                <a16:creationId xmlns:a16="http://schemas.microsoft.com/office/drawing/2014/main" id="{373F1335-4328-4E58-94A0-BDBC5F307700}"/>
               </a:ext>
             </a:extLst>
           </p:cNvPr>
@@ -9139,139 +10289,35 @@
         </p:nvSpPr>
         <p:spPr/>
         <p:txBody>
-          <a:bodyPr>
-            <a:normAutofit fontScale="92500" lnSpcReduction="20000"/>
-          </a:bodyPr>
+          <a:bodyPr/>
           <a:lstStyle/>
           <a:p>
-            <a:r>
-              <a:rPr lang="en-US" err="1"/>
-              <a:t>dbatools</a:t>
-            </a:r>
+            <a:pPr marL="0" indent="0">
+              <a:buNone/>
+            </a:pPr>
             <a:r>
               <a:rPr lang="en-US"/>
-              <a:t> Blog</a:t>
-            </a:r>
-          </a:p>
-          <a:p>
-            <a:pPr marL="457200" lvl="1" indent="0">
+              <a:t>Demo Files available here:</a:t>
+            </a:r>
+          </a:p>
+          <a:p>
+            <a:pPr marL="0" indent="0">
               <a:buNone/>
             </a:pPr>
             <a:r>
-              <a:rPr lang="en-US">
-                <a:hlinkClick r:id="rId2"/>
-              </a:rPr>
-              <a:t>https://dbatools.io/meap/</a:t>
-            </a:r>
-            <a:endParaRPr lang="en-US"/>
-          </a:p>
-          <a:p>
-            <a:pPr marL="457200" lvl="1" indent="0">
-              <a:buNone/>
-            </a:pPr>
-            <a:r>
-              <a:rPr lang="en-US">
+              <a:rPr lang="en-US" sz="2800">
                 <a:hlinkClick r:id="rId3"/>
               </a:rPr>
-              <a:t>https://dbatools.io/secure/</a:t>
-            </a:r>
-            <a:endParaRPr lang="en-US"/>
-          </a:p>
-          <a:p>
-            <a:endParaRPr lang="en-US"/>
-          </a:p>
-          <a:p>
-            <a:r>
-              <a:rPr lang="en-US"/>
-              <a:t>Docs</a:t>
-            </a:r>
-          </a:p>
-          <a:p>
-            <a:pPr marL="457200" lvl="1" indent="0">
-              <a:buNone/>
-            </a:pPr>
-            <a:r>
-              <a:rPr lang="en-US">
-                <a:hlinkClick r:id="rId4"/>
-              </a:rPr>
-              <a:t>https://docs.dbatools.io/</a:t>
-            </a:r>
-            <a:endParaRPr lang="en-US"/>
-          </a:p>
-          <a:p>
-            <a:pPr marL="457200" lvl="1" indent="0">
-              <a:buNone/>
-            </a:pPr>
-            <a:r>
-              <a:rPr lang="en-US">
-                <a:hlinkClick r:id="rId5"/>
-              </a:rPr>
-              <a:t>https://dbatools.io/build</a:t>
-            </a:r>
-            <a:endParaRPr lang="en-US"/>
-          </a:p>
-          <a:p>
-            <a:pPr marL="457200" lvl="1" indent="0">
-              <a:buNone/>
-            </a:pPr>
-            <a:endParaRPr lang="en-US"/>
-          </a:p>
-          <a:p>
-            <a:r>
-              <a:rPr lang="en-US"/>
-              <a:t>Other</a:t>
-            </a:r>
-          </a:p>
-          <a:p>
-            <a:pPr marL="457200" lvl="1" indent="0">
-              <a:buNone/>
-            </a:pPr>
-            <a:r>
-              <a:rPr lang="en-US">
-                <a:hlinkClick r:id="rId6"/>
-              </a:rPr>
-              <a:t>https://dbatools.io/github</a:t>
-            </a:r>
-            <a:endParaRPr lang="en-US"/>
-          </a:p>
-          <a:p>
-            <a:pPr marL="457200" lvl="1" indent="0">
-              <a:buNone/>
-            </a:pPr>
-            <a:r>
-              <a:rPr lang="en-US">
-                <a:hlinkClick r:id="rId7"/>
-              </a:rPr>
-              <a:t>https://dbatools.io/slack/</a:t>
-            </a:r>
-            <a:endParaRPr lang="en-US"/>
-          </a:p>
-          <a:p>
-            <a:pPr marL="457200" lvl="1" indent="0">
-              <a:buNone/>
-            </a:pPr>
-            <a:r>
-              <a:rPr lang="en-US">
-                <a:hlinkClick r:id="rId8"/>
-              </a:rPr>
-              <a:t>http://dbatools.io/twitter</a:t>
-            </a:r>
-            <a:r>
-              <a:rPr lang="en-US"/>
-              <a:t> - @</a:t>
-            </a:r>
-            <a:r>
-              <a:rPr lang="en-US" err="1"/>
-              <a:t>psdbatools</a:t>
-            </a:r>
-            <a:endParaRPr lang="en-US"/>
+              <a:t>https://github.com/jpomfret/demos/tree/master/LifeHacks_dbatools</a:t>
+            </a:r>
+            <a:endParaRPr lang="en-US" sz="2800"/>
           </a:p>
         </p:txBody>
       </p:sp>
     </p:spTree>
     <p:extLst>
       <p:ext uri="{BB962C8B-B14F-4D97-AF65-F5344CB8AC3E}">
-        <p14:creationId xmlns:p14="http://schemas.microsoft.com/office/powerpoint/2010/main" val="2378380410"/>
+        <p14:creationId xmlns:p14="http://schemas.microsoft.com/office/powerpoint/2010/main" val="1710610017"/>
       </p:ext>
     </p:extLst>
   </p:cSld>
@@ -9282,7 +10328,7 @@
 </file>
 
 <file path=ppt/slides/slide9.xml><?xml version="1.0" encoding="utf-8"?>
-<p:sld xmlns:a="http://schemas.openxmlformats.org/drawingml/2006/main" xmlns:r="http://schemas.openxmlformats.org/officeDocument/2006/relationships" xmlns:p="http://schemas.openxmlformats.org/presentationml/2006/main" show="0">
+<p:sld xmlns:a="http://schemas.openxmlformats.org/drawingml/2006/main" xmlns:r="http://schemas.openxmlformats.org/officeDocument/2006/relationships" xmlns:p="http://schemas.openxmlformats.org/presentationml/2006/main">
   <p:cSld>
     <p:spTree>
       <p:nvGrpSpPr>
@@ -9303,7 +10349,7 @@
           <p:cNvPr id="2" name="Title 1">
             <a:extLst>
               <a:ext uri="{FF2B5EF4-FFF2-40B4-BE49-F238E27FC236}">
-                <a16:creationId xmlns:a16="http://schemas.microsoft.com/office/drawing/2014/main" id="{F3F9DAAB-4104-4A3F-B009-3A226CFDA3A8}"/>
+                <a16:creationId xmlns:a16="http://schemas.microsoft.com/office/drawing/2014/main" id="{4867FBAA-F213-4F01-B509-33CC7B3B7F47}"/>
               </a:ext>
             </a:extLst>
           </p:cNvPr>
@@ -9320,8 +10366,8 @@
           <a:lstStyle/>
           <a:p>
             <a:r>
-              <a:rPr lang="en-US" dirty="0"/>
-              <a:t>Questions?</a:t>
+              <a:rPr lang="en-US"/>
+              <a:t>Resources	</a:t>
             </a:r>
           </a:p>
         </p:txBody>
@@ -9331,7 +10377,7 @@
           <p:cNvPr id="3" name="Content Placeholder 2">
             <a:extLst>
               <a:ext uri="{FF2B5EF4-FFF2-40B4-BE49-F238E27FC236}">
-                <a16:creationId xmlns:a16="http://schemas.microsoft.com/office/drawing/2014/main" id="{F8CB0B73-318D-4BDF-B34A-C1D6336BDDD3}"/>
+                <a16:creationId xmlns:a16="http://schemas.microsoft.com/office/drawing/2014/main" id="{0C9CA7B6-1C31-40D6-8E2D-0F9CB3BD43E4}"/>
               </a:ext>
             </a:extLst>
           </p:cNvPr>
@@ -9345,316 +10391,138 @@
         <p:spPr/>
         <p:txBody>
           <a:bodyPr>
-            <a:normAutofit fontScale="92500" lnSpcReduction="10000"/>
+            <a:normAutofit fontScale="92500" lnSpcReduction="20000"/>
           </a:bodyPr>
           <a:lstStyle/>
           <a:p>
             <a:r>
-              <a:rPr lang="en-US" dirty="0"/>
-              <a:t>Jess Pomfret</a:t>
-            </a:r>
-          </a:p>
-          <a:p>
-            <a:endParaRPr lang="en-US" dirty="0"/>
-          </a:p>
-          <a:p>
-            <a:r>
-              <a:rPr lang="en-US" dirty="0">
+              <a:rPr lang="en-US" err="1"/>
+              <a:t>dbatools</a:t>
+            </a:r>
+            <a:r>
+              <a:rPr lang="en-US"/>
+              <a:t> Blog</a:t>
+            </a:r>
+          </a:p>
+          <a:p>
+            <a:pPr marL="457200" lvl="1" indent="0">
+              <a:buNone/>
+            </a:pPr>
+            <a:r>
+              <a:rPr lang="en-US">
+                <a:hlinkClick r:id="rId2"/>
+              </a:rPr>
+              <a:t>https://dbatools.io/meap/</a:t>
+            </a:r>
+            <a:endParaRPr lang="en-US"/>
+          </a:p>
+          <a:p>
+            <a:pPr marL="457200" lvl="1" indent="0">
+              <a:buNone/>
+            </a:pPr>
+            <a:r>
+              <a:rPr lang="en-US">
                 <a:hlinkClick r:id="rId3"/>
               </a:rPr>
-              <a:t>jpomfret7@gmail.com</a:t>
-            </a:r>
-            <a:endParaRPr lang="en-US" dirty="0"/>
-          </a:p>
-          <a:p>
-            <a:r>
-              <a:rPr lang="en-US" dirty="0"/>
-              <a:t>@jpomfret</a:t>
-            </a:r>
-          </a:p>
-          <a:p>
-            <a:endParaRPr lang="en-US" dirty="0"/>
-          </a:p>
-          <a:p>
-            <a:r>
-              <a:rPr lang="en-US" dirty="0">
+              <a:t>https://dbatools.io/secure/</a:t>
+            </a:r>
+            <a:endParaRPr lang="en-US"/>
+          </a:p>
+          <a:p>
+            <a:endParaRPr lang="en-US"/>
+          </a:p>
+          <a:p>
+            <a:r>
+              <a:rPr lang="en-US"/>
+              <a:t>Docs</a:t>
+            </a:r>
+          </a:p>
+          <a:p>
+            <a:pPr marL="457200" lvl="1" indent="0">
+              <a:buNone/>
+            </a:pPr>
+            <a:r>
+              <a:rPr lang="en-US">
                 <a:hlinkClick r:id="rId4"/>
               </a:rPr>
-              <a:t>www.JessPomfret.com</a:t>
-            </a:r>
-            <a:endParaRPr lang="en-US" dirty="0"/>
-          </a:p>
-          <a:p>
-            <a:r>
-              <a:rPr lang="en-US" dirty="0">
+              <a:t>https://docs.dbatools.io/</a:t>
+            </a:r>
+            <a:endParaRPr lang="en-US"/>
+          </a:p>
+          <a:p>
+            <a:pPr marL="457200" lvl="1" indent="0">
+              <a:buNone/>
+            </a:pPr>
+            <a:r>
+              <a:rPr lang="en-US">
                 <a:hlinkClick r:id="rId5"/>
               </a:rPr>
-              <a:t>https://github.com/jpomfret/demos/</a:t>
-            </a:r>
-            <a:endParaRPr lang="en-US" dirty="0"/>
-          </a:p>
-          <a:p>
-            <a:endParaRPr lang="en-US" dirty="0"/>
-          </a:p>
-          <a:p>
-            <a:r>
-              <a:rPr lang="en-US" dirty="0"/>
-              <a:t>Please fill out the feedback form, help me get better.</a:t>
-            </a:r>
-          </a:p>
-        </p:txBody>
-      </p:sp>
-      <p:sp>
-        <p:nvSpPr>
-          <p:cNvPr id="4" name="Content Placeholder 2">
-            <a:extLst>
-              <a:ext uri="{FF2B5EF4-FFF2-40B4-BE49-F238E27FC236}">
-                <a16:creationId xmlns:a16="http://schemas.microsoft.com/office/drawing/2014/main" id="{2C665513-EBEB-4CEF-B52F-D95C52D5A71A}"/>
-              </a:ext>
-            </a:extLst>
-          </p:cNvPr>
-          <p:cNvSpPr txBox="1">
-            <a:spLocks/>
-          </p:cNvSpPr>
-          <p:nvPr/>
-        </p:nvSpPr>
-        <p:spPr>
-          <a:xfrm>
-            <a:off x="838200" y="1016552"/>
-            <a:ext cx="10515600" cy="5173111"/>
-          </a:xfrm>
-          <a:prstGeom prst="rect">
-            <a:avLst/>
-          </a:prstGeom>
-        </p:spPr>
-        <p:txBody>
-          <a:bodyPr vert="horz" lIns="91440" tIns="45720" rIns="91440" bIns="45720" rtlCol="0">
-            <a:normAutofit fontScale="92500" lnSpcReduction="10000"/>
-          </a:bodyPr>
-          <a:lstStyle>
-            <a:lvl1pPr marL="228600" indent="-228600" algn="l" defTabSz="914400" rtl="0" eaLnBrk="1" latinLnBrk="0" hangingPunct="1">
-              <a:lnSpc>
-                <a:spcPct val="90000"/>
-              </a:lnSpc>
-              <a:spcBef>
-                <a:spcPts val="1000"/>
-              </a:spcBef>
-              <a:buFont typeface="Arial" panose="020B0604020202020204" pitchFamily="34" charset="0"/>
-              <a:buChar char="•"/>
-              <a:defRPr sz="3600" kern="1200">
-                <a:solidFill>
-                  <a:schemeClr val="tx1"/>
-                </a:solidFill>
-                <a:latin typeface="+mn-lt"/>
-                <a:ea typeface="+mn-ea"/>
-                <a:cs typeface="+mn-cs"/>
-              </a:defRPr>
-            </a:lvl1pPr>
-            <a:lvl2pPr marL="685800" indent="-228600" algn="l" defTabSz="914400" rtl="0" eaLnBrk="1" latinLnBrk="0" hangingPunct="1">
-              <a:lnSpc>
-                <a:spcPct val="90000"/>
-              </a:lnSpc>
-              <a:spcBef>
-                <a:spcPts val="500"/>
-              </a:spcBef>
-              <a:buFont typeface="Arial" panose="020B0604020202020204" pitchFamily="34" charset="0"/>
-              <a:buChar char="•"/>
-              <a:defRPr sz="3200" kern="1200">
-                <a:solidFill>
-                  <a:schemeClr val="tx1"/>
-                </a:solidFill>
-                <a:latin typeface="+mn-lt"/>
-                <a:ea typeface="+mn-ea"/>
-                <a:cs typeface="+mn-cs"/>
-              </a:defRPr>
-            </a:lvl2pPr>
-            <a:lvl3pPr marL="1143000" indent="-228600" algn="l" defTabSz="914400" rtl="0" eaLnBrk="1" latinLnBrk="0" hangingPunct="1">
-              <a:lnSpc>
-                <a:spcPct val="90000"/>
-              </a:lnSpc>
-              <a:spcBef>
-                <a:spcPts val="500"/>
-              </a:spcBef>
-              <a:buFont typeface="Arial" panose="020B0604020202020204" pitchFamily="34" charset="0"/>
-              <a:buChar char="•"/>
-              <a:defRPr sz="2800" kern="1200">
-                <a:solidFill>
-                  <a:schemeClr val="tx1"/>
-                </a:solidFill>
-                <a:latin typeface="+mn-lt"/>
-                <a:ea typeface="+mn-ea"/>
-                <a:cs typeface="+mn-cs"/>
-              </a:defRPr>
-            </a:lvl3pPr>
-            <a:lvl4pPr marL="1600200" indent="-228600" algn="l" defTabSz="914400" rtl="0" eaLnBrk="1" latinLnBrk="0" hangingPunct="1">
-              <a:lnSpc>
-                <a:spcPct val="90000"/>
-              </a:lnSpc>
-              <a:spcBef>
-                <a:spcPts val="500"/>
-              </a:spcBef>
-              <a:buFont typeface="Arial" panose="020B0604020202020204" pitchFamily="34" charset="0"/>
-              <a:buChar char="•"/>
-              <a:defRPr sz="2400" kern="1200">
-                <a:solidFill>
-                  <a:schemeClr val="tx1"/>
-                </a:solidFill>
-                <a:latin typeface="+mn-lt"/>
-                <a:ea typeface="+mn-ea"/>
-                <a:cs typeface="+mn-cs"/>
-              </a:defRPr>
-            </a:lvl4pPr>
-            <a:lvl5pPr marL="2057400" indent="-228600" algn="l" defTabSz="914400" rtl="0" eaLnBrk="1" latinLnBrk="0" hangingPunct="1">
-              <a:lnSpc>
-                <a:spcPct val="90000"/>
-              </a:lnSpc>
-              <a:spcBef>
-                <a:spcPts val="500"/>
-              </a:spcBef>
-              <a:buFont typeface="Arial" panose="020B0604020202020204" pitchFamily="34" charset="0"/>
-              <a:buChar char="•"/>
-              <a:defRPr sz="2400" kern="1200">
-                <a:solidFill>
-                  <a:schemeClr val="tx1"/>
-                </a:solidFill>
-                <a:latin typeface="+mn-lt"/>
-                <a:ea typeface="+mn-ea"/>
-                <a:cs typeface="+mn-cs"/>
-              </a:defRPr>
-            </a:lvl5pPr>
-            <a:lvl6pPr marL="2514600" indent="-228600" algn="l" defTabSz="914400" rtl="0" eaLnBrk="1" latinLnBrk="0" hangingPunct="1">
-              <a:lnSpc>
-                <a:spcPct val="90000"/>
-              </a:lnSpc>
-              <a:spcBef>
-                <a:spcPts val="500"/>
-              </a:spcBef>
-              <a:buFont typeface="Arial" panose="020B0604020202020204" pitchFamily="34" charset="0"/>
-              <a:buChar char="•"/>
-              <a:defRPr sz="1800" kern="1200">
-                <a:solidFill>
-                  <a:schemeClr val="tx1"/>
-                </a:solidFill>
-                <a:latin typeface="+mn-lt"/>
-                <a:ea typeface="+mn-ea"/>
-                <a:cs typeface="+mn-cs"/>
-              </a:defRPr>
-            </a:lvl6pPr>
-            <a:lvl7pPr marL="2971800" indent="-228600" algn="l" defTabSz="914400" rtl="0" eaLnBrk="1" latinLnBrk="0" hangingPunct="1">
-              <a:lnSpc>
-                <a:spcPct val="90000"/>
-              </a:lnSpc>
-              <a:spcBef>
-                <a:spcPts val="500"/>
-              </a:spcBef>
-              <a:buFont typeface="Arial" panose="020B0604020202020204" pitchFamily="34" charset="0"/>
-              <a:buChar char="•"/>
-              <a:defRPr sz="1800" kern="1200">
-                <a:solidFill>
-                  <a:schemeClr val="tx1"/>
-                </a:solidFill>
-                <a:latin typeface="+mn-lt"/>
-                <a:ea typeface="+mn-ea"/>
-                <a:cs typeface="+mn-cs"/>
-              </a:defRPr>
-            </a:lvl7pPr>
-            <a:lvl8pPr marL="3429000" indent="-228600" algn="l" defTabSz="914400" rtl="0" eaLnBrk="1" latinLnBrk="0" hangingPunct="1">
-              <a:lnSpc>
-                <a:spcPct val="90000"/>
-              </a:lnSpc>
-              <a:spcBef>
-                <a:spcPts val="500"/>
-              </a:spcBef>
-              <a:buFont typeface="Arial" panose="020B0604020202020204" pitchFamily="34" charset="0"/>
-              <a:buChar char="•"/>
-              <a:defRPr sz="1800" kern="1200">
-                <a:solidFill>
-                  <a:schemeClr val="tx1"/>
-                </a:solidFill>
-                <a:latin typeface="+mn-lt"/>
-                <a:ea typeface="+mn-ea"/>
-                <a:cs typeface="+mn-cs"/>
-              </a:defRPr>
-            </a:lvl8pPr>
-            <a:lvl9pPr marL="3886200" indent="-228600" algn="l" defTabSz="914400" rtl="0" eaLnBrk="1" latinLnBrk="0" hangingPunct="1">
-              <a:lnSpc>
-                <a:spcPct val="90000"/>
-              </a:lnSpc>
-              <a:spcBef>
-                <a:spcPts val="500"/>
-              </a:spcBef>
-              <a:buFont typeface="Arial" panose="020B0604020202020204" pitchFamily="34" charset="0"/>
-              <a:buChar char="•"/>
-              <a:defRPr sz="1800" kern="1200">
-                <a:solidFill>
-                  <a:schemeClr val="tx1"/>
-                </a:solidFill>
-                <a:latin typeface="+mn-lt"/>
-                <a:ea typeface="+mn-ea"/>
-                <a:cs typeface="+mn-cs"/>
-              </a:defRPr>
-            </a:lvl9pPr>
-          </a:lstStyle>
-          <a:p>
-            <a:r>
-              <a:rPr lang="en-US" dirty="0"/>
-              <a:t>Jess Pomfret</a:t>
-            </a:r>
-          </a:p>
-          <a:p>
-            <a:endParaRPr lang="en-US" dirty="0"/>
-          </a:p>
-          <a:p>
-            <a:r>
-              <a:rPr lang="en-US" dirty="0">
-                <a:hlinkClick r:id="rId3"/>
+              <a:t>https://dbatools.io/build</a:t>
+            </a:r>
+            <a:endParaRPr lang="en-US"/>
+          </a:p>
+          <a:p>
+            <a:pPr marL="457200" lvl="1" indent="0">
+              <a:buNone/>
+            </a:pPr>
+            <a:endParaRPr lang="en-US"/>
+          </a:p>
+          <a:p>
+            <a:r>
+              <a:rPr lang="en-US"/>
+              <a:t>Other</a:t>
+            </a:r>
+          </a:p>
+          <a:p>
+            <a:pPr marL="457200" lvl="1" indent="0">
+              <a:buNone/>
+            </a:pPr>
+            <a:r>
+              <a:rPr lang="en-US">
+                <a:hlinkClick r:id="rId6"/>
               </a:rPr>
-              <a:t>jpomfret7@gmail.com</a:t>
-            </a:r>
-            <a:endParaRPr lang="en-US" dirty="0"/>
-          </a:p>
-          <a:p>
-            <a:r>
-              <a:rPr lang="en-US" dirty="0"/>
-              <a:t>@jpomfret</a:t>
-            </a:r>
-          </a:p>
-          <a:p>
-            <a:endParaRPr lang="en-US" dirty="0"/>
-          </a:p>
-          <a:p>
-            <a:r>
-              <a:rPr lang="en-US" dirty="0">
-                <a:hlinkClick r:id="rId4"/>
+              <a:t>https://dbatools.io/github</a:t>
+            </a:r>
+            <a:endParaRPr lang="en-US"/>
+          </a:p>
+          <a:p>
+            <a:pPr marL="457200" lvl="1" indent="0">
+              <a:buNone/>
+            </a:pPr>
+            <a:r>
+              <a:rPr lang="en-US">
+                <a:hlinkClick r:id="rId7"/>
               </a:rPr>
-              <a:t>www.JessPomfret.com</a:t>
-            </a:r>
-            <a:endParaRPr lang="en-US" dirty="0"/>
-          </a:p>
-          <a:p>
-            <a:r>
-              <a:rPr lang="en-US" dirty="0">
-                <a:hlinkClick r:id="rId5"/>
+              <a:t>https://dbatools.io/slack/</a:t>
+            </a:r>
+            <a:endParaRPr lang="en-US"/>
+          </a:p>
+          <a:p>
+            <a:pPr marL="457200" lvl="1" indent="0">
+              <a:buNone/>
+            </a:pPr>
+            <a:r>
+              <a:rPr lang="en-US">
+                <a:hlinkClick r:id="rId8"/>
               </a:rPr>
-              <a:t>https://github.com/jpomfret/demos/</a:t>
-            </a:r>
-            <a:endParaRPr lang="en-US" dirty="0"/>
-          </a:p>
-          <a:p>
-            <a:endParaRPr lang="en-US" dirty="0"/>
-          </a:p>
-          <a:p>
-            <a:r>
-              <a:rPr lang="en-US" dirty="0"/>
-              <a:t>Please fill out the feedback form, help me get better.</a:t>
-            </a:r>
+              <a:t>http://dbatools.io/twitter</a:t>
+            </a:r>
+            <a:r>
+              <a:rPr lang="en-US"/>
+              <a:t> - @</a:t>
+            </a:r>
+            <a:r>
+              <a:rPr lang="en-US" err="1"/>
+              <a:t>psdbatools</a:t>
+            </a:r>
+            <a:endParaRPr lang="en-US"/>
           </a:p>
         </p:txBody>
       </p:sp>
     </p:spTree>
     <p:extLst>
       <p:ext uri="{BB962C8B-B14F-4D97-AF65-F5344CB8AC3E}">
-        <p14:creationId xmlns:p14="http://schemas.microsoft.com/office/powerpoint/2010/main" val="1906721728"/>
+        <p14:creationId xmlns:p14="http://schemas.microsoft.com/office/powerpoint/2010/main" val="2378380410"/>
       </p:ext>
     </p:extLst>
   </p:cSld>
